--- a/inchon_sheet/Inchon_Process.pptx
+++ b/inchon_sheet/Inchon_Process.pptx
@@ -5,17 +5,18 @@
     <p:sldMasterId id="2147483648" r:id="rId1"/>
   </p:sldMasterIdLst>
   <p:sldIdLst>
-    <p:sldId id="256" r:id="rId2"/>
-    <p:sldId id="257" r:id="rId3"/>
-    <p:sldId id="258" r:id="rId4"/>
-    <p:sldId id="261" r:id="rId5"/>
-    <p:sldId id="262" r:id="rId6"/>
-    <p:sldId id="264" r:id="rId7"/>
-    <p:sldId id="265" r:id="rId8"/>
-    <p:sldId id="263" r:id="rId9"/>
-    <p:sldId id="266" r:id="rId10"/>
-    <p:sldId id="259" r:id="rId11"/>
-    <p:sldId id="260" r:id="rId12"/>
+    <p:sldId id="267" r:id="rId2"/>
+    <p:sldId id="256" r:id="rId3"/>
+    <p:sldId id="257" r:id="rId4"/>
+    <p:sldId id="258" r:id="rId5"/>
+    <p:sldId id="261" r:id="rId6"/>
+    <p:sldId id="262" r:id="rId7"/>
+    <p:sldId id="264" r:id="rId8"/>
+    <p:sldId id="265" r:id="rId9"/>
+    <p:sldId id="263" r:id="rId10"/>
+    <p:sldId id="266" r:id="rId11"/>
+    <p:sldId id="259" r:id="rId12"/>
+    <p:sldId id="260" r:id="rId13"/>
   </p:sldIdLst>
   <p:sldSz cx="6858000" cy="9906000" type="A4"/>
   <p:notesSz cx="6858000" cy="9144000"/>
@@ -116,7 +117,7 @@
   </p:defaultTextStyle>
   <p:extLst>
     <p:ext uri="{EFAFB233-063F-42B5-8137-9DF3F51BA10A}">
-      <p15:sldGuideLst xmlns:p15="http://schemas.microsoft.com/office/powerpoint/2012/main">
+      <p15:sldGuideLst xmlns:p15="http://schemas.microsoft.com/office/powerpoint/2012/main" xmlns="">
         <p15:guide id="1" orient="horz" pos="3120">
           <p15:clr>
             <a:srgbClr val="A4A3A4"/>
@@ -350,7 +351,7 @@
           <a:p>
             <a:fld id="{99E18105-14B8-4AA9-9381-69F785D31C16}" type="datetimeFigureOut">
               <a:rPr lang="ko-KR" altLang="en-US" smtClean="0"/>
-              <a:t>2017. 9. 26.</a:t>
+              <a:t>2017-10-09</a:t>
             </a:fld>
             <a:endParaRPr lang="ko-KR" altLang="en-US"/>
           </a:p>
@@ -520,7 +521,7 @@
           <a:p>
             <a:fld id="{99E18105-14B8-4AA9-9381-69F785D31C16}" type="datetimeFigureOut">
               <a:rPr lang="ko-KR" altLang="en-US" smtClean="0"/>
-              <a:t>2017. 9. 26.</a:t>
+              <a:t>2017-10-09</a:t>
             </a:fld>
             <a:endParaRPr lang="ko-KR" altLang="en-US"/>
           </a:p>
@@ -700,7 +701,7 @@
           <a:p>
             <a:fld id="{99E18105-14B8-4AA9-9381-69F785D31C16}" type="datetimeFigureOut">
               <a:rPr lang="ko-KR" altLang="en-US" smtClean="0"/>
-              <a:t>2017. 9. 26.</a:t>
+              <a:t>2017-10-09</a:t>
             </a:fld>
             <a:endParaRPr lang="ko-KR" altLang="en-US"/>
           </a:p>
@@ -870,7 +871,7 @@
           <a:p>
             <a:fld id="{99E18105-14B8-4AA9-9381-69F785D31C16}" type="datetimeFigureOut">
               <a:rPr lang="ko-KR" altLang="en-US" smtClean="0"/>
-              <a:t>2017. 9. 26.</a:t>
+              <a:t>2017-10-09</a:t>
             </a:fld>
             <a:endParaRPr lang="ko-KR" altLang="en-US"/>
           </a:p>
@@ -1116,7 +1117,7 @@
           <a:p>
             <a:fld id="{99E18105-14B8-4AA9-9381-69F785D31C16}" type="datetimeFigureOut">
               <a:rPr lang="ko-KR" altLang="en-US" smtClean="0"/>
-              <a:t>2017. 9. 26.</a:t>
+              <a:t>2017-10-09</a:t>
             </a:fld>
             <a:endParaRPr lang="ko-KR" altLang="en-US"/>
           </a:p>
@@ -1404,7 +1405,7 @@
           <a:p>
             <a:fld id="{99E18105-14B8-4AA9-9381-69F785D31C16}" type="datetimeFigureOut">
               <a:rPr lang="ko-KR" altLang="en-US" smtClean="0"/>
-              <a:t>2017. 9. 26.</a:t>
+              <a:t>2017-10-09</a:t>
             </a:fld>
             <a:endParaRPr lang="ko-KR" altLang="en-US"/>
           </a:p>
@@ -1826,7 +1827,7 @@
           <a:p>
             <a:fld id="{99E18105-14B8-4AA9-9381-69F785D31C16}" type="datetimeFigureOut">
               <a:rPr lang="ko-KR" altLang="en-US" smtClean="0"/>
-              <a:t>2017. 9. 26.</a:t>
+              <a:t>2017-10-09</a:t>
             </a:fld>
             <a:endParaRPr lang="ko-KR" altLang="en-US"/>
           </a:p>
@@ -1944,7 +1945,7 @@
           <a:p>
             <a:fld id="{99E18105-14B8-4AA9-9381-69F785D31C16}" type="datetimeFigureOut">
               <a:rPr lang="ko-KR" altLang="en-US" smtClean="0"/>
-              <a:t>2017. 9. 26.</a:t>
+              <a:t>2017-10-09</a:t>
             </a:fld>
             <a:endParaRPr lang="ko-KR" altLang="en-US"/>
           </a:p>
@@ -2039,7 +2040,7 @@
           <a:p>
             <a:fld id="{99E18105-14B8-4AA9-9381-69F785D31C16}" type="datetimeFigureOut">
               <a:rPr lang="ko-KR" altLang="en-US" smtClean="0"/>
-              <a:t>2017. 9. 26.</a:t>
+              <a:t>2017-10-09</a:t>
             </a:fld>
             <a:endParaRPr lang="ko-KR" altLang="en-US"/>
           </a:p>
@@ -2316,7 +2317,7 @@
           <a:p>
             <a:fld id="{99E18105-14B8-4AA9-9381-69F785D31C16}" type="datetimeFigureOut">
               <a:rPr lang="ko-KR" altLang="en-US" smtClean="0"/>
-              <a:t>2017. 9. 26.</a:t>
+              <a:t>2017-10-09</a:t>
             </a:fld>
             <a:endParaRPr lang="ko-KR" altLang="en-US"/>
           </a:p>
@@ -2569,7 +2570,7 @@
           <a:p>
             <a:fld id="{99E18105-14B8-4AA9-9381-69F785D31C16}" type="datetimeFigureOut">
               <a:rPr lang="ko-KR" altLang="en-US" smtClean="0"/>
-              <a:t>2017. 9. 26.</a:t>
+              <a:t>2017-10-09</a:t>
             </a:fld>
             <a:endParaRPr lang="ko-KR" altLang="en-US"/>
           </a:p>
@@ -2782,7 +2783,7 @@
           <a:p>
             <a:fld id="{99E18105-14B8-4AA9-9381-69F785D31C16}" type="datetimeFigureOut">
               <a:rPr lang="ko-KR" altLang="en-US" smtClean="0"/>
-              <a:t>2017. 9. 26.</a:t>
+              <a:t>2017-10-09</a:t>
             </a:fld>
             <a:endParaRPr lang="ko-KR" altLang="en-US"/>
           </a:p>
@@ -3166,7 +3167,7 @@
         <p:spPr>
           <a:xfrm>
             <a:off x="44624" y="56456"/>
-            <a:ext cx="3240360" cy="369332"/>
+            <a:ext cx="1420582" cy="369332"/>
           </a:xfrm>
           <a:prstGeom prst="rect">
             <a:avLst/>
@@ -3174,1284 +3175,93 @@
           <a:noFill/>
         </p:spPr>
         <p:txBody>
-          <a:bodyPr wrap="square" rtlCol="0">
-            <a:spAutoFit/>
-          </a:bodyPr>
-          <a:lstStyle/>
-          <a:p>
-            <a:r>
-              <a:rPr lang="ko-KR" altLang="en-US" dirty="0" smtClean="0"/>
-              <a:t>전체적인 프로세스 </a:t>
-            </a:r>
-            <a:r>
-              <a:rPr lang="ko-KR" altLang="en-US" smtClean="0"/>
-              <a:t>및 기능</a:t>
-            </a:r>
-            <a:endParaRPr lang="ko-KR" altLang="en-US" dirty="0"/>
-          </a:p>
-        </p:txBody>
-      </p:sp>
-      <p:sp>
-        <p:nvSpPr>
-          <p:cNvPr id="6" name="TextBox 5"/>
-          <p:cNvSpPr txBox="1"/>
-          <p:nvPr/>
-        </p:nvSpPr>
-        <p:spPr>
-          <a:xfrm>
-            <a:off x="50728" y="425788"/>
-            <a:ext cx="3240360" cy="10248960"/>
-          </a:xfrm>
-          <a:prstGeom prst="rect">
-            <a:avLst/>
-          </a:prstGeom>
-          <a:noFill/>
-          <a:ln>
-            <a:solidFill>
-              <a:schemeClr val="tx1"/>
-            </a:solidFill>
-          </a:ln>
-        </p:spPr>
-        <p:txBody>
-          <a:bodyPr wrap="square" rtlCol="0">
-            <a:spAutoFit/>
-          </a:bodyPr>
-          <a:lstStyle/>
-          <a:p>
-            <a:r>
-              <a:rPr lang="ko-KR" altLang="en-US" sz="1200" dirty="0" smtClean="0"/>
-              <a:t>클라이언트</a:t>
-            </a:r>
-            <a:endParaRPr lang="en-US" altLang="ko-KR" sz="1200" dirty="0" smtClean="0"/>
-          </a:p>
-          <a:p>
-            <a:pPr marL="228600" indent="-228600">
-              <a:buAutoNum type="arabicPeriod"/>
-            </a:pPr>
-            <a:r>
-              <a:rPr lang="ko-KR" altLang="en-US" sz="1200" dirty="0"/>
-              <a:t>홈</a:t>
-            </a:r>
-            <a:r>
-              <a:rPr lang="en-US" altLang="ko-KR" sz="1200" dirty="0" smtClean="0"/>
-              <a:t/>
-            </a:r>
-            <a:br>
-              <a:rPr lang="en-US" altLang="ko-KR" sz="1200" dirty="0" smtClean="0"/>
-            </a:br>
-            <a:r>
-              <a:rPr lang="en-US" altLang="ko-KR" sz="1200" dirty="0" smtClean="0"/>
-              <a:t>- </a:t>
-            </a:r>
-            <a:r>
-              <a:rPr lang="ko-KR" altLang="en-US" sz="1200" dirty="0" smtClean="0"/>
-              <a:t>소식</a:t>
-            </a:r>
-            <a:r>
-              <a:rPr lang="en-US" altLang="ko-KR" sz="1200" dirty="0" smtClean="0"/>
-              <a:t/>
-            </a:r>
-            <a:br>
-              <a:rPr lang="en-US" altLang="ko-KR" sz="1200" dirty="0" smtClean="0"/>
-            </a:br>
-            <a:r>
-              <a:rPr lang="en-US" altLang="ko-KR" sz="1200" dirty="0" smtClean="0"/>
-              <a:t>- </a:t>
-            </a:r>
-            <a:r>
-              <a:rPr lang="ko-KR" altLang="en-US" sz="1200" dirty="0" smtClean="0"/>
-              <a:t>이벤트</a:t>
-            </a:r>
-            <a:r>
-              <a:rPr lang="en-US" altLang="ko-KR" sz="1200" dirty="0" smtClean="0"/>
-              <a:t/>
-            </a:r>
-            <a:br>
-              <a:rPr lang="en-US" altLang="ko-KR" sz="1200" dirty="0" smtClean="0"/>
-            </a:br>
-            <a:r>
-              <a:rPr lang="en-US" altLang="ko-KR" sz="1200" dirty="0" smtClean="0"/>
-              <a:t>- </a:t>
-            </a:r>
-            <a:r>
-              <a:rPr lang="ko-KR" altLang="en-US" sz="1200" dirty="0" smtClean="0"/>
-              <a:t>최근 정보</a:t>
-            </a:r>
-            <a:r>
-              <a:rPr lang="en-US" altLang="ko-KR" sz="1200" dirty="0"/>
-              <a:t/>
-            </a:r>
-            <a:br>
-              <a:rPr lang="en-US" altLang="ko-KR" sz="1200" dirty="0"/>
-            </a:br>
-            <a:r>
-              <a:rPr lang="en-US" altLang="ko-KR" sz="1200" dirty="0" smtClean="0"/>
-              <a:t>- </a:t>
-            </a:r>
-            <a:r>
-              <a:rPr lang="ko-KR" altLang="en-US" sz="1200" dirty="0" smtClean="0"/>
-              <a:t>광고</a:t>
-            </a:r>
-            <a:r>
-              <a:rPr lang="en-US" altLang="ko-KR" sz="1200" dirty="0" smtClean="0"/>
-              <a:t/>
-            </a:r>
-            <a:br>
-              <a:rPr lang="en-US" altLang="ko-KR" sz="1200" dirty="0" smtClean="0"/>
-            </a:br>
-            <a:r>
-              <a:rPr lang="en-US" altLang="ko-KR" sz="1200" dirty="0" smtClean="0"/>
-              <a:t>- </a:t>
-            </a:r>
-            <a:r>
-              <a:rPr lang="ko-KR" altLang="en-US" sz="1200" dirty="0" err="1" smtClean="0"/>
-              <a:t>퀵메뉴</a:t>
-            </a:r>
-            <a:r>
-              <a:rPr lang="en-US" altLang="ko-KR" sz="1200" dirty="0" smtClean="0"/>
-              <a:t/>
-            </a:r>
-            <a:br>
-              <a:rPr lang="en-US" altLang="ko-KR" sz="1200" dirty="0" smtClean="0"/>
-            </a:br>
-            <a:r>
-              <a:rPr lang="en-US" altLang="ko-KR" sz="1200" dirty="0" smtClean="0"/>
-              <a:t>- </a:t>
-            </a:r>
-            <a:r>
-              <a:rPr lang="ko-KR" altLang="en-US" sz="1200" dirty="0" smtClean="0"/>
-              <a:t>하단 회사정보 잠깐 </a:t>
-            </a:r>
-            <a:r>
-              <a:rPr lang="ko-KR" altLang="en-US" sz="1200" dirty="0" err="1" smtClean="0"/>
-              <a:t>ㅎ</a:t>
-            </a:r>
-            <a:endParaRPr lang="en-US" altLang="ko-KR" sz="1200" dirty="0" smtClean="0"/>
-          </a:p>
-          <a:p>
-            <a:pPr marL="228600" indent="-228600">
-              <a:buAutoNum type="arabicPeriod"/>
-            </a:pPr>
-            <a:r>
-              <a:rPr lang="ko-KR" altLang="en-US" sz="1200" dirty="0" smtClean="0"/>
-              <a:t>추천</a:t>
-            </a:r>
-            <a:r>
-              <a:rPr lang="en-US" altLang="ko-KR" sz="1200" dirty="0"/>
-              <a:t/>
-            </a:r>
-            <a:br>
-              <a:rPr lang="en-US" altLang="ko-KR" sz="1200" dirty="0"/>
-            </a:br>
-            <a:r>
-              <a:rPr lang="en-US" altLang="ko-KR" sz="1200" dirty="0" smtClean="0"/>
-              <a:t>- </a:t>
-            </a:r>
-            <a:r>
-              <a:rPr lang="ko-KR" altLang="en-US" sz="1200" dirty="0" smtClean="0"/>
-              <a:t>대 카테고리 선택</a:t>
-            </a:r>
-            <a:r>
-              <a:rPr lang="en-US" altLang="ko-KR" sz="1200" dirty="0" smtClean="0"/>
-              <a:t/>
-            </a:r>
-            <a:br>
-              <a:rPr lang="en-US" altLang="ko-KR" sz="1200" dirty="0" smtClean="0"/>
-            </a:br>
-            <a:r>
-              <a:rPr lang="en-US" altLang="ko-KR" sz="1200" dirty="0" smtClean="0"/>
-              <a:t>- </a:t>
-            </a:r>
-            <a:r>
-              <a:rPr lang="ko-KR" altLang="en-US" sz="1200" dirty="0" smtClean="0"/>
-              <a:t>중 카테고리 선택</a:t>
-            </a:r>
-            <a:r>
-              <a:rPr lang="en-US" altLang="ko-KR" sz="1200" dirty="0" smtClean="0"/>
-              <a:t/>
-            </a:r>
-            <a:br>
-              <a:rPr lang="en-US" altLang="ko-KR" sz="1200" dirty="0" smtClean="0"/>
-            </a:br>
-            <a:r>
-              <a:rPr lang="en-US" altLang="ko-KR" sz="1200" dirty="0" smtClean="0"/>
-              <a:t>- </a:t>
-            </a:r>
-            <a:r>
-              <a:rPr lang="ko-KR" altLang="en-US" sz="1200" dirty="0" smtClean="0"/>
-              <a:t>소 카테고리 선택</a:t>
-            </a:r>
-            <a:r>
-              <a:rPr lang="en-US" altLang="ko-KR" sz="1200" dirty="0" smtClean="0"/>
-              <a:t/>
-            </a:r>
-            <a:br>
-              <a:rPr lang="en-US" altLang="ko-KR" sz="1200" dirty="0" smtClean="0"/>
-            </a:br>
-            <a:r>
-              <a:rPr lang="en-US" altLang="ko-KR" sz="1200" dirty="0" smtClean="0"/>
-              <a:t>- </a:t>
-            </a:r>
-            <a:r>
-              <a:rPr lang="ko-KR" altLang="en-US" sz="1200" dirty="0" smtClean="0"/>
-              <a:t>검색 결과 리스트 출력</a:t>
-            </a:r>
-            <a:r>
-              <a:rPr lang="en-US" altLang="ko-KR" sz="1200" dirty="0" smtClean="0"/>
-              <a:t/>
-            </a:r>
-            <a:br>
-              <a:rPr lang="en-US" altLang="ko-KR" sz="1200" dirty="0" smtClean="0"/>
-            </a:br>
-            <a:r>
-              <a:rPr lang="en-US" altLang="ko-KR" sz="1200" dirty="0" smtClean="0"/>
-              <a:t>- </a:t>
-            </a:r>
-            <a:r>
-              <a:rPr lang="ko-KR" altLang="en-US" sz="1200" dirty="0" smtClean="0"/>
-              <a:t>검색 결과 필터 설정</a:t>
-            </a:r>
-            <a:r>
-              <a:rPr lang="en-US" altLang="ko-KR" sz="1200" dirty="0" smtClean="0"/>
-              <a:t/>
-            </a:r>
-            <a:br>
-              <a:rPr lang="en-US" altLang="ko-KR" sz="1200" dirty="0" smtClean="0"/>
-            </a:br>
-            <a:r>
-              <a:rPr lang="en-US" altLang="ko-KR" sz="1200" dirty="0" smtClean="0"/>
-              <a:t>	- </a:t>
-            </a:r>
-            <a:r>
-              <a:rPr lang="ko-KR" altLang="en-US" sz="1200" dirty="0" smtClean="0"/>
-              <a:t>인기순</a:t>
-            </a:r>
-            <a:r>
-              <a:rPr lang="en-US" altLang="ko-KR" sz="1200" dirty="0"/>
-              <a:t/>
-            </a:r>
-            <a:br>
-              <a:rPr lang="en-US" altLang="ko-KR" sz="1200" dirty="0"/>
-            </a:br>
-            <a:r>
-              <a:rPr lang="en-US" altLang="ko-KR" sz="1200" dirty="0" smtClean="0"/>
-              <a:t>	- </a:t>
-            </a:r>
-            <a:r>
-              <a:rPr lang="ko-KR" altLang="en-US" sz="1200" dirty="0" err="1" smtClean="0"/>
-              <a:t>거리순</a:t>
-            </a:r>
-            <a:r>
-              <a:rPr lang="en-US" altLang="ko-KR" sz="1200" dirty="0" smtClean="0"/>
-              <a:t/>
-            </a:r>
-            <a:br>
-              <a:rPr lang="en-US" altLang="ko-KR" sz="1200" dirty="0" smtClean="0"/>
-            </a:br>
-            <a:r>
-              <a:rPr lang="en-US" altLang="ko-KR" sz="1200" dirty="0" smtClean="0"/>
-              <a:t>	- </a:t>
-            </a:r>
-            <a:r>
-              <a:rPr lang="ko-KR" altLang="en-US" sz="1200" dirty="0" err="1" smtClean="0"/>
-              <a:t>최신순</a:t>
-            </a:r>
-            <a:r>
-              <a:rPr lang="en-US" altLang="ko-KR" sz="1200" dirty="0" smtClean="0"/>
-              <a:t/>
-            </a:r>
-            <a:br>
-              <a:rPr lang="en-US" altLang="ko-KR" sz="1200" dirty="0" smtClean="0"/>
-            </a:br>
-            <a:r>
-              <a:rPr lang="en-US" altLang="ko-KR" sz="1200" dirty="0" smtClean="0"/>
-              <a:t>- </a:t>
-            </a:r>
-            <a:r>
-              <a:rPr lang="ko-KR" altLang="en-US" sz="1200" dirty="0" smtClean="0"/>
-              <a:t>검색 세부사항 조회</a:t>
-            </a:r>
-            <a:r>
-              <a:rPr lang="en-US" altLang="ko-KR" sz="1200" dirty="0"/>
-              <a:t/>
-            </a:r>
-            <a:br>
-              <a:rPr lang="en-US" altLang="ko-KR" sz="1200" dirty="0"/>
-            </a:br>
-            <a:r>
-              <a:rPr lang="en-US" altLang="ko-KR" sz="1200" dirty="0" smtClean="0"/>
-              <a:t>	- </a:t>
-            </a:r>
-            <a:r>
-              <a:rPr lang="ko-KR" altLang="en-US" sz="1200" dirty="0" smtClean="0"/>
-              <a:t>각 항목에 해당하는 세부</a:t>
-            </a:r>
-            <a:r>
-              <a:rPr lang="en-US" altLang="ko-KR" sz="1200" dirty="0" smtClean="0"/>
-              <a:t/>
-            </a:r>
-            <a:br>
-              <a:rPr lang="en-US" altLang="ko-KR" sz="1200" dirty="0" smtClean="0"/>
-            </a:br>
-            <a:r>
-              <a:rPr lang="en-US" altLang="ko-KR" sz="1200" dirty="0" smtClean="0"/>
-              <a:t>	  </a:t>
-            </a:r>
-            <a:r>
-              <a:rPr lang="ko-KR" altLang="en-US" sz="1200" dirty="0" smtClean="0"/>
-              <a:t>정보 출력</a:t>
-            </a:r>
-            <a:r>
-              <a:rPr lang="en-US" altLang="ko-KR" sz="1200" dirty="0" smtClean="0"/>
-              <a:t/>
-            </a:r>
-            <a:br>
-              <a:rPr lang="en-US" altLang="ko-KR" sz="1200" dirty="0" smtClean="0"/>
-            </a:br>
-            <a:r>
-              <a:rPr lang="en-US" altLang="ko-KR" sz="1200" dirty="0" smtClean="0"/>
-              <a:t>		- </a:t>
-            </a:r>
-            <a:r>
-              <a:rPr lang="ko-KR" altLang="en-US" sz="1200" dirty="0" smtClean="0"/>
-              <a:t>텍스트</a:t>
-            </a:r>
-            <a:r>
-              <a:rPr lang="en-US" altLang="ko-KR" sz="1200" dirty="0" smtClean="0"/>
-              <a:t/>
-            </a:r>
-            <a:br>
-              <a:rPr lang="en-US" altLang="ko-KR" sz="1200" dirty="0" smtClean="0"/>
-            </a:br>
-            <a:r>
-              <a:rPr lang="en-US" altLang="ko-KR" sz="1200" dirty="0" smtClean="0"/>
-              <a:t>		- </a:t>
-            </a:r>
-            <a:r>
-              <a:rPr lang="ko-KR" altLang="en-US" sz="1200" dirty="0" smtClean="0"/>
-              <a:t>이미지</a:t>
-            </a:r>
-            <a:r>
-              <a:rPr lang="en-US" altLang="ko-KR" sz="1200" dirty="0" smtClean="0"/>
-              <a:t/>
-            </a:r>
-            <a:br>
-              <a:rPr lang="en-US" altLang="ko-KR" sz="1200" dirty="0" smtClean="0"/>
-            </a:br>
-            <a:r>
-              <a:rPr lang="en-US" altLang="ko-KR" sz="1200" dirty="0" smtClean="0"/>
-              <a:t>		- </a:t>
-            </a:r>
-            <a:r>
-              <a:rPr lang="ko-KR" altLang="en-US" sz="1200" dirty="0" err="1" smtClean="0"/>
-              <a:t>구글</a:t>
-            </a:r>
-            <a:r>
-              <a:rPr lang="ko-KR" altLang="en-US" sz="1200" dirty="0" smtClean="0"/>
-              <a:t> </a:t>
-            </a:r>
-            <a:r>
-              <a:rPr lang="ko-KR" altLang="en-US" sz="1200" dirty="0" err="1" smtClean="0"/>
-              <a:t>맵</a:t>
-            </a:r>
-            <a:r>
-              <a:rPr lang="en-US" altLang="ko-KR" sz="1200" dirty="0"/>
-              <a:t/>
-            </a:r>
-            <a:br>
-              <a:rPr lang="en-US" altLang="ko-KR" sz="1200" dirty="0"/>
-            </a:br>
-            <a:r>
-              <a:rPr lang="en-US" altLang="ko-KR" sz="1200" dirty="0" smtClean="0"/>
-              <a:t>	- </a:t>
-            </a:r>
-            <a:r>
-              <a:rPr lang="ko-KR" altLang="en-US" sz="1200" dirty="0" smtClean="0"/>
-              <a:t>이후 많이 가는 추천장소</a:t>
-            </a:r>
-            <a:r>
-              <a:rPr lang="en-US" altLang="ko-KR" sz="1200" dirty="0" smtClean="0"/>
-              <a:t/>
-            </a:r>
-            <a:br>
-              <a:rPr lang="en-US" altLang="ko-KR" sz="1200" dirty="0" smtClean="0"/>
-            </a:br>
-            <a:r>
-              <a:rPr lang="en-US" altLang="ko-KR" sz="1200" dirty="0" smtClean="0"/>
-              <a:t>	  </a:t>
-            </a:r>
-            <a:r>
-              <a:rPr lang="ko-KR" altLang="en-US" sz="1200" dirty="0" smtClean="0"/>
-              <a:t>리스트 보여주기</a:t>
-            </a:r>
-            <a:r>
-              <a:rPr lang="en-US" altLang="ko-KR" sz="1200" dirty="0"/>
-              <a:t/>
-            </a:r>
-            <a:br>
-              <a:rPr lang="en-US" altLang="ko-KR" sz="1200" dirty="0"/>
-            </a:br>
-            <a:r>
-              <a:rPr lang="en-US" altLang="ko-KR" sz="1200" dirty="0" smtClean="0"/>
-              <a:t>	- </a:t>
-            </a:r>
-            <a:r>
-              <a:rPr lang="ko-KR" altLang="en-US" sz="1200" dirty="0" smtClean="0"/>
-              <a:t>해당 추천장소 정보 표시</a:t>
-            </a:r>
-            <a:r>
-              <a:rPr lang="en-US" altLang="ko-KR" sz="1200" dirty="0" smtClean="0"/>
-              <a:t/>
-            </a:r>
-            <a:br>
-              <a:rPr lang="en-US" altLang="ko-KR" sz="1200" dirty="0" smtClean="0"/>
-            </a:br>
-            <a:r>
-              <a:rPr lang="en-US" altLang="ko-KR" sz="1200" dirty="0" smtClean="0"/>
-              <a:t>	  (</a:t>
-            </a:r>
-            <a:r>
-              <a:rPr lang="ko-KR" altLang="en-US" sz="1200" dirty="0" smtClean="0"/>
-              <a:t>누적 보여주기</a:t>
-            </a:r>
-            <a:r>
-              <a:rPr lang="en-US" altLang="ko-KR" sz="1200" dirty="0" smtClean="0"/>
-              <a:t>)</a:t>
-            </a:r>
-            <a:br>
-              <a:rPr lang="en-US" altLang="ko-KR" sz="1200" dirty="0" smtClean="0"/>
-            </a:br>
-            <a:r>
-              <a:rPr lang="en-US" altLang="ko-KR" sz="1200" dirty="0" smtClean="0"/>
-              <a:t>- </a:t>
-            </a:r>
-            <a:r>
-              <a:rPr lang="ko-KR" altLang="en-US" sz="1200" dirty="0" smtClean="0"/>
-              <a:t>추천 장소 저장 기능</a:t>
-            </a:r>
-            <a:r>
-              <a:rPr lang="en-US" altLang="ko-KR" sz="1200" dirty="0" smtClean="0"/>
-              <a:t/>
-            </a:r>
-            <a:br>
-              <a:rPr lang="en-US" altLang="ko-KR" sz="1200" dirty="0" smtClean="0"/>
-            </a:br>
-            <a:r>
-              <a:rPr lang="en-US" altLang="ko-KR" sz="1200" dirty="0" smtClean="0"/>
-              <a:t>- </a:t>
-            </a:r>
-            <a:r>
-              <a:rPr lang="ko-KR" altLang="en-US" sz="1200" dirty="0" smtClean="0"/>
-              <a:t>추천 장소 </a:t>
-            </a:r>
-            <a:r>
-              <a:rPr lang="ko-KR" altLang="en-US" sz="1200" dirty="0" err="1" smtClean="0"/>
-              <a:t>댓글</a:t>
-            </a:r>
-            <a:r>
-              <a:rPr lang="ko-KR" altLang="en-US" sz="1200" dirty="0" smtClean="0"/>
-              <a:t> 기능</a:t>
-            </a:r>
-            <a:r>
-              <a:rPr lang="en-US" altLang="ko-KR" sz="1200" dirty="0" smtClean="0"/>
-              <a:t>(-)</a:t>
-            </a:r>
-            <a:br>
-              <a:rPr lang="en-US" altLang="ko-KR" sz="1200" dirty="0" smtClean="0"/>
-            </a:br>
-            <a:r>
-              <a:rPr lang="en-US" altLang="ko-KR" sz="1200" dirty="0" smtClean="0"/>
-              <a:t>- </a:t>
-            </a:r>
-            <a:r>
-              <a:rPr lang="ko-KR" altLang="en-US" sz="1200" dirty="0" smtClean="0"/>
-              <a:t>추천 장소와 </a:t>
-            </a:r>
-            <a:r>
-              <a:rPr lang="ko-KR" altLang="en-US" sz="1200" dirty="0" err="1" smtClean="0"/>
-              <a:t>비슷한곳</a:t>
-            </a:r>
-            <a:r>
-              <a:rPr lang="en-US" altLang="ko-KR" sz="1200" dirty="0" smtClean="0"/>
-              <a:t/>
-            </a:r>
-            <a:br>
-              <a:rPr lang="en-US" altLang="ko-KR" sz="1200" dirty="0" smtClean="0"/>
-            </a:br>
-            <a:r>
-              <a:rPr lang="en-US" altLang="ko-KR" sz="1200" dirty="0" smtClean="0"/>
-              <a:t>- </a:t>
-            </a:r>
-            <a:r>
-              <a:rPr lang="ko-KR" altLang="en-US" sz="1200" dirty="0" smtClean="0"/>
-              <a:t>추천 장소 이후에 많이 </a:t>
-            </a:r>
-            <a:r>
-              <a:rPr lang="ko-KR" altLang="en-US" sz="1200" dirty="0" err="1" smtClean="0"/>
-              <a:t>가는곳</a:t>
-            </a:r>
-            <a:endParaRPr lang="en-US" altLang="ko-KR" sz="1200" dirty="0" smtClean="0"/>
-          </a:p>
-          <a:p>
-            <a:pPr marL="228600" indent="-228600">
-              <a:buAutoNum type="arabicPeriod"/>
-            </a:pPr>
-            <a:r>
-              <a:rPr lang="ko-KR" altLang="en-US" sz="1200" dirty="0" smtClean="0"/>
-              <a:t>칼럼</a:t>
-            </a:r>
-            <a:r>
-              <a:rPr lang="en-US" altLang="ko-KR" sz="1200" dirty="0"/>
-              <a:t/>
-            </a:r>
-            <a:br>
-              <a:rPr lang="en-US" altLang="ko-KR" sz="1200" dirty="0"/>
-            </a:br>
-            <a:r>
-              <a:rPr lang="en-US" altLang="ko-KR" sz="1200" dirty="0" smtClean="0"/>
-              <a:t>- </a:t>
-            </a:r>
-            <a:r>
-              <a:rPr lang="ko-KR" altLang="en-US" sz="1200" dirty="0" smtClean="0"/>
-              <a:t>칼럼 리스트 표시</a:t>
-            </a:r>
-            <a:r>
-              <a:rPr lang="en-US" altLang="ko-KR" sz="1200" dirty="0" smtClean="0"/>
-              <a:t/>
-            </a:r>
-            <a:br>
-              <a:rPr lang="en-US" altLang="ko-KR" sz="1200" dirty="0" smtClean="0"/>
-            </a:br>
-            <a:r>
-              <a:rPr lang="en-US" altLang="ko-KR" sz="1200" dirty="0" smtClean="0"/>
-              <a:t>	- </a:t>
-            </a:r>
-            <a:r>
-              <a:rPr lang="ko-KR" altLang="en-US" sz="1200" dirty="0" err="1" smtClean="0"/>
-              <a:t>썸네일</a:t>
-            </a:r>
-            <a:r>
-              <a:rPr lang="ko-KR" altLang="en-US" sz="1200" dirty="0" smtClean="0"/>
-              <a:t> 및 텍스트만 표시</a:t>
-            </a:r>
-            <a:r>
-              <a:rPr lang="en-US" altLang="ko-KR" sz="1200" dirty="0" smtClean="0"/>
-              <a:t/>
-            </a:r>
-            <a:br>
-              <a:rPr lang="en-US" altLang="ko-KR" sz="1200" dirty="0" smtClean="0"/>
-            </a:br>
-            <a:r>
-              <a:rPr lang="en-US" altLang="ko-KR" sz="1200" dirty="0" smtClean="0"/>
-              <a:t>- </a:t>
-            </a:r>
-            <a:r>
-              <a:rPr lang="ko-KR" altLang="en-US" sz="1200" dirty="0" smtClean="0"/>
-              <a:t>칼럼 상단 이벤트 이미지 </a:t>
-            </a:r>
-            <a:r>
-              <a:rPr lang="ko-KR" altLang="en-US" sz="1200" dirty="0" err="1" smtClean="0"/>
-              <a:t>뷰플리퍼</a:t>
-            </a:r>
-            <a:r>
-              <a:rPr lang="en-US" altLang="ko-KR" sz="1200" dirty="0" smtClean="0"/>
-              <a:t/>
-            </a:r>
-            <a:br>
-              <a:rPr lang="en-US" altLang="ko-KR" sz="1200" dirty="0" smtClean="0"/>
-            </a:br>
-            <a:r>
-              <a:rPr lang="en-US" altLang="ko-KR" sz="1200" dirty="0" smtClean="0"/>
-              <a:t>- </a:t>
-            </a:r>
-            <a:r>
-              <a:rPr lang="ko-KR" altLang="en-US" sz="1200" dirty="0" smtClean="0"/>
-              <a:t>이벤트 선택 시 해당 웹으로 </a:t>
-            </a:r>
-            <a:r>
-              <a:rPr lang="en-US" altLang="ko-KR" sz="1200" dirty="0" smtClean="0"/>
-              <a:t>Intent</a:t>
-            </a:r>
-            <a:br>
-              <a:rPr lang="en-US" altLang="ko-KR" sz="1200" dirty="0" smtClean="0"/>
-            </a:br>
-            <a:r>
-              <a:rPr lang="en-US" altLang="ko-KR" sz="1200" dirty="0" smtClean="0"/>
-              <a:t>- </a:t>
-            </a:r>
-            <a:r>
-              <a:rPr lang="ko-KR" altLang="en-US" sz="1200" dirty="0" smtClean="0"/>
-              <a:t>칼럼 세부 표시</a:t>
-            </a:r>
-            <a:r>
-              <a:rPr lang="en-US" altLang="ko-KR" sz="1200" dirty="0" smtClean="0"/>
-              <a:t/>
-            </a:r>
-            <a:br>
-              <a:rPr lang="en-US" altLang="ko-KR" sz="1200" dirty="0" smtClean="0"/>
-            </a:br>
-            <a:r>
-              <a:rPr lang="en-US" altLang="ko-KR" sz="1200" dirty="0" smtClean="0"/>
-              <a:t>	- </a:t>
-            </a:r>
-            <a:r>
-              <a:rPr lang="ko-KR" altLang="en-US" sz="1200" dirty="0" smtClean="0"/>
-              <a:t>텍스트</a:t>
-            </a:r>
-            <a:r>
-              <a:rPr lang="en-US" altLang="ko-KR" sz="1200" dirty="0" smtClean="0"/>
-              <a:t/>
-            </a:r>
-            <a:br>
-              <a:rPr lang="en-US" altLang="ko-KR" sz="1200" dirty="0" smtClean="0"/>
-            </a:br>
-            <a:r>
-              <a:rPr lang="en-US" altLang="ko-KR" sz="1200" dirty="0" smtClean="0"/>
-              <a:t>	- </a:t>
-            </a:r>
-            <a:r>
-              <a:rPr lang="ko-KR" altLang="en-US" sz="1200" dirty="0" smtClean="0"/>
-              <a:t>이미지</a:t>
-            </a:r>
-            <a:r>
-              <a:rPr lang="en-US" altLang="ko-KR" sz="1200" dirty="0"/>
-              <a:t/>
-            </a:r>
-            <a:br>
-              <a:rPr lang="en-US" altLang="ko-KR" sz="1200" dirty="0"/>
-            </a:br>
-            <a:r>
-              <a:rPr lang="en-US" altLang="ko-KR" sz="1200" dirty="0" smtClean="0"/>
-              <a:t>	- </a:t>
-            </a:r>
-            <a:r>
-              <a:rPr lang="ko-KR" altLang="en-US" sz="1200" dirty="0" smtClean="0"/>
-              <a:t>동영상</a:t>
-            </a:r>
-            <a:r>
-              <a:rPr lang="en-US" altLang="ko-KR" sz="1200" dirty="0"/>
-              <a:t/>
-            </a:r>
-            <a:br>
-              <a:rPr lang="en-US" altLang="ko-KR" sz="1200" dirty="0"/>
-            </a:br>
-            <a:r>
-              <a:rPr lang="en-US" altLang="ko-KR" sz="1200" dirty="0" smtClean="0"/>
-              <a:t>- </a:t>
-            </a:r>
-            <a:r>
-              <a:rPr lang="ko-KR" altLang="en-US" sz="1200" dirty="0" smtClean="0"/>
-              <a:t>칼럼 저장 기능</a:t>
-            </a:r>
-            <a:r>
-              <a:rPr lang="en-US" altLang="ko-KR" sz="1200" dirty="0" smtClean="0"/>
-              <a:t/>
-            </a:r>
-            <a:br>
-              <a:rPr lang="en-US" altLang="ko-KR" sz="1200" dirty="0" smtClean="0"/>
-            </a:br>
-            <a:r>
-              <a:rPr lang="en-US" altLang="ko-KR" sz="1200" dirty="0" smtClean="0"/>
-              <a:t>- </a:t>
-            </a:r>
-            <a:r>
-              <a:rPr lang="ko-KR" altLang="en-US" sz="1200" dirty="0" err="1" smtClean="0"/>
-              <a:t>댓글</a:t>
-            </a:r>
-            <a:r>
-              <a:rPr lang="ko-KR" altLang="en-US" sz="1200" dirty="0" smtClean="0"/>
-              <a:t> 작성 기능</a:t>
-            </a:r>
-            <a:r>
-              <a:rPr lang="en-US" altLang="ko-KR" sz="1200" dirty="0"/>
-              <a:t/>
-            </a:r>
-            <a:br>
-              <a:rPr lang="en-US" altLang="ko-KR" sz="1200" dirty="0"/>
-            </a:br>
-            <a:r>
-              <a:rPr lang="en-US" altLang="ko-KR" sz="1200" dirty="0" smtClean="0"/>
-              <a:t>- </a:t>
-            </a:r>
-            <a:r>
-              <a:rPr lang="ko-KR" altLang="en-US" sz="1200" dirty="0" err="1" smtClean="0"/>
-              <a:t>리댓글</a:t>
-            </a:r>
-            <a:r>
-              <a:rPr lang="ko-KR" altLang="en-US" sz="1200" dirty="0" smtClean="0"/>
-              <a:t> 작성 기능</a:t>
-            </a:r>
-            <a:r>
-              <a:rPr lang="en-US" altLang="ko-KR" sz="1200" dirty="0" smtClean="0"/>
-              <a:t/>
-            </a:r>
-            <a:br>
-              <a:rPr lang="en-US" altLang="ko-KR" sz="1200" dirty="0" smtClean="0"/>
-            </a:br>
-            <a:r>
-              <a:rPr lang="en-US" altLang="ko-KR" sz="1200" dirty="0" smtClean="0"/>
-              <a:t>- </a:t>
-            </a:r>
-            <a:r>
-              <a:rPr lang="ko-KR" altLang="en-US" sz="1200" dirty="0" smtClean="0"/>
-              <a:t>칼럼 </a:t>
-            </a:r>
-            <a:r>
-              <a:rPr lang="ko-KR" altLang="en-US" sz="1200" dirty="0" err="1" smtClean="0"/>
-              <a:t>뷰</a:t>
-            </a:r>
-            <a:r>
-              <a:rPr lang="ko-KR" altLang="en-US" sz="1200" dirty="0" smtClean="0"/>
-              <a:t> 카운트 기능</a:t>
-            </a:r>
-            <a:endParaRPr lang="en-US" altLang="ko-KR" sz="1200" dirty="0" smtClean="0"/>
-          </a:p>
-          <a:p>
-            <a:pPr marL="228600" indent="-228600">
-              <a:buAutoNum type="arabicPeriod"/>
-            </a:pPr>
-            <a:r>
-              <a:rPr lang="ko-KR" altLang="en-US" sz="1200" dirty="0" err="1" smtClean="0"/>
-              <a:t>내정보</a:t>
-            </a:r>
-            <a:r>
-              <a:rPr lang="en-US" altLang="ko-KR" sz="1200" dirty="0" smtClean="0"/>
-              <a:t/>
-            </a:r>
-            <a:br>
-              <a:rPr lang="en-US" altLang="ko-KR" sz="1200" dirty="0" smtClean="0"/>
-            </a:br>
-            <a:r>
-              <a:rPr lang="en-US" altLang="ko-KR" sz="1200" dirty="0" smtClean="0"/>
-              <a:t>- </a:t>
-            </a:r>
-            <a:r>
-              <a:rPr lang="ko-KR" altLang="en-US" sz="1200" dirty="0" smtClean="0"/>
-              <a:t>로그인 로그아웃</a:t>
-            </a:r>
-            <a:r>
-              <a:rPr lang="en-US" altLang="ko-KR" sz="1200" dirty="0" smtClean="0"/>
-              <a:t/>
-            </a:r>
-            <a:br>
-              <a:rPr lang="en-US" altLang="ko-KR" sz="1200" dirty="0" smtClean="0"/>
-            </a:br>
-            <a:r>
-              <a:rPr lang="en-US" altLang="ko-KR" sz="1200" dirty="0" smtClean="0"/>
-              <a:t>- </a:t>
-            </a:r>
-            <a:r>
-              <a:rPr lang="ko-KR" altLang="en-US" sz="1200" dirty="0" smtClean="0"/>
-              <a:t>설정</a:t>
-            </a:r>
-            <a:r>
-              <a:rPr lang="en-US" altLang="ko-KR" sz="1200" dirty="0" smtClean="0"/>
-              <a:t/>
-            </a:r>
-            <a:br>
-              <a:rPr lang="en-US" altLang="ko-KR" sz="1200" dirty="0" smtClean="0"/>
-            </a:br>
-            <a:r>
-              <a:rPr lang="en-US" altLang="ko-KR" sz="1200" dirty="0" smtClean="0"/>
-              <a:t>	- </a:t>
-            </a:r>
-            <a:r>
-              <a:rPr lang="ko-KR" altLang="en-US" sz="1200" dirty="0" err="1" smtClean="0"/>
-              <a:t>알람창</a:t>
-            </a:r>
-            <a:r>
-              <a:rPr lang="ko-KR" altLang="en-US" sz="1200" dirty="0" smtClean="0"/>
-              <a:t> 설정</a:t>
-            </a:r>
-            <a:r>
-              <a:rPr lang="en-US" altLang="ko-KR" sz="1200" dirty="0" smtClean="0"/>
-              <a:t/>
-            </a:r>
-            <a:br>
-              <a:rPr lang="en-US" altLang="ko-KR" sz="1200" dirty="0" smtClean="0"/>
-            </a:br>
-            <a:r>
-              <a:rPr lang="en-US" altLang="ko-KR" sz="1200" dirty="0" smtClean="0"/>
-              <a:t>	- </a:t>
-            </a:r>
-            <a:r>
-              <a:rPr lang="ko-KR" altLang="en-US" sz="1200" dirty="0" smtClean="0"/>
-              <a:t>이용약관</a:t>
-            </a:r>
-            <a:r>
-              <a:rPr lang="en-US" altLang="ko-KR" sz="1200" dirty="0" smtClean="0"/>
-              <a:t/>
-            </a:r>
-            <a:br>
-              <a:rPr lang="en-US" altLang="ko-KR" sz="1200" dirty="0" smtClean="0"/>
-            </a:br>
-            <a:r>
-              <a:rPr lang="en-US" altLang="ko-KR" sz="1200" dirty="0" smtClean="0"/>
-              <a:t>	- </a:t>
-            </a:r>
-            <a:r>
-              <a:rPr lang="ko-KR" altLang="en-US" sz="1200" dirty="0" smtClean="0"/>
-              <a:t>문의하기</a:t>
-            </a:r>
-            <a:r>
-              <a:rPr lang="en-US" altLang="ko-KR" sz="1200" dirty="0" smtClean="0"/>
-              <a:t/>
-            </a:r>
-            <a:br>
-              <a:rPr lang="en-US" altLang="ko-KR" sz="1200" dirty="0" smtClean="0"/>
-            </a:br>
-            <a:r>
-              <a:rPr lang="en-US" altLang="ko-KR" sz="1200" dirty="0" smtClean="0"/>
-              <a:t>	- </a:t>
-            </a:r>
-            <a:r>
-              <a:rPr lang="ko-KR" altLang="en-US" sz="1200" dirty="0" smtClean="0"/>
-              <a:t>회사정보</a:t>
-            </a:r>
-            <a:r>
-              <a:rPr lang="en-US" altLang="ko-KR" sz="1200" dirty="0" smtClean="0"/>
-              <a:t/>
-            </a:r>
-            <a:br>
-              <a:rPr lang="en-US" altLang="ko-KR" sz="1200" dirty="0" smtClean="0"/>
-            </a:br>
-            <a:r>
-              <a:rPr lang="en-US" altLang="ko-KR" sz="1200" dirty="0" smtClean="0"/>
-              <a:t>- </a:t>
-            </a:r>
-            <a:r>
-              <a:rPr lang="ko-KR" altLang="en-US" sz="1200" dirty="0" smtClean="0"/>
-              <a:t>이벤트 리스트</a:t>
-            </a:r>
-            <a:r>
-              <a:rPr lang="en-US" altLang="ko-KR" sz="1200" dirty="0" smtClean="0"/>
-              <a:t/>
-            </a:r>
-            <a:br>
-              <a:rPr lang="en-US" altLang="ko-KR" sz="1200" dirty="0" smtClean="0"/>
-            </a:br>
-            <a:r>
-              <a:rPr lang="en-US" altLang="ko-KR" sz="1200" dirty="0" smtClean="0"/>
-              <a:t>- </a:t>
-            </a:r>
-            <a:r>
-              <a:rPr lang="ko-KR" altLang="en-US" sz="1200" dirty="0" smtClean="0"/>
-              <a:t>공지사항 리스트</a:t>
-            </a:r>
-            <a:r>
-              <a:rPr lang="en-US" altLang="ko-KR" sz="1200" dirty="0" smtClean="0"/>
-              <a:t/>
-            </a:r>
-            <a:br>
-              <a:rPr lang="en-US" altLang="ko-KR" sz="1200" dirty="0" smtClean="0"/>
-            </a:br>
-            <a:r>
-              <a:rPr lang="en-US" altLang="ko-KR" sz="1200" dirty="0" smtClean="0"/>
-              <a:t>- </a:t>
-            </a:r>
-            <a:r>
-              <a:rPr lang="ko-KR" altLang="en-US" sz="1200" dirty="0" err="1" smtClean="0"/>
-              <a:t>앱</a:t>
-            </a:r>
-            <a:r>
-              <a:rPr lang="ko-KR" altLang="en-US" sz="1200" dirty="0" smtClean="0"/>
-              <a:t> 정보</a:t>
-            </a:r>
-            <a:endParaRPr lang="en-US" altLang="ko-KR" sz="1200" dirty="0" smtClean="0"/>
-          </a:p>
-          <a:p>
-            <a:endParaRPr lang="ko-KR" altLang="en-US" sz="1200" dirty="0"/>
-          </a:p>
-        </p:txBody>
-      </p:sp>
-      <p:sp>
-        <p:nvSpPr>
-          <p:cNvPr id="7" name="TextBox 6"/>
-          <p:cNvSpPr txBox="1"/>
-          <p:nvPr/>
-        </p:nvSpPr>
-        <p:spPr>
-          <a:xfrm>
-            <a:off x="3501008" y="425788"/>
-            <a:ext cx="3248744" cy="2677656"/>
-          </a:xfrm>
-          <a:prstGeom prst="rect">
-            <a:avLst/>
-          </a:prstGeom>
-          <a:noFill/>
-          <a:ln>
-            <a:solidFill>
-              <a:schemeClr val="tx1"/>
-            </a:solidFill>
-          </a:ln>
-        </p:spPr>
-        <p:txBody>
-          <a:bodyPr wrap="square" rtlCol="0">
-            <a:spAutoFit/>
-          </a:bodyPr>
-          <a:lstStyle/>
-          <a:p>
-            <a:r>
-              <a:rPr lang="ko-KR" altLang="en-US" sz="1200" dirty="0" smtClean="0"/>
-              <a:t>관리자</a:t>
-            </a:r>
-            <a:endParaRPr lang="en-US" altLang="ko-KR" sz="1200" dirty="0" smtClean="0"/>
-          </a:p>
-          <a:p>
-            <a:pPr marL="228600" indent="-228600">
-              <a:buAutoNum type="arabicPeriod"/>
-            </a:pPr>
-            <a:r>
-              <a:rPr lang="ko-KR" altLang="en-US" sz="1200" dirty="0" smtClean="0"/>
-              <a:t>회원 계정 관리</a:t>
-            </a:r>
-            <a:r>
-              <a:rPr lang="en-US" altLang="ko-KR" sz="1200" dirty="0"/>
-              <a:t/>
-            </a:r>
-            <a:br>
-              <a:rPr lang="en-US" altLang="ko-KR" sz="1200" dirty="0"/>
-            </a:br>
-            <a:r>
-              <a:rPr lang="en-US" altLang="ko-KR" sz="1200" dirty="0" smtClean="0"/>
-              <a:t>- </a:t>
-            </a:r>
-            <a:r>
-              <a:rPr lang="ko-KR" altLang="en-US" sz="1200" dirty="0" smtClean="0"/>
-              <a:t>회원 권한</a:t>
-            </a:r>
-            <a:r>
-              <a:rPr lang="en-US" altLang="ko-KR" sz="1200" dirty="0" smtClean="0"/>
-              <a:t/>
-            </a:r>
-            <a:br>
-              <a:rPr lang="en-US" altLang="ko-KR" sz="1200" dirty="0" smtClean="0"/>
-            </a:br>
-            <a:r>
-              <a:rPr lang="en-US" altLang="ko-KR" sz="1200" dirty="0" smtClean="0"/>
-              <a:t>- </a:t>
-            </a:r>
-            <a:r>
-              <a:rPr lang="ko-KR" altLang="en-US" sz="1200" dirty="0" smtClean="0"/>
-              <a:t>회원 정지</a:t>
-            </a:r>
-            <a:r>
-              <a:rPr lang="en-US" altLang="ko-KR" sz="1200" dirty="0" smtClean="0"/>
-              <a:t/>
-            </a:r>
-            <a:br>
-              <a:rPr lang="en-US" altLang="ko-KR" sz="1200" dirty="0" smtClean="0"/>
-            </a:br>
-            <a:r>
-              <a:rPr lang="en-US" altLang="ko-KR" sz="1200" dirty="0" smtClean="0"/>
-              <a:t>- </a:t>
-            </a:r>
-            <a:r>
-              <a:rPr lang="ko-KR" altLang="en-US" sz="1200" dirty="0" smtClean="0"/>
-              <a:t>회원 경고</a:t>
-            </a:r>
-            <a:r>
-              <a:rPr lang="en-US" altLang="ko-KR" sz="1200" dirty="0" smtClean="0"/>
-              <a:t>(how)</a:t>
-            </a:r>
-            <a:endParaRPr lang="en-US" altLang="ko-KR" sz="1200" dirty="0"/>
-          </a:p>
-          <a:p>
-            <a:pPr marL="228600" indent="-228600">
-              <a:buAutoNum type="arabicPeriod"/>
-            </a:pPr>
-            <a:r>
-              <a:rPr lang="ko-KR" altLang="en-US" sz="1200" dirty="0" smtClean="0"/>
-              <a:t>문의사항 답변</a:t>
-            </a:r>
-            <a:r>
-              <a:rPr lang="en-US" altLang="ko-KR" sz="1200" dirty="0" smtClean="0"/>
-              <a:t/>
-            </a:r>
-            <a:br>
-              <a:rPr lang="en-US" altLang="ko-KR" sz="1200" dirty="0" smtClean="0"/>
-            </a:br>
-            <a:r>
-              <a:rPr lang="en-US" altLang="ko-KR" sz="1200" dirty="0" smtClean="0"/>
-              <a:t>- </a:t>
-            </a:r>
-            <a:r>
-              <a:rPr lang="ko-KR" altLang="en-US" sz="1200" dirty="0" smtClean="0"/>
-              <a:t>문의 내용 보기</a:t>
-            </a:r>
-            <a:r>
-              <a:rPr lang="en-US" altLang="ko-KR" sz="1200" dirty="0" smtClean="0"/>
-              <a:t/>
-            </a:r>
-            <a:br>
-              <a:rPr lang="en-US" altLang="ko-KR" sz="1200" dirty="0" smtClean="0"/>
-            </a:br>
-            <a:r>
-              <a:rPr lang="en-US" altLang="ko-KR" sz="1200" dirty="0" smtClean="0"/>
-              <a:t>- </a:t>
-            </a:r>
-            <a:r>
-              <a:rPr lang="ko-KR" altLang="en-US" sz="1200" dirty="0" smtClean="0"/>
-              <a:t>문의 내용 답변</a:t>
-            </a:r>
-            <a:r>
-              <a:rPr lang="en-US" altLang="ko-KR" sz="1200" dirty="0"/>
-              <a:t/>
-            </a:r>
-            <a:br>
-              <a:rPr lang="en-US" altLang="ko-KR" sz="1200" dirty="0"/>
-            </a:br>
-            <a:r>
-              <a:rPr lang="en-US" altLang="ko-KR" sz="1200" dirty="0" smtClean="0"/>
-              <a:t>	- </a:t>
-            </a:r>
-            <a:r>
-              <a:rPr lang="ko-KR" altLang="en-US" sz="1200" dirty="0" smtClean="0"/>
-              <a:t>문의 내용 작성</a:t>
-            </a:r>
-            <a:r>
-              <a:rPr lang="en-US" altLang="ko-KR" sz="1200" dirty="0" smtClean="0"/>
-              <a:t/>
-            </a:r>
-            <a:br>
-              <a:rPr lang="en-US" altLang="ko-KR" sz="1200" dirty="0" smtClean="0"/>
-            </a:br>
-            <a:r>
-              <a:rPr lang="en-US" altLang="ko-KR" sz="1200" dirty="0" smtClean="0"/>
-              <a:t>	- </a:t>
-            </a:r>
-            <a:r>
-              <a:rPr lang="ko-KR" altLang="en-US" sz="1200" dirty="0" smtClean="0"/>
-              <a:t>문의 카테고리 필터</a:t>
-            </a:r>
-            <a:r>
-              <a:rPr lang="en-US" altLang="ko-KR" sz="1200" dirty="0"/>
-              <a:t/>
-            </a:r>
-            <a:br>
-              <a:rPr lang="en-US" altLang="ko-KR" sz="1200" dirty="0"/>
-            </a:br>
-            <a:r>
-              <a:rPr lang="en-US" altLang="ko-KR" sz="1200" dirty="0" smtClean="0"/>
-              <a:t>	- </a:t>
-            </a:r>
-            <a:r>
-              <a:rPr lang="ko-KR" altLang="en-US" sz="1200" dirty="0" smtClean="0"/>
-              <a:t>문의 시간 별 필터</a:t>
-            </a:r>
-            <a:endParaRPr lang="en-US" altLang="ko-KR" sz="1200" dirty="0" smtClean="0"/>
-          </a:p>
-          <a:p>
-            <a:pPr marL="228600" indent="-228600">
-              <a:buAutoNum type="arabicPeriod"/>
-            </a:pPr>
-            <a:r>
-              <a:rPr lang="ko-KR" altLang="en-US" sz="1200" dirty="0" smtClean="0"/>
-              <a:t>칼럼 작성</a:t>
-            </a:r>
-            <a:endParaRPr lang="en-US" altLang="ko-KR" sz="1200" dirty="0" smtClean="0"/>
-          </a:p>
-          <a:p>
-            <a:pPr marL="228600" indent="-228600">
-              <a:buAutoNum type="arabicPeriod"/>
-            </a:pPr>
-            <a:r>
-              <a:rPr lang="ko-KR" altLang="en-US" sz="1200" dirty="0" smtClean="0"/>
-              <a:t>추천장소 리스트 </a:t>
-            </a:r>
-            <a:r>
-              <a:rPr lang="en-US" altLang="ko-KR" sz="1200" dirty="0" smtClean="0"/>
-              <a:t>(-)</a:t>
-            </a:r>
-          </a:p>
-          <a:p>
-            <a:endParaRPr lang="ko-KR" altLang="en-US" sz="1200" dirty="0"/>
-          </a:p>
-        </p:txBody>
-      </p:sp>
-      <p:sp>
-        <p:nvSpPr>
-          <p:cNvPr id="2" name="TextBox 1"/>
-          <p:cNvSpPr txBox="1"/>
-          <p:nvPr/>
-        </p:nvSpPr>
-        <p:spPr>
-          <a:xfrm>
-            <a:off x="4365104" y="4376936"/>
-            <a:ext cx="4235968" cy="3416320"/>
-          </a:xfrm>
-          <a:prstGeom prst="rect">
-            <a:avLst/>
-          </a:prstGeom>
-          <a:noFill/>
-        </p:spPr>
-        <p:txBody>
           <a:bodyPr wrap="none" rtlCol="0">
             <a:spAutoFit/>
           </a:bodyPr>
           <a:lstStyle/>
           <a:p>
             <a:r>
-              <a:rPr kumimoji="1" lang="ko-KR" altLang="en-US" dirty="0" smtClean="0"/>
-              <a:t>계급 </a:t>
-            </a:r>
-            <a:r>
-              <a:rPr kumimoji="1" lang="en-US" altLang="ko-KR" dirty="0" smtClean="0"/>
-              <a:t>:</a:t>
-            </a:r>
-            <a:r>
-              <a:rPr kumimoji="1" lang="ko-KR" altLang="en-US" dirty="0" smtClean="0"/>
-              <a:t> </a:t>
-            </a:r>
-            <a:endParaRPr kumimoji="1" lang="en-US" altLang="ko-KR" dirty="0" smtClean="0"/>
-          </a:p>
-          <a:p>
-            <a:endParaRPr kumimoji="1" lang="en-US" altLang="ko-KR" dirty="0" smtClean="0"/>
-          </a:p>
-          <a:p>
-            <a:r>
-              <a:rPr kumimoji="1" lang="ko-KR" altLang="en-US" dirty="0" smtClean="0"/>
-              <a:t>코코아 씨앗</a:t>
-            </a:r>
-            <a:r>
-              <a:rPr kumimoji="1" lang="en-US" altLang="ko-KR" dirty="0" smtClean="0"/>
-              <a:t>(Cocoa Seeds)</a:t>
-            </a:r>
-          </a:p>
-          <a:p>
-            <a:r>
-              <a:rPr kumimoji="1" lang="ko-KR" altLang="en-US" dirty="0" smtClean="0"/>
-              <a:t>준 초콜릿</a:t>
-            </a:r>
-            <a:r>
-              <a:rPr kumimoji="1" lang="en-US" altLang="ko-KR" dirty="0" smtClean="0"/>
-              <a:t>(Semi-Chocolate) 7%</a:t>
-            </a:r>
-          </a:p>
-          <a:p>
-            <a:r>
-              <a:rPr kumimoji="1" lang="ko-KR" altLang="en-US" dirty="0" smtClean="0"/>
-              <a:t>화이트 초콜릿</a:t>
-            </a:r>
-            <a:r>
-              <a:rPr kumimoji="1" lang="en-US" altLang="ko-KR" dirty="0" smtClean="0"/>
-              <a:t>(White-Chocolate) 20%</a:t>
-            </a:r>
-          </a:p>
-          <a:p>
-            <a:r>
-              <a:rPr kumimoji="1" lang="ko-KR" altLang="en-US" dirty="0" smtClean="0"/>
-              <a:t>밀크 초콜릿</a:t>
-            </a:r>
-            <a:r>
-              <a:rPr kumimoji="1" lang="en-US" altLang="ko-KR" dirty="0" smtClean="0"/>
-              <a:t>(Milk-Chocolate) 25%</a:t>
-            </a:r>
-          </a:p>
-          <a:p>
-            <a:r>
-              <a:rPr kumimoji="1" lang="ko-KR" altLang="en-US" dirty="0" smtClean="0"/>
-              <a:t>스위트 초콜릿</a:t>
-            </a:r>
-            <a:r>
-              <a:rPr kumimoji="1" lang="en-US" altLang="ko-KR" dirty="0" smtClean="0"/>
-              <a:t>(Sweet-Chocolate) 30%</a:t>
-            </a:r>
-          </a:p>
-          <a:p>
-            <a:endParaRPr kumimoji="1" lang="en-US" altLang="ko-KR" dirty="0"/>
-          </a:p>
-          <a:p>
-            <a:r>
-              <a:rPr kumimoji="1" lang="en-US" altLang="ko-KR" dirty="0" smtClean="0"/>
-              <a:t>-</a:t>
-            </a:r>
-          </a:p>
-          <a:p>
-            <a:r>
-              <a:rPr kumimoji="1" lang="en-US" altLang="ko-KR" dirty="0" smtClean="0"/>
-              <a:t>-</a:t>
-            </a:r>
-          </a:p>
-          <a:p>
-            <a:r>
-              <a:rPr kumimoji="1" lang="ko-KR" altLang="en-US" dirty="0" smtClean="0"/>
-              <a:t>다크 초콜릿</a:t>
-            </a:r>
-            <a:r>
-              <a:rPr kumimoji="1" lang="en-US" altLang="ko-KR" dirty="0" smtClean="0"/>
-              <a:t>(Dark-Chocolate) 90%</a:t>
-            </a:r>
-            <a:r>
-              <a:rPr kumimoji="1" lang="ko-KR" altLang="en-US" dirty="0" smtClean="0"/>
-              <a:t> 이상</a:t>
-            </a:r>
-            <a:endParaRPr kumimoji="1" lang="en-US" altLang="ko-KR" dirty="0"/>
-          </a:p>
-          <a:p>
-            <a:endParaRPr kumimoji="1" lang="ko-KR" altLang="en-US" dirty="0"/>
-          </a:p>
-        </p:txBody>
-      </p:sp>
-      <p:sp>
-        <p:nvSpPr>
-          <p:cNvPr id="3" name="TextBox 2"/>
-          <p:cNvSpPr txBox="1"/>
-          <p:nvPr/>
-        </p:nvSpPr>
-        <p:spPr>
-          <a:xfrm>
-            <a:off x="4797152" y="3728864"/>
-            <a:ext cx="1173719" cy="369332"/>
-          </a:xfrm>
-          <a:prstGeom prst="rect">
-            <a:avLst/>
-          </a:prstGeom>
-          <a:noFill/>
-        </p:spPr>
-        <p:txBody>
-          <a:bodyPr wrap="none" rtlCol="0">
-            <a:spAutoFit/>
-          </a:bodyPr>
-          <a:lstStyle/>
-          <a:p>
-            <a:r>
-              <a:rPr kumimoji="1" lang="ko-KR" altLang="en-US" dirty="0" smtClean="0"/>
-              <a:t>앱 이름 </a:t>
-            </a:r>
-            <a:r>
-              <a:rPr kumimoji="1" lang="en-US" altLang="ko-KR" dirty="0" smtClean="0"/>
-              <a:t>:</a:t>
-            </a:r>
-            <a:r>
-              <a:rPr kumimoji="1" lang="ko-KR" altLang="en-US" dirty="0" smtClean="0"/>
-              <a:t> </a:t>
-            </a:r>
-            <a:endParaRPr kumimoji="1" lang="ko-KR" altLang="en-US" dirty="0"/>
+              <a:rPr lang="ko-KR" altLang="en-US" dirty="0" smtClean="0"/>
+              <a:t>기능 스토어</a:t>
+            </a:r>
+            <a:endParaRPr lang="en-US" altLang="ko-KR" dirty="0" smtClean="0"/>
           </a:p>
         </p:txBody>
       </p:sp>
     </p:spTree>
     <p:extLst>
       <p:ext uri="{BB962C8B-B14F-4D97-AF65-F5344CB8AC3E}">
-        <p14:creationId xmlns:p14="http://schemas.microsoft.com/office/powerpoint/2010/main" val="3610038272"/>
+        <p14:creationId xmlns:p14="http://schemas.microsoft.com/office/powerpoint/2010/main" val="2968498772"/>
       </p:ext>
     </p:extLst>
   </p:cSld>
   <p:clrMapOvr>
     <a:masterClrMapping/>
   </p:clrMapOvr>
-  <p:timing>
-    <p:tnLst>
-      <p:par>
-        <p:cTn id="1" dur="indefinite" restart="never" nodeType="tmRoot"/>
-      </p:par>
-    </p:tnLst>
-  </p:timing>
 </p:sld>
 </file>
 
 <file path=ppt/slides/slide10.xml><?xml version="1.0" encoding="utf-8"?>
+<p:sld xmlns:a="http://schemas.openxmlformats.org/drawingml/2006/main" xmlns:r="http://schemas.openxmlformats.org/officeDocument/2006/relationships" xmlns:p="http://schemas.openxmlformats.org/presentationml/2006/main">
+  <p:cSld>
+    <p:spTree>
+      <p:nvGrpSpPr>
+        <p:cNvPr id="1" name=""/>
+        <p:cNvGrpSpPr/>
+        <p:nvPr/>
+      </p:nvGrpSpPr>
+      <p:grpSpPr>
+        <a:xfrm>
+          <a:off x="0" y="0"/>
+          <a:ext cx="0" cy="0"/>
+          <a:chOff x="0" y="0"/>
+          <a:chExt cx="0" cy="0"/>
+        </a:xfrm>
+      </p:grpSpPr>
+      <p:pic>
+        <p:nvPicPr>
+          <p:cNvPr id="2" name="그림 1"/>
+          <p:cNvPicPr>
+            <a:picLocks noChangeAspect="1"/>
+          </p:cNvPicPr>
+          <p:nvPr/>
+        </p:nvPicPr>
+        <p:blipFill>
+          <a:blip r:embed="rId2" cstate="print">
+            <a:extLst>
+              <a:ext uri="{28A0092B-C50C-407E-A947-70E740481C1C}">
+                <a14:useLocalDpi xmlns:a14="http://schemas.microsoft.com/office/drawing/2010/main" val="0"/>
+              </a:ext>
+            </a:extLst>
+          </a:blip>
+          <a:stretch>
+            <a:fillRect/>
+          </a:stretch>
+        </p:blipFill>
+        <p:spPr>
+          <a:xfrm>
+            <a:off x="332656" y="200472"/>
+            <a:ext cx="2016224" cy="3584398"/>
+          </a:xfrm>
+          <a:prstGeom prst="rect">
+            <a:avLst/>
+          </a:prstGeom>
+        </p:spPr>
+      </p:pic>
+    </p:spTree>
+    <p:extLst>
+      <p:ext uri="{BB962C8B-B14F-4D97-AF65-F5344CB8AC3E}">
+        <p14:creationId xmlns:p14="http://schemas.microsoft.com/office/powerpoint/2010/main" val="1463779030"/>
+      </p:ext>
+    </p:extLst>
+  </p:cSld>
+  <p:clrMapOvr>
+    <a:masterClrMapping/>
+  </p:clrMapOvr>
+</p:sld>
+</file>
+
+<file path=ppt/slides/slide11.xml><?xml version="1.0" encoding="utf-8"?>
 <p:sld xmlns:a="http://schemas.openxmlformats.org/drawingml/2006/main" xmlns:r="http://schemas.openxmlformats.org/officeDocument/2006/relationships" xmlns:p="http://schemas.openxmlformats.org/presentationml/2006/main">
   <p:cSld>
     <p:spTree>
@@ -4778,7 +3588,7 @@
 </p:sld>
 </file>
 
-<file path=ppt/slides/slide11.xml><?xml version="1.0" encoding="utf-8"?>
+<file path=ppt/slides/slide12.xml><?xml version="1.0" encoding="utf-8"?>
 <p:sld xmlns:a="http://schemas.openxmlformats.org/drawingml/2006/main" xmlns:r="http://schemas.openxmlformats.org/officeDocument/2006/relationships" xmlns:p="http://schemas.openxmlformats.org/presentationml/2006/main">
   <p:cSld>
     <p:spTree>
@@ -4874,6 +3684,1317 @@
         </p:nvSpPr>
         <p:spPr>
           <a:xfrm>
+            <a:off x="44624" y="56456"/>
+            <a:ext cx="3240360" cy="369332"/>
+          </a:xfrm>
+          <a:prstGeom prst="rect">
+            <a:avLst/>
+          </a:prstGeom>
+          <a:noFill/>
+        </p:spPr>
+        <p:txBody>
+          <a:bodyPr wrap="square" rtlCol="0">
+            <a:spAutoFit/>
+          </a:bodyPr>
+          <a:lstStyle/>
+          <a:p>
+            <a:r>
+              <a:rPr lang="ko-KR" altLang="en-US" dirty="0" smtClean="0"/>
+              <a:t>전체적인 프로세스 </a:t>
+            </a:r>
+            <a:r>
+              <a:rPr lang="ko-KR" altLang="en-US" smtClean="0"/>
+              <a:t>및 기능</a:t>
+            </a:r>
+            <a:endParaRPr lang="ko-KR" altLang="en-US" dirty="0"/>
+          </a:p>
+        </p:txBody>
+      </p:sp>
+      <p:sp>
+        <p:nvSpPr>
+          <p:cNvPr id="6" name="TextBox 5"/>
+          <p:cNvSpPr txBox="1"/>
+          <p:nvPr/>
+        </p:nvSpPr>
+        <p:spPr>
+          <a:xfrm>
+            <a:off x="50728" y="425788"/>
+            <a:ext cx="3240360" cy="10248960"/>
+          </a:xfrm>
+          <a:prstGeom prst="rect">
+            <a:avLst/>
+          </a:prstGeom>
+          <a:noFill/>
+          <a:ln>
+            <a:solidFill>
+              <a:schemeClr val="tx1"/>
+            </a:solidFill>
+          </a:ln>
+        </p:spPr>
+        <p:txBody>
+          <a:bodyPr wrap="square" rtlCol="0">
+            <a:spAutoFit/>
+          </a:bodyPr>
+          <a:lstStyle/>
+          <a:p>
+            <a:r>
+              <a:rPr lang="ko-KR" altLang="en-US" sz="1200" dirty="0" smtClean="0"/>
+              <a:t>클라이언트</a:t>
+            </a:r>
+            <a:endParaRPr lang="en-US" altLang="ko-KR" sz="1200" dirty="0" smtClean="0"/>
+          </a:p>
+          <a:p>
+            <a:pPr marL="228600" indent="-228600">
+              <a:buAutoNum type="arabicPeriod"/>
+            </a:pPr>
+            <a:r>
+              <a:rPr lang="ko-KR" altLang="en-US" sz="1200" dirty="0"/>
+              <a:t>홈</a:t>
+            </a:r>
+            <a:r>
+              <a:rPr lang="en-US" altLang="ko-KR" sz="1200" dirty="0" smtClean="0"/>
+              <a:t/>
+            </a:r>
+            <a:br>
+              <a:rPr lang="en-US" altLang="ko-KR" sz="1200" dirty="0" smtClean="0"/>
+            </a:br>
+            <a:r>
+              <a:rPr lang="en-US" altLang="ko-KR" sz="1200" dirty="0" smtClean="0"/>
+              <a:t>- </a:t>
+            </a:r>
+            <a:r>
+              <a:rPr lang="ko-KR" altLang="en-US" sz="1200" dirty="0" smtClean="0"/>
+              <a:t>소식</a:t>
+            </a:r>
+            <a:r>
+              <a:rPr lang="en-US" altLang="ko-KR" sz="1200" dirty="0" smtClean="0"/>
+              <a:t/>
+            </a:r>
+            <a:br>
+              <a:rPr lang="en-US" altLang="ko-KR" sz="1200" dirty="0" smtClean="0"/>
+            </a:br>
+            <a:r>
+              <a:rPr lang="en-US" altLang="ko-KR" sz="1200" dirty="0" smtClean="0"/>
+              <a:t>- </a:t>
+            </a:r>
+            <a:r>
+              <a:rPr lang="ko-KR" altLang="en-US" sz="1200" dirty="0" smtClean="0"/>
+              <a:t>이벤트</a:t>
+            </a:r>
+            <a:r>
+              <a:rPr lang="en-US" altLang="ko-KR" sz="1200" dirty="0" smtClean="0"/>
+              <a:t/>
+            </a:r>
+            <a:br>
+              <a:rPr lang="en-US" altLang="ko-KR" sz="1200" dirty="0" smtClean="0"/>
+            </a:br>
+            <a:r>
+              <a:rPr lang="en-US" altLang="ko-KR" sz="1200" dirty="0" smtClean="0"/>
+              <a:t>- </a:t>
+            </a:r>
+            <a:r>
+              <a:rPr lang="ko-KR" altLang="en-US" sz="1200" dirty="0" smtClean="0"/>
+              <a:t>최근 정보</a:t>
+            </a:r>
+            <a:r>
+              <a:rPr lang="en-US" altLang="ko-KR" sz="1200" dirty="0"/>
+              <a:t/>
+            </a:r>
+            <a:br>
+              <a:rPr lang="en-US" altLang="ko-KR" sz="1200" dirty="0"/>
+            </a:br>
+            <a:r>
+              <a:rPr lang="en-US" altLang="ko-KR" sz="1200" dirty="0" smtClean="0"/>
+              <a:t>- </a:t>
+            </a:r>
+            <a:r>
+              <a:rPr lang="ko-KR" altLang="en-US" sz="1200" dirty="0" smtClean="0"/>
+              <a:t>광고</a:t>
+            </a:r>
+            <a:r>
+              <a:rPr lang="en-US" altLang="ko-KR" sz="1200" dirty="0" smtClean="0"/>
+              <a:t/>
+            </a:r>
+            <a:br>
+              <a:rPr lang="en-US" altLang="ko-KR" sz="1200" dirty="0" smtClean="0"/>
+            </a:br>
+            <a:r>
+              <a:rPr lang="en-US" altLang="ko-KR" sz="1200" dirty="0" smtClean="0"/>
+              <a:t>- </a:t>
+            </a:r>
+            <a:r>
+              <a:rPr lang="ko-KR" altLang="en-US" sz="1200" dirty="0" err="1" smtClean="0"/>
+              <a:t>퀵메뉴</a:t>
+            </a:r>
+            <a:r>
+              <a:rPr lang="en-US" altLang="ko-KR" sz="1200" dirty="0" smtClean="0"/>
+              <a:t/>
+            </a:r>
+            <a:br>
+              <a:rPr lang="en-US" altLang="ko-KR" sz="1200" dirty="0" smtClean="0"/>
+            </a:br>
+            <a:r>
+              <a:rPr lang="en-US" altLang="ko-KR" sz="1200" dirty="0" smtClean="0"/>
+              <a:t>- </a:t>
+            </a:r>
+            <a:r>
+              <a:rPr lang="ko-KR" altLang="en-US" sz="1200" dirty="0" smtClean="0"/>
+              <a:t>하단 회사정보 잠깐 </a:t>
+            </a:r>
+            <a:r>
+              <a:rPr lang="ko-KR" altLang="en-US" sz="1200" dirty="0" err="1" smtClean="0"/>
+              <a:t>ㅎ</a:t>
+            </a:r>
+            <a:endParaRPr lang="en-US" altLang="ko-KR" sz="1200" dirty="0" smtClean="0"/>
+          </a:p>
+          <a:p>
+            <a:pPr marL="228600" indent="-228600">
+              <a:buAutoNum type="arabicPeriod"/>
+            </a:pPr>
+            <a:r>
+              <a:rPr lang="ko-KR" altLang="en-US" sz="1200" dirty="0" smtClean="0"/>
+              <a:t>추천</a:t>
+            </a:r>
+            <a:r>
+              <a:rPr lang="en-US" altLang="ko-KR" sz="1200" dirty="0"/>
+              <a:t/>
+            </a:r>
+            <a:br>
+              <a:rPr lang="en-US" altLang="ko-KR" sz="1200" dirty="0"/>
+            </a:br>
+            <a:r>
+              <a:rPr lang="en-US" altLang="ko-KR" sz="1200" dirty="0" smtClean="0"/>
+              <a:t>- </a:t>
+            </a:r>
+            <a:r>
+              <a:rPr lang="ko-KR" altLang="en-US" sz="1200" dirty="0" smtClean="0"/>
+              <a:t>대 카테고리 선택</a:t>
+            </a:r>
+            <a:r>
+              <a:rPr lang="en-US" altLang="ko-KR" sz="1200" dirty="0" smtClean="0"/>
+              <a:t/>
+            </a:r>
+            <a:br>
+              <a:rPr lang="en-US" altLang="ko-KR" sz="1200" dirty="0" smtClean="0"/>
+            </a:br>
+            <a:r>
+              <a:rPr lang="en-US" altLang="ko-KR" sz="1200" dirty="0" smtClean="0"/>
+              <a:t>- </a:t>
+            </a:r>
+            <a:r>
+              <a:rPr lang="ko-KR" altLang="en-US" sz="1200" dirty="0" smtClean="0"/>
+              <a:t>중 카테고리 선택</a:t>
+            </a:r>
+            <a:r>
+              <a:rPr lang="en-US" altLang="ko-KR" sz="1200" dirty="0" smtClean="0"/>
+              <a:t/>
+            </a:r>
+            <a:br>
+              <a:rPr lang="en-US" altLang="ko-KR" sz="1200" dirty="0" smtClean="0"/>
+            </a:br>
+            <a:r>
+              <a:rPr lang="en-US" altLang="ko-KR" sz="1200" dirty="0" smtClean="0"/>
+              <a:t>- </a:t>
+            </a:r>
+            <a:r>
+              <a:rPr lang="ko-KR" altLang="en-US" sz="1200" dirty="0" smtClean="0"/>
+              <a:t>소 카테고리 선택</a:t>
+            </a:r>
+            <a:r>
+              <a:rPr lang="en-US" altLang="ko-KR" sz="1200" dirty="0" smtClean="0"/>
+              <a:t/>
+            </a:r>
+            <a:br>
+              <a:rPr lang="en-US" altLang="ko-KR" sz="1200" dirty="0" smtClean="0"/>
+            </a:br>
+            <a:r>
+              <a:rPr lang="en-US" altLang="ko-KR" sz="1200" dirty="0" smtClean="0"/>
+              <a:t>- </a:t>
+            </a:r>
+            <a:r>
+              <a:rPr lang="ko-KR" altLang="en-US" sz="1200" dirty="0" smtClean="0"/>
+              <a:t>검색 결과 리스트 출력</a:t>
+            </a:r>
+            <a:r>
+              <a:rPr lang="en-US" altLang="ko-KR" sz="1200" dirty="0" smtClean="0"/>
+              <a:t/>
+            </a:r>
+            <a:br>
+              <a:rPr lang="en-US" altLang="ko-KR" sz="1200" dirty="0" smtClean="0"/>
+            </a:br>
+            <a:r>
+              <a:rPr lang="en-US" altLang="ko-KR" sz="1200" dirty="0" smtClean="0"/>
+              <a:t>- </a:t>
+            </a:r>
+            <a:r>
+              <a:rPr lang="ko-KR" altLang="en-US" sz="1200" dirty="0" smtClean="0"/>
+              <a:t>검색 결과 필터 설정</a:t>
+            </a:r>
+            <a:r>
+              <a:rPr lang="en-US" altLang="ko-KR" sz="1200" dirty="0" smtClean="0"/>
+              <a:t/>
+            </a:r>
+            <a:br>
+              <a:rPr lang="en-US" altLang="ko-KR" sz="1200" dirty="0" smtClean="0"/>
+            </a:br>
+            <a:r>
+              <a:rPr lang="en-US" altLang="ko-KR" sz="1200" dirty="0" smtClean="0"/>
+              <a:t>	- </a:t>
+            </a:r>
+            <a:r>
+              <a:rPr lang="ko-KR" altLang="en-US" sz="1200" dirty="0" smtClean="0"/>
+              <a:t>인기순</a:t>
+            </a:r>
+            <a:r>
+              <a:rPr lang="en-US" altLang="ko-KR" sz="1200" dirty="0"/>
+              <a:t/>
+            </a:r>
+            <a:br>
+              <a:rPr lang="en-US" altLang="ko-KR" sz="1200" dirty="0"/>
+            </a:br>
+            <a:r>
+              <a:rPr lang="en-US" altLang="ko-KR" sz="1200" dirty="0" smtClean="0"/>
+              <a:t>	- </a:t>
+            </a:r>
+            <a:r>
+              <a:rPr lang="ko-KR" altLang="en-US" sz="1200" dirty="0" err="1" smtClean="0"/>
+              <a:t>거리순</a:t>
+            </a:r>
+            <a:r>
+              <a:rPr lang="en-US" altLang="ko-KR" sz="1200" dirty="0" smtClean="0"/>
+              <a:t/>
+            </a:r>
+            <a:br>
+              <a:rPr lang="en-US" altLang="ko-KR" sz="1200" dirty="0" smtClean="0"/>
+            </a:br>
+            <a:r>
+              <a:rPr lang="en-US" altLang="ko-KR" sz="1200" dirty="0" smtClean="0"/>
+              <a:t>	- </a:t>
+            </a:r>
+            <a:r>
+              <a:rPr lang="ko-KR" altLang="en-US" sz="1200" dirty="0" err="1" smtClean="0"/>
+              <a:t>최신순</a:t>
+            </a:r>
+            <a:r>
+              <a:rPr lang="en-US" altLang="ko-KR" sz="1200" dirty="0" smtClean="0"/>
+              <a:t/>
+            </a:r>
+            <a:br>
+              <a:rPr lang="en-US" altLang="ko-KR" sz="1200" dirty="0" smtClean="0"/>
+            </a:br>
+            <a:r>
+              <a:rPr lang="en-US" altLang="ko-KR" sz="1200" dirty="0" smtClean="0"/>
+              <a:t>- </a:t>
+            </a:r>
+            <a:r>
+              <a:rPr lang="ko-KR" altLang="en-US" sz="1200" dirty="0" smtClean="0"/>
+              <a:t>검색 세부사항 조회</a:t>
+            </a:r>
+            <a:r>
+              <a:rPr lang="en-US" altLang="ko-KR" sz="1200" dirty="0"/>
+              <a:t/>
+            </a:r>
+            <a:br>
+              <a:rPr lang="en-US" altLang="ko-KR" sz="1200" dirty="0"/>
+            </a:br>
+            <a:r>
+              <a:rPr lang="en-US" altLang="ko-KR" sz="1200" dirty="0" smtClean="0"/>
+              <a:t>	- </a:t>
+            </a:r>
+            <a:r>
+              <a:rPr lang="ko-KR" altLang="en-US" sz="1200" dirty="0" smtClean="0"/>
+              <a:t>각 항목에 해당하는 세부</a:t>
+            </a:r>
+            <a:r>
+              <a:rPr lang="en-US" altLang="ko-KR" sz="1200" dirty="0" smtClean="0"/>
+              <a:t/>
+            </a:r>
+            <a:br>
+              <a:rPr lang="en-US" altLang="ko-KR" sz="1200" dirty="0" smtClean="0"/>
+            </a:br>
+            <a:r>
+              <a:rPr lang="en-US" altLang="ko-KR" sz="1200" dirty="0" smtClean="0"/>
+              <a:t>	  </a:t>
+            </a:r>
+            <a:r>
+              <a:rPr lang="ko-KR" altLang="en-US" sz="1200" dirty="0" smtClean="0"/>
+              <a:t>정보 출력</a:t>
+            </a:r>
+            <a:r>
+              <a:rPr lang="en-US" altLang="ko-KR" sz="1200" dirty="0" smtClean="0"/>
+              <a:t/>
+            </a:r>
+            <a:br>
+              <a:rPr lang="en-US" altLang="ko-KR" sz="1200" dirty="0" smtClean="0"/>
+            </a:br>
+            <a:r>
+              <a:rPr lang="en-US" altLang="ko-KR" sz="1200" dirty="0" smtClean="0"/>
+              <a:t>		- </a:t>
+            </a:r>
+            <a:r>
+              <a:rPr lang="ko-KR" altLang="en-US" sz="1200" dirty="0" smtClean="0"/>
+              <a:t>텍스트</a:t>
+            </a:r>
+            <a:r>
+              <a:rPr lang="en-US" altLang="ko-KR" sz="1200" dirty="0" smtClean="0"/>
+              <a:t/>
+            </a:r>
+            <a:br>
+              <a:rPr lang="en-US" altLang="ko-KR" sz="1200" dirty="0" smtClean="0"/>
+            </a:br>
+            <a:r>
+              <a:rPr lang="en-US" altLang="ko-KR" sz="1200" dirty="0" smtClean="0"/>
+              <a:t>		- </a:t>
+            </a:r>
+            <a:r>
+              <a:rPr lang="ko-KR" altLang="en-US" sz="1200" dirty="0" smtClean="0"/>
+              <a:t>이미지</a:t>
+            </a:r>
+            <a:r>
+              <a:rPr lang="en-US" altLang="ko-KR" sz="1200" dirty="0" smtClean="0"/>
+              <a:t/>
+            </a:r>
+            <a:br>
+              <a:rPr lang="en-US" altLang="ko-KR" sz="1200" dirty="0" smtClean="0"/>
+            </a:br>
+            <a:r>
+              <a:rPr lang="en-US" altLang="ko-KR" sz="1200" dirty="0" smtClean="0"/>
+              <a:t>		- </a:t>
+            </a:r>
+            <a:r>
+              <a:rPr lang="ko-KR" altLang="en-US" sz="1200" dirty="0" err="1" smtClean="0"/>
+              <a:t>구글</a:t>
+            </a:r>
+            <a:r>
+              <a:rPr lang="ko-KR" altLang="en-US" sz="1200" dirty="0" smtClean="0"/>
+              <a:t> </a:t>
+            </a:r>
+            <a:r>
+              <a:rPr lang="ko-KR" altLang="en-US" sz="1200" dirty="0" err="1" smtClean="0"/>
+              <a:t>맵</a:t>
+            </a:r>
+            <a:r>
+              <a:rPr lang="en-US" altLang="ko-KR" sz="1200" dirty="0"/>
+              <a:t/>
+            </a:r>
+            <a:br>
+              <a:rPr lang="en-US" altLang="ko-KR" sz="1200" dirty="0"/>
+            </a:br>
+            <a:r>
+              <a:rPr lang="en-US" altLang="ko-KR" sz="1200" dirty="0" smtClean="0"/>
+              <a:t>	- </a:t>
+            </a:r>
+            <a:r>
+              <a:rPr lang="ko-KR" altLang="en-US" sz="1200" dirty="0" smtClean="0"/>
+              <a:t>이후 많이 가는 추천장소</a:t>
+            </a:r>
+            <a:r>
+              <a:rPr lang="en-US" altLang="ko-KR" sz="1200" dirty="0" smtClean="0"/>
+              <a:t/>
+            </a:r>
+            <a:br>
+              <a:rPr lang="en-US" altLang="ko-KR" sz="1200" dirty="0" smtClean="0"/>
+            </a:br>
+            <a:r>
+              <a:rPr lang="en-US" altLang="ko-KR" sz="1200" dirty="0" smtClean="0"/>
+              <a:t>	  </a:t>
+            </a:r>
+            <a:r>
+              <a:rPr lang="ko-KR" altLang="en-US" sz="1200" dirty="0" smtClean="0"/>
+              <a:t>리스트 보여주기</a:t>
+            </a:r>
+            <a:r>
+              <a:rPr lang="en-US" altLang="ko-KR" sz="1200" dirty="0"/>
+              <a:t/>
+            </a:r>
+            <a:br>
+              <a:rPr lang="en-US" altLang="ko-KR" sz="1200" dirty="0"/>
+            </a:br>
+            <a:r>
+              <a:rPr lang="en-US" altLang="ko-KR" sz="1200" dirty="0" smtClean="0"/>
+              <a:t>	- </a:t>
+            </a:r>
+            <a:r>
+              <a:rPr lang="ko-KR" altLang="en-US" sz="1200" dirty="0" smtClean="0"/>
+              <a:t>해당 추천장소 정보 표시</a:t>
+            </a:r>
+            <a:r>
+              <a:rPr lang="en-US" altLang="ko-KR" sz="1200" dirty="0" smtClean="0"/>
+              <a:t/>
+            </a:r>
+            <a:br>
+              <a:rPr lang="en-US" altLang="ko-KR" sz="1200" dirty="0" smtClean="0"/>
+            </a:br>
+            <a:r>
+              <a:rPr lang="en-US" altLang="ko-KR" sz="1200" dirty="0" smtClean="0"/>
+              <a:t>	  (</a:t>
+            </a:r>
+            <a:r>
+              <a:rPr lang="ko-KR" altLang="en-US" sz="1200" dirty="0" smtClean="0"/>
+              <a:t>누적 보여주기</a:t>
+            </a:r>
+            <a:r>
+              <a:rPr lang="en-US" altLang="ko-KR" sz="1200" dirty="0" smtClean="0"/>
+              <a:t>)</a:t>
+            </a:r>
+            <a:br>
+              <a:rPr lang="en-US" altLang="ko-KR" sz="1200" dirty="0" smtClean="0"/>
+            </a:br>
+            <a:r>
+              <a:rPr lang="en-US" altLang="ko-KR" sz="1200" dirty="0" smtClean="0"/>
+              <a:t>- </a:t>
+            </a:r>
+            <a:r>
+              <a:rPr lang="ko-KR" altLang="en-US" sz="1200" dirty="0" smtClean="0"/>
+              <a:t>추천 장소 저장 기능</a:t>
+            </a:r>
+            <a:r>
+              <a:rPr lang="en-US" altLang="ko-KR" sz="1200" dirty="0" smtClean="0"/>
+              <a:t/>
+            </a:r>
+            <a:br>
+              <a:rPr lang="en-US" altLang="ko-KR" sz="1200" dirty="0" smtClean="0"/>
+            </a:br>
+            <a:r>
+              <a:rPr lang="en-US" altLang="ko-KR" sz="1200" dirty="0" smtClean="0"/>
+              <a:t>- </a:t>
+            </a:r>
+            <a:r>
+              <a:rPr lang="ko-KR" altLang="en-US" sz="1200" dirty="0" smtClean="0"/>
+              <a:t>추천 장소 </a:t>
+            </a:r>
+            <a:r>
+              <a:rPr lang="ko-KR" altLang="en-US" sz="1200" dirty="0" err="1" smtClean="0"/>
+              <a:t>댓글</a:t>
+            </a:r>
+            <a:r>
+              <a:rPr lang="ko-KR" altLang="en-US" sz="1200" dirty="0" smtClean="0"/>
+              <a:t> 기능</a:t>
+            </a:r>
+            <a:r>
+              <a:rPr lang="en-US" altLang="ko-KR" sz="1200" dirty="0" smtClean="0"/>
+              <a:t>(-)</a:t>
+            </a:r>
+            <a:br>
+              <a:rPr lang="en-US" altLang="ko-KR" sz="1200" dirty="0" smtClean="0"/>
+            </a:br>
+            <a:r>
+              <a:rPr lang="en-US" altLang="ko-KR" sz="1200" dirty="0" smtClean="0"/>
+              <a:t>- </a:t>
+            </a:r>
+            <a:r>
+              <a:rPr lang="ko-KR" altLang="en-US" sz="1200" dirty="0" smtClean="0"/>
+              <a:t>추천 장소와 </a:t>
+            </a:r>
+            <a:r>
+              <a:rPr lang="ko-KR" altLang="en-US" sz="1200" dirty="0" err="1" smtClean="0"/>
+              <a:t>비슷한곳</a:t>
+            </a:r>
+            <a:r>
+              <a:rPr lang="en-US" altLang="ko-KR" sz="1200" dirty="0" smtClean="0"/>
+              <a:t/>
+            </a:r>
+            <a:br>
+              <a:rPr lang="en-US" altLang="ko-KR" sz="1200" dirty="0" smtClean="0"/>
+            </a:br>
+            <a:r>
+              <a:rPr lang="en-US" altLang="ko-KR" sz="1200" dirty="0" smtClean="0"/>
+              <a:t>- </a:t>
+            </a:r>
+            <a:r>
+              <a:rPr lang="ko-KR" altLang="en-US" sz="1200" dirty="0" smtClean="0"/>
+              <a:t>추천 장소 이후에 많이 </a:t>
+            </a:r>
+            <a:r>
+              <a:rPr lang="ko-KR" altLang="en-US" sz="1200" dirty="0" err="1" smtClean="0"/>
+              <a:t>가는곳</a:t>
+            </a:r>
+            <a:endParaRPr lang="en-US" altLang="ko-KR" sz="1200" dirty="0" smtClean="0"/>
+          </a:p>
+          <a:p>
+            <a:pPr marL="228600" indent="-228600">
+              <a:buAutoNum type="arabicPeriod"/>
+            </a:pPr>
+            <a:r>
+              <a:rPr lang="ko-KR" altLang="en-US" sz="1200" dirty="0" smtClean="0"/>
+              <a:t>칼럼</a:t>
+            </a:r>
+            <a:r>
+              <a:rPr lang="en-US" altLang="ko-KR" sz="1200" dirty="0"/>
+              <a:t/>
+            </a:r>
+            <a:br>
+              <a:rPr lang="en-US" altLang="ko-KR" sz="1200" dirty="0"/>
+            </a:br>
+            <a:r>
+              <a:rPr lang="en-US" altLang="ko-KR" sz="1200" dirty="0" smtClean="0"/>
+              <a:t>- </a:t>
+            </a:r>
+            <a:r>
+              <a:rPr lang="ko-KR" altLang="en-US" sz="1200" dirty="0" smtClean="0"/>
+              <a:t>칼럼 리스트 표시</a:t>
+            </a:r>
+            <a:r>
+              <a:rPr lang="en-US" altLang="ko-KR" sz="1200" dirty="0" smtClean="0"/>
+              <a:t/>
+            </a:r>
+            <a:br>
+              <a:rPr lang="en-US" altLang="ko-KR" sz="1200" dirty="0" smtClean="0"/>
+            </a:br>
+            <a:r>
+              <a:rPr lang="en-US" altLang="ko-KR" sz="1200" dirty="0" smtClean="0"/>
+              <a:t>	- </a:t>
+            </a:r>
+            <a:r>
+              <a:rPr lang="ko-KR" altLang="en-US" sz="1200" dirty="0" err="1" smtClean="0"/>
+              <a:t>썸네일</a:t>
+            </a:r>
+            <a:r>
+              <a:rPr lang="ko-KR" altLang="en-US" sz="1200" dirty="0" smtClean="0"/>
+              <a:t> 및 텍스트만 표시</a:t>
+            </a:r>
+            <a:r>
+              <a:rPr lang="en-US" altLang="ko-KR" sz="1200" dirty="0" smtClean="0"/>
+              <a:t/>
+            </a:r>
+            <a:br>
+              <a:rPr lang="en-US" altLang="ko-KR" sz="1200" dirty="0" smtClean="0"/>
+            </a:br>
+            <a:r>
+              <a:rPr lang="en-US" altLang="ko-KR" sz="1200" dirty="0" smtClean="0"/>
+              <a:t>- </a:t>
+            </a:r>
+            <a:r>
+              <a:rPr lang="ko-KR" altLang="en-US" sz="1200" dirty="0" smtClean="0"/>
+              <a:t>칼럼 상단 이벤트 이미지 </a:t>
+            </a:r>
+            <a:r>
+              <a:rPr lang="ko-KR" altLang="en-US" sz="1200" dirty="0" err="1" smtClean="0"/>
+              <a:t>뷰플리퍼</a:t>
+            </a:r>
+            <a:r>
+              <a:rPr lang="en-US" altLang="ko-KR" sz="1200" dirty="0" smtClean="0"/>
+              <a:t/>
+            </a:r>
+            <a:br>
+              <a:rPr lang="en-US" altLang="ko-KR" sz="1200" dirty="0" smtClean="0"/>
+            </a:br>
+            <a:r>
+              <a:rPr lang="en-US" altLang="ko-KR" sz="1200" dirty="0" smtClean="0"/>
+              <a:t>- </a:t>
+            </a:r>
+            <a:r>
+              <a:rPr lang="ko-KR" altLang="en-US" sz="1200" dirty="0" smtClean="0"/>
+              <a:t>이벤트 선택 시 해당 웹으로 </a:t>
+            </a:r>
+            <a:r>
+              <a:rPr lang="en-US" altLang="ko-KR" sz="1200" dirty="0" smtClean="0"/>
+              <a:t>Intent</a:t>
+            </a:r>
+            <a:br>
+              <a:rPr lang="en-US" altLang="ko-KR" sz="1200" dirty="0" smtClean="0"/>
+            </a:br>
+            <a:r>
+              <a:rPr lang="en-US" altLang="ko-KR" sz="1200" dirty="0" smtClean="0"/>
+              <a:t>- </a:t>
+            </a:r>
+            <a:r>
+              <a:rPr lang="ko-KR" altLang="en-US" sz="1200" dirty="0" smtClean="0"/>
+              <a:t>칼럼 세부 표시</a:t>
+            </a:r>
+            <a:r>
+              <a:rPr lang="en-US" altLang="ko-KR" sz="1200" dirty="0" smtClean="0"/>
+              <a:t/>
+            </a:r>
+            <a:br>
+              <a:rPr lang="en-US" altLang="ko-KR" sz="1200" dirty="0" smtClean="0"/>
+            </a:br>
+            <a:r>
+              <a:rPr lang="en-US" altLang="ko-KR" sz="1200" dirty="0" smtClean="0"/>
+              <a:t>	- </a:t>
+            </a:r>
+            <a:r>
+              <a:rPr lang="ko-KR" altLang="en-US" sz="1200" dirty="0" smtClean="0"/>
+              <a:t>텍스트</a:t>
+            </a:r>
+            <a:r>
+              <a:rPr lang="en-US" altLang="ko-KR" sz="1200" dirty="0" smtClean="0"/>
+              <a:t/>
+            </a:r>
+            <a:br>
+              <a:rPr lang="en-US" altLang="ko-KR" sz="1200" dirty="0" smtClean="0"/>
+            </a:br>
+            <a:r>
+              <a:rPr lang="en-US" altLang="ko-KR" sz="1200" dirty="0" smtClean="0"/>
+              <a:t>	- </a:t>
+            </a:r>
+            <a:r>
+              <a:rPr lang="ko-KR" altLang="en-US" sz="1200" dirty="0" smtClean="0"/>
+              <a:t>이미지</a:t>
+            </a:r>
+            <a:r>
+              <a:rPr lang="en-US" altLang="ko-KR" sz="1200" dirty="0"/>
+              <a:t/>
+            </a:r>
+            <a:br>
+              <a:rPr lang="en-US" altLang="ko-KR" sz="1200" dirty="0"/>
+            </a:br>
+            <a:r>
+              <a:rPr lang="en-US" altLang="ko-KR" sz="1200" dirty="0" smtClean="0"/>
+              <a:t>	- </a:t>
+            </a:r>
+            <a:r>
+              <a:rPr lang="ko-KR" altLang="en-US" sz="1200" dirty="0" smtClean="0"/>
+              <a:t>동영상</a:t>
+            </a:r>
+            <a:r>
+              <a:rPr lang="en-US" altLang="ko-KR" sz="1200" dirty="0"/>
+              <a:t/>
+            </a:r>
+            <a:br>
+              <a:rPr lang="en-US" altLang="ko-KR" sz="1200" dirty="0"/>
+            </a:br>
+            <a:r>
+              <a:rPr lang="en-US" altLang="ko-KR" sz="1200" dirty="0" smtClean="0"/>
+              <a:t>- </a:t>
+            </a:r>
+            <a:r>
+              <a:rPr lang="ko-KR" altLang="en-US" sz="1200" dirty="0" smtClean="0"/>
+              <a:t>칼럼 저장 기능</a:t>
+            </a:r>
+            <a:r>
+              <a:rPr lang="en-US" altLang="ko-KR" sz="1200" dirty="0" smtClean="0"/>
+              <a:t/>
+            </a:r>
+            <a:br>
+              <a:rPr lang="en-US" altLang="ko-KR" sz="1200" dirty="0" smtClean="0"/>
+            </a:br>
+            <a:r>
+              <a:rPr lang="en-US" altLang="ko-KR" sz="1200" dirty="0" smtClean="0"/>
+              <a:t>- </a:t>
+            </a:r>
+            <a:r>
+              <a:rPr lang="ko-KR" altLang="en-US" sz="1200" dirty="0" err="1" smtClean="0"/>
+              <a:t>댓글</a:t>
+            </a:r>
+            <a:r>
+              <a:rPr lang="ko-KR" altLang="en-US" sz="1200" dirty="0" smtClean="0"/>
+              <a:t> 작성 기능</a:t>
+            </a:r>
+            <a:r>
+              <a:rPr lang="en-US" altLang="ko-KR" sz="1200" dirty="0"/>
+              <a:t/>
+            </a:r>
+            <a:br>
+              <a:rPr lang="en-US" altLang="ko-KR" sz="1200" dirty="0"/>
+            </a:br>
+            <a:r>
+              <a:rPr lang="en-US" altLang="ko-KR" sz="1200" dirty="0" smtClean="0"/>
+              <a:t>- </a:t>
+            </a:r>
+            <a:r>
+              <a:rPr lang="ko-KR" altLang="en-US" sz="1200" dirty="0" err="1" smtClean="0"/>
+              <a:t>리댓글</a:t>
+            </a:r>
+            <a:r>
+              <a:rPr lang="ko-KR" altLang="en-US" sz="1200" dirty="0" smtClean="0"/>
+              <a:t> 작성 기능</a:t>
+            </a:r>
+            <a:r>
+              <a:rPr lang="en-US" altLang="ko-KR" sz="1200" dirty="0" smtClean="0"/>
+              <a:t/>
+            </a:r>
+            <a:br>
+              <a:rPr lang="en-US" altLang="ko-KR" sz="1200" dirty="0" smtClean="0"/>
+            </a:br>
+            <a:r>
+              <a:rPr lang="en-US" altLang="ko-KR" sz="1200" dirty="0" smtClean="0"/>
+              <a:t>- </a:t>
+            </a:r>
+            <a:r>
+              <a:rPr lang="ko-KR" altLang="en-US" sz="1200" dirty="0" smtClean="0"/>
+              <a:t>칼럼 </a:t>
+            </a:r>
+            <a:r>
+              <a:rPr lang="ko-KR" altLang="en-US" sz="1200" dirty="0" err="1" smtClean="0"/>
+              <a:t>뷰</a:t>
+            </a:r>
+            <a:r>
+              <a:rPr lang="ko-KR" altLang="en-US" sz="1200" dirty="0" smtClean="0"/>
+              <a:t> 카운트 기능</a:t>
+            </a:r>
+            <a:endParaRPr lang="en-US" altLang="ko-KR" sz="1200" dirty="0" smtClean="0"/>
+          </a:p>
+          <a:p>
+            <a:pPr marL="228600" indent="-228600">
+              <a:buAutoNum type="arabicPeriod"/>
+            </a:pPr>
+            <a:r>
+              <a:rPr lang="ko-KR" altLang="en-US" sz="1200" dirty="0" err="1" smtClean="0"/>
+              <a:t>내정보</a:t>
+            </a:r>
+            <a:r>
+              <a:rPr lang="en-US" altLang="ko-KR" sz="1200" dirty="0" smtClean="0"/>
+              <a:t/>
+            </a:r>
+            <a:br>
+              <a:rPr lang="en-US" altLang="ko-KR" sz="1200" dirty="0" smtClean="0"/>
+            </a:br>
+            <a:r>
+              <a:rPr lang="en-US" altLang="ko-KR" sz="1200" dirty="0" smtClean="0"/>
+              <a:t>- </a:t>
+            </a:r>
+            <a:r>
+              <a:rPr lang="ko-KR" altLang="en-US" sz="1200" dirty="0" smtClean="0"/>
+              <a:t>로그인 로그아웃</a:t>
+            </a:r>
+            <a:r>
+              <a:rPr lang="en-US" altLang="ko-KR" sz="1200" dirty="0" smtClean="0"/>
+              <a:t/>
+            </a:r>
+            <a:br>
+              <a:rPr lang="en-US" altLang="ko-KR" sz="1200" dirty="0" smtClean="0"/>
+            </a:br>
+            <a:r>
+              <a:rPr lang="en-US" altLang="ko-KR" sz="1200" dirty="0" smtClean="0"/>
+              <a:t>- </a:t>
+            </a:r>
+            <a:r>
+              <a:rPr lang="ko-KR" altLang="en-US" sz="1200" dirty="0" smtClean="0"/>
+              <a:t>설정</a:t>
+            </a:r>
+            <a:r>
+              <a:rPr lang="en-US" altLang="ko-KR" sz="1200" dirty="0" smtClean="0"/>
+              <a:t/>
+            </a:r>
+            <a:br>
+              <a:rPr lang="en-US" altLang="ko-KR" sz="1200" dirty="0" smtClean="0"/>
+            </a:br>
+            <a:r>
+              <a:rPr lang="en-US" altLang="ko-KR" sz="1200" dirty="0" smtClean="0"/>
+              <a:t>	- </a:t>
+            </a:r>
+            <a:r>
+              <a:rPr lang="ko-KR" altLang="en-US" sz="1200" dirty="0" err="1" smtClean="0"/>
+              <a:t>알람창</a:t>
+            </a:r>
+            <a:r>
+              <a:rPr lang="ko-KR" altLang="en-US" sz="1200" dirty="0" smtClean="0"/>
+              <a:t> 설정</a:t>
+            </a:r>
+            <a:r>
+              <a:rPr lang="en-US" altLang="ko-KR" sz="1200" dirty="0" smtClean="0"/>
+              <a:t/>
+            </a:r>
+            <a:br>
+              <a:rPr lang="en-US" altLang="ko-KR" sz="1200" dirty="0" smtClean="0"/>
+            </a:br>
+            <a:r>
+              <a:rPr lang="en-US" altLang="ko-KR" sz="1200" dirty="0" smtClean="0"/>
+              <a:t>	- </a:t>
+            </a:r>
+            <a:r>
+              <a:rPr lang="ko-KR" altLang="en-US" sz="1200" dirty="0" smtClean="0"/>
+              <a:t>이용약관</a:t>
+            </a:r>
+            <a:r>
+              <a:rPr lang="en-US" altLang="ko-KR" sz="1200" dirty="0" smtClean="0"/>
+              <a:t/>
+            </a:r>
+            <a:br>
+              <a:rPr lang="en-US" altLang="ko-KR" sz="1200" dirty="0" smtClean="0"/>
+            </a:br>
+            <a:r>
+              <a:rPr lang="en-US" altLang="ko-KR" sz="1200" dirty="0" smtClean="0"/>
+              <a:t>	- </a:t>
+            </a:r>
+            <a:r>
+              <a:rPr lang="ko-KR" altLang="en-US" sz="1200" dirty="0" smtClean="0"/>
+              <a:t>문의하기</a:t>
+            </a:r>
+            <a:r>
+              <a:rPr lang="en-US" altLang="ko-KR" sz="1200" dirty="0" smtClean="0"/>
+              <a:t/>
+            </a:r>
+            <a:br>
+              <a:rPr lang="en-US" altLang="ko-KR" sz="1200" dirty="0" smtClean="0"/>
+            </a:br>
+            <a:r>
+              <a:rPr lang="en-US" altLang="ko-KR" sz="1200" dirty="0" smtClean="0"/>
+              <a:t>	- </a:t>
+            </a:r>
+            <a:r>
+              <a:rPr lang="ko-KR" altLang="en-US" sz="1200" dirty="0" smtClean="0"/>
+              <a:t>회사정보</a:t>
+            </a:r>
+            <a:r>
+              <a:rPr lang="en-US" altLang="ko-KR" sz="1200" dirty="0" smtClean="0"/>
+              <a:t/>
+            </a:r>
+            <a:br>
+              <a:rPr lang="en-US" altLang="ko-KR" sz="1200" dirty="0" smtClean="0"/>
+            </a:br>
+            <a:r>
+              <a:rPr lang="en-US" altLang="ko-KR" sz="1200" dirty="0" smtClean="0"/>
+              <a:t>- </a:t>
+            </a:r>
+            <a:r>
+              <a:rPr lang="ko-KR" altLang="en-US" sz="1200" dirty="0" smtClean="0"/>
+              <a:t>이벤트 리스트</a:t>
+            </a:r>
+            <a:r>
+              <a:rPr lang="en-US" altLang="ko-KR" sz="1200" dirty="0" smtClean="0"/>
+              <a:t/>
+            </a:r>
+            <a:br>
+              <a:rPr lang="en-US" altLang="ko-KR" sz="1200" dirty="0" smtClean="0"/>
+            </a:br>
+            <a:r>
+              <a:rPr lang="en-US" altLang="ko-KR" sz="1200" dirty="0" smtClean="0"/>
+              <a:t>- </a:t>
+            </a:r>
+            <a:r>
+              <a:rPr lang="ko-KR" altLang="en-US" sz="1200" dirty="0" smtClean="0"/>
+              <a:t>공지사항 리스트</a:t>
+            </a:r>
+            <a:r>
+              <a:rPr lang="en-US" altLang="ko-KR" sz="1200" dirty="0" smtClean="0"/>
+              <a:t/>
+            </a:r>
+            <a:br>
+              <a:rPr lang="en-US" altLang="ko-KR" sz="1200" dirty="0" smtClean="0"/>
+            </a:br>
+            <a:r>
+              <a:rPr lang="en-US" altLang="ko-KR" sz="1200" dirty="0" smtClean="0"/>
+              <a:t>- </a:t>
+            </a:r>
+            <a:r>
+              <a:rPr lang="ko-KR" altLang="en-US" sz="1200" dirty="0" err="1" smtClean="0"/>
+              <a:t>앱</a:t>
+            </a:r>
+            <a:r>
+              <a:rPr lang="ko-KR" altLang="en-US" sz="1200" dirty="0" smtClean="0"/>
+              <a:t> 정보</a:t>
+            </a:r>
+            <a:endParaRPr lang="en-US" altLang="ko-KR" sz="1200" dirty="0" smtClean="0"/>
+          </a:p>
+          <a:p>
+            <a:endParaRPr lang="ko-KR" altLang="en-US" sz="1200" dirty="0"/>
+          </a:p>
+        </p:txBody>
+      </p:sp>
+      <p:sp>
+        <p:nvSpPr>
+          <p:cNvPr id="7" name="TextBox 6"/>
+          <p:cNvSpPr txBox="1"/>
+          <p:nvPr/>
+        </p:nvSpPr>
+        <p:spPr>
+          <a:xfrm>
+            <a:off x="3501008" y="425788"/>
+            <a:ext cx="3248744" cy="2677656"/>
+          </a:xfrm>
+          <a:prstGeom prst="rect">
+            <a:avLst/>
+          </a:prstGeom>
+          <a:noFill/>
+          <a:ln>
+            <a:solidFill>
+              <a:schemeClr val="tx1"/>
+            </a:solidFill>
+          </a:ln>
+        </p:spPr>
+        <p:txBody>
+          <a:bodyPr wrap="square" rtlCol="0">
+            <a:spAutoFit/>
+          </a:bodyPr>
+          <a:lstStyle/>
+          <a:p>
+            <a:r>
+              <a:rPr lang="ko-KR" altLang="en-US" sz="1200" dirty="0" smtClean="0"/>
+              <a:t>관리자</a:t>
+            </a:r>
+            <a:endParaRPr lang="en-US" altLang="ko-KR" sz="1200" dirty="0" smtClean="0"/>
+          </a:p>
+          <a:p>
+            <a:pPr marL="228600" indent="-228600">
+              <a:buAutoNum type="arabicPeriod"/>
+            </a:pPr>
+            <a:r>
+              <a:rPr lang="ko-KR" altLang="en-US" sz="1200" dirty="0" smtClean="0"/>
+              <a:t>회원 계정 관리</a:t>
+            </a:r>
+            <a:r>
+              <a:rPr lang="en-US" altLang="ko-KR" sz="1200" dirty="0"/>
+              <a:t/>
+            </a:r>
+            <a:br>
+              <a:rPr lang="en-US" altLang="ko-KR" sz="1200" dirty="0"/>
+            </a:br>
+            <a:r>
+              <a:rPr lang="en-US" altLang="ko-KR" sz="1200" dirty="0" smtClean="0"/>
+              <a:t>- </a:t>
+            </a:r>
+            <a:r>
+              <a:rPr lang="ko-KR" altLang="en-US" sz="1200" dirty="0" smtClean="0"/>
+              <a:t>회원 권한</a:t>
+            </a:r>
+            <a:r>
+              <a:rPr lang="en-US" altLang="ko-KR" sz="1200" dirty="0" smtClean="0"/>
+              <a:t/>
+            </a:r>
+            <a:br>
+              <a:rPr lang="en-US" altLang="ko-KR" sz="1200" dirty="0" smtClean="0"/>
+            </a:br>
+            <a:r>
+              <a:rPr lang="en-US" altLang="ko-KR" sz="1200" dirty="0" smtClean="0"/>
+              <a:t>- </a:t>
+            </a:r>
+            <a:r>
+              <a:rPr lang="ko-KR" altLang="en-US" sz="1200" dirty="0" smtClean="0"/>
+              <a:t>회원 정지</a:t>
+            </a:r>
+            <a:r>
+              <a:rPr lang="en-US" altLang="ko-KR" sz="1200" dirty="0" smtClean="0"/>
+              <a:t/>
+            </a:r>
+            <a:br>
+              <a:rPr lang="en-US" altLang="ko-KR" sz="1200" dirty="0" smtClean="0"/>
+            </a:br>
+            <a:r>
+              <a:rPr lang="en-US" altLang="ko-KR" sz="1200" dirty="0" smtClean="0"/>
+              <a:t>- </a:t>
+            </a:r>
+            <a:r>
+              <a:rPr lang="ko-KR" altLang="en-US" sz="1200" dirty="0" smtClean="0"/>
+              <a:t>회원 경고</a:t>
+            </a:r>
+            <a:r>
+              <a:rPr lang="en-US" altLang="ko-KR" sz="1200" dirty="0" smtClean="0"/>
+              <a:t>(how)</a:t>
+            </a:r>
+            <a:endParaRPr lang="en-US" altLang="ko-KR" sz="1200" dirty="0"/>
+          </a:p>
+          <a:p>
+            <a:pPr marL="228600" indent="-228600">
+              <a:buAutoNum type="arabicPeriod"/>
+            </a:pPr>
+            <a:r>
+              <a:rPr lang="ko-KR" altLang="en-US" sz="1200" dirty="0" smtClean="0"/>
+              <a:t>문의사항 답변</a:t>
+            </a:r>
+            <a:r>
+              <a:rPr lang="en-US" altLang="ko-KR" sz="1200" dirty="0" smtClean="0"/>
+              <a:t/>
+            </a:r>
+            <a:br>
+              <a:rPr lang="en-US" altLang="ko-KR" sz="1200" dirty="0" smtClean="0"/>
+            </a:br>
+            <a:r>
+              <a:rPr lang="en-US" altLang="ko-KR" sz="1200" dirty="0" smtClean="0"/>
+              <a:t>- </a:t>
+            </a:r>
+            <a:r>
+              <a:rPr lang="ko-KR" altLang="en-US" sz="1200" dirty="0" smtClean="0"/>
+              <a:t>문의 내용 보기</a:t>
+            </a:r>
+            <a:r>
+              <a:rPr lang="en-US" altLang="ko-KR" sz="1200" dirty="0" smtClean="0"/>
+              <a:t/>
+            </a:r>
+            <a:br>
+              <a:rPr lang="en-US" altLang="ko-KR" sz="1200" dirty="0" smtClean="0"/>
+            </a:br>
+            <a:r>
+              <a:rPr lang="en-US" altLang="ko-KR" sz="1200" dirty="0" smtClean="0"/>
+              <a:t>- </a:t>
+            </a:r>
+            <a:r>
+              <a:rPr lang="ko-KR" altLang="en-US" sz="1200" dirty="0" smtClean="0"/>
+              <a:t>문의 내용 답변</a:t>
+            </a:r>
+            <a:r>
+              <a:rPr lang="en-US" altLang="ko-KR" sz="1200" dirty="0"/>
+              <a:t/>
+            </a:r>
+            <a:br>
+              <a:rPr lang="en-US" altLang="ko-KR" sz="1200" dirty="0"/>
+            </a:br>
+            <a:r>
+              <a:rPr lang="en-US" altLang="ko-KR" sz="1200" dirty="0" smtClean="0"/>
+              <a:t>	- </a:t>
+            </a:r>
+            <a:r>
+              <a:rPr lang="ko-KR" altLang="en-US" sz="1200" dirty="0" smtClean="0"/>
+              <a:t>문의 내용 작성</a:t>
+            </a:r>
+            <a:r>
+              <a:rPr lang="en-US" altLang="ko-KR" sz="1200" dirty="0" smtClean="0"/>
+              <a:t/>
+            </a:r>
+            <a:br>
+              <a:rPr lang="en-US" altLang="ko-KR" sz="1200" dirty="0" smtClean="0"/>
+            </a:br>
+            <a:r>
+              <a:rPr lang="en-US" altLang="ko-KR" sz="1200" dirty="0" smtClean="0"/>
+              <a:t>	- </a:t>
+            </a:r>
+            <a:r>
+              <a:rPr lang="ko-KR" altLang="en-US" sz="1200" dirty="0" smtClean="0"/>
+              <a:t>문의 카테고리 필터</a:t>
+            </a:r>
+            <a:r>
+              <a:rPr lang="en-US" altLang="ko-KR" sz="1200" dirty="0"/>
+              <a:t/>
+            </a:r>
+            <a:br>
+              <a:rPr lang="en-US" altLang="ko-KR" sz="1200" dirty="0"/>
+            </a:br>
+            <a:r>
+              <a:rPr lang="en-US" altLang="ko-KR" sz="1200" dirty="0" smtClean="0"/>
+              <a:t>	- </a:t>
+            </a:r>
+            <a:r>
+              <a:rPr lang="ko-KR" altLang="en-US" sz="1200" dirty="0" smtClean="0"/>
+              <a:t>문의 시간 별 필터</a:t>
+            </a:r>
+            <a:endParaRPr lang="en-US" altLang="ko-KR" sz="1200" dirty="0" smtClean="0"/>
+          </a:p>
+          <a:p>
+            <a:pPr marL="228600" indent="-228600">
+              <a:buAutoNum type="arabicPeriod"/>
+            </a:pPr>
+            <a:r>
+              <a:rPr lang="ko-KR" altLang="en-US" sz="1200" dirty="0" smtClean="0"/>
+              <a:t>칼럼 작성</a:t>
+            </a:r>
+            <a:endParaRPr lang="en-US" altLang="ko-KR" sz="1200" dirty="0" smtClean="0"/>
+          </a:p>
+          <a:p>
+            <a:pPr marL="228600" indent="-228600">
+              <a:buAutoNum type="arabicPeriod"/>
+            </a:pPr>
+            <a:r>
+              <a:rPr lang="ko-KR" altLang="en-US" sz="1200" dirty="0" smtClean="0"/>
+              <a:t>추천장소 리스트 </a:t>
+            </a:r>
+            <a:r>
+              <a:rPr lang="en-US" altLang="ko-KR" sz="1200" dirty="0" smtClean="0"/>
+              <a:t>(-)</a:t>
+            </a:r>
+          </a:p>
+          <a:p>
+            <a:endParaRPr lang="ko-KR" altLang="en-US" sz="1200" dirty="0"/>
+          </a:p>
+        </p:txBody>
+      </p:sp>
+      <p:sp>
+        <p:nvSpPr>
+          <p:cNvPr id="2" name="TextBox 1"/>
+          <p:cNvSpPr txBox="1"/>
+          <p:nvPr/>
+        </p:nvSpPr>
+        <p:spPr>
+          <a:xfrm>
+            <a:off x="4365104" y="4376936"/>
+            <a:ext cx="4235968" cy="3416320"/>
+          </a:xfrm>
+          <a:prstGeom prst="rect">
+            <a:avLst/>
+          </a:prstGeom>
+          <a:noFill/>
+        </p:spPr>
+        <p:txBody>
+          <a:bodyPr wrap="none" rtlCol="0">
+            <a:spAutoFit/>
+          </a:bodyPr>
+          <a:lstStyle/>
+          <a:p>
+            <a:r>
+              <a:rPr kumimoji="1" lang="ko-KR" altLang="en-US" dirty="0" smtClean="0"/>
+              <a:t>계급 </a:t>
+            </a:r>
+            <a:r>
+              <a:rPr kumimoji="1" lang="en-US" altLang="ko-KR" dirty="0" smtClean="0"/>
+              <a:t>:</a:t>
+            </a:r>
+            <a:r>
+              <a:rPr kumimoji="1" lang="ko-KR" altLang="en-US" dirty="0" smtClean="0"/>
+              <a:t> </a:t>
+            </a:r>
+            <a:endParaRPr kumimoji="1" lang="en-US" altLang="ko-KR" dirty="0" smtClean="0"/>
+          </a:p>
+          <a:p>
+            <a:endParaRPr kumimoji="1" lang="en-US" altLang="ko-KR" dirty="0" smtClean="0"/>
+          </a:p>
+          <a:p>
+            <a:r>
+              <a:rPr kumimoji="1" lang="ko-KR" altLang="en-US" dirty="0" smtClean="0"/>
+              <a:t>코코아 씨앗</a:t>
+            </a:r>
+            <a:r>
+              <a:rPr kumimoji="1" lang="en-US" altLang="ko-KR" dirty="0" smtClean="0"/>
+              <a:t>(Cocoa Seeds)</a:t>
+            </a:r>
+          </a:p>
+          <a:p>
+            <a:r>
+              <a:rPr kumimoji="1" lang="ko-KR" altLang="en-US" dirty="0" smtClean="0"/>
+              <a:t>준 초콜릿</a:t>
+            </a:r>
+            <a:r>
+              <a:rPr kumimoji="1" lang="en-US" altLang="ko-KR" dirty="0" smtClean="0"/>
+              <a:t>(Semi-Chocolate) 7%</a:t>
+            </a:r>
+          </a:p>
+          <a:p>
+            <a:r>
+              <a:rPr kumimoji="1" lang="ko-KR" altLang="en-US" dirty="0" smtClean="0"/>
+              <a:t>화이트 초콜릿</a:t>
+            </a:r>
+            <a:r>
+              <a:rPr kumimoji="1" lang="en-US" altLang="ko-KR" dirty="0" smtClean="0"/>
+              <a:t>(White-Chocolate) 20%</a:t>
+            </a:r>
+          </a:p>
+          <a:p>
+            <a:r>
+              <a:rPr kumimoji="1" lang="ko-KR" altLang="en-US" dirty="0" smtClean="0"/>
+              <a:t>밀크 초콜릿</a:t>
+            </a:r>
+            <a:r>
+              <a:rPr kumimoji="1" lang="en-US" altLang="ko-KR" dirty="0" smtClean="0"/>
+              <a:t>(Milk-Chocolate) 25%</a:t>
+            </a:r>
+          </a:p>
+          <a:p>
+            <a:r>
+              <a:rPr kumimoji="1" lang="ko-KR" altLang="en-US" dirty="0" smtClean="0"/>
+              <a:t>스위트 초콜릿</a:t>
+            </a:r>
+            <a:r>
+              <a:rPr kumimoji="1" lang="en-US" altLang="ko-KR" dirty="0" smtClean="0"/>
+              <a:t>(Sweet-Chocolate) 30%</a:t>
+            </a:r>
+          </a:p>
+          <a:p>
+            <a:endParaRPr kumimoji="1" lang="en-US" altLang="ko-KR" dirty="0"/>
+          </a:p>
+          <a:p>
+            <a:r>
+              <a:rPr kumimoji="1" lang="en-US" altLang="ko-KR" dirty="0" smtClean="0"/>
+              <a:t>-</a:t>
+            </a:r>
+          </a:p>
+          <a:p>
+            <a:r>
+              <a:rPr kumimoji="1" lang="en-US" altLang="ko-KR" dirty="0" smtClean="0"/>
+              <a:t>-</a:t>
+            </a:r>
+          </a:p>
+          <a:p>
+            <a:r>
+              <a:rPr kumimoji="1" lang="ko-KR" altLang="en-US" dirty="0" smtClean="0"/>
+              <a:t>다크 초콜릿</a:t>
+            </a:r>
+            <a:r>
+              <a:rPr kumimoji="1" lang="en-US" altLang="ko-KR" dirty="0" smtClean="0"/>
+              <a:t>(Dark-Chocolate) 90%</a:t>
+            </a:r>
+            <a:r>
+              <a:rPr kumimoji="1" lang="ko-KR" altLang="en-US" dirty="0" smtClean="0"/>
+              <a:t> 이상</a:t>
+            </a:r>
+            <a:endParaRPr kumimoji="1" lang="en-US" altLang="ko-KR" dirty="0"/>
+          </a:p>
+          <a:p>
+            <a:endParaRPr kumimoji="1" lang="ko-KR" altLang="en-US" dirty="0"/>
+          </a:p>
+        </p:txBody>
+      </p:sp>
+      <p:sp>
+        <p:nvSpPr>
+          <p:cNvPr id="3" name="TextBox 2"/>
+          <p:cNvSpPr txBox="1"/>
+          <p:nvPr/>
+        </p:nvSpPr>
+        <p:spPr>
+          <a:xfrm>
+            <a:off x="4797152" y="3728864"/>
+            <a:ext cx="1173719" cy="369332"/>
+          </a:xfrm>
+          <a:prstGeom prst="rect">
+            <a:avLst/>
+          </a:prstGeom>
+          <a:noFill/>
+        </p:spPr>
+        <p:txBody>
+          <a:bodyPr wrap="none" rtlCol="0">
+            <a:spAutoFit/>
+          </a:bodyPr>
+          <a:lstStyle/>
+          <a:p>
+            <a:r>
+              <a:rPr kumimoji="1" lang="ko-KR" altLang="en-US" dirty="0" smtClean="0"/>
+              <a:t>앱 이름 </a:t>
+            </a:r>
+            <a:r>
+              <a:rPr kumimoji="1" lang="en-US" altLang="ko-KR" dirty="0" smtClean="0"/>
+              <a:t>:</a:t>
+            </a:r>
+            <a:r>
+              <a:rPr kumimoji="1" lang="ko-KR" altLang="en-US" dirty="0" smtClean="0"/>
+              <a:t> </a:t>
+            </a:r>
+            <a:endParaRPr kumimoji="1" lang="ko-KR" altLang="en-US" dirty="0"/>
+          </a:p>
+        </p:txBody>
+      </p:sp>
+    </p:spTree>
+    <p:extLst>
+      <p:ext uri="{BB962C8B-B14F-4D97-AF65-F5344CB8AC3E}">
+        <p14:creationId xmlns:p14="http://schemas.microsoft.com/office/powerpoint/2010/main" val="3610038272"/>
+      </p:ext>
+    </p:extLst>
+  </p:cSld>
+  <p:clrMapOvr>
+    <a:masterClrMapping/>
+  </p:clrMapOvr>
+  <p:timing>
+    <p:tnLst>
+      <p:par>
+        <p:cTn id="1" dur="indefinite" restart="never" nodeType="tmRoot"/>
+      </p:par>
+    </p:tnLst>
+  </p:timing>
+</p:sld>
+</file>
+
+<file path=ppt/slides/slide3.xml><?xml version="1.0" encoding="utf-8"?>
+<p:sld xmlns:a="http://schemas.openxmlformats.org/drawingml/2006/main" xmlns:r="http://schemas.openxmlformats.org/officeDocument/2006/relationships" xmlns:p="http://schemas.openxmlformats.org/presentationml/2006/main">
+  <p:cSld>
+    <p:spTree>
+      <p:nvGrpSpPr>
+        <p:cNvPr id="1" name=""/>
+        <p:cNvGrpSpPr/>
+        <p:nvPr/>
+      </p:nvGrpSpPr>
+      <p:grpSpPr>
+        <a:xfrm>
+          <a:off x="0" y="0"/>
+          <a:ext cx="0" cy="0"/>
+          <a:chOff x="0" y="0"/>
+          <a:chExt cx="0" cy="0"/>
+        </a:xfrm>
+      </p:grpSpPr>
+      <p:sp>
+        <p:nvSpPr>
+          <p:cNvPr id="4" name="TextBox 3"/>
+          <p:cNvSpPr txBox="1"/>
+          <p:nvPr/>
+        </p:nvSpPr>
+        <p:spPr>
+          <a:xfrm>
             <a:off x="24036" y="57448"/>
             <a:ext cx="6501308" cy="369332"/>
           </a:xfrm>
@@ -5314,7 +5435,7 @@
 </p:sld>
 </file>
 
-<file path=ppt/slides/slide3.xml><?xml version="1.0" encoding="utf-8"?>
+<file path=ppt/slides/slide4.xml><?xml version="1.0" encoding="utf-8"?>
 <p:sld xmlns:a="http://schemas.openxmlformats.org/drawingml/2006/main" xmlns:r="http://schemas.openxmlformats.org/officeDocument/2006/relationships" xmlns:p="http://schemas.openxmlformats.org/presentationml/2006/main">
   <p:cSld>
     <p:spTree>
@@ -5679,7 +5800,7 @@
 </p:sld>
 </file>
 
-<file path=ppt/slides/slide4.xml><?xml version="1.0" encoding="utf-8"?>
+<file path=ppt/slides/slide5.xml><?xml version="1.0" encoding="utf-8"?>
 <p:sld xmlns:a="http://schemas.openxmlformats.org/drawingml/2006/main" xmlns:r="http://schemas.openxmlformats.org/officeDocument/2006/relationships" xmlns:p="http://schemas.openxmlformats.org/presentationml/2006/main">
   <p:cSld>
     <p:spTree>
@@ -5705,7 +5826,7 @@
           <p:nvPr/>
         </p:nvPicPr>
         <p:blipFill>
-          <a:blip r:embed="rId2">
+          <a:blip r:embed="rId2" cstate="print">
             <a:extLst>
               <a:ext uri="{28A0092B-C50C-407E-A947-70E740481C1C}">
                 <a14:useLocalDpi xmlns:a14="http://schemas.microsoft.com/office/drawing/2010/main" val="0"/>
@@ -5735,7 +5856,7 @@
           <p:nvPr/>
         </p:nvPicPr>
         <p:blipFill>
-          <a:blip r:embed="rId3">
+          <a:blip r:embed="rId3" cstate="print">
             <a:extLst>
               <a:ext uri="{28A0092B-C50C-407E-A947-70E740481C1C}">
                 <a14:useLocalDpi xmlns:a14="http://schemas.microsoft.com/office/drawing/2010/main" val="0"/>
@@ -5765,7 +5886,7 @@
           <p:nvPr/>
         </p:nvPicPr>
         <p:blipFill>
-          <a:blip r:embed="rId4">
+          <a:blip r:embed="rId4" cstate="print">
             <a:extLst>
               <a:ext uri="{28A0092B-C50C-407E-A947-70E740481C1C}">
                 <a14:useLocalDpi xmlns:a14="http://schemas.microsoft.com/office/drawing/2010/main" val="0"/>
@@ -5795,7 +5916,7 @@
           <p:nvPr/>
         </p:nvPicPr>
         <p:blipFill>
-          <a:blip r:embed="rId5">
+          <a:blip r:embed="rId5" cstate="print">
             <a:extLst>
               <a:ext uri="{28A0092B-C50C-407E-A947-70E740481C1C}">
                 <a14:useLocalDpi xmlns:a14="http://schemas.microsoft.com/office/drawing/2010/main" val="0"/>
@@ -5825,7 +5946,7 @@
           <p:nvPr/>
         </p:nvPicPr>
         <p:blipFill>
-          <a:blip r:embed="rId6">
+          <a:blip r:embed="rId6" cstate="print">
             <a:extLst>
               <a:ext uri="{28A0092B-C50C-407E-A947-70E740481C1C}">
                 <a14:useLocalDpi xmlns:a14="http://schemas.microsoft.com/office/drawing/2010/main" val="0"/>
@@ -5855,7 +5976,7 @@
           <p:nvPr/>
         </p:nvPicPr>
         <p:blipFill>
-          <a:blip r:embed="rId7">
+          <a:blip r:embed="rId7" cstate="print">
             <a:extLst>
               <a:ext uri="{28A0092B-C50C-407E-A947-70E740481C1C}">
                 <a14:useLocalDpi xmlns:a14="http://schemas.microsoft.com/office/drawing/2010/main" val="0"/>
@@ -5889,7 +6010,7 @@
 </p:sld>
 </file>
 
-<file path=ppt/slides/slide5.xml><?xml version="1.0" encoding="utf-8"?>
+<file path=ppt/slides/slide6.xml><?xml version="1.0" encoding="utf-8"?>
 <p:sld xmlns:a="http://schemas.openxmlformats.org/drawingml/2006/main" xmlns:r="http://schemas.openxmlformats.org/officeDocument/2006/relationships" xmlns:p="http://schemas.openxmlformats.org/presentationml/2006/main">
   <p:cSld>
     <p:spTree>
@@ -5915,7 +6036,7 @@
           <p:nvPr/>
         </p:nvPicPr>
         <p:blipFill>
-          <a:blip r:embed="rId2">
+          <a:blip r:embed="rId2" cstate="print">
             <a:extLst>
               <a:ext uri="{28A0092B-C50C-407E-A947-70E740481C1C}">
                 <a14:useLocalDpi xmlns:a14="http://schemas.microsoft.com/office/drawing/2010/main" val="0"/>
@@ -5945,7 +6066,7 @@
           <p:nvPr/>
         </p:nvPicPr>
         <p:blipFill>
-          <a:blip r:embed="rId3">
+          <a:blip r:embed="rId3" cstate="print">
             <a:extLst>
               <a:ext uri="{28A0092B-C50C-407E-A947-70E740481C1C}">
                 <a14:useLocalDpi xmlns:a14="http://schemas.microsoft.com/office/drawing/2010/main" val="0"/>
@@ -5979,7 +6100,7 @@
 </p:sld>
 </file>
 
-<file path=ppt/slides/slide6.xml><?xml version="1.0" encoding="utf-8"?>
+<file path=ppt/slides/slide7.xml><?xml version="1.0" encoding="utf-8"?>
 <p:sld xmlns:a="http://schemas.openxmlformats.org/drawingml/2006/main" xmlns:r="http://schemas.openxmlformats.org/officeDocument/2006/relationships" xmlns:p="http://schemas.openxmlformats.org/presentationml/2006/main">
   <p:cSld>
     <p:spTree>
@@ -6099,7 +6220,7 @@
 </p:sld>
 </file>
 
-<file path=ppt/slides/slide7.xml><?xml version="1.0" encoding="utf-8"?>
+<file path=ppt/slides/slide8.xml><?xml version="1.0" encoding="utf-8"?>
 <p:sld xmlns:a="http://schemas.openxmlformats.org/drawingml/2006/main" xmlns:r="http://schemas.openxmlformats.org/officeDocument/2006/relationships" xmlns:p="http://schemas.openxmlformats.org/presentationml/2006/main">
   <p:cSld>
     <p:spTree>
@@ -6125,7 +6246,7 @@
           <p:nvPr/>
         </p:nvPicPr>
         <p:blipFill>
-          <a:blip r:embed="rId2">
+          <a:blip r:embed="rId2" cstate="print">
             <a:extLst>
               <a:ext uri="{28A0092B-C50C-407E-A947-70E740481C1C}">
                 <a14:useLocalDpi xmlns:a14="http://schemas.microsoft.com/office/drawing/2010/main" val="0"/>
@@ -6155,7 +6276,7 @@
           <p:nvPr/>
         </p:nvPicPr>
         <p:blipFill>
-          <a:blip r:embed="rId3">
+          <a:blip r:embed="rId3" cstate="print">
             <a:extLst>
               <a:ext uri="{28A0092B-C50C-407E-A947-70E740481C1C}">
                 <a14:useLocalDpi xmlns:a14="http://schemas.microsoft.com/office/drawing/2010/main" val="0"/>
@@ -6185,7 +6306,7 @@
           <p:nvPr/>
         </p:nvPicPr>
         <p:blipFill>
-          <a:blip r:embed="rId4">
+          <a:blip r:embed="rId4" cstate="print">
             <a:extLst>
               <a:ext uri="{28A0092B-C50C-407E-A947-70E740481C1C}">
                 <a14:useLocalDpi xmlns:a14="http://schemas.microsoft.com/office/drawing/2010/main" val="0"/>
@@ -6210,156 +6331,6 @@
     <p:extLst>
       <p:ext uri="{BB962C8B-B14F-4D97-AF65-F5344CB8AC3E}">
         <p14:creationId xmlns:p14="http://schemas.microsoft.com/office/powerpoint/2010/main" val="1345728276"/>
-      </p:ext>
-    </p:extLst>
-  </p:cSld>
-  <p:clrMapOvr>
-    <a:masterClrMapping/>
-  </p:clrMapOvr>
-</p:sld>
-</file>
-
-<file path=ppt/slides/slide8.xml><?xml version="1.0" encoding="utf-8"?>
-<p:sld xmlns:a="http://schemas.openxmlformats.org/drawingml/2006/main" xmlns:r="http://schemas.openxmlformats.org/officeDocument/2006/relationships" xmlns:p="http://schemas.openxmlformats.org/presentationml/2006/main">
-  <p:cSld>
-    <p:spTree>
-      <p:nvGrpSpPr>
-        <p:cNvPr id="1" name=""/>
-        <p:cNvGrpSpPr/>
-        <p:nvPr/>
-      </p:nvGrpSpPr>
-      <p:grpSpPr>
-        <a:xfrm>
-          <a:off x="0" y="0"/>
-          <a:ext cx="0" cy="0"/>
-          <a:chOff x="0" y="0"/>
-          <a:chExt cx="0" cy="0"/>
-        </a:xfrm>
-      </p:grpSpPr>
-      <p:pic>
-        <p:nvPicPr>
-          <p:cNvPr id="2" name="그림 1"/>
-          <p:cNvPicPr>
-            <a:picLocks noChangeAspect="1"/>
-          </p:cNvPicPr>
-          <p:nvPr/>
-        </p:nvPicPr>
-        <p:blipFill>
-          <a:blip r:embed="rId2">
-            <a:extLst>
-              <a:ext uri="{28A0092B-C50C-407E-A947-70E740481C1C}">
-                <a14:useLocalDpi xmlns:a14="http://schemas.microsoft.com/office/drawing/2010/main" val="0"/>
-              </a:ext>
-            </a:extLst>
-          </a:blip>
-          <a:stretch>
-            <a:fillRect/>
-          </a:stretch>
-        </p:blipFill>
-        <p:spPr>
-          <a:xfrm>
-            <a:off x="116632" y="128464"/>
-            <a:ext cx="2025225" cy="3600400"/>
-          </a:xfrm>
-          <a:prstGeom prst="rect">
-            <a:avLst/>
-          </a:prstGeom>
-        </p:spPr>
-      </p:pic>
-      <p:pic>
-        <p:nvPicPr>
-          <p:cNvPr id="3" name="그림 2"/>
-          <p:cNvPicPr>
-            <a:picLocks noChangeAspect="1"/>
-          </p:cNvPicPr>
-          <p:nvPr/>
-        </p:nvPicPr>
-        <p:blipFill>
-          <a:blip r:embed="rId3">
-            <a:extLst>
-              <a:ext uri="{28A0092B-C50C-407E-A947-70E740481C1C}">
-                <a14:useLocalDpi xmlns:a14="http://schemas.microsoft.com/office/drawing/2010/main" val="0"/>
-              </a:ext>
-            </a:extLst>
-          </a:blip>
-          <a:stretch>
-            <a:fillRect/>
-          </a:stretch>
-        </p:blipFill>
-        <p:spPr>
-          <a:xfrm>
-            <a:off x="2195863" y="128464"/>
-            <a:ext cx="2025225" cy="3600400"/>
-          </a:xfrm>
-          <a:prstGeom prst="rect">
-            <a:avLst/>
-          </a:prstGeom>
-        </p:spPr>
-      </p:pic>
-      <p:pic>
-        <p:nvPicPr>
-          <p:cNvPr id="4" name="그림 3"/>
-          <p:cNvPicPr>
-            <a:picLocks noChangeAspect="1"/>
-          </p:cNvPicPr>
-          <p:nvPr/>
-        </p:nvPicPr>
-        <p:blipFill>
-          <a:blip r:embed="rId4">
-            <a:extLst>
-              <a:ext uri="{28A0092B-C50C-407E-A947-70E740481C1C}">
-                <a14:useLocalDpi xmlns:a14="http://schemas.microsoft.com/office/drawing/2010/main" val="0"/>
-              </a:ext>
-            </a:extLst>
-          </a:blip>
-          <a:stretch>
-            <a:fillRect/>
-          </a:stretch>
-        </p:blipFill>
-        <p:spPr>
-          <a:xfrm>
-            <a:off x="116633" y="3728864"/>
-            <a:ext cx="2025225" cy="3600400"/>
-          </a:xfrm>
-          <a:prstGeom prst="rect">
-            <a:avLst/>
-          </a:prstGeom>
-        </p:spPr>
-      </p:pic>
-      <p:pic>
-        <p:nvPicPr>
-          <p:cNvPr id="5" name="그림 4"/>
-          <p:cNvPicPr>
-            <a:picLocks noChangeAspect="1"/>
-          </p:cNvPicPr>
-          <p:nvPr/>
-        </p:nvPicPr>
-        <p:blipFill>
-          <a:blip r:embed="rId5">
-            <a:extLst>
-              <a:ext uri="{28A0092B-C50C-407E-A947-70E740481C1C}">
-                <a14:useLocalDpi xmlns:a14="http://schemas.microsoft.com/office/drawing/2010/main" val="0"/>
-              </a:ext>
-            </a:extLst>
-          </a:blip>
-          <a:stretch>
-            <a:fillRect/>
-          </a:stretch>
-        </p:blipFill>
-        <p:spPr>
-          <a:xfrm>
-            <a:off x="2201724" y="3728864"/>
-            <a:ext cx="2027100" cy="3600400"/>
-          </a:xfrm>
-          <a:prstGeom prst="rect">
-            <a:avLst/>
-          </a:prstGeom>
-        </p:spPr>
-      </p:pic>
-    </p:spTree>
-    <p:extLst>
-      <p:ext uri="{BB962C8B-B14F-4D97-AF65-F5344CB8AC3E}">
-        <p14:creationId xmlns:p14="http://schemas.microsoft.com/office/powerpoint/2010/main" val="581685385"/>
       </p:ext>
     </p:extLst>
   </p:cSld>
@@ -6395,7 +6366,7 @@
           <p:nvPr/>
         </p:nvPicPr>
         <p:blipFill>
-          <a:blip r:embed="rId2">
+          <a:blip r:embed="rId2" cstate="print">
             <a:extLst>
               <a:ext uri="{28A0092B-C50C-407E-A947-70E740481C1C}">
                 <a14:useLocalDpi xmlns:a14="http://schemas.microsoft.com/office/drawing/2010/main" val="0"/>
@@ -6408,8 +6379,98 @@
         </p:blipFill>
         <p:spPr>
           <a:xfrm>
-            <a:off x="332656" y="200472"/>
-            <a:ext cx="2016224" cy="3584398"/>
+            <a:off x="116632" y="128464"/>
+            <a:ext cx="2025225" cy="3600400"/>
+          </a:xfrm>
+          <a:prstGeom prst="rect">
+            <a:avLst/>
+          </a:prstGeom>
+        </p:spPr>
+      </p:pic>
+      <p:pic>
+        <p:nvPicPr>
+          <p:cNvPr id="3" name="그림 2"/>
+          <p:cNvPicPr>
+            <a:picLocks noChangeAspect="1"/>
+          </p:cNvPicPr>
+          <p:nvPr/>
+        </p:nvPicPr>
+        <p:blipFill>
+          <a:blip r:embed="rId3" cstate="print">
+            <a:extLst>
+              <a:ext uri="{28A0092B-C50C-407E-A947-70E740481C1C}">
+                <a14:useLocalDpi xmlns:a14="http://schemas.microsoft.com/office/drawing/2010/main" val="0"/>
+              </a:ext>
+            </a:extLst>
+          </a:blip>
+          <a:stretch>
+            <a:fillRect/>
+          </a:stretch>
+        </p:blipFill>
+        <p:spPr>
+          <a:xfrm>
+            <a:off x="2195863" y="128464"/>
+            <a:ext cx="2025225" cy="3600400"/>
+          </a:xfrm>
+          <a:prstGeom prst="rect">
+            <a:avLst/>
+          </a:prstGeom>
+        </p:spPr>
+      </p:pic>
+      <p:pic>
+        <p:nvPicPr>
+          <p:cNvPr id="4" name="그림 3"/>
+          <p:cNvPicPr>
+            <a:picLocks noChangeAspect="1"/>
+          </p:cNvPicPr>
+          <p:nvPr/>
+        </p:nvPicPr>
+        <p:blipFill>
+          <a:blip r:embed="rId4" cstate="print">
+            <a:extLst>
+              <a:ext uri="{28A0092B-C50C-407E-A947-70E740481C1C}">
+                <a14:useLocalDpi xmlns:a14="http://schemas.microsoft.com/office/drawing/2010/main" val="0"/>
+              </a:ext>
+            </a:extLst>
+          </a:blip>
+          <a:stretch>
+            <a:fillRect/>
+          </a:stretch>
+        </p:blipFill>
+        <p:spPr>
+          <a:xfrm>
+            <a:off x="116633" y="3728864"/>
+            <a:ext cx="2025225" cy="3600400"/>
+          </a:xfrm>
+          <a:prstGeom prst="rect">
+            <a:avLst/>
+          </a:prstGeom>
+        </p:spPr>
+      </p:pic>
+      <p:pic>
+        <p:nvPicPr>
+          <p:cNvPr id="5" name="그림 4"/>
+          <p:cNvPicPr>
+            <a:picLocks noChangeAspect="1"/>
+          </p:cNvPicPr>
+          <p:nvPr/>
+        </p:nvPicPr>
+        <p:blipFill>
+          <a:blip r:embed="rId5" cstate="print">
+            <a:extLst>
+              <a:ext uri="{28A0092B-C50C-407E-A947-70E740481C1C}">
+                <a14:useLocalDpi xmlns:a14="http://schemas.microsoft.com/office/drawing/2010/main" val="0"/>
+              </a:ext>
+            </a:extLst>
+          </a:blip>
+          <a:stretch>
+            <a:fillRect/>
+          </a:stretch>
+        </p:blipFill>
+        <p:spPr>
+          <a:xfrm>
+            <a:off x="2201724" y="3728864"/>
+            <a:ext cx="2027100" cy="3600400"/>
           </a:xfrm>
           <a:prstGeom prst="rect">
             <a:avLst/>
@@ -6419,7 +6480,7 @@
     </p:spTree>
     <p:extLst>
       <p:ext uri="{BB962C8B-B14F-4D97-AF65-F5344CB8AC3E}">
-        <p14:creationId xmlns:p14="http://schemas.microsoft.com/office/powerpoint/2010/main" val="1463779030"/>
+        <p14:creationId xmlns:p14="http://schemas.microsoft.com/office/powerpoint/2010/main" val="581685385"/>
       </p:ext>
     </p:extLst>
   </p:cSld>

--- a/inchon_sheet/Inchon_Process.pptx
+++ b/inchon_sheet/Inchon_Process.pptx
@@ -7,16 +7,12 @@
   <p:sldIdLst>
     <p:sldId id="267" r:id="rId2"/>
     <p:sldId id="256" r:id="rId3"/>
-    <p:sldId id="257" r:id="rId4"/>
-    <p:sldId id="258" r:id="rId5"/>
-    <p:sldId id="261" r:id="rId6"/>
+    <p:sldId id="258" r:id="rId4"/>
+    <p:sldId id="261" r:id="rId5"/>
+    <p:sldId id="269" r:id="rId6"/>
     <p:sldId id="262" r:id="rId7"/>
     <p:sldId id="264" r:id="rId8"/>
-    <p:sldId id="265" r:id="rId9"/>
-    <p:sldId id="263" r:id="rId10"/>
-    <p:sldId id="266" r:id="rId11"/>
-    <p:sldId id="259" r:id="rId12"/>
-    <p:sldId id="260" r:id="rId13"/>
+    <p:sldId id="268" r:id="rId9"/>
   </p:sldIdLst>
   <p:sldSz cx="6858000" cy="9906000" type="A4"/>
   <p:notesSz cx="6858000" cy="9144000"/>
@@ -117,7 +113,7 @@
   </p:defaultTextStyle>
   <p:extLst>
     <p:ext uri="{EFAFB233-063F-42B5-8137-9DF3F51BA10A}">
-      <p15:sldGuideLst xmlns:p15="http://schemas.microsoft.com/office/powerpoint/2012/main" xmlns="">
+      <p15:sldGuideLst xmlns="" xmlns:p15="http://schemas.microsoft.com/office/powerpoint/2012/main">
         <p15:guide id="1" orient="horz" pos="3120">
           <p15:clr>
             <a:srgbClr val="A4A3A4"/>
@@ -145,27 +141,6 @@
   <p:cm authorId="0" dt="2017-08-30T13:49:42.164" idx="4">
     <p:pos x="10" y="10"/>
     <p:text/>
-  </p:cm>
-</p:cmLst>
-</file>
-
-<file path=ppt/comments/comment2.xml><?xml version="1.0" encoding="utf-8"?>
-<p:cmLst xmlns:a="http://schemas.openxmlformats.org/drawingml/2006/main" xmlns:r="http://schemas.openxmlformats.org/officeDocument/2006/relationships" xmlns:p="http://schemas.openxmlformats.org/presentationml/2006/main">
-  <p:cm authorId="0" dt="2017-08-28T18:39:56.914" idx="2">
-    <p:pos x="4346" y="170"/>
-    <p:text>로그인 API 시에 현재 최소 1개 ~ 3개로 생각중입니다.</p:text>
-  </p:cm>
-  <p:cm authorId="0" dt="2017-08-28T19:12:57.567" idx="3">
-    <p:pos x="-334" y="1898"/>
-    <p:text>현재 제가 생각하는 1차 유저 데이터에서 필요한 부분은 다음과 같은 유형인 것 같습니다. 추가로 필요하면 말씀해주십쇼.</p:text>
-  </p:cm>
-  <p:cm authorId="0" dt="2017-08-30T13:50:15.198" idx="5">
-    <p:pos x="4344" y="303"/>
-    <p:text>대 카테고리에 따른 자동 플리퍼 이미지 갯수 수정</p:text>
-  </p:cm>
-  <p:cm authorId="0" dt="2017-08-30T13:54:02.333" idx="6">
-    <p:pos x="4373" y="3629"/>
-    <p:text>계정 정보에서는 어떤 정보를 상단 탭에 둘건지 생각해야함</p:text>
   </p:cm>
 </p:cmLst>
 </file>
@@ -351,7 +326,7 @@
           <a:p>
             <a:fld id="{99E18105-14B8-4AA9-9381-69F785D31C16}" type="datetimeFigureOut">
               <a:rPr lang="ko-KR" altLang="en-US" smtClean="0"/>
-              <a:t>2017-10-09</a:t>
+              <a:t>2017-10-10</a:t>
             </a:fld>
             <a:endParaRPr lang="ko-KR" altLang="en-US"/>
           </a:p>
@@ -521,7 +496,7 @@
           <a:p>
             <a:fld id="{99E18105-14B8-4AA9-9381-69F785D31C16}" type="datetimeFigureOut">
               <a:rPr lang="ko-KR" altLang="en-US" smtClean="0"/>
-              <a:t>2017-10-09</a:t>
+              <a:t>2017-10-10</a:t>
             </a:fld>
             <a:endParaRPr lang="ko-KR" altLang="en-US"/>
           </a:p>
@@ -701,7 +676,7 @@
           <a:p>
             <a:fld id="{99E18105-14B8-4AA9-9381-69F785D31C16}" type="datetimeFigureOut">
               <a:rPr lang="ko-KR" altLang="en-US" smtClean="0"/>
-              <a:t>2017-10-09</a:t>
+              <a:t>2017-10-10</a:t>
             </a:fld>
             <a:endParaRPr lang="ko-KR" altLang="en-US"/>
           </a:p>
@@ -871,7 +846,7 @@
           <a:p>
             <a:fld id="{99E18105-14B8-4AA9-9381-69F785D31C16}" type="datetimeFigureOut">
               <a:rPr lang="ko-KR" altLang="en-US" smtClean="0"/>
-              <a:t>2017-10-09</a:t>
+              <a:t>2017-10-10</a:t>
             </a:fld>
             <a:endParaRPr lang="ko-KR" altLang="en-US"/>
           </a:p>
@@ -1117,7 +1092,7 @@
           <a:p>
             <a:fld id="{99E18105-14B8-4AA9-9381-69F785D31C16}" type="datetimeFigureOut">
               <a:rPr lang="ko-KR" altLang="en-US" smtClean="0"/>
-              <a:t>2017-10-09</a:t>
+              <a:t>2017-10-10</a:t>
             </a:fld>
             <a:endParaRPr lang="ko-KR" altLang="en-US"/>
           </a:p>
@@ -1405,7 +1380,7 @@
           <a:p>
             <a:fld id="{99E18105-14B8-4AA9-9381-69F785D31C16}" type="datetimeFigureOut">
               <a:rPr lang="ko-KR" altLang="en-US" smtClean="0"/>
-              <a:t>2017-10-09</a:t>
+              <a:t>2017-10-10</a:t>
             </a:fld>
             <a:endParaRPr lang="ko-KR" altLang="en-US"/>
           </a:p>
@@ -1827,7 +1802,7 @@
           <a:p>
             <a:fld id="{99E18105-14B8-4AA9-9381-69F785D31C16}" type="datetimeFigureOut">
               <a:rPr lang="ko-KR" altLang="en-US" smtClean="0"/>
-              <a:t>2017-10-09</a:t>
+              <a:t>2017-10-10</a:t>
             </a:fld>
             <a:endParaRPr lang="ko-KR" altLang="en-US"/>
           </a:p>
@@ -1945,7 +1920,7 @@
           <a:p>
             <a:fld id="{99E18105-14B8-4AA9-9381-69F785D31C16}" type="datetimeFigureOut">
               <a:rPr lang="ko-KR" altLang="en-US" smtClean="0"/>
-              <a:t>2017-10-09</a:t>
+              <a:t>2017-10-10</a:t>
             </a:fld>
             <a:endParaRPr lang="ko-KR" altLang="en-US"/>
           </a:p>
@@ -2040,7 +2015,7 @@
           <a:p>
             <a:fld id="{99E18105-14B8-4AA9-9381-69F785D31C16}" type="datetimeFigureOut">
               <a:rPr lang="ko-KR" altLang="en-US" smtClean="0"/>
-              <a:t>2017-10-09</a:t>
+              <a:t>2017-10-10</a:t>
             </a:fld>
             <a:endParaRPr lang="ko-KR" altLang="en-US"/>
           </a:p>
@@ -2317,7 +2292,7 @@
           <a:p>
             <a:fld id="{99E18105-14B8-4AA9-9381-69F785D31C16}" type="datetimeFigureOut">
               <a:rPr lang="ko-KR" altLang="en-US" smtClean="0"/>
-              <a:t>2017-10-09</a:t>
+              <a:t>2017-10-10</a:t>
             </a:fld>
             <a:endParaRPr lang="ko-KR" altLang="en-US"/>
           </a:p>
@@ -2570,7 +2545,7 @@
           <a:p>
             <a:fld id="{99E18105-14B8-4AA9-9381-69F785D31C16}" type="datetimeFigureOut">
               <a:rPr lang="ko-KR" altLang="en-US" smtClean="0"/>
-              <a:t>2017-10-09</a:t>
+              <a:t>2017-10-10</a:t>
             </a:fld>
             <a:endParaRPr lang="ko-KR" altLang="en-US"/>
           </a:p>
@@ -2783,7 +2758,7 @@
           <a:p>
             <a:fld id="{99E18105-14B8-4AA9-9381-69F785D31C16}" type="datetimeFigureOut">
               <a:rPr lang="ko-KR" altLang="en-US" smtClean="0"/>
-              <a:t>2017-10-09</a:t>
+              <a:t>2017-10-10</a:t>
             </a:fld>
             <a:endParaRPr lang="ko-KR" altLang="en-US"/>
           </a:p>
@@ -3167,7 +3142,7 @@
         <p:spPr>
           <a:xfrm>
             <a:off x="44624" y="56456"/>
-            <a:ext cx="1420582" cy="369332"/>
+            <a:ext cx="1882247" cy="369332"/>
           </a:xfrm>
           <a:prstGeom prst="rect">
             <a:avLst/>
@@ -3182,176 +3157,60 @@
           <a:p>
             <a:r>
               <a:rPr lang="ko-KR" altLang="en-US" dirty="0" smtClean="0"/>
-              <a:t>기능 스토어</a:t>
+              <a:t>자체 개발보고서</a:t>
             </a:r>
             <a:endParaRPr lang="en-US" altLang="ko-KR" dirty="0" smtClean="0"/>
           </a:p>
         </p:txBody>
       </p:sp>
-    </p:spTree>
-    <p:extLst>
-      <p:ext uri="{BB962C8B-B14F-4D97-AF65-F5344CB8AC3E}">
-        <p14:creationId xmlns:p14="http://schemas.microsoft.com/office/powerpoint/2010/main" val="2968498772"/>
-      </p:ext>
-    </p:extLst>
-  </p:cSld>
-  <p:clrMapOvr>
-    <a:masterClrMapping/>
-  </p:clrMapOvr>
-</p:sld>
-</file>
-
-<file path=ppt/slides/slide10.xml><?xml version="1.0" encoding="utf-8"?>
-<p:sld xmlns:a="http://schemas.openxmlformats.org/drawingml/2006/main" xmlns:r="http://schemas.openxmlformats.org/officeDocument/2006/relationships" xmlns:p="http://schemas.openxmlformats.org/presentationml/2006/main">
-  <p:cSld>
-    <p:spTree>
-      <p:nvGrpSpPr>
-        <p:cNvPr id="1" name=""/>
-        <p:cNvGrpSpPr/>
-        <p:nvPr/>
-      </p:nvGrpSpPr>
-      <p:grpSpPr>
-        <a:xfrm>
-          <a:off x="0" y="0"/>
-          <a:ext cx="0" cy="0"/>
-          <a:chOff x="0" y="0"/>
-          <a:chExt cx="0" cy="0"/>
-        </a:xfrm>
-      </p:grpSpPr>
-      <p:pic>
-        <p:nvPicPr>
-          <p:cNvPr id="2" name="그림 1"/>
-          <p:cNvPicPr>
-            <a:picLocks noChangeAspect="1"/>
-          </p:cNvPicPr>
+      <p:sp>
+        <p:nvSpPr>
+          <p:cNvPr id="2" name="TextBox 1"/>
+          <p:cNvSpPr txBox="1"/>
           <p:nvPr/>
-        </p:nvPicPr>
-        <p:blipFill>
-          <a:blip r:embed="rId2" cstate="print">
-            <a:extLst>
-              <a:ext uri="{28A0092B-C50C-407E-A947-70E740481C1C}">
-                <a14:useLocalDpi xmlns:a14="http://schemas.microsoft.com/office/drawing/2010/main" val="0"/>
-              </a:ext>
-            </a:extLst>
-          </a:blip>
-          <a:stretch>
-            <a:fillRect/>
-          </a:stretch>
-        </p:blipFill>
+        </p:nvSpPr>
         <p:spPr>
           <a:xfrm>
-            <a:off x="332656" y="200472"/>
-            <a:ext cx="2016224" cy="3584398"/>
-          </a:xfrm>
-          <a:prstGeom prst="rect">
-            <a:avLst/>
-          </a:prstGeom>
-        </p:spPr>
-      </p:pic>
-    </p:spTree>
-    <p:extLst>
-      <p:ext uri="{BB962C8B-B14F-4D97-AF65-F5344CB8AC3E}">
-        <p14:creationId xmlns:p14="http://schemas.microsoft.com/office/powerpoint/2010/main" val="1463779030"/>
-      </p:ext>
-    </p:extLst>
-  </p:cSld>
-  <p:clrMapOvr>
-    <a:masterClrMapping/>
-  </p:clrMapOvr>
-</p:sld>
-</file>
-
-<file path=ppt/slides/slide11.xml><?xml version="1.0" encoding="utf-8"?>
-<p:sld xmlns:a="http://schemas.openxmlformats.org/drawingml/2006/main" xmlns:r="http://schemas.openxmlformats.org/officeDocument/2006/relationships" xmlns:p="http://schemas.openxmlformats.org/presentationml/2006/main">
-  <p:cSld>
-    <p:spTree>
-      <p:nvGrpSpPr>
-        <p:cNvPr id="1" name=""/>
-        <p:cNvGrpSpPr/>
-        <p:nvPr/>
-      </p:nvGrpSpPr>
-      <p:grpSpPr>
-        <a:xfrm>
-          <a:off x="0" y="0"/>
-          <a:ext cx="0" cy="0"/>
-          <a:chOff x="0" y="0"/>
-          <a:chExt cx="0" cy="0"/>
-        </a:xfrm>
-      </p:grpSpPr>
-      <p:pic>
-        <p:nvPicPr>
-          <p:cNvPr id="4" name="Picture 10"/>
-          <p:cNvPicPr>
-            <a:picLocks noChangeAspect="1" noChangeArrowheads="1"/>
-          </p:cNvPicPr>
-          <p:nvPr/>
-        </p:nvPicPr>
-        <p:blipFill>
-          <a:blip r:embed="rId2">
-            <a:extLst>
-              <a:ext uri="{28A0092B-C50C-407E-A947-70E740481C1C}">
-                <a14:useLocalDpi xmlns:a14="http://schemas.microsoft.com/office/drawing/2010/main" val="0"/>
-              </a:ext>
-            </a:extLst>
-          </a:blip>
-          <a:srcRect/>
-          <a:stretch>
-            <a:fillRect/>
-          </a:stretch>
-        </p:blipFill>
-        <p:spPr bwMode="auto">
-          <a:xfrm>
-            <a:off x="260648" y="848544"/>
-            <a:ext cx="2880320" cy="5120570"/>
+            <a:off x="5517232" y="56456"/>
+            <a:ext cx="1296144" cy="261610"/>
           </a:xfrm>
           <a:prstGeom prst="rect">
             <a:avLst/>
           </a:prstGeom>
           <a:noFill/>
-          <a:ln>
-            <a:noFill/>
-          </a:ln>
-          <a:effectLst/>
-          <a:extLst>
-            <a:ext uri="{909E8E84-426E-40DD-AFC4-6F175D3DCCD1}">
-              <a14:hiddenFill xmlns:a14="http://schemas.microsoft.com/office/drawing/2010/main">
-                <a:solidFill>
-                  <a:schemeClr val="accent1"/>
-                </a:solidFill>
-              </a14:hiddenFill>
-            </a:ext>
-            <a:ext uri="{91240B29-F687-4F45-9708-019B960494DF}">
-              <a14:hiddenLine xmlns:a14="http://schemas.microsoft.com/office/drawing/2010/main" w="9525">
-                <a:solidFill>
-                  <a:schemeClr val="tx1"/>
-                </a:solidFill>
-                <a:miter lim="800000"/>
-                <a:headEnd/>
-                <a:tailEnd/>
-              </a14:hiddenLine>
-            </a:ext>
-            <a:ext uri="{AF507438-7753-43E0-B8FC-AC1667EBCBE1}">
-              <a14:hiddenEffects xmlns:a14="http://schemas.microsoft.com/office/drawing/2010/main">
-                <a:effectLst>
-                  <a:outerShdw dist="35921" dir="2700000" algn="ctr" rotWithShape="0">
-                    <a:schemeClr val="bg2"/>
-                  </a:outerShdw>
-                </a:effectLst>
-              </a14:hiddenEffects>
-            </a:ext>
-          </a:extLst>
         </p:spPr>
-      </p:pic>
+        <p:txBody>
+          <a:bodyPr wrap="square" rtlCol="0">
+            <a:spAutoFit/>
+          </a:bodyPr>
+          <a:lstStyle/>
+          <a:p>
+            <a:r>
+              <a:rPr lang="en-US" altLang="ko-KR" sz="1050" dirty="0" smtClean="0"/>
+              <a:t>(</a:t>
+            </a:r>
+            <a:r>
+              <a:rPr lang="ko-KR" altLang="en-US" sz="1050" dirty="0" smtClean="0"/>
+              <a:t>수정</a:t>
+            </a:r>
+            <a:r>
+              <a:rPr lang="en-US" altLang="ko-KR" sz="1050" dirty="0" smtClean="0"/>
+              <a:t>) 2017-10-10</a:t>
+            </a:r>
+            <a:endParaRPr lang="ko-KR" altLang="en-US" sz="1050" dirty="0"/>
+          </a:p>
+        </p:txBody>
+      </p:sp>
       <p:sp>
         <p:nvSpPr>
-          <p:cNvPr id="5" name="TextBox 4"/>
+          <p:cNvPr id="3" name="TextBox 2"/>
           <p:cNvSpPr txBox="1"/>
           <p:nvPr/>
         </p:nvSpPr>
         <p:spPr>
           <a:xfrm>
-            <a:off x="247576" y="248008"/>
-            <a:ext cx="2672463" cy="369332"/>
+            <a:off x="1700808" y="962943"/>
+            <a:ext cx="3656770" cy="461665"/>
           </a:xfrm>
           <a:prstGeom prst="rect">
             <a:avLst/>
@@ -3365,256 +3224,89 @@
           <a:lstStyle/>
           <a:p>
             <a:r>
-              <a:rPr lang="en-US" altLang="ko-KR" dirty="0" smtClean="0"/>
-              <a:t>Temp UIUX </a:t>
-            </a:r>
-            <a:r>
-              <a:rPr lang="ko-KR" altLang="en-US" dirty="0" smtClean="0"/>
-              <a:t>예제 이미지</a:t>
-            </a:r>
-            <a:endParaRPr lang="en-US" altLang="ko-KR" dirty="0" smtClean="0"/>
+              <a:rPr lang="ko-KR" altLang="en-US" sz="2400" dirty="0" err="1" smtClean="0"/>
+              <a:t>프로젝트명</a:t>
+            </a:r>
+            <a:r>
+              <a:rPr lang="ko-KR" altLang="en-US" sz="2400" dirty="0" smtClean="0"/>
+              <a:t> </a:t>
+            </a:r>
+            <a:r>
+              <a:rPr lang="en-US" altLang="ko-KR" sz="2400" dirty="0" smtClean="0"/>
+              <a:t>: </a:t>
+            </a:r>
+            <a:r>
+              <a:rPr lang="ko-KR" altLang="en-US" sz="2400" dirty="0" smtClean="0">
+                <a:solidFill>
+                  <a:srgbClr val="FF0000"/>
+                </a:solidFill>
+              </a:rPr>
+              <a:t>초콜릿 박스</a:t>
+            </a:r>
+            <a:endParaRPr lang="ko-KR" altLang="en-US" sz="2400" dirty="0">
+              <a:solidFill>
+                <a:srgbClr val="FF0000"/>
+              </a:solidFill>
+            </a:endParaRPr>
           </a:p>
         </p:txBody>
       </p:sp>
-      <p:pic>
-        <p:nvPicPr>
-          <p:cNvPr id="3074" name="Picture 2"/>
-          <p:cNvPicPr>
-            <a:picLocks noChangeAspect="1" noChangeArrowheads="1"/>
-          </p:cNvPicPr>
+      <p:sp>
+        <p:nvSpPr>
+          <p:cNvPr id="5" name="직사각형 4"/>
+          <p:cNvSpPr/>
           <p:nvPr/>
-        </p:nvPicPr>
-        <p:blipFill>
-          <a:blip r:embed="rId3">
-            <a:extLst>
-              <a:ext uri="{28A0092B-C50C-407E-A947-70E740481C1C}">
-                <a14:useLocalDpi xmlns:a14="http://schemas.microsoft.com/office/drawing/2010/main" val="0"/>
-              </a:ext>
-            </a:extLst>
-          </a:blip>
-          <a:srcRect/>
-          <a:stretch>
-            <a:fillRect/>
-          </a:stretch>
-        </p:blipFill>
-        <p:spPr bwMode="auto">
+        </p:nvSpPr>
+        <p:spPr>
           <a:xfrm>
-            <a:off x="4149080" y="883940"/>
-            <a:ext cx="2328723" cy="4139952"/>
+            <a:off x="116632" y="560512"/>
+            <a:ext cx="6624736" cy="1008112"/>
           </a:xfrm>
           <a:prstGeom prst="rect">
             <a:avLst/>
           </a:prstGeom>
           <a:noFill/>
           <a:ln>
-            <a:noFill/>
+            <a:solidFill>
+              <a:schemeClr val="tx1"/>
+            </a:solidFill>
           </a:ln>
-          <a:effectLst/>
-          <a:extLst>
-            <a:ext uri="{909E8E84-426E-40DD-AFC4-6F175D3DCCD1}">
-              <a14:hiddenFill xmlns:a14="http://schemas.microsoft.com/office/drawing/2010/main">
-                <a:solidFill>
-                  <a:schemeClr val="accent1"/>
-                </a:solidFill>
-              </a14:hiddenFill>
-            </a:ext>
-            <a:ext uri="{91240B29-F687-4F45-9708-019B960494DF}">
-              <a14:hiddenLine xmlns:a14="http://schemas.microsoft.com/office/drawing/2010/main" w="9525">
-                <a:solidFill>
-                  <a:schemeClr val="tx1"/>
-                </a:solidFill>
-                <a:miter lim="800000"/>
-                <a:headEnd/>
-                <a:tailEnd/>
-              </a14:hiddenLine>
-            </a:ext>
-            <a:ext uri="{AF507438-7753-43E0-B8FC-AC1667EBCBE1}">
-              <a14:hiddenEffects xmlns:a14="http://schemas.microsoft.com/office/drawing/2010/main">
-                <a:effectLst>
-                  <a:outerShdw dist="35921" dir="2700000" algn="ctr" rotWithShape="0">
-                    <a:schemeClr val="bg2"/>
-                  </a:outerShdw>
-                </a:effectLst>
-              </a14:hiddenEffects>
-            </a:ext>
-          </a:extLst>
         </p:spPr>
-      </p:pic>
-      <p:pic>
-        <p:nvPicPr>
-          <p:cNvPr id="3075" name="Picture 3"/>
-          <p:cNvPicPr>
-            <a:picLocks noChangeAspect="1" noChangeArrowheads="1"/>
-          </p:cNvPicPr>
-          <p:nvPr/>
-        </p:nvPicPr>
-        <p:blipFill>
-          <a:blip r:embed="rId4" cstate="print">
-            <a:extLst>
-              <a:ext uri="{28A0092B-C50C-407E-A947-70E740481C1C}">
-                <a14:useLocalDpi xmlns:a14="http://schemas.microsoft.com/office/drawing/2010/main" val="0"/>
-              </a:ext>
-            </a:extLst>
-          </a:blip>
-          <a:srcRect/>
-          <a:stretch>
-            <a:fillRect/>
-          </a:stretch>
-        </p:blipFill>
-        <p:spPr bwMode="auto">
-          <a:xfrm>
-            <a:off x="548680" y="6233142"/>
-            <a:ext cx="1851670" cy="3291858"/>
-          </a:xfrm>
-          <a:prstGeom prst="rect">
-            <a:avLst/>
-          </a:prstGeom>
-          <a:noFill/>
-          <a:ln>
-            <a:noFill/>
-          </a:ln>
-          <a:effectLst/>
-          <a:extLst>
-            <a:ext uri="{909E8E84-426E-40DD-AFC4-6F175D3DCCD1}">
-              <a14:hiddenFill xmlns:a14="http://schemas.microsoft.com/office/drawing/2010/main">
-                <a:solidFill>
-                  <a:schemeClr val="accent1"/>
-                </a:solidFill>
-              </a14:hiddenFill>
-            </a:ext>
-            <a:ext uri="{91240B29-F687-4F45-9708-019B960494DF}">
-              <a14:hiddenLine xmlns:a14="http://schemas.microsoft.com/office/drawing/2010/main" w="9525">
-                <a:solidFill>
-                  <a:schemeClr val="tx1"/>
-                </a:solidFill>
-                <a:miter lim="800000"/>
-                <a:headEnd/>
-                <a:tailEnd/>
-              </a14:hiddenLine>
-            </a:ext>
-            <a:ext uri="{AF507438-7753-43E0-B8FC-AC1667EBCBE1}">
-              <a14:hiddenEffects xmlns:a14="http://schemas.microsoft.com/office/drawing/2010/main">
-                <a:effectLst>
-                  <a:outerShdw dist="35921" dir="2700000" algn="ctr" rotWithShape="0">
-                    <a:schemeClr val="bg2"/>
-                  </a:outerShdw>
-                </a:effectLst>
-              </a14:hiddenEffects>
-            </a:ext>
-          </a:extLst>
-        </p:spPr>
-      </p:pic>
-      <p:pic>
-        <p:nvPicPr>
-          <p:cNvPr id="3076" name="Picture 4"/>
-          <p:cNvPicPr>
-            <a:picLocks noChangeAspect="1" noChangeArrowheads="1"/>
-          </p:cNvPicPr>
-          <p:nvPr/>
-        </p:nvPicPr>
-        <p:blipFill>
-          <a:blip r:embed="rId5" cstate="print">
-            <a:extLst>
-              <a:ext uri="{28A0092B-C50C-407E-A947-70E740481C1C}">
-                <a14:useLocalDpi xmlns:a14="http://schemas.microsoft.com/office/drawing/2010/main" val="0"/>
-              </a:ext>
-            </a:extLst>
-          </a:blip>
-          <a:srcRect/>
-          <a:stretch>
-            <a:fillRect/>
-          </a:stretch>
-        </p:blipFill>
-        <p:spPr bwMode="auto">
-          <a:xfrm>
-            <a:off x="3789040" y="5457056"/>
-            <a:ext cx="1923678" cy="3419872"/>
-          </a:xfrm>
-          <a:prstGeom prst="rect">
-            <a:avLst/>
-          </a:prstGeom>
-          <a:noFill/>
-          <a:ln>
-            <a:noFill/>
-          </a:ln>
-          <a:effectLst/>
-          <a:extLst>
-            <a:ext uri="{909E8E84-426E-40DD-AFC4-6F175D3DCCD1}">
-              <a14:hiddenFill xmlns:a14="http://schemas.microsoft.com/office/drawing/2010/main">
-                <a:solidFill>
-                  <a:schemeClr val="accent1"/>
-                </a:solidFill>
-              </a14:hiddenFill>
-            </a:ext>
-            <a:ext uri="{91240B29-F687-4F45-9708-019B960494DF}">
-              <a14:hiddenLine xmlns:a14="http://schemas.microsoft.com/office/drawing/2010/main" w="9525">
-                <a:solidFill>
-                  <a:schemeClr val="tx1"/>
-                </a:solidFill>
-                <a:miter lim="800000"/>
-                <a:headEnd/>
-                <a:tailEnd/>
-              </a14:hiddenLine>
-            </a:ext>
-            <a:ext uri="{AF507438-7753-43E0-B8FC-AC1667EBCBE1}">
-              <a14:hiddenEffects xmlns:a14="http://schemas.microsoft.com/office/drawing/2010/main">
-                <a:effectLst>
-                  <a:outerShdw dist="35921" dir="2700000" algn="ctr" rotWithShape="0">
-                    <a:schemeClr val="bg2"/>
-                  </a:outerShdw>
-                </a:effectLst>
-              </a14:hiddenEffects>
-            </a:ext>
-          </a:extLst>
-        </p:spPr>
-      </p:pic>
-    </p:spTree>
-    <p:extLst>
-      <p:ext uri="{BB962C8B-B14F-4D97-AF65-F5344CB8AC3E}">
-        <p14:creationId xmlns:p14="http://schemas.microsoft.com/office/powerpoint/2010/main" val="3932820743"/>
-      </p:ext>
-    </p:extLst>
-  </p:cSld>
-  <p:clrMapOvr>
-    <a:masterClrMapping/>
-  </p:clrMapOvr>
-  <p:timing>
-    <p:tnLst>
-      <p:par>
-        <p:cTn id="1" dur="indefinite" restart="never" nodeType="tmRoot"/>
-      </p:par>
-    </p:tnLst>
-  </p:timing>
-</p:sld>
-</file>
-
-<file path=ppt/slides/slide12.xml><?xml version="1.0" encoding="utf-8"?>
-<p:sld xmlns:a="http://schemas.openxmlformats.org/drawingml/2006/main" xmlns:r="http://schemas.openxmlformats.org/officeDocument/2006/relationships" xmlns:p="http://schemas.openxmlformats.org/presentationml/2006/main">
-  <p:cSld>
-    <p:spTree>
-      <p:nvGrpSpPr>
-        <p:cNvPr id="1" name=""/>
-        <p:cNvGrpSpPr/>
-        <p:nvPr/>
-      </p:nvGrpSpPr>
-      <p:grpSpPr>
-        <a:xfrm>
-          <a:off x="0" y="0"/>
-          <a:ext cx="0" cy="0"/>
-          <a:chOff x="0" y="0"/>
-          <a:chExt cx="0" cy="0"/>
-        </a:xfrm>
-      </p:grpSpPr>
+        <p:style>
+          <a:lnRef idx="2">
+            <a:schemeClr val="accent1">
+              <a:shade val="50000"/>
+            </a:schemeClr>
+          </a:lnRef>
+          <a:fillRef idx="1">
+            <a:schemeClr val="accent1"/>
+          </a:fillRef>
+          <a:effectRef idx="0">
+            <a:schemeClr val="accent1"/>
+          </a:effectRef>
+          <a:fontRef idx="minor">
+            <a:schemeClr val="lt1"/>
+          </a:fontRef>
+        </p:style>
+        <p:txBody>
+          <a:bodyPr rtlCol="0" anchor="ctr"/>
+          <a:lstStyle/>
+          <a:p>
+            <a:pPr algn="ctr"/>
+            <a:endParaRPr lang="ko-KR" altLang="en-US"/>
+          </a:p>
+        </p:txBody>
+      </p:sp>
       <p:sp>
         <p:nvSpPr>
-          <p:cNvPr id="4" name="TextBox 3"/>
+          <p:cNvPr id="6" name="TextBox 5"/>
           <p:cNvSpPr txBox="1"/>
           <p:nvPr/>
         </p:nvSpPr>
         <p:spPr>
           <a:xfrm>
-            <a:off x="188640" y="128464"/>
-            <a:ext cx="958917" cy="369332"/>
+            <a:off x="188640" y="1904564"/>
+            <a:ext cx="4786888" cy="600164"/>
           </a:xfrm>
           <a:prstGeom prst="rect">
             <a:avLst/>
@@ -3628,21 +3320,1394 @@
           <a:lstStyle/>
           <a:p>
             <a:r>
-              <a:rPr lang="ko-KR" altLang="en-US" dirty="0" err="1" smtClean="0"/>
-              <a:t>앱</a:t>
-            </a:r>
-            <a:r>
-              <a:rPr lang="ko-KR" altLang="en-US" dirty="0" smtClean="0"/>
-              <a:t> 이름</a:t>
-            </a:r>
-            <a:endParaRPr lang="ko-KR" altLang="en-US" dirty="0"/>
+              <a:rPr lang="ko-KR" altLang="en-US" sz="1100" dirty="0" smtClean="0"/>
+              <a:t>서비스 목적 </a:t>
+            </a:r>
+            <a:r>
+              <a:rPr lang="en-US" altLang="ko-KR" sz="1100" dirty="0" smtClean="0"/>
+              <a:t>: </a:t>
+            </a:r>
+            <a:r>
+              <a:rPr lang="ko-KR" altLang="en-US" sz="1100" dirty="0" smtClean="0"/>
+              <a:t>어디에서 무엇을 할까</a:t>
+            </a:r>
+            <a:r>
+              <a:rPr lang="en-US" altLang="ko-KR" sz="1100" dirty="0" smtClean="0"/>
+              <a:t>? </a:t>
+            </a:r>
+            <a:r>
+              <a:rPr lang="ko-KR" altLang="en-US" sz="1100" dirty="0" smtClean="0"/>
+              <a:t>볼까</a:t>
+            </a:r>
+            <a:r>
+              <a:rPr lang="en-US" altLang="ko-KR" sz="1100" dirty="0" smtClean="0"/>
+              <a:t>? </a:t>
+            </a:r>
+            <a:r>
+              <a:rPr lang="ko-KR" altLang="en-US" sz="1100" dirty="0" smtClean="0"/>
+              <a:t>먹을까</a:t>
+            </a:r>
+            <a:r>
+              <a:rPr lang="en-US" altLang="ko-KR" sz="1100" dirty="0" smtClean="0"/>
+              <a:t>? </a:t>
+            </a:r>
+            <a:r>
+              <a:rPr lang="ko-KR" altLang="en-US" sz="1100" dirty="0" smtClean="0"/>
+              <a:t>추천해주는 </a:t>
+            </a:r>
+            <a:r>
+              <a:rPr lang="ko-KR" altLang="en-US" sz="1100" dirty="0" err="1" smtClean="0"/>
+              <a:t>어플</a:t>
+            </a:r>
+            <a:endParaRPr lang="en-US" altLang="ko-KR" sz="1100" dirty="0" smtClean="0"/>
+          </a:p>
+          <a:p>
+            <a:r>
+              <a:rPr lang="ko-KR" altLang="en-US" sz="1100" dirty="0" smtClean="0"/>
+              <a:t>서비스 </a:t>
+            </a:r>
+            <a:r>
+              <a:rPr lang="ko-KR" altLang="en-US" sz="1100" dirty="0" err="1" smtClean="0"/>
+              <a:t>타겟층</a:t>
+            </a:r>
+            <a:r>
+              <a:rPr lang="ko-KR" altLang="en-US" sz="1100" dirty="0" smtClean="0"/>
+              <a:t> </a:t>
+            </a:r>
+            <a:r>
+              <a:rPr lang="en-US" altLang="ko-KR" sz="1100" dirty="0" smtClean="0"/>
+              <a:t>: 20~30</a:t>
+            </a:r>
+            <a:r>
+              <a:rPr lang="ko-KR" altLang="en-US" sz="1100" dirty="0" smtClean="0"/>
+              <a:t>대 여성</a:t>
+            </a:r>
+            <a:r>
+              <a:rPr lang="en-US" altLang="ko-KR" sz="1100" dirty="0" smtClean="0"/>
+              <a:t>( </a:t>
+            </a:r>
+            <a:r>
+              <a:rPr lang="ko-KR" altLang="en-US" sz="1100" dirty="0" smtClean="0"/>
+              <a:t>대학생</a:t>
+            </a:r>
+            <a:r>
+              <a:rPr lang="en-US" altLang="ko-KR" sz="1100" dirty="0" smtClean="0"/>
+              <a:t>, </a:t>
+            </a:r>
+            <a:r>
+              <a:rPr lang="ko-KR" altLang="en-US" sz="1100" dirty="0" smtClean="0"/>
+              <a:t>직장인 </a:t>
+            </a:r>
+            <a:r>
+              <a:rPr lang="en-US" altLang="ko-KR" sz="1100" dirty="0" smtClean="0"/>
+              <a:t>) &amp; </a:t>
+            </a:r>
+            <a:r>
+              <a:rPr lang="ko-KR" altLang="en-US" sz="1100" dirty="0" smtClean="0"/>
+              <a:t>솔로</a:t>
+            </a:r>
+            <a:r>
+              <a:rPr lang="en-US" altLang="ko-KR" sz="1100" dirty="0" smtClean="0"/>
+              <a:t>, </a:t>
+            </a:r>
+            <a:r>
+              <a:rPr lang="ko-KR" altLang="en-US" sz="1100" dirty="0" smtClean="0"/>
+              <a:t>커플</a:t>
+            </a:r>
+            <a:r>
+              <a:rPr lang="en-US" altLang="ko-KR" sz="1100" dirty="0" smtClean="0"/>
+              <a:t>, </a:t>
+            </a:r>
+            <a:r>
+              <a:rPr lang="ko-KR" altLang="en-US" sz="1100" dirty="0" smtClean="0"/>
+              <a:t>동료</a:t>
+            </a:r>
+            <a:r>
+              <a:rPr lang="en-US" altLang="ko-KR" sz="1100" dirty="0" smtClean="0"/>
+              <a:t>, </a:t>
+            </a:r>
+            <a:r>
+              <a:rPr lang="ko-KR" altLang="en-US" sz="1100" dirty="0" smtClean="0"/>
+              <a:t>가족</a:t>
+            </a:r>
+            <a:endParaRPr lang="en-US" altLang="ko-KR" sz="1100" dirty="0" smtClean="0"/>
+          </a:p>
+          <a:p>
+            <a:r>
+              <a:rPr lang="ko-KR" altLang="en-US" sz="1100" dirty="0" smtClean="0"/>
+              <a:t>서비스 번역 </a:t>
+            </a:r>
+            <a:r>
+              <a:rPr lang="en-US" altLang="ko-KR" sz="1100" dirty="0" smtClean="0"/>
+              <a:t>: </a:t>
+            </a:r>
+            <a:r>
+              <a:rPr lang="ko-KR" altLang="en-US" sz="1100" dirty="0" smtClean="0"/>
+              <a:t>한국어</a:t>
+            </a:r>
+            <a:r>
+              <a:rPr lang="en-US" altLang="ko-KR" sz="1100" dirty="0" smtClean="0"/>
+              <a:t>, </a:t>
+            </a:r>
+            <a:r>
+              <a:rPr lang="ko-KR" altLang="en-US" sz="1100" dirty="0" smtClean="0"/>
+              <a:t>영어</a:t>
+            </a:r>
+            <a:r>
+              <a:rPr lang="en-US" altLang="ko-KR" sz="1100" dirty="0" smtClean="0"/>
+              <a:t>, </a:t>
+            </a:r>
+            <a:r>
+              <a:rPr lang="ko-KR" altLang="en-US" sz="1100" dirty="0" smtClean="0"/>
+              <a:t>일본어</a:t>
+            </a:r>
+            <a:r>
+              <a:rPr lang="en-US" altLang="ko-KR" sz="1100" dirty="0" smtClean="0"/>
+              <a:t>, </a:t>
+            </a:r>
+            <a:r>
+              <a:rPr lang="ko-KR" altLang="en-US" sz="1100" dirty="0" smtClean="0"/>
+              <a:t>중국어 </a:t>
+            </a:r>
+            <a:r>
+              <a:rPr lang="en-US" altLang="ko-KR" sz="1100" dirty="0" smtClean="0"/>
+              <a:t>(4</a:t>
+            </a:r>
+            <a:r>
+              <a:rPr lang="ko-KR" altLang="en-US" sz="1100" dirty="0" smtClean="0"/>
+              <a:t>개 국어 번역 예정</a:t>
+            </a:r>
+            <a:r>
+              <a:rPr lang="en-US" altLang="ko-KR" sz="1100" dirty="0" smtClean="0"/>
+              <a:t>)</a:t>
+            </a:r>
+          </a:p>
+        </p:txBody>
+      </p:sp>
+      <p:sp>
+        <p:nvSpPr>
+          <p:cNvPr id="8" name="TextBox 7"/>
+          <p:cNvSpPr txBox="1"/>
+          <p:nvPr/>
+        </p:nvSpPr>
+        <p:spPr>
+          <a:xfrm>
+            <a:off x="5157192" y="655201"/>
+            <a:ext cx="1483098" cy="338554"/>
+          </a:xfrm>
+          <a:prstGeom prst="rect">
+            <a:avLst/>
+          </a:prstGeom>
+          <a:noFill/>
+        </p:spPr>
+        <p:txBody>
+          <a:bodyPr wrap="none" rtlCol="0">
+            <a:spAutoFit/>
+          </a:bodyPr>
+          <a:lstStyle/>
+          <a:p>
+            <a:r>
+              <a:rPr lang="en-US" altLang="ko-KR" sz="800" dirty="0" smtClean="0"/>
+              <a:t>1</a:t>
+            </a:r>
+            <a:r>
+              <a:rPr lang="ko-KR" altLang="en-US" sz="800" dirty="0" smtClean="0"/>
+              <a:t>차 서비스 점검 </a:t>
+            </a:r>
+            <a:r>
+              <a:rPr lang="en-US" altLang="ko-KR" sz="800" dirty="0" smtClean="0"/>
+              <a:t>: 10</a:t>
+            </a:r>
+            <a:r>
+              <a:rPr lang="ko-KR" altLang="en-US" sz="800" dirty="0" smtClean="0"/>
+              <a:t>월 중순</a:t>
+            </a:r>
+            <a:r>
+              <a:rPr lang="en-US" altLang="ko-KR" sz="800" dirty="0" smtClean="0"/>
+              <a:t/>
+            </a:r>
+            <a:br>
+              <a:rPr lang="en-US" altLang="ko-KR" sz="800" dirty="0" smtClean="0"/>
+            </a:br>
+            <a:r>
+              <a:rPr lang="en-US" altLang="ko-KR" sz="800" dirty="0" smtClean="0"/>
+              <a:t>2</a:t>
+            </a:r>
+            <a:r>
+              <a:rPr lang="ko-KR" altLang="en-US" sz="800" dirty="0" smtClean="0"/>
+              <a:t>차 서비스 유지 점검 </a:t>
+            </a:r>
+            <a:r>
+              <a:rPr lang="en-US" altLang="ko-KR" sz="800" dirty="0" smtClean="0"/>
+              <a:t>: 18.1</a:t>
+            </a:r>
+          </a:p>
+        </p:txBody>
+      </p:sp>
+      <p:sp>
+        <p:nvSpPr>
+          <p:cNvPr id="9" name="TextBox 8"/>
+          <p:cNvSpPr txBox="1"/>
+          <p:nvPr/>
+        </p:nvSpPr>
+        <p:spPr>
+          <a:xfrm>
+            <a:off x="188640" y="2651209"/>
+            <a:ext cx="6519734" cy="2031325"/>
+          </a:xfrm>
+          <a:prstGeom prst="rect">
+            <a:avLst/>
+          </a:prstGeom>
+          <a:noFill/>
+        </p:spPr>
+        <p:txBody>
+          <a:bodyPr wrap="none" rtlCol="0">
+            <a:spAutoFit/>
+          </a:bodyPr>
+          <a:lstStyle/>
+          <a:p>
+            <a:r>
+              <a:rPr lang="ko-KR" altLang="en-US" sz="1050" dirty="0" smtClean="0"/>
+              <a:t>서비스 출시일</a:t>
+            </a:r>
+            <a:endParaRPr lang="en-US" altLang="ko-KR" sz="1050" dirty="0"/>
+          </a:p>
+          <a:p>
+            <a:pPr marL="685800" lvl="1" indent="-228600">
+              <a:buAutoNum type="alphaUcPeriod"/>
+            </a:pPr>
+            <a:r>
+              <a:rPr lang="ko-KR" altLang="en-US" sz="1050" dirty="0" err="1" smtClean="0"/>
+              <a:t>안드로이드</a:t>
+            </a:r>
+            <a:r>
+              <a:rPr lang="ko-KR" altLang="en-US" sz="1050" dirty="0" smtClean="0"/>
+              <a:t> </a:t>
+            </a:r>
+            <a:r>
+              <a:rPr lang="en-US" altLang="ko-KR" sz="1050" dirty="0" smtClean="0"/>
+              <a:t>: </a:t>
+            </a:r>
+            <a:br>
+              <a:rPr lang="en-US" altLang="ko-KR" sz="1050" dirty="0" smtClean="0"/>
+            </a:br>
+            <a:r>
+              <a:rPr lang="en-US" altLang="ko-KR" sz="1050" dirty="0" smtClean="0"/>
+              <a:t>	</a:t>
+            </a:r>
+            <a:r>
+              <a:rPr lang="ko-KR" altLang="en-US" sz="1050" dirty="0" smtClean="0"/>
+              <a:t>버전 </a:t>
+            </a:r>
+            <a:r>
+              <a:rPr lang="en-US" altLang="ko-KR" sz="1050" dirty="0" smtClean="0"/>
+              <a:t>v1.0.0 </a:t>
+            </a:r>
+            <a:r>
+              <a:rPr lang="ko-KR" altLang="en-US" sz="1050" dirty="0" smtClean="0"/>
+              <a:t>한국어 확정</a:t>
+            </a:r>
+            <a:r>
+              <a:rPr lang="en-US" altLang="ko-KR" sz="1050" dirty="0" smtClean="0"/>
+              <a:t>, </a:t>
+            </a:r>
+            <a:r>
+              <a:rPr lang="ko-KR" altLang="en-US" sz="1050" dirty="0" smtClean="0"/>
+              <a:t>영어</a:t>
+            </a:r>
+            <a:r>
+              <a:rPr lang="en-US" altLang="ko-KR" sz="1050" dirty="0"/>
+              <a:t> </a:t>
+            </a:r>
+            <a:r>
+              <a:rPr lang="ko-KR" altLang="en-US" sz="1050" dirty="0" smtClean="0"/>
+              <a:t>일본어 중국어 미정</a:t>
+            </a:r>
+            <a:r>
+              <a:rPr lang="en-US" altLang="ko-KR" sz="1050" dirty="0"/>
+              <a:t/>
+            </a:r>
+            <a:br>
+              <a:rPr lang="en-US" altLang="ko-KR" sz="1050" dirty="0"/>
+            </a:br>
+            <a:r>
+              <a:rPr lang="en-US" altLang="ko-KR" sz="1050" dirty="0" smtClean="0"/>
+              <a:t>	</a:t>
+            </a:r>
+            <a:r>
+              <a:rPr lang="ko-KR" altLang="en-US" sz="1050" dirty="0" smtClean="0"/>
+              <a:t>버전 </a:t>
+            </a:r>
+            <a:r>
+              <a:rPr lang="en-US" altLang="ko-KR" sz="1050" dirty="0" smtClean="0"/>
+              <a:t>v1.0.0 </a:t>
+            </a:r>
+            <a:r>
+              <a:rPr lang="ko-KR" altLang="en-US" sz="1050" dirty="0" smtClean="0"/>
+              <a:t>추천 장소 범위 서울로 한정</a:t>
+            </a:r>
+            <a:r>
+              <a:rPr lang="en-US" altLang="ko-KR" sz="1050" dirty="0" smtClean="0"/>
+              <a:t>(</a:t>
+            </a:r>
+            <a:r>
+              <a:rPr lang="ko-KR" altLang="en-US" sz="1050" dirty="0" smtClean="0"/>
+              <a:t>추천 장소 데이터베이스 </a:t>
+            </a:r>
+            <a:r>
+              <a:rPr lang="en-US" altLang="ko-KR" sz="1050" dirty="0" smtClean="0"/>
+              <a:t>: </a:t>
+            </a:r>
+            <a:r>
+              <a:rPr lang="ko-KR" altLang="en-US" sz="1050" dirty="0" smtClean="0"/>
+              <a:t>수동적 구축</a:t>
+            </a:r>
+            <a:r>
+              <a:rPr lang="en-US" altLang="ko-KR" sz="1050" dirty="0" smtClean="0"/>
+              <a:t>)</a:t>
+            </a:r>
+            <a:br>
+              <a:rPr lang="en-US" altLang="ko-KR" sz="1050" dirty="0" smtClean="0"/>
+            </a:br>
+            <a:r>
+              <a:rPr lang="en-US" altLang="ko-KR" sz="1050" dirty="0" smtClean="0"/>
+              <a:t>	</a:t>
+            </a:r>
+            <a:r>
+              <a:rPr lang="ko-KR" altLang="en-US" sz="1050" dirty="0" smtClean="0"/>
+              <a:t>버전 </a:t>
+            </a:r>
+            <a:r>
+              <a:rPr lang="en-US" altLang="ko-KR" sz="1050" dirty="0" smtClean="0"/>
+              <a:t>v1.0.0 </a:t>
+            </a:r>
+            <a:r>
+              <a:rPr lang="ko-KR" altLang="en-US" sz="1050" dirty="0" err="1" smtClean="0"/>
+              <a:t>안드로이드</a:t>
+            </a:r>
+            <a:r>
+              <a:rPr lang="ko-KR" altLang="en-US" sz="1050" dirty="0" smtClean="0"/>
+              <a:t> 알파 출시일 </a:t>
+            </a:r>
+            <a:r>
+              <a:rPr lang="en-US" altLang="ko-KR" sz="1050" dirty="0" smtClean="0"/>
+              <a:t>11</a:t>
+            </a:r>
+            <a:r>
+              <a:rPr lang="ko-KR" altLang="en-US" sz="1050" dirty="0" smtClean="0"/>
+              <a:t>월 말 </a:t>
+            </a:r>
+            <a:r>
+              <a:rPr lang="en-US" altLang="ko-KR" sz="1050" dirty="0" smtClean="0"/>
+              <a:t>~ 12</a:t>
+            </a:r>
+            <a:r>
+              <a:rPr lang="ko-KR" altLang="en-US" sz="1050" dirty="0" smtClean="0"/>
+              <a:t>월 초</a:t>
+            </a:r>
+            <a:r>
+              <a:rPr lang="en-US" altLang="ko-KR" sz="1050" dirty="0" smtClean="0"/>
+              <a:t/>
+            </a:r>
+            <a:br>
+              <a:rPr lang="en-US" altLang="ko-KR" sz="1050" dirty="0" smtClean="0"/>
+            </a:br>
+            <a:r>
+              <a:rPr lang="en-US" altLang="ko-KR" sz="1050" dirty="0" smtClean="0"/>
+              <a:t>	</a:t>
+            </a:r>
+            <a:r>
+              <a:rPr lang="ko-KR" altLang="en-US" sz="1050" dirty="0" smtClean="0"/>
+              <a:t>버전 </a:t>
+            </a:r>
+            <a:r>
+              <a:rPr lang="en-US" altLang="ko-KR" sz="1050" dirty="0" smtClean="0"/>
+              <a:t>v1.0.0 </a:t>
+            </a:r>
+            <a:r>
+              <a:rPr lang="ko-KR" altLang="en-US" sz="1050" dirty="0" err="1" smtClean="0"/>
+              <a:t>안드로이드</a:t>
+            </a:r>
+            <a:r>
+              <a:rPr lang="ko-KR" altLang="en-US" sz="1050" dirty="0" smtClean="0"/>
+              <a:t> 베타 전환 </a:t>
+            </a:r>
+            <a:r>
+              <a:rPr lang="en-US" altLang="ko-KR" sz="1050" dirty="0" smtClean="0"/>
+              <a:t>12</a:t>
+            </a:r>
+            <a:r>
+              <a:rPr lang="ko-KR" altLang="en-US" sz="1050" dirty="0" smtClean="0"/>
+              <a:t>월 말</a:t>
+            </a:r>
+            <a:r>
+              <a:rPr lang="en-US" altLang="ko-KR" sz="1050" dirty="0" smtClean="0"/>
+              <a:t/>
+            </a:r>
+            <a:br>
+              <a:rPr lang="en-US" altLang="ko-KR" sz="1050" dirty="0" smtClean="0"/>
+            </a:br>
+            <a:r>
+              <a:rPr lang="en-US" altLang="ko-KR" sz="1050" dirty="0" smtClean="0"/>
+              <a:t>	</a:t>
+            </a:r>
+            <a:r>
+              <a:rPr lang="ko-KR" altLang="en-US" sz="1050" dirty="0" smtClean="0"/>
+              <a:t>버전 </a:t>
+            </a:r>
+            <a:r>
+              <a:rPr lang="en-US" altLang="ko-KR" sz="1050" dirty="0" smtClean="0"/>
+              <a:t>v1.0.0 </a:t>
+            </a:r>
+            <a:r>
+              <a:rPr lang="ko-KR" altLang="en-US" sz="1050" dirty="0" err="1" smtClean="0"/>
+              <a:t>안드로이드</a:t>
+            </a:r>
+            <a:r>
+              <a:rPr lang="ko-KR" altLang="en-US" sz="1050" dirty="0" smtClean="0"/>
+              <a:t> 정식 출시 </a:t>
+            </a:r>
+            <a:r>
+              <a:rPr lang="en-US" altLang="ko-KR" sz="1050" dirty="0" smtClean="0"/>
+              <a:t>12</a:t>
+            </a:r>
+            <a:r>
+              <a:rPr lang="ko-KR" altLang="en-US" sz="1050" dirty="0" smtClean="0"/>
+              <a:t>월 말 </a:t>
+            </a:r>
+            <a:r>
+              <a:rPr lang="en-US" altLang="ko-KR" sz="1050" dirty="0" smtClean="0"/>
+              <a:t>~ 18</a:t>
+            </a:r>
+            <a:r>
+              <a:rPr lang="ko-KR" altLang="en-US" sz="1050" dirty="0" smtClean="0"/>
+              <a:t>년 </a:t>
+            </a:r>
+            <a:r>
+              <a:rPr lang="en-US" altLang="ko-KR" sz="1050" dirty="0" smtClean="0"/>
+              <a:t>1</a:t>
+            </a:r>
+            <a:r>
+              <a:rPr lang="ko-KR" altLang="en-US" sz="1050" dirty="0" smtClean="0"/>
+              <a:t>월 초</a:t>
+            </a:r>
+            <a:endParaRPr lang="en-US" altLang="ko-KR" sz="1050" dirty="0" smtClean="0"/>
+          </a:p>
+          <a:p>
+            <a:pPr marL="685800" lvl="1" indent="-228600">
+              <a:buAutoNum type="alphaUcPeriod"/>
+            </a:pPr>
+            <a:endParaRPr lang="en-US" altLang="ko-KR" sz="1050" dirty="0"/>
+          </a:p>
+          <a:p>
+            <a:pPr marL="685800" lvl="1" indent="-228600">
+              <a:buAutoNum type="alphaUcPeriod"/>
+            </a:pPr>
+            <a:r>
+              <a:rPr lang="en-US" altLang="ko-KR" sz="1050" dirty="0" smtClean="0"/>
+              <a:t>IOS : </a:t>
+            </a:r>
+            <a:r>
+              <a:rPr lang="ko-KR" altLang="en-US" sz="1050" dirty="0" smtClean="0"/>
+              <a:t>현재 </a:t>
+            </a:r>
+            <a:r>
+              <a:rPr lang="ko-KR" altLang="en-US" sz="1050" dirty="0" err="1" smtClean="0"/>
+              <a:t>보류중</a:t>
+            </a:r>
+            <a:endParaRPr lang="en-US" altLang="ko-KR" sz="1050" dirty="0" smtClean="0"/>
+          </a:p>
+          <a:p>
+            <a:pPr marL="685800" lvl="1" indent="-228600">
+              <a:buAutoNum type="alphaUcPeriod"/>
+            </a:pPr>
+            <a:endParaRPr lang="en-US" altLang="ko-KR" sz="1050" dirty="0"/>
+          </a:p>
+          <a:p>
+            <a:pPr marL="685800" lvl="1" indent="-228600">
+              <a:buAutoNum type="alphaUcPeriod"/>
+            </a:pPr>
+            <a:r>
+              <a:rPr lang="ko-KR" altLang="en-US" sz="1050" dirty="0" smtClean="0"/>
+              <a:t>관리자 사이트 </a:t>
+            </a:r>
+            <a:r>
+              <a:rPr lang="en-US" altLang="ko-KR" sz="1050" dirty="0" smtClean="0"/>
+              <a:t>:</a:t>
+            </a:r>
+            <a:br>
+              <a:rPr lang="en-US" altLang="ko-KR" sz="1050" dirty="0" smtClean="0"/>
+            </a:br>
+            <a:r>
+              <a:rPr lang="en-US" altLang="ko-KR" sz="1050" dirty="0" smtClean="0"/>
+              <a:t>	</a:t>
+            </a:r>
+            <a:r>
+              <a:rPr lang="ko-KR" altLang="en-US" sz="1050" dirty="0" smtClean="0"/>
+              <a:t>버전 </a:t>
+            </a:r>
+            <a:r>
+              <a:rPr lang="en-US" altLang="ko-KR" sz="1050" dirty="0" smtClean="0"/>
+              <a:t>v0.0.1 </a:t>
+            </a:r>
+            <a:r>
+              <a:rPr lang="ko-KR" altLang="en-US" sz="1050" dirty="0" smtClean="0"/>
+              <a:t>회원 관리</a:t>
+            </a:r>
+            <a:r>
+              <a:rPr lang="en-US" altLang="ko-KR" sz="1050" dirty="0" smtClean="0"/>
+              <a:t>, </a:t>
+            </a:r>
+            <a:r>
+              <a:rPr lang="ko-KR" altLang="en-US" sz="1050" dirty="0" smtClean="0"/>
+              <a:t>리스트 관리</a:t>
+            </a:r>
+            <a:r>
+              <a:rPr lang="en-US" altLang="ko-KR" sz="1050" dirty="0" smtClean="0"/>
+              <a:t>, </a:t>
+            </a:r>
+            <a:r>
+              <a:rPr lang="ko-KR" altLang="en-US" sz="1050" dirty="0" err="1" smtClean="0"/>
+              <a:t>푸쉬</a:t>
+            </a:r>
+            <a:r>
+              <a:rPr lang="ko-KR" altLang="en-US" sz="1050" dirty="0" smtClean="0"/>
+              <a:t> 알림 </a:t>
+            </a:r>
+            <a:r>
+              <a:rPr lang="en-US" altLang="ko-KR" sz="1050" dirty="0" smtClean="0"/>
+              <a:t>(</a:t>
+            </a:r>
+            <a:r>
+              <a:rPr lang="ko-KR" altLang="en-US" sz="1050" dirty="0" smtClean="0"/>
+              <a:t>기본</a:t>
+            </a:r>
+            <a:r>
+              <a:rPr lang="en-US" altLang="ko-KR" sz="1050" dirty="0" smtClean="0"/>
+              <a:t>) 18</a:t>
+            </a:r>
+            <a:r>
+              <a:rPr lang="ko-KR" altLang="en-US" sz="1050" dirty="0" smtClean="0"/>
+              <a:t>년 </a:t>
+            </a:r>
+            <a:r>
+              <a:rPr lang="en-US" altLang="ko-KR" sz="1050" dirty="0" smtClean="0"/>
+              <a:t>1</a:t>
+            </a:r>
+            <a:r>
+              <a:rPr lang="ko-KR" altLang="en-US" sz="1050" dirty="0" smtClean="0"/>
+              <a:t>월 말 </a:t>
+            </a:r>
+            <a:r>
+              <a:rPr lang="en-US" altLang="ko-KR" sz="1050" dirty="0" smtClean="0"/>
+              <a:t>~ 2</a:t>
+            </a:r>
+            <a:r>
+              <a:rPr lang="ko-KR" altLang="en-US" sz="1050" dirty="0" smtClean="0"/>
+              <a:t>월 초 </a:t>
+            </a:r>
+            <a:r>
+              <a:rPr lang="en-US" altLang="ko-KR" sz="1050" dirty="0" smtClean="0"/>
+              <a:t>(</a:t>
+            </a:r>
+            <a:r>
+              <a:rPr lang="ko-KR" altLang="en-US" sz="1050" dirty="0" smtClean="0"/>
+              <a:t>약 한달 소요</a:t>
+            </a:r>
+            <a:r>
+              <a:rPr lang="en-US" altLang="ko-KR" sz="1050" dirty="0" smtClean="0"/>
+              <a:t>)</a:t>
+            </a:r>
+            <a:endParaRPr lang="ko-KR" altLang="en-US" sz="1050" dirty="0"/>
+          </a:p>
+        </p:txBody>
+      </p:sp>
+      <p:sp>
+        <p:nvSpPr>
+          <p:cNvPr id="10" name="TextBox 9"/>
+          <p:cNvSpPr txBox="1"/>
+          <p:nvPr/>
+        </p:nvSpPr>
+        <p:spPr>
+          <a:xfrm>
+            <a:off x="159688" y="602903"/>
+            <a:ext cx="1702133" cy="276999"/>
+          </a:xfrm>
+          <a:prstGeom prst="rect">
+            <a:avLst/>
+          </a:prstGeom>
+          <a:noFill/>
+        </p:spPr>
+        <p:txBody>
+          <a:bodyPr wrap="none" rtlCol="0">
+            <a:spAutoFit/>
+          </a:bodyPr>
+          <a:lstStyle/>
+          <a:p>
+            <a:r>
+              <a:rPr lang="ko-KR" altLang="en-US" sz="1200" dirty="0"/>
+              <a:t>회사명 </a:t>
+            </a:r>
+            <a:r>
+              <a:rPr lang="en-US" altLang="ko-KR" sz="1200" dirty="0"/>
+              <a:t>: </a:t>
+            </a:r>
+            <a:r>
+              <a:rPr lang="en-US" altLang="ko-KR" sz="1200" dirty="0" err="1" smtClean="0"/>
+              <a:t>TourTogether</a:t>
+            </a:r>
+            <a:endParaRPr lang="en-US" altLang="ko-KR" dirty="0"/>
+          </a:p>
+        </p:txBody>
+      </p:sp>
+      <p:sp>
+        <p:nvSpPr>
+          <p:cNvPr id="11" name="TextBox 10"/>
+          <p:cNvSpPr txBox="1"/>
+          <p:nvPr/>
+        </p:nvSpPr>
+        <p:spPr>
+          <a:xfrm>
+            <a:off x="225176" y="4592960"/>
+            <a:ext cx="1412566" cy="261610"/>
+          </a:xfrm>
+          <a:prstGeom prst="rect">
+            <a:avLst/>
+          </a:prstGeom>
+          <a:noFill/>
+        </p:spPr>
+        <p:txBody>
+          <a:bodyPr wrap="none" rtlCol="0">
+            <a:spAutoFit/>
+          </a:bodyPr>
+          <a:lstStyle/>
+          <a:p>
+            <a:r>
+              <a:rPr lang="ko-KR" altLang="en-US" sz="1100" dirty="0" smtClean="0"/>
+              <a:t>개발 계획 프로세스</a:t>
+            </a:r>
+            <a:endParaRPr lang="ko-KR" altLang="en-US" sz="1100" dirty="0"/>
+          </a:p>
+        </p:txBody>
+      </p:sp>
+      <p:sp>
+        <p:nvSpPr>
+          <p:cNvPr id="12" name="TextBox 11"/>
+          <p:cNvSpPr txBox="1"/>
+          <p:nvPr/>
+        </p:nvSpPr>
+        <p:spPr>
+          <a:xfrm>
+            <a:off x="541061" y="4808984"/>
+            <a:ext cx="5235729" cy="707886"/>
+          </a:xfrm>
+          <a:prstGeom prst="rect">
+            <a:avLst/>
+          </a:prstGeom>
+          <a:noFill/>
+        </p:spPr>
+        <p:txBody>
+          <a:bodyPr wrap="none" rtlCol="0">
+            <a:spAutoFit/>
+          </a:bodyPr>
+          <a:lstStyle/>
+          <a:p>
+            <a:r>
+              <a:rPr lang="ko-KR" altLang="en-US" sz="1000" dirty="0" smtClean="0"/>
+              <a:t> </a:t>
+            </a:r>
+            <a:r>
+              <a:rPr lang="en-US" altLang="ko-KR" sz="1000" dirty="0" smtClean="0"/>
+              <a:t>: </a:t>
+            </a:r>
+            <a:r>
+              <a:rPr lang="ko-KR" altLang="en-US" sz="1000" dirty="0" err="1" smtClean="0"/>
+              <a:t>안드로이드</a:t>
+            </a:r>
+            <a:r>
+              <a:rPr lang="ko-KR" altLang="en-US" sz="1000" dirty="0" smtClean="0"/>
+              <a:t> </a:t>
+            </a:r>
+            <a:r>
+              <a:rPr lang="en-US" altLang="ko-KR" sz="1000" dirty="0" smtClean="0"/>
+              <a:t>v1.0.0 </a:t>
+            </a:r>
+            <a:r>
+              <a:rPr lang="ko-KR" altLang="en-US" sz="1000" dirty="0" smtClean="0"/>
+              <a:t>출시 </a:t>
+            </a:r>
+            <a:r>
+              <a:rPr lang="en-US" altLang="ko-KR" sz="1000" dirty="0" smtClean="0"/>
+              <a:t>&gt; </a:t>
+            </a:r>
+            <a:r>
+              <a:rPr lang="ko-KR" altLang="en-US" sz="1000" dirty="0" smtClean="0"/>
+              <a:t>관리자 페이지 </a:t>
+            </a:r>
+            <a:r>
+              <a:rPr lang="en-US" altLang="ko-KR" sz="1000" dirty="0" smtClean="0"/>
+              <a:t>v0.0.1</a:t>
+            </a:r>
+            <a:r>
+              <a:rPr lang="ko-KR" altLang="en-US" sz="1000" dirty="0" smtClean="0"/>
+              <a:t> </a:t>
+            </a:r>
+            <a:r>
+              <a:rPr lang="en-US" altLang="ko-KR" sz="1000" dirty="0" smtClean="0"/>
+              <a:t>&amp; </a:t>
+            </a:r>
+            <a:r>
+              <a:rPr lang="ko-KR" altLang="en-US" sz="1000" dirty="0" smtClean="0"/>
+              <a:t>사용자 분석</a:t>
+            </a:r>
+            <a:r>
+              <a:rPr lang="en-US" altLang="ko-KR" sz="1000" dirty="0" smtClean="0"/>
+              <a:t>(</a:t>
+            </a:r>
+            <a:r>
+              <a:rPr lang="ko-KR" altLang="en-US" sz="1000" dirty="0" smtClean="0"/>
+              <a:t>기간 </a:t>
+            </a:r>
+            <a:r>
+              <a:rPr lang="en-US" altLang="ko-KR" sz="1000" dirty="0" smtClean="0"/>
+              <a:t>: </a:t>
+            </a:r>
+            <a:r>
+              <a:rPr lang="ko-KR" altLang="en-US" sz="1000" dirty="0" smtClean="0"/>
+              <a:t>약 </a:t>
+            </a:r>
+            <a:r>
+              <a:rPr lang="ko-KR" altLang="en-US" sz="1000" dirty="0"/>
+              <a:t>한</a:t>
+            </a:r>
+            <a:r>
+              <a:rPr lang="en-US" altLang="ko-KR" sz="1000" dirty="0" smtClean="0"/>
+              <a:t> </a:t>
+            </a:r>
+            <a:r>
+              <a:rPr lang="ko-KR" altLang="en-US" sz="1000" dirty="0" smtClean="0"/>
+              <a:t>달 소요</a:t>
+            </a:r>
+            <a:r>
+              <a:rPr lang="en-US" altLang="ko-KR" sz="1000" dirty="0" smtClean="0"/>
+              <a:t>)</a:t>
+            </a:r>
+            <a:r>
+              <a:rPr lang="ko-KR" altLang="en-US" sz="1000" dirty="0" smtClean="0"/>
+              <a:t> </a:t>
+            </a:r>
+            <a:r>
+              <a:rPr lang="en-US" altLang="ko-KR" sz="1000" dirty="0" smtClean="0"/>
+              <a:t>&gt; </a:t>
+            </a:r>
+          </a:p>
+          <a:p>
+            <a:endParaRPr lang="en-US" altLang="ko-KR" sz="1000" dirty="0"/>
+          </a:p>
+          <a:p>
+            <a:r>
+              <a:rPr lang="en-US" altLang="ko-KR" sz="1000" dirty="0" smtClean="0"/>
+              <a:t>	1</a:t>
+            </a:r>
+            <a:r>
+              <a:rPr lang="ko-KR" altLang="en-US" sz="1000" dirty="0" smtClean="0"/>
+              <a:t>안 </a:t>
+            </a:r>
+            <a:r>
+              <a:rPr lang="en-US" altLang="ko-KR" sz="1000" dirty="0" smtClean="0"/>
+              <a:t>: IOS </a:t>
+            </a:r>
+            <a:r>
+              <a:rPr lang="ko-KR" altLang="en-US" sz="1000" dirty="0" smtClean="0"/>
+              <a:t>개발 </a:t>
+            </a:r>
+            <a:r>
+              <a:rPr lang="en-US" altLang="ko-KR" sz="1000" dirty="0" smtClean="0"/>
+              <a:t>(</a:t>
+            </a:r>
+            <a:r>
+              <a:rPr lang="ko-KR" altLang="en-US" sz="1000" dirty="0" err="1" smtClean="0"/>
+              <a:t>안드로이드</a:t>
+            </a:r>
+            <a:r>
+              <a:rPr lang="ko-KR" altLang="en-US" sz="1000" dirty="0" smtClean="0"/>
+              <a:t> </a:t>
+            </a:r>
+            <a:r>
+              <a:rPr lang="en-US" altLang="ko-KR" sz="1000" dirty="0" smtClean="0"/>
+              <a:t>v1.0.0 UIUX </a:t>
+            </a:r>
+            <a:r>
+              <a:rPr lang="ko-KR" altLang="en-US" sz="1000" dirty="0" smtClean="0"/>
+              <a:t>및 기능 반영</a:t>
+            </a:r>
+            <a:r>
+              <a:rPr lang="en-US" altLang="ko-KR" sz="1000" dirty="0" smtClean="0"/>
+              <a:t>) </a:t>
+            </a:r>
+            <a:br>
+              <a:rPr lang="en-US" altLang="ko-KR" sz="1000" dirty="0" smtClean="0"/>
+            </a:br>
+            <a:r>
+              <a:rPr lang="en-US" altLang="ko-KR" sz="1000" dirty="0" smtClean="0"/>
+              <a:t>	2</a:t>
+            </a:r>
+            <a:r>
+              <a:rPr lang="ko-KR" altLang="en-US" sz="1000" dirty="0" smtClean="0"/>
+              <a:t>안 </a:t>
+            </a:r>
+            <a:r>
+              <a:rPr lang="en-US" altLang="ko-KR" sz="1000" dirty="0" smtClean="0"/>
+              <a:t>: </a:t>
+            </a:r>
+            <a:r>
+              <a:rPr lang="ko-KR" altLang="en-US" sz="1000" dirty="0" err="1" smtClean="0"/>
+              <a:t>안드로이드</a:t>
+            </a:r>
+            <a:r>
+              <a:rPr lang="ko-KR" altLang="en-US" sz="1000" dirty="0" smtClean="0"/>
+              <a:t> </a:t>
+            </a:r>
+            <a:r>
+              <a:rPr lang="en-US" altLang="ko-KR" sz="1000" dirty="0" smtClean="0"/>
+              <a:t>v2.0.0 (</a:t>
+            </a:r>
+            <a:r>
+              <a:rPr lang="ko-KR" altLang="en-US" sz="1000" dirty="0" smtClean="0"/>
+              <a:t>사용자 분석 반영</a:t>
+            </a:r>
+            <a:r>
+              <a:rPr lang="en-US" altLang="ko-KR" sz="1000" dirty="0"/>
+              <a:t> </a:t>
+            </a:r>
+            <a:r>
+              <a:rPr lang="ko-KR" altLang="en-US" sz="1000" dirty="0" smtClean="0"/>
+              <a:t>및 기타 추가</a:t>
+            </a:r>
+            <a:r>
+              <a:rPr lang="en-US" altLang="ko-KR" sz="1000" dirty="0" smtClean="0"/>
+              <a:t>)</a:t>
+            </a:r>
+          </a:p>
+        </p:txBody>
+      </p:sp>
+      <p:sp>
+        <p:nvSpPr>
+          <p:cNvPr id="13" name="TextBox 12"/>
+          <p:cNvSpPr txBox="1"/>
+          <p:nvPr/>
+        </p:nvSpPr>
+        <p:spPr>
+          <a:xfrm>
+            <a:off x="223365" y="5673080"/>
+            <a:ext cx="6445995" cy="2200602"/>
+          </a:xfrm>
+          <a:prstGeom prst="rect">
+            <a:avLst/>
+          </a:prstGeom>
+          <a:noFill/>
+        </p:spPr>
+        <p:txBody>
+          <a:bodyPr wrap="none" rtlCol="0">
+            <a:spAutoFit/>
+          </a:bodyPr>
+          <a:lstStyle/>
+          <a:p>
+            <a:r>
+              <a:rPr lang="ko-KR" altLang="en-US" sz="1100" dirty="0" smtClean="0"/>
+              <a:t>등급제 </a:t>
+            </a:r>
+            <a:r>
+              <a:rPr lang="en-US" altLang="ko-KR" sz="1100" dirty="0" smtClean="0"/>
+              <a:t>&amp; </a:t>
+            </a:r>
+            <a:r>
+              <a:rPr lang="ko-KR" altLang="en-US" sz="1100" dirty="0" smtClean="0"/>
+              <a:t>포인트 </a:t>
+            </a:r>
+            <a:r>
+              <a:rPr lang="en-US" altLang="ko-KR" sz="1100" dirty="0" smtClean="0"/>
+              <a:t>)</a:t>
+            </a:r>
+          </a:p>
+          <a:p>
+            <a:pPr marL="228600" indent="-228600">
+              <a:buAutoNum type="arabicPeriod"/>
+            </a:pPr>
+            <a:r>
+              <a:rPr lang="ko-KR" altLang="en-US" sz="1050" dirty="0" smtClean="0"/>
+              <a:t>등급제 </a:t>
+            </a:r>
+            <a:r>
+              <a:rPr lang="en-US" altLang="ko-KR" sz="1050" dirty="0" smtClean="0"/>
+              <a:t>: </a:t>
+            </a:r>
+            <a:r>
+              <a:rPr lang="ko-KR" altLang="en-US" sz="1050" dirty="0" smtClean="0"/>
+              <a:t>사용자가 포인트를 이용하여 등급을 올릴 수 있다</a:t>
+            </a:r>
+            <a:r>
+              <a:rPr lang="en-US" altLang="ko-KR" sz="1050" dirty="0" smtClean="0"/>
+              <a:t>. </a:t>
+            </a:r>
+            <a:r>
+              <a:rPr lang="ko-KR" altLang="en-US" sz="1050" dirty="0" smtClean="0"/>
+              <a:t>등급은 자사의 이벤트 참여에 구분할 수 </a:t>
+            </a:r>
+            <a:r>
+              <a:rPr lang="en-US" altLang="ko-KR" sz="1050" dirty="0"/>
+              <a:t/>
+            </a:r>
+            <a:br>
+              <a:rPr lang="en-US" altLang="ko-KR" sz="1050" dirty="0"/>
+            </a:br>
+            <a:r>
+              <a:rPr lang="ko-KR" altLang="en-US" sz="1050" dirty="0" smtClean="0"/>
+              <a:t>있는 기준이 된다</a:t>
+            </a:r>
+            <a:r>
+              <a:rPr lang="en-US" altLang="ko-KR" sz="1050" dirty="0" smtClean="0"/>
+              <a:t>. </a:t>
+            </a:r>
+            <a:r>
+              <a:rPr lang="ko-KR" altLang="en-US" sz="1050" dirty="0" smtClean="0"/>
+              <a:t>등급은 </a:t>
+            </a:r>
+            <a:r>
+              <a:rPr lang="en-US" altLang="ko-KR" sz="1050" dirty="0" smtClean="0"/>
+              <a:t>0</a:t>
+            </a:r>
+            <a:r>
+              <a:rPr lang="ko-KR" altLang="en-US" sz="1050" dirty="0" smtClean="0"/>
+              <a:t>단계 </a:t>
+            </a:r>
+            <a:r>
+              <a:rPr lang="en-US" altLang="ko-KR" sz="1050" dirty="0" smtClean="0"/>
+              <a:t>~ 5</a:t>
+            </a:r>
+            <a:r>
+              <a:rPr lang="ko-KR" altLang="en-US" sz="1050" dirty="0" smtClean="0"/>
+              <a:t>단계로 구분한다</a:t>
+            </a:r>
+            <a:r>
+              <a:rPr lang="en-US" altLang="ko-KR" sz="1050" dirty="0" smtClean="0"/>
+              <a:t>.</a:t>
+            </a:r>
+            <a:br>
+              <a:rPr lang="en-US" altLang="ko-KR" sz="1050" dirty="0" smtClean="0"/>
+            </a:br>
+            <a:r>
+              <a:rPr lang="en-US" altLang="ko-KR" sz="1050" dirty="0" smtClean="0"/>
+              <a:t>A. 0</a:t>
+            </a:r>
+            <a:r>
+              <a:rPr lang="ko-KR" altLang="en-US" sz="1050" dirty="0" smtClean="0"/>
+              <a:t>단계 </a:t>
+            </a:r>
+            <a:r>
+              <a:rPr lang="en-US" altLang="ko-KR" sz="1050" dirty="0" smtClean="0"/>
+              <a:t>(</a:t>
+            </a:r>
+            <a:r>
+              <a:rPr lang="ko-KR" altLang="en-US" sz="1050" dirty="0" smtClean="0"/>
+              <a:t>명칭 </a:t>
+            </a:r>
+            <a:r>
+              <a:rPr lang="en-US" altLang="ko-KR" sz="1050" dirty="0" smtClean="0"/>
+              <a:t>: </a:t>
+            </a:r>
+            <a:r>
+              <a:rPr lang="ko-KR" altLang="en-US" sz="1050" dirty="0" smtClean="0"/>
+              <a:t>미정</a:t>
+            </a:r>
+            <a:r>
+              <a:rPr lang="en-US" altLang="ko-KR" sz="1050" dirty="0" smtClean="0"/>
+              <a:t>)</a:t>
+            </a:r>
+            <a:r>
+              <a:rPr lang="ko-KR" altLang="en-US" sz="1050" dirty="0" smtClean="0"/>
+              <a:t> </a:t>
+            </a:r>
+            <a:r>
+              <a:rPr lang="en-US" altLang="ko-KR" sz="1050" dirty="0" smtClean="0"/>
+              <a:t>: </a:t>
+            </a:r>
+            <a:r>
+              <a:rPr lang="ko-KR" altLang="en-US" sz="1050" dirty="0" smtClean="0"/>
+              <a:t>사용자 초기 등급</a:t>
+            </a:r>
+            <a:r>
+              <a:rPr lang="en-US" altLang="ko-KR" sz="1050" dirty="0"/>
+              <a:t/>
+            </a:r>
+            <a:br>
+              <a:rPr lang="en-US" altLang="ko-KR" sz="1050" dirty="0"/>
+            </a:br>
+            <a:r>
+              <a:rPr lang="en-US" altLang="ko-KR" sz="1050" dirty="0" smtClean="0"/>
+              <a:t>B. 1</a:t>
+            </a:r>
+            <a:r>
+              <a:rPr lang="ko-KR" altLang="en-US" sz="1050" dirty="0" smtClean="0"/>
+              <a:t>단계 </a:t>
+            </a:r>
+            <a:r>
+              <a:rPr lang="en-US" altLang="ko-KR" sz="1050" dirty="0" smtClean="0"/>
+              <a:t>(</a:t>
+            </a:r>
+            <a:r>
+              <a:rPr lang="ko-KR" altLang="en-US" sz="1050" dirty="0"/>
+              <a:t>명칭 </a:t>
+            </a:r>
+            <a:r>
+              <a:rPr lang="en-US" altLang="ko-KR" sz="1050" dirty="0"/>
+              <a:t>: </a:t>
+            </a:r>
+            <a:r>
+              <a:rPr lang="ko-KR" altLang="en-US" sz="1050" dirty="0" smtClean="0"/>
+              <a:t>미정</a:t>
+            </a:r>
+            <a:r>
+              <a:rPr lang="en-US" altLang="ko-KR" sz="1050" dirty="0" smtClean="0"/>
+              <a:t>)</a:t>
+            </a:r>
+            <a:r>
+              <a:rPr lang="ko-KR" altLang="en-US" sz="1050" dirty="0" smtClean="0"/>
+              <a:t> </a:t>
+            </a:r>
+            <a:r>
+              <a:rPr lang="en-US" altLang="ko-KR" sz="1050" dirty="0" smtClean="0"/>
+              <a:t>: 100 </a:t>
+            </a:r>
+            <a:r>
+              <a:rPr lang="ko-KR" altLang="en-US" sz="1050" dirty="0" smtClean="0"/>
+              <a:t>포인트를 지불하여 등급을 올릴 수 있다</a:t>
+            </a:r>
+            <a:r>
+              <a:rPr lang="en-US" altLang="ko-KR" sz="1050" dirty="0" smtClean="0"/>
+              <a:t>.</a:t>
+            </a:r>
+            <a:br>
+              <a:rPr lang="en-US" altLang="ko-KR" sz="1050" dirty="0" smtClean="0"/>
+            </a:br>
+            <a:r>
+              <a:rPr lang="en-US" altLang="ko-KR" sz="1050" dirty="0" smtClean="0"/>
+              <a:t>C. 2</a:t>
+            </a:r>
+            <a:r>
+              <a:rPr lang="ko-KR" altLang="en-US" sz="1050" dirty="0" smtClean="0"/>
+              <a:t>단계 </a:t>
+            </a:r>
+            <a:r>
+              <a:rPr lang="en-US" altLang="ko-KR" sz="1050" dirty="0" smtClean="0"/>
+              <a:t>(</a:t>
+            </a:r>
+            <a:r>
+              <a:rPr lang="ko-KR" altLang="en-US" sz="1050" dirty="0"/>
+              <a:t>명칭 </a:t>
+            </a:r>
+            <a:r>
+              <a:rPr lang="en-US" altLang="ko-KR" sz="1050" dirty="0"/>
+              <a:t>: </a:t>
+            </a:r>
+            <a:r>
+              <a:rPr lang="ko-KR" altLang="en-US" sz="1050" dirty="0" smtClean="0"/>
+              <a:t>미정</a:t>
+            </a:r>
+            <a:r>
+              <a:rPr lang="en-US" altLang="ko-KR" sz="1050" dirty="0" smtClean="0"/>
+              <a:t>)</a:t>
+            </a:r>
+            <a:r>
+              <a:rPr lang="ko-KR" altLang="en-US" sz="1050" dirty="0" smtClean="0"/>
+              <a:t> </a:t>
+            </a:r>
+            <a:r>
+              <a:rPr lang="en-US" altLang="ko-KR" sz="1050" dirty="0" smtClean="0"/>
+              <a:t>: 500 </a:t>
+            </a:r>
+            <a:r>
+              <a:rPr lang="ko-KR" altLang="en-US" sz="1050" dirty="0" smtClean="0"/>
+              <a:t>포인트를 지불하여 등급을 올릴 수 있다</a:t>
+            </a:r>
+            <a:r>
+              <a:rPr lang="en-US" altLang="ko-KR" sz="1050" dirty="0" smtClean="0"/>
+              <a:t>.</a:t>
+            </a:r>
+            <a:br>
+              <a:rPr lang="en-US" altLang="ko-KR" sz="1050" dirty="0" smtClean="0"/>
+            </a:br>
+            <a:r>
+              <a:rPr lang="en-US" altLang="ko-KR" sz="1050" dirty="0" smtClean="0"/>
+              <a:t>D. 3</a:t>
+            </a:r>
+            <a:r>
+              <a:rPr lang="ko-KR" altLang="en-US" sz="1050" dirty="0" smtClean="0"/>
+              <a:t>단계 </a:t>
+            </a:r>
+            <a:r>
+              <a:rPr lang="en-US" altLang="ko-KR" sz="1050" dirty="0" smtClean="0"/>
+              <a:t>(</a:t>
+            </a:r>
+            <a:r>
+              <a:rPr lang="ko-KR" altLang="en-US" sz="1050" dirty="0"/>
+              <a:t>명칭 </a:t>
+            </a:r>
+            <a:r>
+              <a:rPr lang="en-US" altLang="ko-KR" sz="1050" dirty="0"/>
+              <a:t>: </a:t>
+            </a:r>
+            <a:r>
+              <a:rPr lang="ko-KR" altLang="en-US" sz="1050" dirty="0" smtClean="0"/>
+              <a:t>미정</a:t>
+            </a:r>
+            <a:r>
+              <a:rPr lang="en-US" altLang="ko-KR" sz="1050" dirty="0" smtClean="0"/>
+              <a:t>)</a:t>
+            </a:r>
+            <a:r>
+              <a:rPr lang="ko-KR" altLang="en-US" sz="1050" dirty="0" smtClean="0"/>
+              <a:t> </a:t>
+            </a:r>
+            <a:r>
+              <a:rPr lang="en-US" altLang="ko-KR" sz="1050" dirty="0" smtClean="0"/>
+              <a:t>: 1000 </a:t>
+            </a:r>
+            <a:r>
+              <a:rPr lang="ko-KR" altLang="en-US" sz="1050" dirty="0" smtClean="0"/>
+              <a:t>포인트를 지불하여 등급을 올릴 수 있다</a:t>
+            </a:r>
+            <a:r>
+              <a:rPr lang="en-US" altLang="ko-KR" sz="1050" dirty="0" smtClean="0"/>
+              <a:t>.</a:t>
+            </a:r>
+            <a:br>
+              <a:rPr lang="en-US" altLang="ko-KR" sz="1050" dirty="0" smtClean="0"/>
+            </a:br>
+            <a:r>
+              <a:rPr lang="en-US" altLang="ko-KR" sz="1050" dirty="0" smtClean="0"/>
+              <a:t>E. 4</a:t>
+            </a:r>
+            <a:r>
+              <a:rPr lang="ko-KR" altLang="en-US" sz="1050" dirty="0" smtClean="0"/>
+              <a:t>단계</a:t>
+            </a:r>
+            <a:r>
+              <a:rPr lang="en-US" altLang="ko-KR" sz="1050" dirty="0"/>
+              <a:t> (</a:t>
+            </a:r>
+            <a:r>
+              <a:rPr lang="ko-KR" altLang="en-US" sz="1050" dirty="0"/>
+              <a:t>명칭 </a:t>
+            </a:r>
+            <a:r>
+              <a:rPr lang="en-US" altLang="ko-KR" sz="1050" dirty="0"/>
+              <a:t>: </a:t>
+            </a:r>
+            <a:r>
+              <a:rPr lang="ko-KR" altLang="en-US" sz="1050" dirty="0" smtClean="0"/>
+              <a:t>미정</a:t>
+            </a:r>
+            <a:r>
+              <a:rPr lang="en-US" altLang="ko-KR" sz="1050" dirty="0" smtClean="0"/>
+              <a:t>)</a:t>
+            </a:r>
+            <a:r>
+              <a:rPr lang="ko-KR" altLang="en-US" sz="1050" dirty="0" smtClean="0"/>
+              <a:t> </a:t>
+            </a:r>
+            <a:r>
+              <a:rPr lang="en-US" altLang="ko-KR" sz="1050" dirty="0" smtClean="0"/>
+              <a:t>: 2000 </a:t>
+            </a:r>
+            <a:r>
+              <a:rPr lang="ko-KR" altLang="en-US" sz="1050" dirty="0" smtClean="0"/>
+              <a:t>포인트를 지불하여 등급을 올릴 수 있다</a:t>
+            </a:r>
+            <a:r>
+              <a:rPr lang="en-US" altLang="ko-KR" sz="1050" dirty="0" smtClean="0"/>
+              <a:t>.</a:t>
+            </a:r>
+            <a:br>
+              <a:rPr lang="en-US" altLang="ko-KR" sz="1050" dirty="0" smtClean="0"/>
+            </a:br>
+            <a:r>
+              <a:rPr lang="en-US" altLang="ko-KR" sz="1050" dirty="0" smtClean="0"/>
+              <a:t>F. 5</a:t>
+            </a:r>
+            <a:r>
+              <a:rPr lang="ko-KR" altLang="en-US" sz="1050" dirty="0" smtClean="0"/>
+              <a:t>단계</a:t>
+            </a:r>
+            <a:r>
+              <a:rPr lang="en-US" altLang="ko-KR" sz="1050" dirty="0"/>
+              <a:t> (</a:t>
+            </a:r>
+            <a:r>
+              <a:rPr lang="ko-KR" altLang="en-US" sz="1050" dirty="0"/>
+              <a:t>명칭 </a:t>
+            </a:r>
+            <a:r>
+              <a:rPr lang="en-US" altLang="ko-KR" sz="1050" dirty="0"/>
+              <a:t>: </a:t>
+            </a:r>
+            <a:r>
+              <a:rPr lang="ko-KR" altLang="en-US" sz="1050" dirty="0" smtClean="0"/>
+              <a:t>미정</a:t>
+            </a:r>
+            <a:r>
+              <a:rPr lang="en-US" altLang="ko-KR" sz="1050" dirty="0" smtClean="0"/>
+              <a:t>)</a:t>
+            </a:r>
+            <a:r>
+              <a:rPr lang="ko-KR" altLang="en-US" sz="1050" dirty="0" smtClean="0"/>
+              <a:t> </a:t>
+            </a:r>
+            <a:r>
+              <a:rPr lang="en-US" altLang="ko-KR" sz="1050" dirty="0" smtClean="0"/>
+              <a:t>: 4000 </a:t>
+            </a:r>
+            <a:r>
+              <a:rPr lang="ko-KR" altLang="en-US" sz="1050" dirty="0" smtClean="0"/>
+              <a:t>포인트를 지불하여 등급을 올릴 수 있다</a:t>
+            </a:r>
+            <a:r>
+              <a:rPr lang="en-US" altLang="ko-KR" sz="1050" dirty="0" smtClean="0"/>
+              <a:t>.</a:t>
+            </a:r>
+          </a:p>
+          <a:p>
+            <a:pPr marL="228600" indent="-228600">
+              <a:buAutoNum type="arabicPeriod"/>
+            </a:pPr>
+            <a:r>
+              <a:rPr lang="ko-KR" altLang="en-US" sz="1050" dirty="0" smtClean="0"/>
+              <a:t>포인트 </a:t>
+            </a:r>
+            <a:r>
+              <a:rPr lang="en-US" altLang="ko-KR" sz="1050" dirty="0" smtClean="0"/>
+              <a:t>: </a:t>
+            </a:r>
+            <a:r>
+              <a:rPr lang="ko-KR" altLang="en-US" sz="1050" dirty="0" smtClean="0"/>
+              <a:t>어플리케이션 자체 이용되는 인</a:t>
+            </a:r>
+            <a:r>
+              <a:rPr lang="en-US" altLang="ko-KR" sz="1050" dirty="0" smtClean="0"/>
+              <a:t>-</a:t>
+            </a:r>
+            <a:r>
+              <a:rPr lang="ko-KR" altLang="en-US" sz="1050" dirty="0" err="1" smtClean="0"/>
+              <a:t>게임머니</a:t>
+            </a:r>
+            <a:r>
+              <a:rPr lang="ko-KR" altLang="en-US" sz="1050" dirty="0" smtClean="0"/>
+              <a:t> 이다</a:t>
+            </a:r>
+            <a:r>
+              <a:rPr lang="en-US" altLang="ko-KR" sz="1050" dirty="0" smtClean="0"/>
+              <a:t>.</a:t>
+            </a:r>
+            <a:br>
+              <a:rPr lang="en-US" altLang="ko-KR" sz="1050" dirty="0" smtClean="0"/>
+            </a:br>
+            <a:r>
+              <a:rPr lang="en-US" altLang="ko-KR" sz="1050" dirty="0" smtClean="0"/>
+              <a:t>A. </a:t>
+            </a:r>
+            <a:r>
+              <a:rPr lang="ko-KR" altLang="en-US" sz="1050" dirty="0" smtClean="0"/>
+              <a:t>획득 방식 </a:t>
+            </a:r>
+            <a:r>
+              <a:rPr lang="en-US" altLang="ko-KR" sz="1050" dirty="0" smtClean="0"/>
+              <a:t>: </a:t>
+            </a:r>
+            <a:r>
+              <a:rPr lang="ko-KR" altLang="en-US" sz="1050" dirty="0"/>
+              <a:t>사용자가 추천장소에 대한 위치 인증 시 </a:t>
+            </a:r>
+            <a:r>
+              <a:rPr lang="en-US" altLang="ko-KR" sz="1050" dirty="0"/>
+              <a:t>50 </a:t>
+            </a:r>
+            <a:r>
+              <a:rPr lang="ko-KR" altLang="en-US" sz="1050" dirty="0"/>
+              <a:t>포인트 획득</a:t>
+            </a:r>
+            <a:r>
+              <a:rPr lang="en-US" altLang="ko-KR" sz="1050" dirty="0"/>
+              <a:t>, </a:t>
+            </a:r>
+            <a:r>
+              <a:rPr lang="ko-KR" altLang="en-US" sz="1050" dirty="0"/>
+              <a:t>추가적인 사진 인증 시 </a:t>
+            </a:r>
+            <a:r>
+              <a:rPr lang="en-US" altLang="ko-KR" sz="1050" dirty="0" smtClean="0"/>
+              <a:t/>
+            </a:r>
+            <a:br>
+              <a:rPr lang="en-US" altLang="ko-KR" sz="1050" dirty="0" smtClean="0"/>
+            </a:br>
+            <a:r>
+              <a:rPr lang="en-US" altLang="ko-KR" sz="1050" dirty="0" smtClean="0"/>
+              <a:t>50 </a:t>
+            </a:r>
+            <a:r>
+              <a:rPr lang="ko-KR" altLang="en-US" sz="1050" dirty="0"/>
+              <a:t>포인트 </a:t>
+            </a:r>
+            <a:r>
+              <a:rPr lang="ko-KR" altLang="en-US" sz="1050" dirty="0" smtClean="0"/>
+              <a:t>추가 </a:t>
+            </a:r>
+            <a:r>
+              <a:rPr lang="ko-KR" altLang="en-US" sz="1050" dirty="0"/>
+              <a:t>획득한다</a:t>
+            </a:r>
+            <a:r>
+              <a:rPr lang="en-US" altLang="ko-KR" sz="1050" dirty="0" smtClean="0"/>
+              <a:t>.</a:t>
+            </a:r>
+            <a:br>
+              <a:rPr lang="en-US" altLang="ko-KR" sz="1050" dirty="0" smtClean="0"/>
+            </a:br>
+            <a:r>
+              <a:rPr lang="en-US" altLang="ko-KR" sz="1050" dirty="0" smtClean="0"/>
+              <a:t>B. </a:t>
+            </a:r>
+            <a:r>
+              <a:rPr lang="ko-KR" altLang="en-US" sz="1050" dirty="0" smtClean="0"/>
+              <a:t>소모 방식 </a:t>
+            </a:r>
+            <a:r>
+              <a:rPr lang="en-US" altLang="ko-KR" sz="1050" dirty="0" smtClean="0"/>
+              <a:t>: </a:t>
+            </a:r>
+            <a:r>
+              <a:rPr lang="ko-KR" altLang="en-US" sz="1050" dirty="0" smtClean="0"/>
+              <a:t>사용자의 등급을 올릴 수 있다</a:t>
+            </a:r>
+            <a:r>
+              <a:rPr lang="en-US" altLang="ko-KR" sz="1050" dirty="0" smtClean="0"/>
+              <a:t>. </a:t>
+            </a:r>
+            <a:r>
+              <a:rPr lang="ko-KR" altLang="en-US" sz="1050" dirty="0" smtClean="0"/>
+              <a:t>일부 이벤트의 경우 포인트를 소모하여 참여할 수 있다</a:t>
+            </a:r>
+            <a:r>
+              <a:rPr lang="en-US" altLang="ko-KR" sz="1050" dirty="0" smtClean="0"/>
+              <a:t>.</a:t>
+            </a:r>
           </a:p>
         </p:txBody>
       </p:sp>
     </p:spTree>
     <p:extLst>
       <p:ext uri="{BB962C8B-B14F-4D97-AF65-F5344CB8AC3E}">
-        <p14:creationId xmlns:p14="http://schemas.microsoft.com/office/powerpoint/2010/main" val="2189308301"/>
+        <p14:creationId xmlns:p14="http://schemas.microsoft.com/office/powerpoint/2010/main" val="2968498772"/>
       </p:ext>
     </p:extLst>
   </p:cSld>
@@ -3718,8 +4783,8 @@
         </p:nvSpPr>
         <p:spPr>
           <a:xfrm>
-            <a:off x="50728" y="425788"/>
-            <a:ext cx="3240360" cy="10248960"/>
+            <a:off x="50728" y="456084"/>
+            <a:ext cx="3240360" cy="9202519"/>
           </a:xfrm>
           <a:prstGeom prst="rect">
             <a:avLst/>
@@ -3744,842 +4809,1028 @@
             <a:endParaRPr lang="en-US" altLang="ko-KR" sz="1200" dirty="0" smtClean="0"/>
           </a:p>
           <a:p>
+            <a:endParaRPr lang="en-US" altLang="ko-KR" sz="1000" dirty="0" smtClean="0"/>
+          </a:p>
+          <a:p>
             <a:pPr marL="228600" indent="-228600">
               <a:buAutoNum type="arabicPeriod"/>
             </a:pPr>
             <a:r>
-              <a:rPr lang="ko-KR" altLang="en-US" sz="1200" dirty="0"/>
-              <a:t>홈</a:t>
-            </a:r>
-            <a:r>
-              <a:rPr lang="en-US" altLang="ko-KR" sz="1200" dirty="0" smtClean="0"/>
+              <a:rPr lang="ko-KR" altLang="en-US" sz="1000" dirty="0" smtClean="0"/>
+              <a:t>추천</a:t>
+            </a:r>
+            <a:r>
+              <a:rPr lang="en-US" altLang="ko-KR" sz="1000" dirty="0"/>
               <a:t/>
             </a:r>
             <a:br>
-              <a:rPr lang="en-US" altLang="ko-KR" sz="1200" dirty="0" smtClean="0"/>
+              <a:rPr lang="en-US" altLang="ko-KR" sz="1000" dirty="0"/>
             </a:br>
             <a:r>
-              <a:rPr lang="en-US" altLang="ko-KR" sz="1200" dirty="0" smtClean="0"/>
+              <a:rPr lang="en-US" altLang="ko-KR" sz="1000" dirty="0" smtClean="0"/>
               <a:t>- </a:t>
             </a:r>
             <a:r>
-              <a:rPr lang="ko-KR" altLang="en-US" sz="1200" dirty="0" smtClean="0"/>
-              <a:t>소식</a:t>
-            </a:r>
-            <a:r>
-              <a:rPr lang="en-US" altLang="ko-KR" sz="1200" dirty="0" smtClean="0"/>
+              <a:rPr lang="ko-KR" altLang="en-US" sz="1000" dirty="0" smtClean="0"/>
+              <a:t>대 카테고리 선택</a:t>
+            </a:r>
+            <a:r>
+              <a:rPr lang="en-US" altLang="ko-KR" sz="1000" dirty="0" smtClean="0"/>
               <a:t/>
             </a:r>
             <a:br>
-              <a:rPr lang="en-US" altLang="ko-KR" sz="1200" dirty="0" smtClean="0"/>
+              <a:rPr lang="en-US" altLang="ko-KR" sz="1000" dirty="0" smtClean="0"/>
             </a:br>
             <a:r>
-              <a:rPr lang="en-US" altLang="ko-KR" sz="1200" dirty="0" smtClean="0"/>
+              <a:rPr lang="en-US" altLang="ko-KR" sz="1000" dirty="0" smtClean="0"/>
               <a:t>- </a:t>
             </a:r>
             <a:r>
-              <a:rPr lang="ko-KR" altLang="en-US" sz="1200" dirty="0" smtClean="0"/>
-              <a:t>이벤트</a:t>
-            </a:r>
-            <a:r>
-              <a:rPr lang="en-US" altLang="ko-KR" sz="1200" dirty="0" smtClean="0"/>
+              <a:rPr lang="ko-KR" altLang="en-US" sz="1000" dirty="0" smtClean="0"/>
+              <a:t>중 카테고리 선택</a:t>
+            </a:r>
+            <a:r>
+              <a:rPr lang="en-US" altLang="ko-KR" sz="1000" dirty="0" smtClean="0"/>
               <a:t/>
             </a:r>
             <a:br>
-              <a:rPr lang="en-US" altLang="ko-KR" sz="1200" dirty="0" smtClean="0"/>
+              <a:rPr lang="en-US" altLang="ko-KR" sz="1000" dirty="0" smtClean="0"/>
             </a:br>
             <a:r>
-              <a:rPr lang="en-US" altLang="ko-KR" sz="1200" dirty="0" smtClean="0"/>
+              <a:rPr lang="en-US" altLang="ko-KR" sz="1000" dirty="0" smtClean="0"/>
               <a:t>- </a:t>
             </a:r>
             <a:r>
-              <a:rPr lang="ko-KR" altLang="en-US" sz="1200" dirty="0" smtClean="0"/>
-              <a:t>최근 정보</a:t>
-            </a:r>
-            <a:r>
-              <a:rPr lang="en-US" altLang="ko-KR" sz="1200" dirty="0"/>
+              <a:rPr lang="ko-KR" altLang="en-US" sz="1000" dirty="0" smtClean="0"/>
+              <a:t>소 카테고리 선택</a:t>
+            </a:r>
+            <a:r>
+              <a:rPr lang="en-US" altLang="ko-KR" sz="1000" dirty="0" smtClean="0"/>
               <a:t/>
             </a:r>
             <a:br>
-              <a:rPr lang="en-US" altLang="ko-KR" sz="1200" dirty="0"/>
+              <a:rPr lang="en-US" altLang="ko-KR" sz="1000" dirty="0" smtClean="0"/>
             </a:br>
             <a:r>
-              <a:rPr lang="en-US" altLang="ko-KR" sz="1200" dirty="0" smtClean="0"/>
+              <a:rPr lang="en-US" altLang="ko-KR" sz="1000" dirty="0" smtClean="0"/>
               <a:t>- </a:t>
             </a:r>
             <a:r>
-              <a:rPr lang="ko-KR" altLang="en-US" sz="1200" dirty="0" smtClean="0"/>
-              <a:t>광고</a:t>
-            </a:r>
-            <a:r>
-              <a:rPr lang="en-US" altLang="ko-KR" sz="1200" dirty="0" smtClean="0"/>
+              <a:rPr lang="ko-KR" altLang="en-US" sz="1000" dirty="0" smtClean="0"/>
+              <a:t>검색 결과 리스트 출력</a:t>
+            </a:r>
+            <a:r>
+              <a:rPr lang="en-US" altLang="ko-KR" sz="1000" dirty="0" smtClean="0"/>
               <a:t/>
             </a:r>
             <a:br>
-              <a:rPr lang="en-US" altLang="ko-KR" sz="1200" dirty="0" smtClean="0"/>
+              <a:rPr lang="en-US" altLang="ko-KR" sz="1000" dirty="0" smtClean="0"/>
             </a:br>
             <a:r>
-              <a:rPr lang="en-US" altLang="ko-KR" sz="1200" dirty="0" smtClean="0"/>
+              <a:rPr lang="en-US" altLang="ko-KR" sz="1000" dirty="0" smtClean="0"/>
               <a:t>- </a:t>
             </a:r>
             <a:r>
-              <a:rPr lang="ko-KR" altLang="en-US" sz="1200" dirty="0" err="1" smtClean="0"/>
-              <a:t>퀵메뉴</a:t>
-            </a:r>
-            <a:r>
-              <a:rPr lang="en-US" altLang="ko-KR" sz="1200" dirty="0" smtClean="0"/>
+              <a:rPr lang="ko-KR" altLang="en-US" sz="1000" dirty="0" smtClean="0"/>
+              <a:t>검색 결과 필터 설정</a:t>
+            </a:r>
+            <a:r>
+              <a:rPr lang="en-US" altLang="ko-KR" sz="1000" dirty="0" smtClean="0"/>
               <a:t/>
             </a:r>
             <a:br>
-              <a:rPr lang="en-US" altLang="ko-KR" sz="1200" dirty="0" smtClean="0"/>
+              <a:rPr lang="en-US" altLang="ko-KR" sz="1000" dirty="0" smtClean="0"/>
             </a:br>
             <a:r>
-              <a:rPr lang="en-US" altLang="ko-KR" sz="1200" dirty="0" smtClean="0"/>
+              <a:rPr lang="en-US" altLang="ko-KR" sz="1000" dirty="0" smtClean="0"/>
+              <a:t>	- </a:t>
+            </a:r>
+            <a:r>
+              <a:rPr lang="ko-KR" altLang="en-US" sz="1000" dirty="0" smtClean="0"/>
+              <a:t>인기순</a:t>
+            </a:r>
+            <a:r>
+              <a:rPr lang="en-US" altLang="ko-KR" sz="1000" dirty="0"/>
+              <a:t/>
+            </a:r>
+            <a:br>
+              <a:rPr lang="en-US" altLang="ko-KR" sz="1000" dirty="0"/>
+            </a:br>
+            <a:r>
+              <a:rPr lang="en-US" altLang="ko-KR" sz="1000" dirty="0" smtClean="0"/>
+              <a:t>	- </a:t>
+            </a:r>
+            <a:r>
+              <a:rPr lang="ko-KR" altLang="en-US" sz="1000" dirty="0" err="1" smtClean="0"/>
+              <a:t>거리순</a:t>
+            </a:r>
+            <a:r>
+              <a:rPr lang="en-US" altLang="ko-KR" sz="1000" dirty="0" smtClean="0"/>
+              <a:t/>
+            </a:r>
+            <a:br>
+              <a:rPr lang="en-US" altLang="ko-KR" sz="1000" dirty="0" smtClean="0"/>
+            </a:br>
+            <a:r>
+              <a:rPr lang="en-US" altLang="ko-KR" sz="1000" dirty="0" smtClean="0"/>
+              <a:t>	- </a:t>
+            </a:r>
+            <a:r>
+              <a:rPr lang="ko-KR" altLang="en-US" sz="1000" dirty="0" err="1" smtClean="0"/>
+              <a:t>최신순</a:t>
+            </a:r>
+            <a:r>
+              <a:rPr lang="en-US" altLang="ko-KR" sz="1000" dirty="0" smtClean="0"/>
+              <a:t/>
+            </a:r>
+            <a:br>
+              <a:rPr lang="en-US" altLang="ko-KR" sz="1000" dirty="0" smtClean="0"/>
+            </a:br>
+            <a:r>
+              <a:rPr lang="en-US" altLang="ko-KR" sz="1000" dirty="0" smtClean="0"/>
               <a:t>- </a:t>
             </a:r>
             <a:r>
-              <a:rPr lang="ko-KR" altLang="en-US" sz="1200" dirty="0" smtClean="0"/>
-              <a:t>하단 회사정보 잠깐 </a:t>
-            </a:r>
-            <a:r>
-              <a:rPr lang="ko-KR" altLang="en-US" sz="1200" dirty="0" err="1" smtClean="0"/>
-              <a:t>ㅎ</a:t>
-            </a:r>
-            <a:endParaRPr lang="en-US" altLang="ko-KR" sz="1200" dirty="0" smtClean="0"/>
+              <a:rPr lang="ko-KR" altLang="en-US" sz="1000" dirty="0" smtClean="0"/>
+              <a:t>검색 세부사항 조회</a:t>
+            </a:r>
+            <a:r>
+              <a:rPr lang="en-US" altLang="ko-KR" sz="1000" dirty="0"/>
+              <a:t/>
+            </a:r>
+            <a:br>
+              <a:rPr lang="en-US" altLang="ko-KR" sz="1000" dirty="0"/>
+            </a:br>
+            <a:r>
+              <a:rPr lang="en-US" altLang="ko-KR" sz="1000" dirty="0" smtClean="0"/>
+              <a:t>	- </a:t>
+            </a:r>
+            <a:r>
+              <a:rPr lang="ko-KR" altLang="en-US" sz="1000" dirty="0" smtClean="0"/>
+              <a:t>각 항목에 해당하는 </a:t>
+            </a:r>
+            <a:r>
+              <a:rPr lang="ko-KR" altLang="en-US" sz="1000" dirty="0" smtClean="0"/>
+              <a:t>세부정보 </a:t>
+            </a:r>
+            <a:r>
+              <a:rPr lang="ko-KR" altLang="en-US" sz="1000" dirty="0" smtClean="0"/>
+              <a:t>출력</a:t>
+            </a:r>
+            <a:r>
+              <a:rPr lang="en-US" altLang="ko-KR" sz="1000" dirty="0" smtClean="0"/>
+              <a:t/>
+            </a:r>
+            <a:br>
+              <a:rPr lang="en-US" altLang="ko-KR" sz="1000" dirty="0" smtClean="0"/>
+            </a:br>
+            <a:r>
+              <a:rPr lang="en-US" altLang="ko-KR" sz="1000" dirty="0" smtClean="0"/>
+              <a:t>		- </a:t>
+            </a:r>
+            <a:r>
+              <a:rPr lang="ko-KR" altLang="en-US" sz="1000" dirty="0" smtClean="0"/>
+              <a:t>텍스트</a:t>
+            </a:r>
+            <a:r>
+              <a:rPr lang="en-US" altLang="ko-KR" sz="1000" dirty="0" smtClean="0"/>
+              <a:t/>
+            </a:r>
+            <a:br>
+              <a:rPr lang="en-US" altLang="ko-KR" sz="1000" dirty="0" smtClean="0"/>
+            </a:br>
+            <a:r>
+              <a:rPr lang="en-US" altLang="ko-KR" sz="1000" dirty="0" smtClean="0"/>
+              <a:t>		- </a:t>
+            </a:r>
+            <a:r>
+              <a:rPr lang="ko-KR" altLang="en-US" sz="1000" dirty="0" smtClean="0"/>
+              <a:t>이미지</a:t>
+            </a:r>
+            <a:r>
+              <a:rPr lang="en-US" altLang="ko-KR" sz="1000" dirty="0" smtClean="0"/>
+              <a:t/>
+            </a:r>
+            <a:br>
+              <a:rPr lang="en-US" altLang="ko-KR" sz="1000" dirty="0" smtClean="0"/>
+            </a:br>
+            <a:r>
+              <a:rPr lang="en-US" altLang="ko-KR" sz="1000" dirty="0" smtClean="0"/>
+              <a:t>		- </a:t>
+            </a:r>
+            <a:r>
+              <a:rPr lang="ko-KR" altLang="en-US" sz="1000" dirty="0" err="1" smtClean="0"/>
+              <a:t>구글</a:t>
+            </a:r>
+            <a:r>
+              <a:rPr lang="ko-KR" altLang="en-US" sz="1000" dirty="0" smtClean="0"/>
+              <a:t> </a:t>
+            </a:r>
+            <a:r>
+              <a:rPr lang="ko-KR" altLang="en-US" sz="1000" dirty="0" err="1" smtClean="0"/>
+              <a:t>맵</a:t>
+            </a:r>
+            <a:r>
+              <a:rPr lang="en-US" altLang="ko-KR" sz="1000" dirty="0"/>
+              <a:t/>
+            </a:r>
+            <a:br>
+              <a:rPr lang="en-US" altLang="ko-KR" sz="1000" dirty="0"/>
+            </a:br>
+            <a:r>
+              <a:rPr lang="en-US" altLang="ko-KR" sz="1000" dirty="0" smtClean="0"/>
+              <a:t>	- </a:t>
+            </a:r>
+            <a:r>
+              <a:rPr lang="ko-KR" altLang="en-US" sz="1000" dirty="0" smtClean="0"/>
+              <a:t>이후 많이 가는 추천장소</a:t>
+            </a:r>
+            <a:r>
+              <a:rPr lang="en-US" altLang="ko-KR" sz="1000" dirty="0" smtClean="0"/>
+              <a:t/>
+            </a:r>
+            <a:br>
+              <a:rPr lang="en-US" altLang="ko-KR" sz="1000" dirty="0" smtClean="0"/>
+            </a:br>
+            <a:r>
+              <a:rPr lang="en-US" altLang="ko-KR" sz="1000" dirty="0" smtClean="0"/>
+              <a:t>	  </a:t>
+            </a:r>
+            <a:r>
+              <a:rPr lang="ko-KR" altLang="en-US" sz="1000" dirty="0" smtClean="0"/>
+              <a:t>리스트 보여주기</a:t>
+            </a:r>
+            <a:r>
+              <a:rPr lang="en-US" altLang="ko-KR" sz="1000" dirty="0"/>
+              <a:t/>
+            </a:r>
+            <a:br>
+              <a:rPr lang="en-US" altLang="ko-KR" sz="1000" dirty="0"/>
+            </a:br>
+            <a:r>
+              <a:rPr lang="en-US" altLang="ko-KR" sz="1000" dirty="0" smtClean="0"/>
+              <a:t>	- </a:t>
+            </a:r>
+            <a:r>
+              <a:rPr lang="ko-KR" altLang="en-US" sz="1000" dirty="0" smtClean="0"/>
+              <a:t>해당 추천장소 정보 표시</a:t>
+            </a:r>
+            <a:r>
+              <a:rPr lang="en-US" altLang="ko-KR" sz="1000" dirty="0" smtClean="0"/>
+              <a:t/>
+            </a:r>
+            <a:br>
+              <a:rPr lang="en-US" altLang="ko-KR" sz="1000" dirty="0" smtClean="0"/>
+            </a:br>
+            <a:r>
+              <a:rPr lang="en-US" altLang="ko-KR" sz="1000" dirty="0" smtClean="0"/>
+              <a:t>	  (</a:t>
+            </a:r>
+            <a:r>
+              <a:rPr lang="ko-KR" altLang="en-US" sz="1000" dirty="0" smtClean="0"/>
+              <a:t>누적 보여주기</a:t>
+            </a:r>
+            <a:r>
+              <a:rPr lang="en-US" altLang="ko-KR" sz="1000" dirty="0" smtClean="0"/>
+              <a:t>)</a:t>
+            </a:r>
+            <a:br>
+              <a:rPr lang="en-US" altLang="ko-KR" sz="1000" dirty="0" smtClean="0"/>
+            </a:br>
+            <a:r>
+              <a:rPr lang="en-US" altLang="ko-KR" sz="1000" dirty="0" smtClean="0"/>
+              <a:t>- </a:t>
+            </a:r>
+            <a:r>
+              <a:rPr lang="ko-KR" altLang="en-US" sz="1000" dirty="0" smtClean="0"/>
+              <a:t>추천 장소 저장 기능</a:t>
+            </a:r>
+            <a:r>
+              <a:rPr lang="en-US" altLang="ko-KR" sz="1000" dirty="0" smtClean="0"/>
+              <a:t/>
+            </a:r>
+            <a:br>
+              <a:rPr lang="en-US" altLang="ko-KR" sz="1000" dirty="0" smtClean="0"/>
+            </a:br>
+            <a:r>
+              <a:rPr lang="en-US" altLang="ko-KR" sz="1000" dirty="0" smtClean="0"/>
+              <a:t>- </a:t>
+            </a:r>
+            <a:r>
+              <a:rPr lang="ko-KR" altLang="en-US" sz="1000" dirty="0" smtClean="0"/>
+              <a:t>추천 장소 </a:t>
+            </a:r>
+            <a:r>
+              <a:rPr lang="ko-KR" altLang="en-US" sz="1000" dirty="0" err="1" smtClean="0"/>
+              <a:t>댓글</a:t>
+            </a:r>
+            <a:r>
+              <a:rPr lang="ko-KR" altLang="en-US" sz="1000" dirty="0" smtClean="0"/>
+              <a:t> 기능</a:t>
+            </a:r>
+            <a:r>
+              <a:rPr lang="en-US" altLang="ko-KR" sz="1000" dirty="0" smtClean="0"/>
+              <a:t>(-)</a:t>
+            </a:r>
+            <a:br>
+              <a:rPr lang="en-US" altLang="ko-KR" sz="1000" dirty="0" smtClean="0"/>
+            </a:br>
+            <a:r>
+              <a:rPr lang="en-US" altLang="ko-KR" sz="1000" dirty="0" smtClean="0"/>
+              <a:t>- </a:t>
+            </a:r>
+            <a:r>
+              <a:rPr lang="ko-KR" altLang="en-US" sz="1000" dirty="0" smtClean="0"/>
+              <a:t>추천 장소와 </a:t>
+            </a:r>
+            <a:r>
+              <a:rPr lang="ko-KR" altLang="en-US" sz="1000" dirty="0" err="1" smtClean="0"/>
+              <a:t>비슷한곳</a:t>
+            </a:r>
+            <a:r>
+              <a:rPr lang="en-US" altLang="ko-KR" sz="1000" dirty="0" smtClean="0"/>
+              <a:t/>
+            </a:r>
+            <a:br>
+              <a:rPr lang="en-US" altLang="ko-KR" sz="1000" dirty="0" smtClean="0"/>
+            </a:br>
+            <a:r>
+              <a:rPr lang="en-US" altLang="ko-KR" sz="1000" dirty="0" smtClean="0"/>
+              <a:t>- </a:t>
+            </a:r>
+            <a:r>
+              <a:rPr lang="ko-KR" altLang="en-US" sz="1000" dirty="0" smtClean="0"/>
+              <a:t>추천 장소 이후에 많이 </a:t>
+            </a:r>
+            <a:r>
+              <a:rPr lang="ko-KR" altLang="en-US" sz="1000" dirty="0" err="1" smtClean="0"/>
+              <a:t>가는곳</a:t>
+            </a:r>
+            <a:r>
+              <a:rPr lang="en-US" altLang="ko-KR" sz="1000" dirty="0" smtClean="0"/>
+              <a:t/>
+            </a:r>
+            <a:br>
+              <a:rPr lang="en-US" altLang="ko-KR" sz="1000" dirty="0" smtClean="0"/>
+            </a:br>
+            <a:r>
+              <a:rPr lang="en-US" altLang="ko-KR" sz="1000" dirty="0" smtClean="0"/>
+              <a:t>- </a:t>
+            </a:r>
+            <a:r>
+              <a:rPr lang="ko-KR" altLang="en-US" sz="1000" dirty="0" smtClean="0"/>
+              <a:t>추천 장소 인증 기능 </a:t>
+            </a:r>
+            <a:r>
+              <a:rPr lang="en-US" altLang="ko-KR" sz="1000" dirty="0" smtClean="0"/>
+              <a:t>(</a:t>
+            </a:r>
+            <a:r>
+              <a:rPr lang="ko-KR" altLang="en-US" sz="1000" dirty="0" smtClean="0"/>
+              <a:t>장소 당 인증 </a:t>
+            </a:r>
+            <a:r>
+              <a:rPr lang="en-US" altLang="ko-KR" sz="1000" dirty="0" smtClean="0"/>
+              <a:t>1</a:t>
+            </a:r>
+            <a:r>
+              <a:rPr lang="ko-KR" altLang="en-US" sz="1000" dirty="0" smtClean="0"/>
+              <a:t>회만 가능</a:t>
+            </a:r>
+            <a:r>
+              <a:rPr lang="en-US" altLang="ko-KR" sz="1000" dirty="0" smtClean="0"/>
+              <a:t>)</a:t>
+            </a:r>
+            <a:br>
+              <a:rPr lang="en-US" altLang="ko-KR" sz="1000" dirty="0" smtClean="0"/>
+            </a:br>
+            <a:r>
+              <a:rPr lang="en-US" altLang="ko-KR" sz="1000" dirty="0" smtClean="0"/>
+              <a:t>	- </a:t>
+            </a:r>
+            <a:r>
+              <a:rPr lang="ko-KR" altLang="en-US" sz="1000" dirty="0" smtClean="0"/>
+              <a:t>사진 인증</a:t>
+            </a:r>
+            <a:r>
+              <a:rPr lang="en-US" altLang="ko-KR" sz="1000" dirty="0" smtClean="0"/>
+              <a:t>(</a:t>
+            </a:r>
+            <a:r>
+              <a:rPr lang="ko-KR" altLang="en-US" sz="1000" dirty="0" smtClean="0"/>
+              <a:t>개발기간 및 개발능력 </a:t>
+            </a:r>
+            <a:r>
+              <a:rPr lang="en-US" altLang="ko-KR" sz="1000" dirty="0" smtClean="0"/>
+              <a:t/>
+            </a:r>
+            <a:br>
+              <a:rPr lang="en-US" altLang="ko-KR" sz="1000" dirty="0" smtClean="0"/>
+            </a:br>
+            <a:r>
+              <a:rPr lang="en-US" altLang="ko-KR" sz="1000" dirty="0" smtClean="0"/>
+              <a:t>	</a:t>
+            </a:r>
+            <a:r>
+              <a:rPr lang="ko-KR" altLang="en-US" sz="1000" dirty="0" smtClean="0"/>
+              <a:t>반영으로 인한</a:t>
+            </a:r>
+            <a:r>
+              <a:rPr lang="en-US" altLang="ko-KR" sz="1000" dirty="0"/>
+              <a:t> </a:t>
+            </a:r>
+            <a:r>
+              <a:rPr lang="ko-KR" altLang="en-US" sz="1000" dirty="0" smtClean="0"/>
+              <a:t>수동 방식으로 </a:t>
+            </a:r>
+            <a:r>
+              <a:rPr lang="en-US" altLang="ko-KR" sz="1000" dirty="0" smtClean="0"/>
+              <a:t>)</a:t>
+            </a:r>
+            <a:br>
+              <a:rPr lang="en-US" altLang="ko-KR" sz="1000" dirty="0" smtClean="0"/>
+            </a:br>
+            <a:r>
+              <a:rPr lang="en-US" altLang="ko-KR" sz="1000" dirty="0" smtClean="0"/>
+              <a:t>	- </a:t>
+            </a:r>
+            <a:r>
+              <a:rPr lang="ko-KR" altLang="en-US" sz="1000" dirty="0" smtClean="0"/>
+              <a:t>위치 인증기능</a:t>
+            </a:r>
+            <a:r>
+              <a:rPr lang="en-US" altLang="ko-KR" sz="1000" dirty="0" smtClean="0"/>
+              <a:t>(GPS </a:t>
+            </a:r>
+            <a:r>
+              <a:rPr lang="ko-KR" altLang="en-US" sz="1000" dirty="0" smtClean="0"/>
+              <a:t>인증</a:t>
+            </a:r>
+            <a:r>
+              <a:rPr lang="en-US" altLang="ko-KR" sz="1000" dirty="0" smtClean="0"/>
+              <a:t>)</a:t>
+            </a:r>
+            <a:endParaRPr lang="en-US" altLang="ko-KR" sz="1000" dirty="0" smtClean="0"/>
           </a:p>
           <a:p>
             <a:pPr marL="228600" indent="-228600">
               <a:buAutoNum type="arabicPeriod"/>
             </a:pPr>
             <a:r>
-              <a:rPr lang="ko-KR" altLang="en-US" sz="1200" dirty="0" smtClean="0"/>
-              <a:t>추천</a:t>
-            </a:r>
-            <a:r>
-              <a:rPr lang="en-US" altLang="ko-KR" sz="1200" dirty="0"/>
+              <a:rPr lang="ko-KR" altLang="en-US" sz="1000" dirty="0" smtClean="0"/>
+              <a:t>칼럼</a:t>
+            </a:r>
+            <a:r>
+              <a:rPr lang="en-US" altLang="ko-KR" sz="1000" dirty="0"/>
               <a:t/>
             </a:r>
             <a:br>
-              <a:rPr lang="en-US" altLang="ko-KR" sz="1200" dirty="0"/>
+              <a:rPr lang="en-US" altLang="ko-KR" sz="1000" dirty="0"/>
             </a:br>
             <a:r>
-              <a:rPr lang="en-US" altLang="ko-KR" sz="1200" dirty="0" smtClean="0"/>
+              <a:rPr lang="en-US" altLang="ko-KR" sz="1000" dirty="0" smtClean="0"/>
               <a:t>- </a:t>
             </a:r>
             <a:r>
-              <a:rPr lang="ko-KR" altLang="en-US" sz="1200" dirty="0" smtClean="0"/>
-              <a:t>대 카테고리 선택</a:t>
-            </a:r>
-            <a:r>
-              <a:rPr lang="en-US" altLang="ko-KR" sz="1200" dirty="0" smtClean="0"/>
+              <a:rPr lang="ko-KR" altLang="en-US" sz="1000" dirty="0" smtClean="0"/>
+              <a:t>칼럼 리스트 표시</a:t>
+            </a:r>
+            <a:r>
+              <a:rPr lang="en-US" altLang="ko-KR" sz="1000" dirty="0" smtClean="0"/>
               <a:t/>
             </a:r>
             <a:br>
-              <a:rPr lang="en-US" altLang="ko-KR" sz="1200" dirty="0" smtClean="0"/>
+              <a:rPr lang="en-US" altLang="ko-KR" sz="1000" dirty="0" smtClean="0"/>
             </a:br>
             <a:r>
-              <a:rPr lang="en-US" altLang="ko-KR" sz="1200" dirty="0" smtClean="0"/>
+              <a:rPr lang="en-US" altLang="ko-KR" sz="1000" dirty="0" smtClean="0"/>
+              <a:t>	- </a:t>
+            </a:r>
+            <a:r>
+              <a:rPr lang="ko-KR" altLang="en-US" sz="1000" dirty="0" err="1" smtClean="0"/>
+              <a:t>썸네일</a:t>
+            </a:r>
+            <a:r>
+              <a:rPr lang="ko-KR" altLang="en-US" sz="1000" dirty="0" smtClean="0"/>
+              <a:t> 및 텍스트만 표시</a:t>
+            </a:r>
+            <a:r>
+              <a:rPr lang="en-US" altLang="ko-KR" sz="1000" dirty="0" smtClean="0"/>
+              <a:t/>
+            </a:r>
+            <a:br>
+              <a:rPr lang="en-US" altLang="ko-KR" sz="1000" dirty="0" smtClean="0"/>
+            </a:br>
+            <a:r>
+              <a:rPr lang="en-US" altLang="ko-KR" sz="1000" dirty="0" smtClean="0"/>
               <a:t>- </a:t>
             </a:r>
             <a:r>
-              <a:rPr lang="ko-KR" altLang="en-US" sz="1200" dirty="0" smtClean="0"/>
-              <a:t>중 카테고리 선택</a:t>
-            </a:r>
-            <a:r>
-              <a:rPr lang="en-US" altLang="ko-KR" sz="1200" dirty="0" smtClean="0"/>
+              <a:rPr lang="ko-KR" altLang="en-US" sz="1000" dirty="0" smtClean="0"/>
+              <a:t>칼럼 상단 이벤트 이미지 </a:t>
+            </a:r>
+            <a:r>
+              <a:rPr lang="ko-KR" altLang="en-US" sz="1000" dirty="0" err="1" smtClean="0"/>
+              <a:t>뷰플리퍼</a:t>
+            </a:r>
+            <a:r>
+              <a:rPr lang="ko-KR" altLang="en-US" sz="1000" dirty="0" smtClean="0"/>
+              <a:t> </a:t>
+            </a:r>
+            <a:r>
+              <a:rPr lang="ko-KR" altLang="en-US" sz="1000" dirty="0" smtClean="0">
+                <a:solidFill>
+                  <a:srgbClr val="FF0000"/>
+                </a:solidFill>
+              </a:rPr>
+              <a:t>미정</a:t>
+            </a:r>
+            <a:r>
+              <a:rPr lang="en-US" altLang="ko-KR" sz="1000" dirty="0" smtClean="0"/>
               <a:t/>
             </a:r>
             <a:br>
-              <a:rPr lang="en-US" altLang="ko-KR" sz="1200" dirty="0" smtClean="0"/>
+              <a:rPr lang="en-US" altLang="ko-KR" sz="1000" dirty="0" smtClean="0"/>
             </a:br>
             <a:r>
-              <a:rPr lang="en-US" altLang="ko-KR" sz="1200" dirty="0" smtClean="0"/>
+              <a:rPr lang="en-US" altLang="ko-KR" sz="1000" dirty="0" smtClean="0"/>
               <a:t>- </a:t>
             </a:r>
             <a:r>
-              <a:rPr lang="ko-KR" altLang="en-US" sz="1200" dirty="0" smtClean="0"/>
-              <a:t>소 카테고리 선택</a:t>
-            </a:r>
-            <a:r>
-              <a:rPr lang="en-US" altLang="ko-KR" sz="1200" dirty="0" smtClean="0"/>
+              <a:rPr lang="ko-KR" altLang="en-US" sz="1000" dirty="0" smtClean="0"/>
+              <a:t>이벤트 선택 시 해당 웹으로 </a:t>
+            </a:r>
+            <a:r>
+              <a:rPr lang="en-US" altLang="ko-KR" sz="1000" dirty="0" smtClean="0"/>
+              <a:t>Intent </a:t>
+            </a:r>
+            <a:r>
+              <a:rPr lang="ko-KR" altLang="en-US" sz="1000" dirty="0" smtClean="0">
+                <a:solidFill>
+                  <a:srgbClr val="FF0000"/>
+                </a:solidFill>
+              </a:rPr>
+              <a:t>미정</a:t>
+            </a:r>
+            <a:r>
+              <a:rPr lang="en-US" altLang="ko-KR" sz="1000" dirty="0" smtClean="0"/>
               <a:t/>
             </a:r>
             <a:br>
-              <a:rPr lang="en-US" altLang="ko-KR" sz="1200" dirty="0" smtClean="0"/>
+              <a:rPr lang="en-US" altLang="ko-KR" sz="1000" dirty="0" smtClean="0"/>
             </a:br>
             <a:r>
-              <a:rPr lang="en-US" altLang="ko-KR" sz="1200" dirty="0" smtClean="0"/>
+              <a:rPr lang="en-US" altLang="ko-KR" sz="1000" dirty="0" smtClean="0"/>
               <a:t>- </a:t>
             </a:r>
             <a:r>
-              <a:rPr lang="ko-KR" altLang="en-US" sz="1200" dirty="0" smtClean="0"/>
-              <a:t>검색 결과 리스트 출력</a:t>
-            </a:r>
-            <a:r>
-              <a:rPr lang="en-US" altLang="ko-KR" sz="1200" dirty="0" smtClean="0"/>
+              <a:rPr lang="ko-KR" altLang="en-US" sz="1000" dirty="0" smtClean="0"/>
+              <a:t>칼럼 세부 표시</a:t>
+            </a:r>
+            <a:r>
+              <a:rPr lang="en-US" altLang="ko-KR" sz="1000" dirty="0" smtClean="0"/>
               <a:t/>
             </a:r>
             <a:br>
-              <a:rPr lang="en-US" altLang="ko-KR" sz="1200" dirty="0" smtClean="0"/>
+              <a:rPr lang="en-US" altLang="ko-KR" sz="1000" dirty="0" smtClean="0"/>
             </a:br>
             <a:r>
-              <a:rPr lang="en-US" altLang="ko-KR" sz="1200" dirty="0" smtClean="0"/>
+              <a:rPr lang="en-US" altLang="ko-KR" sz="1000" dirty="0" smtClean="0"/>
+              <a:t>	- </a:t>
+            </a:r>
+            <a:r>
+              <a:rPr lang="ko-KR" altLang="en-US" sz="1000" dirty="0" smtClean="0"/>
+              <a:t>텍스트</a:t>
+            </a:r>
+            <a:r>
+              <a:rPr lang="en-US" altLang="ko-KR" sz="1000" dirty="0" smtClean="0"/>
+              <a:t/>
+            </a:r>
+            <a:br>
+              <a:rPr lang="en-US" altLang="ko-KR" sz="1000" dirty="0" smtClean="0"/>
+            </a:br>
+            <a:r>
+              <a:rPr lang="en-US" altLang="ko-KR" sz="1000" dirty="0" smtClean="0"/>
+              <a:t>	- </a:t>
+            </a:r>
+            <a:r>
+              <a:rPr lang="ko-KR" altLang="en-US" sz="1000" dirty="0" smtClean="0"/>
+              <a:t>이미지</a:t>
+            </a:r>
+            <a:r>
+              <a:rPr lang="en-US" altLang="ko-KR" sz="1000" dirty="0"/>
+              <a:t/>
+            </a:r>
+            <a:br>
+              <a:rPr lang="en-US" altLang="ko-KR" sz="1000" dirty="0"/>
+            </a:br>
+            <a:r>
+              <a:rPr lang="en-US" altLang="ko-KR" sz="1000" dirty="0" smtClean="0"/>
+              <a:t>	- </a:t>
+            </a:r>
+            <a:r>
+              <a:rPr lang="ko-KR" altLang="en-US" sz="1000" dirty="0" smtClean="0"/>
+              <a:t>동영상</a:t>
+            </a:r>
+            <a:r>
+              <a:rPr lang="en-US" altLang="ko-KR" sz="1000" dirty="0"/>
+              <a:t/>
+            </a:r>
+            <a:br>
+              <a:rPr lang="en-US" altLang="ko-KR" sz="1000" dirty="0"/>
+            </a:br>
+            <a:r>
+              <a:rPr lang="en-US" altLang="ko-KR" sz="1000" dirty="0" smtClean="0"/>
               <a:t>- </a:t>
             </a:r>
             <a:r>
-              <a:rPr lang="ko-KR" altLang="en-US" sz="1200" dirty="0" smtClean="0"/>
-              <a:t>검색 결과 필터 설정</a:t>
-            </a:r>
-            <a:r>
-              <a:rPr lang="en-US" altLang="ko-KR" sz="1200" dirty="0" smtClean="0"/>
+              <a:rPr lang="ko-KR" altLang="en-US" sz="1000" dirty="0" smtClean="0"/>
+              <a:t>칼럼 저장 기능</a:t>
+            </a:r>
+            <a:r>
+              <a:rPr lang="en-US" altLang="ko-KR" sz="1000" dirty="0" smtClean="0"/>
               <a:t/>
             </a:r>
             <a:br>
-              <a:rPr lang="en-US" altLang="ko-KR" sz="1200" dirty="0" smtClean="0"/>
+              <a:rPr lang="en-US" altLang="ko-KR" sz="1000" dirty="0" smtClean="0"/>
             </a:br>
             <a:r>
-              <a:rPr lang="en-US" altLang="ko-KR" sz="1200" dirty="0" smtClean="0"/>
-              <a:t>	- </a:t>
-            </a:r>
-            <a:r>
-              <a:rPr lang="ko-KR" altLang="en-US" sz="1200" dirty="0" smtClean="0"/>
-              <a:t>인기순</a:t>
-            </a:r>
-            <a:r>
-              <a:rPr lang="en-US" altLang="ko-KR" sz="1200" dirty="0"/>
+              <a:rPr lang="en-US" altLang="ko-KR" sz="1000" dirty="0" smtClean="0"/>
+              <a:t>- </a:t>
+            </a:r>
+            <a:r>
+              <a:rPr lang="ko-KR" altLang="en-US" sz="1000" dirty="0" err="1" smtClean="0"/>
+              <a:t>댓글</a:t>
+            </a:r>
+            <a:r>
+              <a:rPr lang="ko-KR" altLang="en-US" sz="1000" dirty="0" smtClean="0"/>
+              <a:t> 작성 기능</a:t>
+            </a:r>
+            <a:r>
+              <a:rPr lang="en-US" altLang="ko-KR" sz="1000" dirty="0"/>
               <a:t/>
             </a:r>
             <a:br>
-              <a:rPr lang="en-US" altLang="ko-KR" sz="1200" dirty="0"/>
+              <a:rPr lang="en-US" altLang="ko-KR" sz="1000" dirty="0"/>
             </a:br>
             <a:r>
-              <a:rPr lang="en-US" altLang="ko-KR" sz="1200" dirty="0" smtClean="0"/>
-              <a:t>	- </a:t>
-            </a:r>
-            <a:r>
-              <a:rPr lang="ko-KR" altLang="en-US" sz="1200" dirty="0" err="1" smtClean="0"/>
-              <a:t>거리순</a:t>
-            </a:r>
-            <a:r>
-              <a:rPr lang="en-US" altLang="ko-KR" sz="1200" dirty="0" smtClean="0"/>
+              <a:rPr lang="en-US" altLang="ko-KR" sz="1000" dirty="0" smtClean="0"/>
+              <a:t>- </a:t>
+            </a:r>
+            <a:r>
+              <a:rPr lang="ko-KR" altLang="en-US" sz="1000" dirty="0" err="1" smtClean="0">
+                <a:solidFill>
+                  <a:srgbClr val="FF0000"/>
+                </a:solidFill>
+              </a:rPr>
+              <a:t>리댓글</a:t>
+            </a:r>
+            <a:r>
+              <a:rPr lang="ko-KR" altLang="en-US" sz="1000" dirty="0" smtClean="0">
+                <a:solidFill>
+                  <a:srgbClr val="FF0000"/>
+                </a:solidFill>
+              </a:rPr>
+              <a:t> 작성 </a:t>
+            </a:r>
+            <a:r>
+              <a:rPr lang="ko-KR" altLang="en-US" sz="1000" dirty="0" err="1" smtClean="0">
+                <a:solidFill>
+                  <a:srgbClr val="FF0000"/>
+                </a:solidFill>
+              </a:rPr>
+              <a:t>안함</a:t>
+            </a:r>
+            <a:r>
+              <a:rPr lang="en-US" altLang="ko-KR" sz="1000" dirty="0" smtClean="0"/>
               <a:t/>
             </a:r>
             <a:br>
-              <a:rPr lang="en-US" altLang="ko-KR" sz="1200" dirty="0" smtClean="0"/>
+              <a:rPr lang="en-US" altLang="ko-KR" sz="1000" dirty="0" smtClean="0"/>
             </a:br>
             <a:r>
-              <a:rPr lang="en-US" altLang="ko-KR" sz="1200" dirty="0" smtClean="0"/>
-              <a:t>	- </a:t>
-            </a:r>
-            <a:r>
-              <a:rPr lang="ko-KR" altLang="en-US" sz="1200" dirty="0" err="1" smtClean="0"/>
-              <a:t>최신순</a:t>
-            </a:r>
-            <a:r>
-              <a:rPr lang="en-US" altLang="ko-KR" sz="1200" dirty="0" smtClean="0"/>
+              <a:rPr lang="en-US" altLang="ko-KR" sz="1000" dirty="0" smtClean="0"/>
+              <a:t>- </a:t>
+            </a:r>
+            <a:r>
+              <a:rPr lang="ko-KR" altLang="en-US" sz="1000" dirty="0" smtClean="0"/>
+              <a:t>칼럼 </a:t>
+            </a:r>
+            <a:r>
+              <a:rPr lang="ko-KR" altLang="en-US" sz="1000" dirty="0" err="1" smtClean="0"/>
+              <a:t>뷰</a:t>
+            </a:r>
+            <a:r>
+              <a:rPr lang="ko-KR" altLang="en-US" sz="1000" dirty="0" smtClean="0"/>
+              <a:t> 카운트 </a:t>
+            </a:r>
+            <a:r>
+              <a:rPr lang="ko-KR" altLang="en-US" sz="1000" dirty="0" smtClean="0"/>
+              <a:t>기능</a:t>
+            </a:r>
+            <a:r>
+              <a:rPr lang="en-US" altLang="ko-KR" sz="1000" dirty="0"/>
               <a:t/>
             </a:r>
             <a:br>
-              <a:rPr lang="en-US" altLang="ko-KR" sz="1200" dirty="0" smtClean="0"/>
+              <a:rPr lang="en-US" altLang="ko-KR" sz="1000" dirty="0"/>
             </a:br>
             <a:r>
-              <a:rPr lang="en-US" altLang="ko-KR" sz="1200" dirty="0" smtClean="0"/>
+              <a:rPr lang="en-US" altLang="ko-KR" sz="1000" dirty="0" smtClean="0"/>
               <a:t>- </a:t>
             </a:r>
             <a:r>
-              <a:rPr lang="ko-KR" altLang="en-US" sz="1200" dirty="0" smtClean="0"/>
-              <a:t>검색 세부사항 조회</a:t>
-            </a:r>
-            <a:r>
-              <a:rPr lang="en-US" altLang="ko-KR" sz="1200" dirty="0"/>
+              <a:rPr lang="ko-KR" altLang="en-US" sz="1000" dirty="0" smtClean="0"/>
+              <a:t>칼럼 클립 수 카운트 기능</a:t>
+            </a:r>
+            <a:r>
+              <a:rPr lang="en-US" altLang="ko-KR" sz="1000" dirty="0"/>
               <a:t/>
             </a:r>
             <a:br>
-              <a:rPr lang="en-US" altLang="ko-KR" sz="1200" dirty="0"/>
+              <a:rPr lang="en-US" altLang="ko-KR" sz="1000" dirty="0"/>
             </a:br>
             <a:r>
-              <a:rPr lang="en-US" altLang="ko-KR" sz="1200" dirty="0" smtClean="0"/>
-              <a:t>	- </a:t>
-            </a:r>
-            <a:r>
-              <a:rPr lang="ko-KR" altLang="en-US" sz="1200" dirty="0" smtClean="0"/>
-              <a:t>각 항목에 해당하는 세부</a:t>
-            </a:r>
-            <a:r>
-              <a:rPr lang="en-US" altLang="ko-KR" sz="1200" dirty="0" smtClean="0"/>
-              <a:t/>
-            </a:r>
-            <a:br>
-              <a:rPr lang="en-US" altLang="ko-KR" sz="1200" dirty="0" smtClean="0"/>
-            </a:br>
-            <a:r>
-              <a:rPr lang="en-US" altLang="ko-KR" sz="1200" dirty="0" smtClean="0"/>
-              <a:t>	  </a:t>
-            </a:r>
-            <a:r>
-              <a:rPr lang="ko-KR" altLang="en-US" sz="1200" dirty="0" smtClean="0"/>
-              <a:t>정보 출력</a:t>
-            </a:r>
-            <a:r>
-              <a:rPr lang="en-US" altLang="ko-KR" sz="1200" dirty="0" smtClean="0"/>
-              <a:t/>
-            </a:r>
-            <a:br>
-              <a:rPr lang="en-US" altLang="ko-KR" sz="1200" dirty="0" smtClean="0"/>
-            </a:br>
-            <a:r>
-              <a:rPr lang="en-US" altLang="ko-KR" sz="1200" dirty="0" smtClean="0"/>
-              <a:t>		- </a:t>
-            </a:r>
-            <a:r>
-              <a:rPr lang="ko-KR" altLang="en-US" sz="1200" dirty="0" smtClean="0"/>
-              <a:t>텍스트</a:t>
-            </a:r>
-            <a:r>
-              <a:rPr lang="en-US" altLang="ko-KR" sz="1200" dirty="0" smtClean="0"/>
-              <a:t/>
-            </a:r>
-            <a:br>
-              <a:rPr lang="en-US" altLang="ko-KR" sz="1200" dirty="0" smtClean="0"/>
-            </a:br>
-            <a:r>
-              <a:rPr lang="en-US" altLang="ko-KR" sz="1200" dirty="0" smtClean="0"/>
-              <a:t>		- </a:t>
-            </a:r>
-            <a:r>
-              <a:rPr lang="ko-KR" altLang="en-US" sz="1200" dirty="0" smtClean="0"/>
-              <a:t>이미지</a:t>
-            </a:r>
-            <a:r>
-              <a:rPr lang="en-US" altLang="ko-KR" sz="1200" dirty="0" smtClean="0"/>
-              <a:t/>
-            </a:r>
-            <a:br>
-              <a:rPr lang="en-US" altLang="ko-KR" sz="1200" dirty="0" smtClean="0"/>
-            </a:br>
-            <a:r>
-              <a:rPr lang="en-US" altLang="ko-KR" sz="1200" dirty="0" smtClean="0"/>
-              <a:t>		- </a:t>
-            </a:r>
-            <a:r>
-              <a:rPr lang="ko-KR" altLang="en-US" sz="1200" dirty="0" err="1" smtClean="0"/>
-              <a:t>구글</a:t>
-            </a:r>
-            <a:r>
-              <a:rPr lang="ko-KR" altLang="en-US" sz="1200" dirty="0" smtClean="0"/>
-              <a:t> </a:t>
-            </a:r>
-            <a:r>
-              <a:rPr lang="ko-KR" altLang="en-US" sz="1200" dirty="0" err="1" smtClean="0"/>
-              <a:t>맵</a:t>
-            </a:r>
-            <a:r>
-              <a:rPr lang="en-US" altLang="ko-KR" sz="1200" dirty="0"/>
-              <a:t/>
-            </a:r>
-            <a:br>
-              <a:rPr lang="en-US" altLang="ko-KR" sz="1200" dirty="0"/>
-            </a:br>
-            <a:r>
-              <a:rPr lang="en-US" altLang="ko-KR" sz="1200" dirty="0" smtClean="0"/>
-              <a:t>	- </a:t>
-            </a:r>
-            <a:r>
-              <a:rPr lang="ko-KR" altLang="en-US" sz="1200" dirty="0" smtClean="0"/>
-              <a:t>이후 많이 가는 추천장소</a:t>
-            </a:r>
-            <a:r>
-              <a:rPr lang="en-US" altLang="ko-KR" sz="1200" dirty="0" smtClean="0"/>
-              <a:t/>
-            </a:r>
-            <a:br>
-              <a:rPr lang="en-US" altLang="ko-KR" sz="1200" dirty="0" smtClean="0"/>
-            </a:br>
-            <a:r>
-              <a:rPr lang="en-US" altLang="ko-KR" sz="1200" dirty="0" smtClean="0"/>
-              <a:t>	  </a:t>
-            </a:r>
-            <a:r>
-              <a:rPr lang="ko-KR" altLang="en-US" sz="1200" dirty="0" smtClean="0"/>
-              <a:t>리스트 보여주기</a:t>
-            </a:r>
-            <a:r>
-              <a:rPr lang="en-US" altLang="ko-KR" sz="1200" dirty="0"/>
-              <a:t/>
-            </a:r>
-            <a:br>
-              <a:rPr lang="en-US" altLang="ko-KR" sz="1200" dirty="0"/>
-            </a:br>
-            <a:r>
-              <a:rPr lang="en-US" altLang="ko-KR" sz="1200" dirty="0" smtClean="0"/>
-              <a:t>	- </a:t>
-            </a:r>
-            <a:r>
-              <a:rPr lang="ko-KR" altLang="en-US" sz="1200" dirty="0" smtClean="0"/>
-              <a:t>해당 추천장소 정보 표시</a:t>
-            </a:r>
-            <a:r>
-              <a:rPr lang="en-US" altLang="ko-KR" sz="1200" dirty="0" smtClean="0"/>
-              <a:t/>
-            </a:r>
-            <a:br>
-              <a:rPr lang="en-US" altLang="ko-KR" sz="1200" dirty="0" smtClean="0"/>
-            </a:br>
-            <a:r>
-              <a:rPr lang="en-US" altLang="ko-KR" sz="1200" dirty="0" smtClean="0"/>
-              <a:t>	  (</a:t>
-            </a:r>
-            <a:r>
-              <a:rPr lang="ko-KR" altLang="en-US" sz="1200" dirty="0" smtClean="0"/>
-              <a:t>누적 보여주기</a:t>
-            </a:r>
-            <a:r>
-              <a:rPr lang="en-US" altLang="ko-KR" sz="1200" dirty="0" smtClean="0"/>
-              <a:t>)</a:t>
-            </a:r>
-            <a:br>
-              <a:rPr lang="en-US" altLang="ko-KR" sz="1200" dirty="0" smtClean="0"/>
-            </a:br>
-            <a:r>
-              <a:rPr lang="en-US" altLang="ko-KR" sz="1200" dirty="0" smtClean="0"/>
+              <a:rPr lang="en-US" altLang="ko-KR" sz="1000" dirty="0" smtClean="0"/>
               <a:t>- </a:t>
             </a:r>
             <a:r>
-              <a:rPr lang="ko-KR" altLang="en-US" sz="1200" dirty="0" smtClean="0"/>
-              <a:t>추천 장소 저장 기능</a:t>
-            </a:r>
-            <a:r>
-              <a:rPr lang="en-US" altLang="ko-KR" sz="1200" dirty="0" smtClean="0"/>
-              <a:t/>
-            </a:r>
-            <a:br>
-              <a:rPr lang="en-US" altLang="ko-KR" sz="1200" dirty="0" smtClean="0"/>
-            </a:br>
-            <a:r>
-              <a:rPr lang="en-US" altLang="ko-KR" sz="1200" dirty="0" smtClean="0"/>
-              <a:t>- </a:t>
-            </a:r>
-            <a:r>
-              <a:rPr lang="ko-KR" altLang="en-US" sz="1200" dirty="0" smtClean="0"/>
-              <a:t>추천 장소 </a:t>
-            </a:r>
-            <a:r>
-              <a:rPr lang="ko-KR" altLang="en-US" sz="1200" dirty="0" err="1" smtClean="0"/>
-              <a:t>댓글</a:t>
-            </a:r>
-            <a:r>
-              <a:rPr lang="ko-KR" altLang="en-US" sz="1200" dirty="0" smtClean="0"/>
-              <a:t> 기능</a:t>
-            </a:r>
-            <a:r>
-              <a:rPr lang="en-US" altLang="ko-KR" sz="1200" dirty="0" smtClean="0"/>
-              <a:t>(-)</a:t>
-            </a:r>
-            <a:br>
-              <a:rPr lang="en-US" altLang="ko-KR" sz="1200" dirty="0" smtClean="0"/>
-            </a:br>
-            <a:r>
-              <a:rPr lang="en-US" altLang="ko-KR" sz="1200" dirty="0" smtClean="0"/>
-              <a:t>- </a:t>
-            </a:r>
-            <a:r>
-              <a:rPr lang="ko-KR" altLang="en-US" sz="1200" dirty="0" smtClean="0"/>
-              <a:t>추천 장소와 </a:t>
-            </a:r>
-            <a:r>
-              <a:rPr lang="ko-KR" altLang="en-US" sz="1200" dirty="0" err="1" smtClean="0"/>
-              <a:t>비슷한곳</a:t>
-            </a:r>
-            <a:r>
-              <a:rPr lang="en-US" altLang="ko-KR" sz="1200" dirty="0" smtClean="0"/>
-              <a:t/>
-            </a:r>
-            <a:br>
-              <a:rPr lang="en-US" altLang="ko-KR" sz="1200" dirty="0" smtClean="0"/>
-            </a:br>
-            <a:r>
-              <a:rPr lang="en-US" altLang="ko-KR" sz="1200" dirty="0" smtClean="0"/>
-              <a:t>- </a:t>
-            </a:r>
-            <a:r>
-              <a:rPr lang="ko-KR" altLang="en-US" sz="1200" dirty="0" smtClean="0"/>
-              <a:t>추천 장소 이후에 많이 </a:t>
-            </a:r>
-            <a:r>
-              <a:rPr lang="ko-KR" altLang="en-US" sz="1200" dirty="0" err="1" smtClean="0"/>
-              <a:t>가는곳</a:t>
-            </a:r>
-            <a:endParaRPr lang="en-US" altLang="ko-KR" sz="1200" dirty="0" smtClean="0"/>
+              <a:rPr lang="ko-KR" altLang="en-US" sz="1000" dirty="0" smtClean="0">
+                <a:solidFill>
+                  <a:srgbClr val="3209A7"/>
+                </a:solidFill>
+              </a:rPr>
+              <a:t>에디터 정보를 볼 수 있도록 기능 추가</a:t>
+            </a:r>
+            <a:endParaRPr lang="en-US" altLang="ko-KR" sz="1000" dirty="0" smtClean="0">
+              <a:solidFill>
+                <a:srgbClr val="3209A7"/>
+              </a:solidFill>
+            </a:endParaRPr>
           </a:p>
           <a:p>
             <a:pPr marL="228600" indent="-228600">
               <a:buAutoNum type="arabicPeriod"/>
             </a:pPr>
             <a:r>
-              <a:rPr lang="ko-KR" altLang="en-US" sz="1200" dirty="0" smtClean="0"/>
-              <a:t>칼럼</a:t>
-            </a:r>
-            <a:r>
-              <a:rPr lang="en-US" altLang="ko-KR" sz="1200" dirty="0"/>
+              <a:rPr lang="ko-KR" altLang="en-US" sz="1000" dirty="0" err="1" smtClean="0"/>
+              <a:t>내정보</a:t>
+            </a:r>
+            <a:r>
+              <a:rPr lang="en-US" altLang="ko-KR" sz="1000" dirty="0" smtClean="0"/>
               <a:t/>
             </a:r>
             <a:br>
-              <a:rPr lang="en-US" altLang="ko-KR" sz="1200" dirty="0"/>
+              <a:rPr lang="en-US" altLang="ko-KR" sz="1000" dirty="0" smtClean="0"/>
             </a:br>
             <a:r>
-              <a:rPr lang="en-US" altLang="ko-KR" sz="1200" dirty="0" smtClean="0"/>
+              <a:rPr lang="en-US" altLang="ko-KR" sz="1000" dirty="0" smtClean="0"/>
               <a:t>- </a:t>
             </a:r>
             <a:r>
-              <a:rPr lang="ko-KR" altLang="en-US" sz="1200" dirty="0" smtClean="0"/>
-              <a:t>칼럼 리스트 표시</a:t>
-            </a:r>
-            <a:r>
-              <a:rPr lang="en-US" altLang="ko-KR" sz="1200" dirty="0" smtClean="0"/>
+              <a:rPr lang="ko-KR" altLang="en-US" sz="1000" dirty="0" smtClean="0"/>
+              <a:t>로그인 로그아웃</a:t>
+            </a:r>
+            <a:r>
+              <a:rPr lang="en-US" altLang="ko-KR" sz="1000" dirty="0" smtClean="0"/>
               <a:t/>
             </a:r>
             <a:br>
-              <a:rPr lang="en-US" altLang="ko-KR" sz="1200" dirty="0" smtClean="0"/>
+              <a:rPr lang="en-US" altLang="ko-KR" sz="1000" dirty="0" smtClean="0"/>
             </a:br>
             <a:r>
-              <a:rPr lang="en-US" altLang="ko-KR" sz="1200" dirty="0" smtClean="0"/>
+              <a:rPr lang="en-US" altLang="ko-KR" sz="1000" dirty="0" smtClean="0"/>
+              <a:t>- </a:t>
+            </a:r>
+            <a:r>
+              <a:rPr lang="ko-KR" altLang="en-US" sz="1000" dirty="0" smtClean="0"/>
+              <a:t>설정</a:t>
+            </a:r>
+            <a:r>
+              <a:rPr lang="en-US" altLang="ko-KR" sz="1000" dirty="0" smtClean="0"/>
+              <a:t/>
+            </a:r>
+            <a:br>
+              <a:rPr lang="en-US" altLang="ko-KR" sz="1000" dirty="0" smtClean="0"/>
+            </a:br>
+            <a:r>
+              <a:rPr lang="en-US" altLang="ko-KR" sz="1000" dirty="0" smtClean="0"/>
               <a:t>	- </a:t>
             </a:r>
             <a:r>
-              <a:rPr lang="ko-KR" altLang="en-US" sz="1200" dirty="0" err="1" smtClean="0"/>
-              <a:t>썸네일</a:t>
-            </a:r>
-            <a:r>
-              <a:rPr lang="ko-KR" altLang="en-US" sz="1200" dirty="0" smtClean="0"/>
-              <a:t> 및 텍스트만 표시</a:t>
-            </a:r>
-            <a:r>
-              <a:rPr lang="en-US" altLang="ko-KR" sz="1200" dirty="0" smtClean="0"/>
+              <a:rPr lang="ko-KR" altLang="en-US" sz="1000" dirty="0" err="1" smtClean="0"/>
+              <a:t>알람창</a:t>
+            </a:r>
+            <a:r>
+              <a:rPr lang="ko-KR" altLang="en-US" sz="1000" dirty="0" smtClean="0"/>
+              <a:t> 설정</a:t>
+            </a:r>
+            <a:r>
+              <a:rPr lang="en-US" altLang="ko-KR" sz="1000" dirty="0" smtClean="0"/>
               <a:t/>
             </a:r>
             <a:br>
-              <a:rPr lang="en-US" altLang="ko-KR" sz="1200" dirty="0" smtClean="0"/>
+              <a:rPr lang="en-US" altLang="ko-KR" sz="1000" dirty="0" smtClean="0"/>
             </a:br>
             <a:r>
-              <a:rPr lang="en-US" altLang="ko-KR" sz="1200" dirty="0" smtClean="0"/>
+              <a:rPr lang="en-US" altLang="ko-KR" sz="1000" dirty="0" smtClean="0"/>
+              <a:t>	- </a:t>
+            </a:r>
+            <a:r>
+              <a:rPr lang="ko-KR" altLang="en-US" sz="1000" dirty="0" smtClean="0"/>
+              <a:t>이용약관</a:t>
+            </a:r>
+            <a:r>
+              <a:rPr lang="en-US" altLang="ko-KR" sz="1000" dirty="0" smtClean="0"/>
+              <a:t/>
+            </a:r>
+            <a:br>
+              <a:rPr lang="en-US" altLang="ko-KR" sz="1000" dirty="0" smtClean="0"/>
+            </a:br>
+            <a:r>
+              <a:rPr lang="en-US" altLang="ko-KR" sz="1000" dirty="0" smtClean="0"/>
+              <a:t>	- </a:t>
+            </a:r>
+            <a:r>
+              <a:rPr lang="ko-KR" altLang="en-US" sz="1000" dirty="0" smtClean="0"/>
+              <a:t>문의하기</a:t>
+            </a:r>
+            <a:r>
+              <a:rPr lang="en-US" altLang="ko-KR" sz="1000" dirty="0" smtClean="0"/>
+              <a:t/>
+            </a:r>
+            <a:br>
+              <a:rPr lang="en-US" altLang="ko-KR" sz="1000" dirty="0" smtClean="0"/>
+            </a:br>
+            <a:r>
+              <a:rPr lang="en-US" altLang="ko-KR" sz="1000" dirty="0" smtClean="0"/>
+              <a:t>	- </a:t>
+            </a:r>
+            <a:r>
+              <a:rPr lang="ko-KR" altLang="en-US" sz="1000" dirty="0" smtClean="0"/>
+              <a:t>회사정보</a:t>
+            </a:r>
+            <a:r>
+              <a:rPr lang="en-US" altLang="ko-KR" sz="1000" dirty="0" smtClean="0"/>
+              <a:t/>
+            </a:r>
+            <a:br>
+              <a:rPr lang="en-US" altLang="ko-KR" sz="1000" dirty="0" smtClean="0"/>
+            </a:br>
+            <a:r>
+              <a:rPr lang="en-US" altLang="ko-KR" sz="1000" dirty="0" smtClean="0"/>
+              <a:t>	- </a:t>
+            </a:r>
+            <a:r>
+              <a:rPr lang="ko-KR" altLang="en-US" sz="1000" dirty="0"/>
+              <a:t>공지사항 </a:t>
+            </a:r>
+            <a:r>
+              <a:rPr lang="ko-KR" altLang="en-US" sz="1000" dirty="0" smtClean="0"/>
+              <a:t>리스트</a:t>
+            </a:r>
+            <a:r>
+              <a:rPr lang="en-US" altLang="ko-KR" sz="1000" dirty="0" smtClean="0"/>
+              <a:t/>
+            </a:r>
+            <a:br>
+              <a:rPr lang="en-US" altLang="ko-KR" sz="1000" dirty="0" smtClean="0"/>
+            </a:br>
+            <a:r>
+              <a:rPr lang="en-US" altLang="ko-KR" sz="1000" dirty="0" smtClean="0"/>
+              <a:t>	- </a:t>
+            </a:r>
+            <a:r>
+              <a:rPr lang="ko-KR" altLang="en-US" sz="1000" dirty="0" err="1"/>
+              <a:t>앱</a:t>
+            </a:r>
+            <a:r>
+              <a:rPr lang="ko-KR" altLang="en-US" sz="1000" dirty="0"/>
+              <a:t> 정보</a:t>
+            </a:r>
+            <a:r>
+              <a:rPr lang="en-US" altLang="ko-KR" sz="1000" dirty="0" smtClean="0"/>
+              <a:t/>
+            </a:r>
+            <a:br>
+              <a:rPr lang="en-US" altLang="ko-KR" sz="1000" dirty="0" smtClean="0"/>
+            </a:br>
+            <a:r>
+              <a:rPr lang="en-US" altLang="ko-KR" sz="1000" dirty="0" smtClean="0"/>
               <a:t>- </a:t>
             </a:r>
             <a:r>
-              <a:rPr lang="ko-KR" altLang="en-US" sz="1200" dirty="0" smtClean="0"/>
-              <a:t>칼럼 상단 이벤트 이미지 </a:t>
-            </a:r>
-            <a:r>
-              <a:rPr lang="ko-KR" altLang="en-US" sz="1200" dirty="0" err="1" smtClean="0"/>
-              <a:t>뷰플리퍼</a:t>
-            </a:r>
-            <a:r>
-              <a:rPr lang="en-US" altLang="ko-KR" sz="1200" dirty="0" smtClean="0"/>
+              <a:rPr lang="ko-KR" altLang="en-US" sz="1000" dirty="0" smtClean="0"/>
+              <a:t>이벤트 리스트</a:t>
+            </a:r>
+            <a:r>
+              <a:rPr lang="en-US" altLang="ko-KR" sz="1000" dirty="0" smtClean="0"/>
               <a:t/>
             </a:r>
             <a:br>
-              <a:rPr lang="en-US" altLang="ko-KR" sz="1200" dirty="0" smtClean="0"/>
+              <a:rPr lang="en-US" altLang="ko-KR" sz="1000" dirty="0" smtClean="0"/>
             </a:br>
             <a:r>
-              <a:rPr lang="en-US" altLang="ko-KR" sz="1200" dirty="0" smtClean="0"/>
+              <a:rPr lang="en-US" altLang="ko-KR" sz="1000" dirty="0" smtClean="0"/>
               <a:t>- </a:t>
             </a:r>
             <a:r>
-              <a:rPr lang="ko-KR" altLang="en-US" sz="1200" dirty="0" smtClean="0"/>
-              <a:t>이벤트 선택 시 해당 웹으로 </a:t>
-            </a:r>
-            <a:r>
-              <a:rPr lang="en-US" altLang="ko-KR" sz="1200" dirty="0" smtClean="0"/>
-              <a:t>Intent</a:t>
+              <a:rPr lang="ko-KR" altLang="en-US" sz="1000" dirty="0" smtClean="0"/>
+              <a:t>추천장소 저장 리스트</a:t>
+            </a:r>
+            <a:r>
+              <a:rPr lang="en-US" altLang="ko-KR" sz="1000" dirty="0" smtClean="0"/>
+              <a:t/>
             </a:r>
             <a:br>
-              <a:rPr lang="en-US" altLang="ko-KR" sz="1200" dirty="0" smtClean="0"/>
+              <a:rPr lang="en-US" altLang="ko-KR" sz="1000" dirty="0" smtClean="0"/>
             </a:br>
             <a:r>
-              <a:rPr lang="en-US" altLang="ko-KR" sz="1200" dirty="0" smtClean="0"/>
+              <a:rPr lang="en-US" altLang="ko-KR" sz="1000" dirty="0" smtClean="0"/>
               <a:t>- </a:t>
             </a:r>
             <a:r>
-              <a:rPr lang="ko-KR" altLang="en-US" sz="1200" dirty="0" smtClean="0"/>
-              <a:t>칼럼 세부 표시</a:t>
-            </a:r>
-            <a:r>
-              <a:rPr lang="en-US" altLang="ko-KR" sz="1200" dirty="0" smtClean="0"/>
+              <a:rPr lang="ko-KR" altLang="en-US" sz="1000" dirty="0" smtClean="0"/>
+              <a:t>칼럼 클립 리스트</a:t>
+            </a:r>
+            <a:r>
+              <a:rPr lang="en-US" altLang="ko-KR" sz="1000" dirty="0" smtClean="0"/>
               <a:t/>
             </a:r>
             <a:br>
-              <a:rPr lang="en-US" altLang="ko-KR" sz="1200" dirty="0" smtClean="0"/>
+              <a:rPr lang="en-US" altLang="ko-KR" sz="1000" dirty="0" smtClean="0"/>
             </a:br>
             <a:r>
-              <a:rPr lang="en-US" altLang="ko-KR" sz="1200" dirty="0" smtClean="0"/>
-              <a:t>	- </a:t>
-            </a:r>
-            <a:r>
-              <a:rPr lang="ko-KR" altLang="en-US" sz="1200" dirty="0" smtClean="0"/>
-              <a:t>텍스트</a:t>
-            </a:r>
-            <a:r>
-              <a:rPr lang="en-US" altLang="ko-KR" sz="1200" dirty="0" smtClean="0"/>
+              <a:rPr lang="en-US" altLang="ko-KR" sz="1000" dirty="0" smtClean="0"/>
+              <a:t>- </a:t>
+            </a:r>
+            <a:r>
+              <a:rPr lang="ko-KR" altLang="en-US" sz="1000" dirty="0" smtClean="0"/>
+              <a:t>포인트 획득 </a:t>
+            </a:r>
+            <a:r>
+              <a:rPr lang="en-US" altLang="ko-KR" sz="1000" dirty="0" smtClean="0"/>
+              <a:t>/ </a:t>
+            </a:r>
+            <a:r>
+              <a:rPr lang="ko-KR" altLang="en-US" sz="1000" dirty="0" smtClean="0"/>
+              <a:t>소모 </a:t>
+            </a:r>
+            <a:r>
+              <a:rPr lang="ko-KR" altLang="en-US" sz="1000" dirty="0" err="1" smtClean="0"/>
+              <a:t>히스토리</a:t>
+            </a:r>
+            <a:r>
+              <a:rPr lang="ko-KR" altLang="en-US" sz="1000" dirty="0" smtClean="0"/>
+              <a:t> 리스트</a:t>
+            </a:r>
+            <a:r>
+              <a:rPr lang="en-US" altLang="ko-KR" sz="1000" dirty="0" smtClean="0"/>
               <a:t/>
             </a:r>
             <a:br>
-              <a:rPr lang="en-US" altLang="ko-KR" sz="1200" dirty="0" smtClean="0"/>
+              <a:rPr lang="en-US" altLang="ko-KR" sz="1000" dirty="0" smtClean="0"/>
             </a:br>
             <a:r>
-              <a:rPr lang="en-US" altLang="ko-KR" sz="1200" dirty="0" smtClean="0"/>
-              <a:t>	- </a:t>
-            </a:r>
-            <a:r>
-              <a:rPr lang="ko-KR" altLang="en-US" sz="1200" dirty="0" smtClean="0"/>
-              <a:t>이미지</a:t>
-            </a:r>
-            <a:r>
-              <a:rPr lang="en-US" altLang="ko-KR" sz="1200" dirty="0"/>
+              <a:rPr lang="en-US" altLang="ko-KR" sz="1000" dirty="0" smtClean="0"/>
+              <a:t>- </a:t>
+            </a:r>
+            <a:r>
+              <a:rPr lang="ko-KR" altLang="en-US" sz="1000" dirty="0" err="1" smtClean="0"/>
+              <a:t>푸쉬</a:t>
+            </a:r>
+            <a:r>
+              <a:rPr lang="ko-KR" altLang="en-US" sz="1000" dirty="0" smtClean="0"/>
+              <a:t> 알림</a:t>
+            </a:r>
+            <a:r>
+              <a:rPr lang="en-US" altLang="ko-KR" sz="1000" dirty="0" smtClean="0"/>
               <a:t/>
             </a:r>
             <a:br>
-              <a:rPr lang="en-US" altLang="ko-KR" sz="1200" dirty="0"/>
+              <a:rPr lang="en-US" altLang="ko-KR" sz="1000" dirty="0" smtClean="0"/>
             </a:br>
             <a:r>
-              <a:rPr lang="en-US" altLang="ko-KR" sz="1200" dirty="0" smtClean="0"/>
-              <a:t>	- </a:t>
-            </a:r>
-            <a:r>
-              <a:rPr lang="ko-KR" altLang="en-US" sz="1200" dirty="0" smtClean="0"/>
-              <a:t>동영상</a:t>
-            </a:r>
-            <a:r>
-              <a:rPr lang="en-US" altLang="ko-KR" sz="1200" dirty="0"/>
-              <a:t/>
-            </a:r>
-            <a:br>
-              <a:rPr lang="en-US" altLang="ko-KR" sz="1200" dirty="0"/>
-            </a:br>
-            <a:r>
-              <a:rPr lang="en-US" altLang="ko-KR" sz="1200" dirty="0" smtClean="0"/>
+              <a:rPr lang="en-US" altLang="ko-KR" sz="1000" dirty="0" smtClean="0"/>
               <a:t>- </a:t>
             </a:r>
             <a:r>
-              <a:rPr lang="ko-KR" altLang="en-US" sz="1200" dirty="0" smtClean="0"/>
-              <a:t>칼럼 저장 기능</a:t>
-            </a:r>
-            <a:r>
-              <a:rPr lang="en-US" altLang="ko-KR" sz="1200" dirty="0" smtClean="0"/>
-              <a:t/>
-            </a:r>
-            <a:br>
-              <a:rPr lang="en-US" altLang="ko-KR" sz="1200" dirty="0" smtClean="0"/>
-            </a:br>
-            <a:r>
-              <a:rPr lang="en-US" altLang="ko-KR" sz="1200" dirty="0" smtClean="0"/>
-              <a:t>- </a:t>
-            </a:r>
-            <a:r>
-              <a:rPr lang="ko-KR" altLang="en-US" sz="1200" dirty="0" err="1" smtClean="0"/>
-              <a:t>댓글</a:t>
-            </a:r>
-            <a:r>
-              <a:rPr lang="ko-KR" altLang="en-US" sz="1200" dirty="0" smtClean="0"/>
-              <a:t> 작성 기능</a:t>
-            </a:r>
-            <a:r>
-              <a:rPr lang="en-US" altLang="ko-KR" sz="1200" dirty="0"/>
-              <a:t/>
-            </a:r>
-            <a:br>
-              <a:rPr lang="en-US" altLang="ko-KR" sz="1200" dirty="0"/>
-            </a:br>
-            <a:r>
-              <a:rPr lang="en-US" altLang="ko-KR" sz="1200" dirty="0" smtClean="0"/>
-              <a:t>- </a:t>
-            </a:r>
-            <a:r>
-              <a:rPr lang="ko-KR" altLang="en-US" sz="1200" dirty="0" err="1" smtClean="0"/>
-              <a:t>리댓글</a:t>
-            </a:r>
-            <a:r>
-              <a:rPr lang="ko-KR" altLang="en-US" sz="1200" dirty="0" smtClean="0"/>
-              <a:t> 작성 기능</a:t>
-            </a:r>
-            <a:r>
-              <a:rPr lang="en-US" altLang="ko-KR" sz="1200" dirty="0" smtClean="0"/>
-              <a:t/>
-            </a:r>
-            <a:br>
-              <a:rPr lang="en-US" altLang="ko-KR" sz="1200" dirty="0" smtClean="0"/>
-            </a:br>
-            <a:r>
-              <a:rPr lang="en-US" altLang="ko-KR" sz="1200" dirty="0" smtClean="0"/>
-              <a:t>- </a:t>
-            </a:r>
-            <a:r>
-              <a:rPr lang="ko-KR" altLang="en-US" sz="1200" dirty="0" smtClean="0"/>
-              <a:t>칼럼 </a:t>
-            </a:r>
-            <a:r>
-              <a:rPr lang="ko-KR" altLang="en-US" sz="1200" dirty="0" err="1" smtClean="0"/>
-              <a:t>뷰</a:t>
-            </a:r>
-            <a:r>
-              <a:rPr lang="ko-KR" altLang="en-US" sz="1200" dirty="0" smtClean="0"/>
-              <a:t> 카운트 기능</a:t>
-            </a:r>
-            <a:endParaRPr lang="en-US" altLang="ko-KR" sz="1200" dirty="0" smtClean="0"/>
-          </a:p>
-          <a:p>
-            <a:pPr marL="228600" indent="-228600">
-              <a:buAutoNum type="arabicPeriod"/>
-            </a:pPr>
-            <a:r>
-              <a:rPr lang="ko-KR" altLang="en-US" sz="1200" dirty="0" err="1" smtClean="0"/>
-              <a:t>내정보</a:t>
-            </a:r>
-            <a:r>
-              <a:rPr lang="en-US" altLang="ko-KR" sz="1200" dirty="0" smtClean="0"/>
-              <a:t/>
-            </a:r>
-            <a:br>
-              <a:rPr lang="en-US" altLang="ko-KR" sz="1200" dirty="0" smtClean="0"/>
-            </a:br>
-            <a:r>
-              <a:rPr lang="en-US" altLang="ko-KR" sz="1200" dirty="0" smtClean="0"/>
-              <a:t>- </a:t>
-            </a:r>
-            <a:r>
-              <a:rPr lang="ko-KR" altLang="en-US" sz="1200" dirty="0" smtClean="0"/>
-              <a:t>로그인 로그아웃</a:t>
-            </a:r>
-            <a:r>
-              <a:rPr lang="en-US" altLang="ko-KR" sz="1200" dirty="0" smtClean="0"/>
-              <a:t/>
-            </a:r>
-            <a:br>
-              <a:rPr lang="en-US" altLang="ko-KR" sz="1200" dirty="0" smtClean="0"/>
-            </a:br>
-            <a:r>
-              <a:rPr lang="en-US" altLang="ko-KR" sz="1200" dirty="0" smtClean="0"/>
-              <a:t>- </a:t>
-            </a:r>
-            <a:r>
-              <a:rPr lang="ko-KR" altLang="en-US" sz="1200" dirty="0" smtClean="0"/>
-              <a:t>설정</a:t>
-            </a:r>
-            <a:r>
-              <a:rPr lang="en-US" altLang="ko-KR" sz="1200" dirty="0" smtClean="0"/>
-              <a:t/>
-            </a:r>
-            <a:br>
-              <a:rPr lang="en-US" altLang="ko-KR" sz="1200" dirty="0" smtClean="0"/>
-            </a:br>
-            <a:r>
-              <a:rPr lang="en-US" altLang="ko-KR" sz="1200" dirty="0" smtClean="0"/>
-              <a:t>	- </a:t>
-            </a:r>
-            <a:r>
-              <a:rPr lang="ko-KR" altLang="en-US" sz="1200" dirty="0" err="1" smtClean="0"/>
-              <a:t>알람창</a:t>
-            </a:r>
-            <a:r>
-              <a:rPr lang="ko-KR" altLang="en-US" sz="1200" dirty="0" smtClean="0"/>
-              <a:t> 설정</a:t>
-            </a:r>
-            <a:r>
-              <a:rPr lang="en-US" altLang="ko-KR" sz="1200" dirty="0" smtClean="0"/>
-              <a:t/>
-            </a:r>
-            <a:br>
-              <a:rPr lang="en-US" altLang="ko-KR" sz="1200" dirty="0" smtClean="0"/>
-            </a:br>
-            <a:r>
-              <a:rPr lang="en-US" altLang="ko-KR" sz="1200" dirty="0" smtClean="0"/>
-              <a:t>	- </a:t>
-            </a:r>
-            <a:r>
-              <a:rPr lang="ko-KR" altLang="en-US" sz="1200" dirty="0" smtClean="0"/>
-              <a:t>이용약관</a:t>
-            </a:r>
-            <a:r>
-              <a:rPr lang="en-US" altLang="ko-KR" sz="1200" dirty="0" smtClean="0"/>
-              <a:t/>
-            </a:r>
-            <a:br>
-              <a:rPr lang="en-US" altLang="ko-KR" sz="1200" dirty="0" smtClean="0"/>
-            </a:br>
-            <a:r>
-              <a:rPr lang="en-US" altLang="ko-KR" sz="1200" dirty="0" smtClean="0"/>
-              <a:t>	- </a:t>
-            </a:r>
-            <a:r>
-              <a:rPr lang="ko-KR" altLang="en-US" sz="1200" dirty="0" smtClean="0"/>
-              <a:t>문의하기</a:t>
-            </a:r>
-            <a:r>
-              <a:rPr lang="en-US" altLang="ko-KR" sz="1200" dirty="0" smtClean="0"/>
-              <a:t/>
-            </a:r>
-            <a:br>
-              <a:rPr lang="en-US" altLang="ko-KR" sz="1200" dirty="0" smtClean="0"/>
-            </a:br>
-            <a:r>
-              <a:rPr lang="en-US" altLang="ko-KR" sz="1200" dirty="0" smtClean="0"/>
-              <a:t>	- </a:t>
-            </a:r>
-            <a:r>
-              <a:rPr lang="ko-KR" altLang="en-US" sz="1200" dirty="0" smtClean="0"/>
-              <a:t>회사정보</a:t>
-            </a:r>
-            <a:r>
-              <a:rPr lang="en-US" altLang="ko-KR" sz="1200" dirty="0" smtClean="0"/>
-              <a:t/>
-            </a:r>
-            <a:br>
-              <a:rPr lang="en-US" altLang="ko-KR" sz="1200" dirty="0" smtClean="0"/>
-            </a:br>
-            <a:r>
-              <a:rPr lang="en-US" altLang="ko-KR" sz="1200" dirty="0" smtClean="0"/>
-              <a:t>- </a:t>
-            </a:r>
-            <a:r>
-              <a:rPr lang="ko-KR" altLang="en-US" sz="1200" dirty="0" smtClean="0"/>
-              <a:t>이벤트 리스트</a:t>
-            </a:r>
-            <a:r>
-              <a:rPr lang="en-US" altLang="ko-KR" sz="1200" dirty="0" smtClean="0"/>
-              <a:t/>
-            </a:r>
-            <a:br>
-              <a:rPr lang="en-US" altLang="ko-KR" sz="1200" dirty="0" smtClean="0"/>
-            </a:br>
-            <a:r>
-              <a:rPr lang="en-US" altLang="ko-KR" sz="1200" dirty="0" smtClean="0"/>
-              <a:t>- </a:t>
-            </a:r>
-            <a:r>
-              <a:rPr lang="ko-KR" altLang="en-US" sz="1200" dirty="0" smtClean="0"/>
-              <a:t>공지사항 리스트</a:t>
-            </a:r>
-            <a:r>
-              <a:rPr lang="en-US" altLang="ko-KR" sz="1200" dirty="0" smtClean="0"/>
-              <a:t/>
-            </a:r>
-            <a:br>
-              <a:rPr lang="en-US" altLang="ko-KR" sz="1200" dirty="0" smtClean="0"/>
-            </a:br>
-            <a:r>
-              <a:rPr lang="en-US" altLang="ko-KR" sz="1200" dirty="0" smtClean="0"/>
-              <a:t>- </a:t>
-            </a:r>
-            <a:r>
-              <a:rPr lang="ko-KR" altLang="en-US" sz="1200" dirty="0" err="1" smtClean="0"/>
-              <a:t>앱</a:t>
-            </a:r>
-            <a:r>
-              <a:rPr lang="ko-KR" altLang="en-US" sz="1200" dirty="0" smtClean="0"/>
-              <a:t> 정보</a:t>
-            </a:r>
-            <a:endParaRPr lang="en-US" altLang="ko-KR" sz="1200" dirty="0" smtClean="0"/>
-          </a:p>
-          <a:p>
-            <a:endParaRPr lang="ko-KR" altLang="en-US" sz="1200" dirty="0"/>
+              <a:rPr lang="ko-KR" altLang="en-US" sz="1000" dirty="0" smtClean="0"/>
+              <a:t>사용자 </a:t>
+            </a:r>
+            <a:r>
+              <a:rPr lang="ko-KR" altLang="en-US" sz="1000" dirty="0" err="1" smtClean="0"/>
+              <a:t>등급업</a:t>
+            </a:r>
+            <a:r>
+              <a:rPr lang="ko-KR" altLang="en-US" sz="1000" dirty="0"/>
+              <a:t> </a:t>
+            </a:r>
+            <a:r>
+              <a:rPr lang="ko-KR" altLang="en-US" sz="1000" dirty="0" smtClean="0"/>
+              <a:t>기능</a:t>
+            </a:r>
+            <a:endParaRPr lang="en-US" altLang="ko-KR" sz="1000" dirty="0" smtClean="0"/>
           </a:p>
         </p:txBody>
       </p:sp>
@@ -4591,8 +5842,8 @@
         </p:nvSpPr>
         <p:spPr>
           <a:xfrm>
-            <a:off x="3501008" y="425788"/>
-            <a:ext cx="3248744" cy="2677656"/>
+            <a:off x="3501008" y="456084"/>
+            <a:ext cx="3248744" cy="4616648"/>
           </a:xfrm>
           <a:prstGeom prst="rect">
             <a:avLst/>
@@ -4612,8 +5863,11 @@
           <a:p>
             <a:r>
               <a:rPr lang="ko-KR" altLang="en-US" sz="1200" dirty="0" smtClean="0"/>
-              <a:t>관리자</a:t>
-            </a:r>
+              <a:t>관리자 사이트</a:t>
+            </a:r>
+            <a:endParaRPr lang="en-US" altLang="ko-KR" sz="1200" dirty="0" smtClean="0"/>
+          </a:p>
+          <a:p>
             <a:endParaRPr lang="en-US" altLang="ko-KR" sz="1200" dirty="0" smtClean="0"/>
           </a:p>
           <a:p>
@@ -4621,183 +5875,492 @@
               <a:buAutoNum type="arabicPeriod"/>
             </a:pPr>
             <a:r>
-              <a:rPr lang="ko-KR" altLang="en-US" sz="1200" dirty="0" smtClean="0"/>
-              <a:t>회원 계정 관리</a:t>
-            </a:r>
-            <a:r>
-              <a:rPr lang="en-US" altLang="ko-KR" sz="1200" dirty="0"/>
+              <a:rPr lang="ko-KR" altLang="en-US" sz="1000" dirty="0" smtClean="0"/>
+              <a:t>사용자 탭</a:t>
+            </a:r>
+            <a:r>
+              <a:rPr lang="en-US" altLang="ko-KR" sz="1000" dirty="0"/>
               <a:t/>
             </a:r>
             <a:br>
-              <a:rPr lang="en-US" altLang="ko-KR" sz="1200" dirty="0"/>
+              <a:rPr lang="en-US" altLang="ko-KR" sz="1000" dirty="0"/>
             </a:br>
             <a:r>
-              <a:rPr lang="en-US" altLang="ko-KR" sz="1200" dirty="0" smtClean="0"/>
+              <a:rPr lang="en-US" altLang="ko-KR" sz="1000" dirty="0" smtClean="0"/>
               <a:t>- </a:t>
             </a:r>
             <a:r>
-              <a:rPr lang="ko-KR" altLang="en-US" sz="1200" dirty="0" smtClean="0"/>
-              <a:t>회원 권한</a:t>
-            </a:r>
-            <a:r>
-              <a:rPr lang="en-US" altLang="ko-KR" sz="1200" dirty="0" smtClean="0"/>
+              <a:rPr lang="ko-KR" altLang="en-US" sz="1000" dirty="0" smtClean="0"/>
+              <a:t>사용자 </a:t>
+            </a:r>
+            <a:r>
+              <a:rPr lang="ko-KR" altLang="en-US" sz="1000" dirty="0" smtClean="0"/>
+              <a:t>권한</a:t>
+            </a:r>
+            <a:r>
+              <a:rPr lang="en-US" altLang="ko-KR" sz="1000" dirty="0" smtClean="0"/>
               <a:t/>
             </a:r>
             <a:br>
-              <a:rPr lang="en-US" altLang="ko-KR" sz="1200" dirty="0" smtClean="0"/>
+              <a:rPr lang="en-US" altLang="ko-KR" sz="1000" dirty="0" smtClean="0"/>
             </a:br>
             <a:r>
-              <a:rPr lang="en-US" altLang="ko-KR" sz="1200" dirty="0" smtClean="0"/>
+              <a:rPr lang="en-US" altLang="ko-KR" sz="1000" dirty="0" smtClean="0"/>
               <a:t>- </a:t>
             </a:r>
             <a:r>
-              <a:rPr lang="ko-KR" altLang="en-US" sz="1200" dirty="0" smtClean="0"/>
-              <a:t>회원 정지</a:t>
-            </a:r>
-            <a:r>
-              <a:rPr lang="en-US" altLang="ko-KR" sz="1200" dirty="0" smtClean="0"/>
+              <a:rPr lang="ko-KR" altLang="en-US" sz="1000" dirty="0" smtClean="0"/>
+              <a:t>사용자 </a:t>
+            </a:r>
+            <a:r>
+              <a:rPr lang="ko-KR" altLang="en-US" sz="1000" dirty="0" smtClean="0"/>
+              <a:t>정지</a:t>
+            </a:r>
+            <a:r>
+              <a:rPr lang="en-US" altLang="ko-KR" sz="1000" dirty="0" smtClean="0"/>
               <a:t/>
             </a:r>
             <a:br>
-              <a:rPr lang="en-US" altLang="ko-KR" sz="1200" dirty="0" smtClean="0"/>
+              <a:rPr lang="en-US" altLang="ko-KR" sz="1000" dirty="0" smtClean="0"/>
             </a:br>
             <a:r>
-              <a:rPr lang="en-US" altLang="ko-KR" sz="1200" dirty="0" smtClean="0"/>
+              <a:rPr lang="en-US" altLang="ko-KR" sz="1000" dirty="0" smtClean="0"/>
               <a:t>- </a:t>
             </a:r>
             <a:r>
-              <a:rPr lang="ko-KR" altLang="en-US" sz="1200" dirty="0" smtClean="0"/>
-              <a:t>회원 경고</a:t>
-            </a:r>
-            <a:r>
-              <a:rPr lang="en-US" altLang="ko-KR" sz="1200" dirty="0" smtClean="0"/>
-              <a:t>(how)</a:t>
-            </a:r>
-            <a:endParaRPr lang="en-US" altLang="ko-KR" sz="1200" dirty="0"/>
+              <a:rPr lang="ko-KR" altLang="en-US" sz="1000" dirty="0" smtClean="0"/>
+              <a:t>사용자 경고</a:t>
+            </a:r>
+            <a:r>
+              <a:rPr lang="en-US" altLang="ko-KR" sz="1000" dirty="0" smtClean="0"/>
+              <a:t/>
+            </a:r>
+            <a:br>
+              <a:rPr lang="en-US" altLang="ko-KR" sz="1000" dirty="0" smtClean="0"/>
+            </a:br>
+            <a:r>
+              <a:rPr lang="en-US" altLang="ko-KR" sz="1000" dirty="0" smtClean="0"/>
+              <a:t>- </a:t>
+            </a:r>
+            <a:r>
+              <a:rPr lang="ko-KR" altLang="en-US" sz="1000" dirty="0" smtClean="0"/>
+              <a:t>사용자 </a:t>
+            </a:r>
+            <a:r>
+              <a:rPr lang="ko-KR" altLang="en-US" sz="1000" dirty="0" err="1" smtClean="0"/>
+              <a:t>댓글</a:t>
+            </a:r>
+            <a:r>
+              <a:rPr lang="ko-KR" altLang="en-US" sz="1000" dirty="0" smtClean="0"/>
+              <a:t> </a:t>
+            </a:r>
+            <a:r>
+              <a:rPr lang="ko-KR" altLang="en-US" sz="1000" dirty="0" err="1" smtClean="0"/>
+              <a:t>히스토리</a:t>
+            </a:r>
+            <a:r>
+              <a:rPr lang="ko-KR" altLang="en-US" sz="1000" dirty="0" smtClean="0"/>
+              <a:t> 추적 기능</a:t>
+            </a:r>
+            <a:r>
+              <a:rPr lang="en-US" altLang="ko-KR" sz="1000" dirty="0" smtClean="0"/>
+              <a:t/>
+            </a:r>
+            <a:br>
+              <a:rPr lang="en-US" altLang="ko-KR" sz="1000" dirty="0" smtClean="0"/>
+            </a:br>
+            <a:r>
+              <a:rPr lang="en-US" altLang="ko-KR" sz="1000" dirty="0" smtClean="0"/>
+              <a:t>-</a:t>
+            </a:r>
+            <a:r>
+              <a:rPr lang="ko-KR" altLang="en-US" sz="1000" dirty="0"/>
+              <a:t> </a:t>
+            </a:r>
+            <a:r>
+              <a:rPr lang="ko-KR" altLang="en-US" sz="1000" dirty="0" smtClean="0"/>
+              <a:t>사용자 필터 및 검색 기능</a:t>
+            </a:r>
+            <a:r>
+              <a:rPr lang="en-US" altLang="ko-KR" sz="1000" dirty="0" smtClean="0"/>
+              <a:t/>
+            </a:r>
+            <a:br>
+              <a:rPr lang="en-US" altLang="ko-KR" sz="1000" dirty="0" smtClean="0"/>
+            </a:br>
+            <a:r>
+              <a:rPr lang="en-US" altLang="ko-KR" sz="1000" dirty="0" smtClean="0"/>
+              <a:t>- </a:t>
+            </a:r>
+            <a:r>
+              <a:rPr lang="ko-KR" altLang="en-US" sz="1000" dirty="0" smtClean="0"/>
+              <a:t>사용자 정보 출력</a:t>
+            </a:r>
+            <a:r>
+              <a:rPr lang="en-US" altLang="ko-KR" sz="1000" dirty="0" smtClean="0"/>
+              <a:t>(</a:t>
+            </a:r>
+            <a:r>
+              <a:rPr lang="ko-KR" altLang="en-US" sz="1000" dirty="0" err="1" smtClean="0"/>
+              <a:t>이메일</a:t>
+            </a:r>
+            <a:r>
+              <a:rPr lang="en-US" altLang="ko-KR" sz="1000" dirty="0" smtClean="0"/>
+              <a:t>, </a:t>
+            </a:r>
+            <a:r>
+              <a:rPr lang="ko-KR" altLang="en-US" sz="1000" dirty="0" err="1" smtClean="0"/>
+              <a:t>폰번호</a:t>
+            </a:r>
+            <a:r>
+              <a:rPr lang="en-US" altLang="ko-KR" sz="1000" dirty="0" smtClean="0"/>
+              <a:t>, </a:t>
+            </a:r>
+            <a:r>
+              <a:rPr lang="ko-KR" altLang="en-US" sz="1000" dirty="0" smtClean="0"/>
+              <a:t>가입일</a:t>
+            </a:r>
+            <a:r>
+              <a:rPr lang="en-US" altLang="ko-KR" sz="1000" dirty="0" smtClean="0"/>
+              <a:t>, </a:t>
+            </a:r>
+            <a:r>
+              <a:rPr lang="ko-KR" altLang="en-US" sz="1000" dirty="0" smtClean="0"/>
+              <a:t>등급</a:t>
+            </a:r>
+            <a:r>
+              <a:rPr lang="en-US" altLang="ko-KR" sz="1000" dirty="0" smtClean="0"/>
+              <a:t>, </a:t>
+            </a:r>
+            <a:r>
+              <a:rPr lang="ko-KR" altLang="en-US" sz="1000" dirty="0" smtClean="0"/>
+              <a:t>보유포인트</a:t>
+            </a:r>
+            <a:r>
+              <a:rPr lang="en-US" altLang="ko-KR" sz="1000" dirty="0" smtClean="0"/>
+              <a:t>, </a:t>
+            </a:r>
+            <a:r>
+              <a:rPr lang="ko-KR" altLang="en-US" sz="1000" dirty="0" smtClean="0"/>
+              <a:t>검색건수</a:t>
+            </a:r>
+            <a:r>
+              <a:rPr lang="en-US" altLang="ko-KR" sz="1000" dirty="0" smtClean="0"/>
+              <a:t>, </a:t>
+            </a:r>
+            <a:r>
+              <a:rPr lang="ko-KR" altLang="en-US" sz="1000" dirty="0" smtClean="0"/>
+              <a:t>이벤트참여건수</a:t>
+            </a:r>
+            <a:r>
+              <a:rPr lang="en-US" altLang="ko-KR" sz="1000" dirty="0" smtClean="0"/>
+              <a:t>, </a:t>
+            </a:r>
+            <a:r>
+              <a:rPr lang="ko-KR" altLang="en-US" sz="1000" dirty="0" smtClean="0"/>
+              <a:t>추천장소인증건수</a:t>
+            </a:r>
+            <a:r>
+              <a:rPr lang="en-US" altLang="ko-KR" sz="1000" dirty="0" smtClean="0"/>
+              <a:t>, </a:t>
+            </a:r>
+            <a:r>
+              <a:rPr lang="ko-KR" altLang="en-US" sz="1000" dirty="0" smtClean="0"/>
+              <a:t>신고건수</a:t>
+            </a:r>
+            <a:r>
+              <a:rPr lang="en-US" altLang="ko-KR" sz="1000" dirty="0" smtClean="0"/>
+              <a:t>)</a:t>
+            </a:r>
+            <a:br>
+              <a:rPr lang="en-US" altLang="ko-KR" sz="1000" dirty="0" smtClean="0"/>
+            </a:br>
+            <a:r>
+              <a:rPr lang="en-US" altLang="ko-KR" sz="1000" dirty="0" smtClean="0"/>
+              <a:t>- </a:t>
+            </a:r>
+            <a:r>
+              <a:rPr lang="ko-KR" altLang="en-US" sz="1000" dirty="0" smtClean="0"/>
+              <a:t>사용자 검색 정보 리스트 및 엑셀 다운로드 기능</a:t>
+            </a:r>
+            <a:r>
+              <a:rPr lang="en-US" altLang="ko-KR" sz="1000" dirty="0" smtClean="0"/>
+              <a:t/>
+            </a:r>
+            <a:br>
+              <a:rPr lang="en-US" altLang="ko-KR" sz="1000" dirty="0" smtClean="0"/>
+            </a:br>
+            <a:r>
+              <a:rPr lang="en-US" altLang="ko-KR" sz="1000" dirty="0" smtClean="0"/>
+              <a:t>- </a:t>
+            </a:r>
+            <a:r>
+              <a:rPr lang="ko-KR" altLang="en-US" sz="1000" dirty="0" smtClean="0"/>
+              <a:t>사용자에게 </a:t>
+            </a:r>
+            <a:r>
+              <a:rPr lang="ko-KR" altLang="en-US" sz="1000" dirty="0" err="1" smtClean="0"/>
+              <a:t>푸쉬</a:t>
+            </a:r>
+            <a:r>
+              <a:rPr lang="ko-KR" altLang="en-US" sz="1000" dirty="0" smtClean="0"/>
+              <a:t> 알림 보내기 기능</a:t>
+            </a:r>
+            <a:endParaRPr lang="en-US" altLang="ko-KR" sz="1000" dirty="0"/>
           </a:p>
           <a:p>
             <a:pPr marL="228600" indent="-228600">
               <a:buAutoNum type="arabicPeriod"/>
             </a:pPr>
             <a:r>
-              <a:rPr lang="ko-KR" altLang="en-US" sz="1200" dirty="0" smtClean="0"/>
-              <a:t>문의사항 답변</a:t>
-            </a:r>
-            <a:r>
-              <a:rPr lang="en-US" altLang="ko-KR" sz="1200" dirty="0" smtClean="0"/>
+              <a:rPr lang="ko-KR" altLang="en-US" sz="1000" dirty="0" smtClean="0"/>
+              <a:t>공지</a:t>
+            </a:r>
+            <a:r>
+              <a:rPr lang="en-US" altLang="ko-KR" sz="1000" dirty="0" smtClean="0"/>
+              <a:t>/ </a:t>
+            </a:r>
+            <a:r>
+              <a:rPr lang="ko-KR" altLang="en-US" sz="1000" dirty="0" smtClean="0"/>
+              <a:t>이벤트</a:t>
+            </a:r>
+            <a:r>
+              <a:rPr lang="en-US" altLang="ko-KR" sz="1000" dirty="0" smtClean="0"/>
               <a:t/>
             </a:r>
             <a:br>
-              <a:rPr lang="en-US" altLang="ko-KR" sz="1200" dirty="0" smtClean="0"/>
+              <a:rPr lang="en-US" altLang="ko-KR" sz="1000" dirty="0" smtClean="0"/>
             </a:br>
             <a:r>
-              <a:rPr lang="en-US" altLang="ko-KR" sz="1200" dirty="0" smtClean="0"/>
+              <a:rPr lang="en-US" altLang="ko-KR" sz="1000" dirty="0" smtClean="0"/>
               <a:t>- </a:t>
             </a:r>
             <a:r>
-              <a:rPr lang="ko-KR" altLang="en-US" sz="1200" dirty="0" smtClean="0"/>
-              <a:t>문의 내용 보기</a:t>
-            </a:r>
-            <a:r>
-              <a:rPr lang="en-US" altLang="ko-KR" sz="1200" dirty="0" smtClean="0"/>
+              <a:rPr lang="ko-KR" altLang="en-US" sz="1000" dirty="0" smtClean="0"/>
+              <a:t>추천장소 리스트</a:t>
+            </a:r>
+            <a:r>
+              <a:rPr lang="en-US" altLang="ko-KR" sz="1000" dirty="0" smtClean="0"/>
               <a:t/>
             </a:r>
             <a:br>
-              <a:rPr lang="en-US" altLang="ko-KR" sz="1200" dirty="0" smtClean="0"/>
+              <a:rPr lang="en-US" altLang="ko-KR" sz="1000" dirty="0" smtClean="0"/>
             </a:br>
             <a:r>
-              <a:rPr lang="en-US" altLang="ko-KR" sz="1200" dirty="0" smtClean="0"/>
+              <a:rPr lang="en-US" altLang="ko-KR" sz="1000" dirty="0" smtClean="0"/>
               <a:t>- </a:t>
             </a:r>
             <a:r>
-              <a:rPr lang="ko-KR" altLang="en-US" sz="1200" dirty="0" smtClean="0"/>
-              <a:t>문의 내용 답변</a:t>
-            </a:r>
-            <a:r>
-              <a:rPr lang="en-US" altLang="ko-KR" sz="1200" dirty="0"/>
+              <a:rPr lang="ko-KR" altLang="en-US" sz="1000" dirty="0" smtClean="0"/>
+              <a:t>추천장소 추가 및 관리</a:t>
+            </a:r>
+            <a:r>
+              <a:rPr lang="en-US" altLang="ko-KR" sz="1000" dirty="0" smtClean="0"/>
               <a:t/>
             </a:r>
             <a:br>
-              <a:rPr lang="en-US" altLang="ko-KR" sz="1200" dirty="0"/>
+              <a:rPr lang="en-US" altLang="ko-KR" sz="1000" dirty="0" smtClean="0"/>
             </a:br>
             <a:r>
-              <a:rPr lang="en-US" altLang="ko-KR" sz="1200" dirty="0" smtClean="0"/>
-              <a:t>	- </a:t>
-            </a:r>
-            <a:r>
-              <a:rPr lang="ko-KR" altLang="en-US" sz="1200" dirty="0" smtClean="0"/>
-              <a:t>문의 내용 작성</a:t>
-            </a:r>
-            <a:r>
-              <a:rPr lang="en-US" altLang="ko-KR" sz="1200" dirty="0" smtClean="0"/>
+              <a:rPr lang="en-US" altLang="ko-KR" sz="1000" dirty="0" smtClean="0"/>
+              <a:t>- </a:t>
+            </a:r>
+            <a:r>
+              <a:rPr lang="ko-KR" altLang="en-US" sz="1000" dirty="0" smtClean="0"/>
+              <a:t>칼럼 리스트 </a:t>
+            </a:r>
+            <a:r>
+              <a:rPr lang="en-US" altLang="ko-KR" sz="1000" dirty="0" smtClean="0"/>
               <a:t/>
             </a:r>
             <a:br>
-              <a:rPr lang="en-US" altLang="ko-KR" sz="1200" dirty="0" smtClean="0"/>
+              <a:rPr lang="en-US" altLang="ko-KR" sz="1000" dirty="0" smtClean="0"/>
             </a:br>
             <a:r>
-              <a:rPr lang="en-US" altLang="ko-KR" sz="1200" dirty="0" smtClean="0"/>
-              <a:t>	- </a:t>
-            </a:r>
-            <a:r>
-              <a:rPr lang="ko-KR" altLang="en-US" sz="1200" dirty="0" smtClean="0"/>
-              <a:t>문의 카테고리 필터</a:t>
-            </a:r>
-            <a:r>
-              <a:rPr lang="en-US" altLang="ko-KR" sz="1200" dirty="0"/>
-              <a:t/>
-            </a:r>
-            <a:br>
-              <a:rPr lang="en-US" altLang="ko-KR" sz="1200" dirty="0"/>
-            </a:br>
-            <a:r>
-              <a:rPr lang="en-US" altLang="ko-KR" sz="1200" dirty="0" smtClean="0"/>
-              <a:t>	- </a:t>
-            </a:r>
-            <a:r>
-              <a:rPr lang="ko-KR" altLang="en-US" sz="1200" dirty="0" smtClean="0"/>
-              <a:t>문의 시간 별 필터</a:t>
-            </a:r>
-            <a:endParaRPr lang="en-US" altLang="ko-KR" sz="1200" dirty="0" smtClean="0"/>
+              <a:rPr lang="en-US" altLang="ko-KR" sz="1000" dirty="0" smtClean="0"/>
+              <a:t>- </a:t>
+            </a:r>
+            <a:r>
+              <a:rPr lang="ko-KR" altLang="en-US" sz="1000" dirty="0" smtClean="0"/>
+              <a:t>칼럼 작성 및 관리</a:t>
+            </a:r>
+            <a:endParaRPr lang="en-US" altLang="ko-KR" sz="1000" dirty="0"/>
           </a:p>
           <a:p>
             <a:pPr marL="228600" indent="-228600">
               <a:buAutoNum type="arabicPeriod"/>
             </a:pPr>
             <a:r>
-              <a:rPr lang="ko-KR" altLang="en-US" sz="1200" dirty="0" smtClean="0"/>
-              <a:t>칼럼 작성</a:t>
-            </a:r>
-            <a:endParaRPr lang="en-US" altLang="ko-KR" sz="1200" dirty="0" smtClean="0"/>
+              <a:rPr lang="ko-KR" altLang="en-US" sz="1000" dirty="0" smtClean="0"/>
+              <a:t>고객센터</a:t>
+            </a:r>
+            <a:r>
+              <a:rPr lang="en-US" altLang="ko-KR" sz="1000" dirty="0" smtClean="0"/>
+              <a:t/>
+            </a:r>
+            <a:br>
+              <a:rPr lang="en-US" altLang="ko-KR" sz="1000" dirty="0" smtClean="0"/>
+            </a:br>
+            <a:r>
+              <a:rPr lang="en-US" altLang="ko-KR" sz="1000" dirty="0" smtClean="0"/>
+              <a:t>- </a:t>
+            </a:r>
+            <a:r>
+              <a:rPr lang="ko-KR" altLang="en-US" sz="1000" dirty="0" smtClean="0"/>
+              <a:t>문의 내용 보기</a:t>
+            </a:r>
+            <a:r>
+              <a:rPr lang="en-US" altLang="ko-KR" sz="1000" dirty="0" smtClean="0"/>
+              <a:t/>
+            </a:r>
+            <a:br>
+              <a:rPr lang="en-US" altLang="ko-KR" sz="1000" dirty="0" smtClean="0"/>
+            </a:br>
+            <a:r>
+              <a:rPr lang="en-US" altLang="ko-KR" sz="1000" dirty="0" smtClean="0"/>
+              <a:t>- </a:t>
+            </a:r>
+            <a:r>
+              <a:rPr lang="ko-KR" altLang="en-US" sz="1000" dirty="0" smtClean="0"/>
+              <a:t>문의 내용 답변</a:t>
+            </a:r>
+            <a:r>
+              <a:rPr lang="en-US" altLang="ko-KR" sz="1000" dirty="0"/>
+              <a:t/>
+            </a:r>
+            <a:br>
+              <a:rPr lang="en-US" altLang="ko-KR" sz="1000" dirty="0"/>
+            </a:br>
+            <a:r>
+              <a:rPr lang="en-US" altLang="ko-KR" sz="1000" dirty="0" smtClean="0"/>
+              <a:t>	- </a:t>
+            </a:r>
+            <a:r>
+              <a:rPr lang="ko-KR" altLang="en-US" sz="1000" dirty="0" smtClean="0"/>
+              <a:t>문의 내용 작성</a:t>
+            </a:r>
+            <a:r>
+              <a:rPr lang="en-US" altLang="ko-KR" sz="1000" dirty="0" smtClean="0"/>
+              <a:t/>
+            </a:r>
+            <a:br>
+              <a:rPr lang="en-US" altLang="ko-KR" sz="1000" dirty="0" smtClean="0"/>
+            </a:br>
+            <a:r>
+              <a:rPr lang="en-US" altLang="ko-KR" sz="1000" dirty="0" smtClean="0"/>
+              <a:t>	- </a:t>
+            </a:r>
+            <a:r>
+              <a:rPr lang="ko-KR" altLang="en-US" sz="1000" dirty="0" smtClean="0"/>
+              <a:t>문의 카테고리 필터</a:t>
+            </a:r>
+            <a:r>
+              <a:rPr lang="en-US" altLang="ko-KR" sz="1000" dirty="0"/>
+              <a:t/>
+            </a:r>
+            <a:br>
+              <a:rPr lang="en-US" altLang="ko-KR" sz="1000" dirty="0"/>
+            </a:br>
+            <a:r>
+              <a:rPr lang="en-US" altLang="ko-KR" sz="1000" dirty="0" smtClean="0"/>
+              <a:t>	- </a:t>
+            </a:r>
+            <a:r>
+              <a:rPr lang="ko-KR" altLang="en-US" sz="1000" dirty="0" smtClean="0"/>
+              <a:t>문의 시간 별 필터</a:t>
+            </a:r>
+            <a:endParaRPr lang="en-US" altLang="ko-KR" sz="1000" dirty="0" smtClean="0"/>
           </a:p>
           <a:p>
             <a:pPr marL="228600" indent="-228600">
               <a:buAutoNum type="arabicPeriod"/>
             </a:pPr>
             <a:r>
-              <a:rPr lang="ko-KR" altLang="en-US" sz="1200" dirty="0" smtClean="0"/>
-              <a:t>추천장소 리스트 </a:t>
-            </a:r>
-            <a:r>
-              <a:rPr lang="en-US" altLang="ko-KR" sz="1200" dirty="0" smtClean="0"/>
-              <a:t>(-)</a:t>
-            </a:r>
-          </a:p>
-          <a:p>
-            <a:endParaRPr lang="ko-KR" altLang="en-US" sz="1200" dirty="0"/>
+              <a:rPr lang="ko-KR" altLang="en-US" sz="1000" dirty="0" smtClean="0"/>
+              <a:t>관리</a:t>
+            </a:r>
+            <a:r>
+              <a:rPr lang="en-US" altLang="ko-KR" sz="1000" dirty="0" smtClean="0"/>
+              <a:t/>
+            </a:r>
+            <a:br>
+              <a:rPr lang="en-US" altLang="ko-KR" sz="1000" dirty="0" smtClean="0"/>
+            </a:br>
+            <a:r>
+              <a:rPr lang="en-US" altLang="ko-KR" sz="1000" dirty="0" smtClean="0"/>
+              <a:t>- </a:t>
+            </a:r>
+            <a:r>
+              <a:rPr lang="ko-KR" altLang="en-US" sz="1000" dirty="0" err="1" smtClean="0"/>
+              <a:t>앱</a:t>
+            </a:r>
+            <a:r>
+              <a:rPr lang="ko-KR" altLang="en-US" sz="1000" dirty="0" smtClean="0"/>
+              <a:t> 버전 및 정보 관리</a:t>
+            </a:r>
+            <a:r>
+              <a:rPr lang="en-US" altLang="ko-KR" sz="1000" dirty="0" smtClean="0"/>
+              <a:t/>
+            </a:r>
+            <a:br>
+              <a:rPr lang="en-US" altLang="ko-KR" sz="1000" dirty="0" smtClean="0"/>
+            </a:br>
+            <a:r>
+              <a:rPr lang="en-US" altLang="ko-KR" sz="1000" dirty="0" smtClean="0"/>
+              <a:t>- </a:t>
+            </a:r>
+            <a:r>
+              <a:rPr lang="ko-KR" altLang="en-US" sz="1000" dirty="0" err="1" smtClean="0"/>
+              <a:t>앱</a:t>
+            </a:r>
+            <a:r>
+              <a:rPr lang="ko-KR" altLang="en-US" sz="1000" dirty="0" smtClean="0"/>
+              <a:t> 출시일</a:t>
+            </a:r>
+            <a:r>
+              <a:rPr lang="en-US" altLang="ko-KR" sz="1000" dirty="0" smtClean="0"/>
+              <a:t/>
+            </a:r>
+            <a:br>
+              <a:rPr lang="en-US" altLang="ko-KR" sz="1000" dirty="0" smtClean="0"/>
+            </a:br>
+            <a:r>
+              <a:rPr lang="en-US" altLang="ko-KR" sz="1000" dirty="0" smtClean="0"/>
+              <a:t>- </a:t>
+            </a:r>
+            <a:r>
+              <a:rPr lang="ko-KR" altLang="en-US" sz="1000" dirty="0" smtClean="0"/>
+              <a:t>버전 코멘트</a:t>
+            </a:r>
+            <a:r>
+              <a:rPr lang="en-US" altLang="ko-KR" sz="1000" dirty="0"/>
+              <a:t/>
+            </a:r>
+            <a:br>
+              <a:rPr lang="en-US" altLang="ko-KR" sz="1000" dirty="0"/>
+            </a:br>
+            <a:r>
+              <a:rPr lang="en-US" altLang="ko-KR" sz="1000" dirty="0" smtClean="0"/>
+              <a:t>- </a:t>
+            </a:r>
+            <a:r>
+              <a:rPr lang="ko-KR" altLang="en-US" sz="1000" dirty="0" smtClean="0"/>
+              <a:t>버그리스트 관리</a:t>
+            </a:r>
+            <a:endParaRPr lang="en-US" altLang="ko-KR" sz="1000" dirty="0" smtClean="0"/>
           </a:p>
         </p:txBody>
       </p:sp>
       <p:sp>
         <p:nvSpPr>
-          <p:cNvPr id="2" name="TextBox 1"/>
+          <p:cNvPr id="5" name="TextBox 4"/>
           <p:cNvSpPr txBox="1"/>
           <p:nvPr/>
         </p:nvSpPr>
         <p:spPr>
           <a:xfrm>
-            <a:off x="4365104" y="4376936"/>
-            <a:ext cx="4235968" cy="3416320"/>
+            <a:off x="3501008" y="5313040"/>
+            <a:ext cx="3121367" cy="1446550"/>
           </a:xfrm>
           <a:prstGeom prst="rect">
             <a:avLst/>
@@ -4811,142 +6374,101 @@
           <a:lstStyle/>
           <a:p>
             <a:r>
-              <a:rPr kumimoji="1" lang="ko-KR" altLang="en-US" dirty="0" smtClean="0"/>
-              <a:t>계급 </a:t>
-            </a:r>
-            <a:r>
-              <a:rPr kumimoji="1" lang="en-US" altLang="ko-KR" dirty="0" smtClean="0"/>
-              <a:t>:</a:t>
-            </a:r>
-            <a:r>
-              <a:rPr kumimoji="1" lang="ko-KR" altLang="en-US" dirty="0" smtClean="0"/>
-              <a:t> </a:t>
-            </a:r>
-            <a:endParaRPr kumimoji="1" lang="en-US" altLang="ko-KR" dirty="0" smtClean="0"/>
-          </a:p>
-          <a:p>
-            <a:endParaRPr kumimoji="1" lang="en-US" altLang="ko-KR" dirty="0" smtClean="0"/>
-          </a:p>
-          <a:p>
-            <a:r>
-              <a:rPr kumimoji="1" lang="ko-KR" altLang="en-US" dirty="0" smtClean="0"/>
-              <a:t>코코아 씨앗</a:t>
-            </a:r>
-            <a:r>
-              <a:rPr kumimoji="1" lang="en-US" altLang="ko-KR" dirty="0" smtClean="0"/>
-              <a:t>(Cocoa Seeds)</a:t>
-            </a:r>
-          </a:p>
-          <a:p>
-            <a:r>
-              <a:rPr kumimoji="1" lang="ko-KR" altLang="en-US" dirty="0" smtClean="0"/>
-              <a:t>준 초콜릿</a:t>
-            </a:r>
-            <a:r>
-              <a:rPr kumimoji="1" lang="en-US" altLang="ko-KR" dirty="0" smtClean="0"/>
-              <a:t>(Semi-Chocolate) 7%</a:t>
-            </a:r>
-          </a:p>
-          <a:p>
-            <a:r>
-              <a:rPr kumimoji="1" lang="ko-KR" altLang="en-US" dirty="0" smtClean="0"/>
-              <a:t>화이트 초콜릿</a:t>
-            </a:r>
-            <a:r>
-              <a:rPr kumimoji="1" lang="en-US" altLang="ko-KR" dirty="0" smtClean="0"/>
-              <a:t>(White-Chocolate) 20%</a:t>
-            </a:r>
-          </a:p>
-          <a:p>
-            <a:r>
-              <a:rPr kumimoji="1" lang="ko-KR" altLang="en-US" dirty="0" smtClean="0"/>
-              <a:t>밀크 초콜릿</a:t>
-            </a:r>
-            <a:r>
-              <a:rPr kumimoji="1" lang="en-US" altLang="ko-KR" dirty="0" smtClean="0"/>
-              <a:t>(Milk-Chocolate) 25%</a:t>
-            </a:r>
-          </a:p>
-          <a:p>
-            <a:r>
-              <a:rPr kumimoji="1" lang="ko-KR" altLang="en-US" dirty="0" smtClean="0"/>
-              <a:t>스위트 초콜릿</a:t>
-            </a:r>
-            <a:r>
-              <a:rPr kumimoji="1" lang="en-US" altLang="ko-KR" dirty="0" smtClean="0"/>
-              <a:t>(Sweet-Chocolate) 30%</a:t>
-            </a:r>
-          </a:p>
-          <a:p>
-            <a:endParaRPr kumimoji="1" lang="en-US" altLang="ko-KR" dirty="0"/>
-          </a:p>
-          <a:p>
-            <a:r>
-              <a:rPr kumimoji="1" lang="en-US" altLang="ko-KR" dirty="0" smtClean="0"/>
-              <a:t>-</a:t>
-            </a:r>
-          </a:p>
-          <a:p>
-            <a:r>
-              <a:rPr kumimoji="1" lang="en-US" altLang="ko-KR" dirty="0" smtClean="0"/>
-              <a:t>-</a:t>
-            </a:r>
-          </a:p>
-          <a:p>
-            <a:r>
-              <a:rPr kumimoji="1" lang="ko-KR" altLang="en-US" dirty="0" smtClean="0"/>
-              <a:t>다크 초콜릿</a:t>
-            </a:r>
-            <a:r>
-              <a:rPr kumimoji="1" lang="en-US" altLang="ko-KR" dirty="0" smtClean="0"/>
-              <a:t>(Dark-Chocolate) 90%</a:t>
-            </a:r>
-            <a:r>
-              <a:rPr kumimoji="1" lang="ko-KR" altLang="en-US" dirty="0" smtClean="0"/>
-              <a:t> 이상</a:t>
-            </a:r>
-            <a:endParaRPr kumimoji="1" lang="en-US" altLang="ko-KR" dirty="0"/>
-          </a:p>
-          <a:p>
-            <a:endParaRPr kumimoji="1" lang="ko-KR" altLang="en-US" dirty="0"/>
-          </a:p>
-        </p:txBody>
-      </p:sp>
-      <p:sp>
-        <p:nvSpPr>
-          <p:cNvPr id="3" name="TextBox 2"/>
-          <p:cNvSpPr txBox="1"/>
-          <p:nvPr/>
-        </p:nvSpPr>
-        <p:spPr>
-          <a:xfrm>
-            <a:off x="4797152" y="3728864"/>
-            <a:ext cx="1173719" cy="369332"/>
-          </a:xfrm>
-          <a:prstGeom prst="rect">
-            <a:avLst/>
-          </a:prstGeom>
-          <a:noFill/>
-        </p:spPr>
-        <p:txBody>
-          <a:bodyPr wrap="none" rtlCol="0">
-            <a:spAutoFit/>
-          </a:bodyPr>
-          <a:lstStyle/>
-          <a:p>
-            <a:r>
-              <a:rPr kumimoji="1" lang="ko-KR" altLang="en-US" dirty="0" smtClean="0"/>
-              <a:t>앱 이름 </a:t>
-            </a:r>
-            <a:r>
-              <a:rPr kumimoji="1" lang="en-US" altLang="ko-KR" dirty="0" smtClean="0"/>
-              <a:t>:</a:t>
-            </a:r>
-            <a:r>
-              <a:rPr kumimoji="1" lang="ko-KR" altLang="en-US" dirty="0" smtClean="0"/>
-              <a:t> </a:t>
-            </a:r>
-            <a:endParaRPr kumimoji="1" lang="ko-KR" altLang="en-US" dirty="0"/>
+              <a:rPr lang="en-US" altLang="ko-KR" sz="1000" dirty="0" smtClean="0"/>
+              <a:t>Ps. </a:t>
+            </a:r>
+          </a:p>
+          <a:p>
+            <a:pPr marL="228600" indent="-228600">
+              <a:buAutoNum type="arabicPeriod"/>
+            </a:pPr>
+            <a:r>
+              <a:rPr lang="ko-KR" altLang="en-US" sz="1000" dirty="0" smtClean="0"/>
+              <a:t>추천 장소의 경우 장소에 대한 추가적인 데이터</a:t>
+            </a:r>
+            <a:r>
+              <a:rPr lang="en-US" altLang="ko-KR" sz="1000" dirty="0" smtClean="0"/>
+              <a:t/>
+            </a:r>
+            <a:br>
+              <a:rPr lang="en-US" altLang="ko-KR" sz="1000" dirty="0" smtClean="0"/>
+            </a:br>
+            <a:r>
+              <a:rPr lang="ko-KR" altLang="en-US" sz="1000" dirty="0" smtClean="0"/>
+              <a:t>분석 결과를 보여주는 것도 좋다</a:t>
+            </a:r>
+            <a:r>
+              <a:rPr lang="en-US" altLang="ko-KR" sz="1000" dirty="0" smtClean="0"/>
+              <a:t>.</a:t>
+            </a:r>
+          </a:p>
+          <a:p>
+            <a:pPr marL="228600" indent="-228600">
+              <a:buAutoNum type="arabicPeriod"/>
+            </a:pPr>
+            <a:r>
+              <a:rPr lang="ko-KR" altLang="en-US" sz="1000" dirty="0" smtClean="0"/>
+              <a:t>추천 장소 리스트의 경우 이전 장소의 페이지는</a:t>
+            </a:r>
+            <a:r>
+              <a:rPr lang="en-US" altLang="ko-KR" sz="1000" dirty="0" smtClean="0"/>
+              <a:t/>
+            </a:r>
+            <a:br>
+              <a:rPr lang="en-US" altLang="ko-KR" sz="1000" dirty="0" smtClean="0"/>
+            </a:br>
+            <a:r>
+              <a:rPr lang="ko-KR" altLang="en-US" sz="1000" dirty="0" smtClean="0"/>
+              <a:t>메모리에 남겨둔다</a:t>
+            </a:r>
+            <a:r>
+              <a:rPr lang="en-US" altLang="ko-KR" sz="1000" dirty="0" smtClean="0"/>
+              <a:t>.</a:t>
+            </a:r>
+          </a:p>
+          <a:p>
+            <a:pPr marL="228600" indent="-228600">
+              <a:buAutoNum type="arabicPeriod"/>
+            </a:pPr>
+            <a:r>
+              <a:rPr lang="ko-KR" altLang="en-US" sz="1000" dirty="0" smtClean="0"/>
+              <a:t>포인트 인증 시 </a:t>
+            </a:r>
+            <a:r>
+              <a:rPr lang="en-US" altLang="ko-KR" sz="1000" dirty="0" smtClean="0"/>
+              <a:t>GPS </a:t>
+            </a:r>
+            <a:r>
+              <a:rPr lang="ko-KR" altLang="en-US" sz="1000" dirty="0" smtClean="0"/>
+              <a:t>기능 사용 여부</a:t>
+            </a:r>
+            <a:r>
+              <a:rPr lang="en-US" altLang="ko-KR" sz="1000" dirty="0" smtClean="0"/>
+              <a:t>, </a:t>
+            </a:r>
+            <a:r>
+              <a:rPr lang="ko-KR" altLang="en-US" sz="1000" dirty="0" smtClean="0"/>
+              <a:t>네트워크</a:t>
+            </a:r>
+            <a:r>
+              <a:rPr lang="en-US" altLang="ko-KR" sz="1000" dirty="0" smtClean="0"/>
+              <a:t/>
+            </a:r>
+            <a:br>
+              <a:rPr lang="en-US" altLang="ko-KR" sz="1000" dirty="0" smtClean="0"/>
+            </a:br>
+            <a:r>
+              <a:rPr lang="ko-KR" altLang="en-US" sz="1000" dirty="0" smtClean="0"/>
+              <a:t>연결 등 확인하여 에러를 낮춘다</a:t>
+            </a:r>
+            <a:r>
+              <a:rPr lang="en-US" altLang="ko-KR" sz="1000" dirty="0" smtClean="0"/>
+              <a:t>.</a:t>
+            </a:r>
+            <a:br>
+              <a:rPr lang="en-US" altLang="ko-KR" sz="1000" dirty="0" smtClean="0"/>
+            </a:br>
+            <a:endParaRPr lang="ko-KR" altLang="en-US" dirty="0"/>
           </a:p>
         </p:txBody>
       </p:sp>
@@ -4987,471 +6509,6 @@
           <a:chExt cx="0" cy="0"/>
         </a:xfrm>
       </p:grpSpPr>
-      <p:sp>
-        <p:nvSpPr>
-          <p:cNvPr id="4" name="TextBox 3"/>
-          <p:cNvSpPr txBox="1"/>
-          <p:nvPr/>
-        </p:nvSpPr>
-        <p:spPr>
-          <a:xfrm>
-            <a:off x="24036" y="57448"/>
-            <a:ext cx="6501308" cy="369332"/>
-          </a:xfrm>
-          <a:prstGeom prst="rect">
-            <a:avLst/>
-          </a:prstGeom>
-          <a:noFill/>
-        </p:spPr>
-        <p:txBody>
-          <a:bodyPr wrap="square" rtlCol="0">
-            <a:spAutoFit/>
-          </a:bodyPr>
-          <a:lstStyle/>
-          <a:p>
-            <a:r>
-              <a:rPr lang="ko-KR" altLang="en-US" dirty="0" smtClean="0"/>
-              <a:t>로</a:t>
-            </a:r>
-            <a:r>
-              <a:rPr lang="ko-KR" altLang="en-US" dirty="0"/>
-              <a:t>딩</a:t>
-            </a:r>
-          </a:p>
-        </p:txBody>
-      </p:sp>
-      <p:sp>
-        <p:nvSpPr>
-          <p:cNvPr id="7" name="TextBox 6"/>
-          <p:cNvSpPr txBox="1"/>
-          <p:nvPr/>
-        </p:nvSpPr>
-        <p:spPr>
-          <a:xfrm>
-            <a:off x="24036" y="426780"/>
-            <a:ext cx="4917132" cy="3693319"/>
-          </a:xfrm>
-          <a:prstGeom prst="rect">
-            <a:avLst/>
-          </a:prstGeom>
-          <a:noFill/>
-        </p:spPr>
-        <p:txBody>
-          <a:bodyPr wrap="square" rtlCol="0">
-            <a:spAutoFit/>
-          </a:bodyPr>
-          <a:lstStyle/>
-          <a:p>
-            <a:pPr marL="342900" indent="-342900">
-              <a:buAutoNum type="arabicPeriod"/>
-            </a:pPr>
-            <a:r>
-              <a:rPr lang="ko-KR" altLang="en-US" dirty="0" smtClean="0"/>
-              <a:t>첫 로그인 시</a:t>
-            </a:r>
-            <a:endParaRPr lang="en-US" altLang="ko-KR" dirty="0" smtClean="0"/>
-          </a:p>
-          <a:p>
-            <a:pPr marL="800100" lvl="1" indent="-342900">
-              <a:buAutoNum type="alphaLcPeriod"/>
-            </a:pPr>
-            <a:r>
-              <a:rPr lang="ko-KR" altLang="en-US" dirty="0" err="1" smtClean="0"/>
-              <a:t>앱</a:t>
-            </a:r>
-            <a:r>
-              <a:rPr lang="ko-KR" altLang="en-US" dirty="0" smtClean="0"/>
-              <a:t> 취지 설명 및 </a:t>
-            </a:r>
-            <a:r>
-              <a:rPr lang="ko-KR" altLang="en-US" dirty="0" err="1" smtClean="0"/>
-              <a:t>앱</a:t>
-            </a:r>
-            <a:r>
-              <a:rPr lang="ko-KR" altLang="en-US" dirty="0" smtClean="0"/>
-              <a:t> 로그인 </a:t>
-            </a:r>
-            <a:r>
-              <a:rPr lang="ko-KR" altLang="en-US" dirty="0" err="1" smtClean="0"/>
-              <a:t>뷰플리퍼</a:t>
-            </a:r>
-            <a:r>
-              <a:rPr lang="en-US" altLang="ko-KR" dirty="0" smtClean="0"/>
-              <a:t/>
-            </a:r>
-            <a:br>
-              <a:rPr lang="en-US" altLang="ko-KR" dirty="0" smtClean="0"/>
-            </a:br>
-            <a:r>
-              <a:rPr lang="en-US" altLang="ko-KR" dirty="0" smtClean="0"/>
-              <a:t>- </a:t>
-            </a:r>
-            <a:r>
-              <a:rPr lang="en-US" altLang="ko-KR" dirty="0" err="1" smtClean="0"/>
-              <a:t>Defualt</a:t>
-            </a:r>
-            <a:r>
-              <a:rPr lang="en-US" altLang="ko-KR" dirty="0" smtClean="0"/>
-              <a:t> </a:t>
-            </a:r>
-            <a:r>
-              <a:rPr lang="ko-KR" altLang="en-US" dirty="0" smtClean="0"/>
-              <a:t>자동로그인</a:t>
-            </a:r>
-            <a:endParaRPr lang="en-US" altLang="ko-KR" dirty="0" smtClean="0"/>
-          </a:p>
-          <a:p>
-            <a:pPr marL="800100" lvl="1" indent="-342900">
-              <a:buAutoNum type="alphaLcPeriod"/>
-            </a:pPr>
-            <a:r>
-              <a:rPr lang="ko-KR" altLang="en-US" dirty="0" smtClean="0"/>
-              <a:t>추가 데이터 입력 부분 </a:t>
-            </a:r>
-            <a:r>
-              <a:rPr lang="en-US" altLang="ko-KR" dirty="0"/>
-              <a:t/>
-            </a:r>
-            <a:br>
-              <a:rPr lang="en-US" altLang="ko-KR" dirty="0"/>
-            </a:br>
-            <a:r>
-              <a:rPr lang="ko-KR" altLang="en-US" dirty="0" smtClean="0"/>
-              <a:t>반드시 </a:t>
-            </a:r>
-            <a:r>
-              <a:rPr lang="en-US" altLang="ko-KR" dirty="0" smtClean="0"/>
-              <a:t>: </a:t>
-            </a:r>
-            <a:r>
-              <a:rPr lang="ko-KR" altLang="en-US" dirty="0" err="1" smtClean="0"/>
-              <a:t>나이때</a:t>
-            </a:r>
-            <a:r>
-              <a:rPr lang="en-US" altLang="ko-KR" dirty="0" smtClean="0"/>
-              <a:t>, </a:t>
-            </a:r>
-            <a:r>
-              <a:rPr lang="ko-KR" altLang="en-US" dirty="0" smtClean="0"/>
-              <a:t>성별</a:t>
-            </a:r>
-            <a:r>
-              <a:rPr lang="en-US" altLang="ko-KR" dirty="0" smtClean="0"/>
-              <a:t>, </a:t>
-            </a:r>
-            <a:r>
-              <a:rPr lang="ko-KR" altLang="en-US" dirty="0" smtClean="0"/>
-              <a:t>성별정보 추후</a:t>
-            </a:r>
-            <a:r>
-              <a:rPr lang="en-US" altLang="ko-KR" dirty="0" smtClean="0"/>
-              <a:t/>
-            </a:r>
-            <a:br>
-              <a:rPr lang="en-US" altLang="ko-KR" dirty="0" smtClean="0"/>
-            </a:br>
-            <a:r>
-              <a:rPr lang="ko-KR" altLang="en-US" dirty="0" smtClean="0"/>
-              <a:t>추가 </a:t>
-            </a:r>
-            <a:r>
-              <a:rPr lang="en-US" altLang="ko-KR" dirty="0" smtClean="0"/>
-              <a:t>: </a:t>
-            </a:r>
-            <a:r>
-              <a:rPr lang="ko-KR" altLang="en-US" dirty="0" err="1" smtClean="0"/>
-              <a:t>이메일</a:t>
-            </a:r>
-            <a:r>
-              <a:rPr lang="ko-KR" altLang="en-US" dirty="0"/>
-              <a:t> </a:t>
-            </a:r>
-            <a:r>
-              <a:rPr lang="en-US" altLang="ko-KR" dirty="0" smtClean="0"/>
-              <a:t>– </a:t>
-            </a:r>
-            <a:r>
-              <a:rPr lang="ko-KR" altLang="en-US" dirty="0" smtClean="0"/>
-              <a:t>이벤트 및 쿠폰 메일</a:t>
-            </a:r>
-            <a:endParaRPr lang="en-US" altLang="ko-KR" dirty="0" smtClean="0"/>
-          </a:p>
-          <a:p>
-            <a:pPr marL="800100" lvl="1" indent="-342900">
-              <a:buAutoNum type="alphaLcPeriod"/>
-            </a:pPr>
-            <a:r>
-              <a:rPr lang="ko-KR" altLang="en-US" dirty="0" err="1" smtClean="0"/>
-              <a:t>알람</a:t>
-            </a:r>
-            <a:r>
-              <a:rPr lang="ko-KR" altLang="en-US" dirty="0" smtClean="0"/>
-              <a:t> 이벤트 쿠폰 등 </a:t>
-            </a:r>
-            <a:r>
-              <a:rPr lang="ko-KR" altLang="en-US" dirty="0" err="1" smtClean="0"/>
-              <a:t>알람설정</a:t>
-            </a:r>
-            <a:r>
-              <a:rPr lang="ko-KR" altLang="en-US" dirty="0" smtClean="0"/>
-              <a:t> </a:t>
-            </a:r>
-            <a:r>
-              <a:rPr lang="en-US" altLang="ko-KR" dirty="0" smtClean="0"/>
-              <a:t>on/off</a:t>
-            </a:r>
-          </a:p>
-          <a:p>
-            <a:pPr marL="800100" lvl="1" indent="-342900">
-              <a:buAutoNum type="alphaLcPeriod"/>
-            </a:pPr>
-            <a:endParaRPr lang="en-US" altLang="ko-KR" dirty="0" smtClean="0"/>
-          </a:p>
-          <a:p>
-            <a:pPr marL="342900" indent="-342900">
-              <a:buAutoNum type="arabicPeriod"/>
-            </a:pPr>
-            <a:r>
-              <a:rPr lang="ko-KR" altLang="en-US" dirty="0" smtClean="0"/>
-              <a:t>이후 로그인 시</a:t>
-            </a:r>
-            <a:r>
-              <a:rPr lang="en-US" altLang="ko-KR" dirty="0" smtClean="0"/>
-              <a:t/>
-            </a:r>
-            <a:br>
-              <a:rPr lang="en-US" altLang="ko-KR" dirty="0" smtClean="0"/>
-            </a:br>
-            <a:r>
-              <a:rPr lang="en-US" altLang="ko-KR" dirty="0" smtClean="0"/>
-              <a:t>a. </a:t>
-            </a:r>
-            <a:r>
-              <a:rPr lang="ko-KR" altLang="en-US" dirty="0" smtClean="0"/>
-              <a:t>로그인</a:t>
-            </a:r>
-            <a:r>
-              <a:rPr lang="en-US" altLang="ko-KR" dirty="0" smtClean="0"/>
-              <a:t/>
-            </a:r>
-            <a:br>
-              <a:rPr lang="en-US" altLang="ko-KR" dirty="0" smtClean="0"/>
-            </a:br>
-            <a:r>
-              <a:rPr lang="en-US" altLang="ko-KR" dirty="0" smtClean="0"/>
-              <a:t>- </a:t>
-            </a:r>
-            <a:r>
-              <a:rPr lang="ko-KR" altLang="en-US" dirty="0" smtClean="0"/>
-              <a:t>자동 로그인</a:t>
-            </a:r>
-            <a:r>
-              <a:rPr lang="en-US" altLang="ko-KR" dirty="0" smtClean="0"/>
-              <a:t/>
-            </a:r>
-            <a:br>
-              <a:rPr lang="en-US" altLang="ko-KR" dirty="0" smtClean="0"/>
-            </a:br>
-            <a:r>
-              <a:rPr lang="en-US" altLang="ko-KR" dirty="0" smtClean="0"/>
-              <a:t>- </a:t>
-            </a:r>
-            <a:r>
-              <a:rPr lang="ko-KR" altLang="en-US" dirty="0" err="1" smtClean="0"/>
-              <a:t>내정보</a:t>
-            </a:r>
-            <a:r>
-              <a:rPr lang="ko-KR" altLang="en-US" dirty="0" smtClean="0"/>
-              <a:t> </a:t>
-            </a:r>
-            <a:r>
-              <a:rPr lang="en-US" altLang="ko-KR" dirty="0" smtClean="0"/>
-              <a:t>&gt; </a:t>
-            </a:r>
-            <a:r>
-              <a:rPr lang="ko-KR" altLang="en-US" dirty="0" smtClean="0"/>
-              <a:t>로그아웃 </a:t>
-            </a:r>
-            <a:r>
-              <a:rPr lang="en-US" altLang="ko-KR" dirty="0" smtClean="0"/>
-              <a:t>&gt; </a:t>
-            </a:r>
-            <a:r>
-              <a:rPr lang="ko-KR" altLang="en-US" dirty="0" smtClean="0"/>
-              <a:t>로그인 페이지로 이동</a:t>
-            </a:r>
-            <a:r>
-              <a:rPr lang="en-US" altLang="ko-KR" dirty="0" smtClean="0"/>
-              <a:t>(</a:t>
-            </a:r>
-            <a:r>
-              <a:rPr lang="ko-KR" altLang="en-US" dirty="0" err="1" smtClean="0"/>
-              <a:t>뷰플리퍼</a:t>
-            </a:r>
-            <a:r>
-              <a:rPr lang="ko-KR" altLang="en-US" dirty="0" smtClean="0"/>
-              <a:t> 상단 로그인 버튼 하단</a:t>
-            </a:r>
-            <a:r>
-              <a:rPr lang="en-US" altLang="ko-KR" dirty="0" smtClean="0"/>
-              <a:t>)</a:t>
-            </a:r>
-            <a:endParaRPr lang="ko-KR" altLang="en-US" dirty="0"/>
-          </a:p>
-        </p:txBody>
-      </p:sp>
-      <p:sp>
-        <p:nvSpPr>
-          <p:cNvPr id="2" name="TextBox 1"/>
-          <p:cNvSpPr txBox="1"/>
-          <p:nvPr/>
-        </p:nvSpPr>
-        <p:spPr>
-          <a:xfrm>
-            <a:off x="332814" y="8913440"/>
-            <a:ext cx="4299575" cy="646331"/>
-          </a:xfrm>
-          <a:prstGeom prst="rect">
-            <a:avLst/>
-          </a:prstGeom>
-          <a:noFill/>
-        </p:spPr>
-        <p:txBody>
-          <a:bodyPr wrap="none" rtlCol="0">
-            <a:spAutoFit/>
-          </a:bodyPr>
-          <a:lstStyle/>
-          <a:p>
-            <a:r>
-              <a:rPr lang="ko-KR" altLang="en-US" dirty="0" smtClean="0"/>
-              <a:t>지도는 </a:t>
-            </a:r>
-            <a:r>
-              <a:rPr lang="ko-KR" altLang="en-US" dirty="0" err="1" smtClean="0"/>
-              <a:t>구글</a:t>
-            </a:r>
-            <a:r>
-              <a:rPr lang="ko-KR" altLang="en-US" dirty="0" smtClean="0"/>
-              <a:t> </a:t>
-            </a:r>
-            <a:r>
-              <a:rPr lang="en-US" altLang="ko-KR" dirty="0" smtClean="0"/>
-              <a:t>&gt; </a:t>
-            </a:r>
-            <a:r>
-              <a:rPr lang="ko-KR" altLang="en-US" dirty="0" err="1" smtClean="0"/>
-              <a:t>네이버</a:t>
-            </a:r>
-            <a:r>
-              <a:rPr lang="ko-KR" altLang="en-US" dirty="0" smtClean="0"/>
-              <a:t> </a:t>
-            </a:r>
-            <a:r>
-              <a:rPr lang="en-US" altLang="ko-KR" dirty="0" smtClean="0"/>
-              <a:t>OR </a:t>
-            </a:r>
-            <a:r>
-              <a:rPr lang="ko-KR" altLang="en-US" dirty="0" smtClean="0"/>
-              <a:t>다음</a:t>
-            </a:r>
-            <a:endParaRPr lang="en-US" altLang="ko-KR" dirty="0" smtClean="0"/>
-          </a:p>
-          <a:p>
-            <a:r>
-              <a:rPr lang="en-US" altLang="ko-KR" dirty="0"/>
-              <a:t> </a:t>
-            </a:r>
-            <a:r>
-              <a:rPr lang="en-US" altLang="ko-KR" dirty="0" smtClean="0"/>
-              <a:t>        </a:t>
-            </a:r>
-            <a:r>
-              <a:rPr lang="ko-KR" altLang="en-US" dirty="0" smtClean="0"/>
-              <a:t>세밀한 장소 검색이 가능해 진다</a:t>
-            </a:r>
-            <a:r>
-              <a:rPr lang="en-US" altLang="ko-KR" dirty="0" smtClean="0"/>
-              <a:t>.</a:t>
-            </a:r>
-            <a:endParaRPr lang="ko-KR" altLang="en-US" dirty="0"/>
-          </a:p>
-        </p:txBody>
-      </p:sp>
-      <p:sp>
-        <p:nvSpPr>
-          <p:cNvPr id="3" name="TextBox 2"/>
-          <p:cNvSpPr txBox="1"/>
-          <p:nvPr/>
-        </p:nvSpPr>
-        <p:spPr>
-          <a:xfrm>
-            <a:off x="332814" y="7545288"/>
-            <a:ext cx="4012637" cy="369332"/>
-          </a:xfrm>
-          <a:prstGeom prst="rect">
-            <a:avLst/>
-          </a:prstGeom>
-          <a:noFill/>
-        </p:spPr>
-        <p:txBody>
-          <a:bodyPr wrap="none" rtlCol="0">
-            <a:spAutoFit/>
-          </a:bodyPr>
-          <a:lstStyle/>
-          <a:p>
-            <a:r>
-              <a:rPr lang="ko-KR" altLang="en-US" dirty="0" err="1" smtClean="0"/>
-              <a:t>댓글</a:t>
-            </a:r>
-            <a:r>
-              <a:rPr lang="ko-KR" altLang="en-US" dirty="0" smtClean="0"/>
-              <a:t> 입력의 경우 제한을 둘 것 인가</a:t>
-            </a:r>
-            <a:r>
-              <a:rPr lang="en-US" altLang="ko-KR" dirty="0"/>
-              <a:t>?</a:t>
-            </a:r>
-            <a:endParaRPr lang="ko-KR" altLang="en-US" dirty="0"/>
-          </a:p>
-        </p:txBody>
-      </p:sp>
-    </p:spTree>
-    <p:extLst>
-      <p:ext uri="{BB962C8B-B14F-4D97-AF65-F5344CB8AC3E}">
-        <p14:creationId xmlns:p14="http://schemas.microsoft.com/office/powerpoint/2010/main" val="1933496171"/>
-      </p:ext>
-    </p:extLst>
-  </p:cSld>
-  <p:clrMapOvr>
-    <a:masterClrMapping/>
-  </p:clrMapOvr>
-  <p:timing>
-    <p:tnLst>
-      <p:par>
-        <p:cTn id="1" dur="indefinite" restart="never" nodeType="tmRoot"/>
-      </p:par>
-    </p:tnLst>
-  </p:timing>
-</p:sld>
-</file>
-
-<file path=ppt/slides/slide4.xml><?xml version="1.0" encoding="utf-8"?>
-<p:sld xmlns:a="http://schemas.openxmlformats.org/drawingml/2006/main" xmlns:r="http://schemas.openxmlformats.org/officeDocument/2006/relationships" xmlns:p="http://schemas.openxmlformats.org/presentationml/2006/main">
-  <p:cSld>
-    <p:spTree>
-      <p:nvGrpSpPr>
-        <p:cNvPr id="1" name=""/>
-        <p:cNvGrpSpPr/>
-        <p:nvPr/>
-      </p:nvGrpSpPr>
-      <p:grpSpPr>
-        <a:xfrm>
-          <a:off x="0" y="0"/>
-          <a:ext cx="0" cy="0"/>
-          <a:chOff x="0" y="0"/>
-          <a:chExt cx="0" cy="0"/>
-        </a:xfrm>
-      </p:grpSpPr>
       <p:pic>
         <p:nvPicPr>
           <p:cNvPr id="4" name="Picture 3" descr="C:\Users\qewqs\Desktop\temp_image\TourTogether\PNG\open_cp_image.png"/>
@@ -5475,7 +6532,7 @@
         </p:blipFill>
         <p:spPr bwMode="auto">
           <a:xfrm>
-            <a:off x="116632" y="272480"/>
+            <a:off x="116632" y="3031768"/>
             <a:ext cx="1592407" cy="2654012"/>
           </a:xfrm>
           <a:prstGeom prst="rect">
@@ -5516,7 +6573,7 @@
         </p:blipFill>
         <p:spPr bwMode="auto">
           <a:xfrm>
-            <a:off x="1772816" y="272480"/>
+            <a:off x="1772816" y="3031768"/>
             <a:ext cx="1592407" cy="2654012"/>
           </a:xfrm>
           <a:prstGeom prst="rect">
@@ -5557,7 +6614,7 @@
         </p:blipFill>
         <p:spPr bwMode="auto">
           <a:xfrm>
-            <a:off x="3429000" y="272480"/>
+            <a:off x="3429000" y="3031768"/>
             <a:ext cx="1592407" cy="2654012"/>
           </a:xfrm>
           <a:prstGeom prst="rect">
@@ -5598,7 +6655,7 @@
         </p:blipFill>
         <p:spPr bwMode="auto">
           <a:xfrm>
-            <a:off x="5105247" y="272480"/>
+            <a:off x="5105247" y="3031768"/>
             <a:ext cx="1592407" cy="2654012"/>
           </a:xfrm>
           <a:prstGeom prst="rect">
@@ -5639,7 +6696,7 @@
         </p:blipFill>
         <p:spPr bwMode="auto">
           <a:xfrm>
-            <a:off x="116632" y="2996084"/>
+            <a:off x="116632" y="5752356"/>
             <a:ext cx="1592407" cy="2654012"/>
           </a:xfrm>
           <a:prstGeom prst="rect">
@@ -5680,7 +6737,7 @@
         </p:blipFill>
         <p:spPr bwMode="auto">
           <a:xfrm>
-            <a:off x="1772816" y="5767660"/>
+            <a:off x="1772816" y="5755372"/>
             <a:ext cx="1592408" cy="2654012"/>
           </a:xfrm>
           <a:prstGeom prst="rect">
@@ -5721,7 +6778,7 @@
         </p:blipFill>
         <p:spPr bwMode="auto">
           <a:xfrm>
-            <a:off x="3428999" y="5767661"/>
+            <a:off x="3428999" y="5755373"/>
             <a:ext cx="1592407" cy="2654011"/>
           </a:xfrm>
           <a:prstGeom prst="rect">
@@ -5762,7 +6819,7 @@
         </p:blipFill>
         <p:spPr bwMode="auto">
           <a:xfrm>
-            <a:off x="5105247" y="2996083"/>
+            <a:off x="5105247" y="5755371"/>
             <a:ext cx="1592407" cy="2654013"/>
           </a:xfrm>
           <a:prstGeom prst="rect">
@@ -5780,6 +6837,159 @@
           </a:extLst>
         </p:spPr>
       </p:pic>
+      <p:sp>
+        <p:nvSpPr>
+          <p:cNvPr id="3" name="TextBox 2"/>
+          <p:cNvSpPr txBox="1"/>
+          <p:nvPr/>
+        </p:nvSpPr>
+        <p:spPr>
+          <a:xfrm>
+            <a:off x="116632" y="128464"/>
+            <a:ext cx="4314001" cy="369332"/>
+          </a:xfrm>
+          <a:prstGeom prst="rect">
+            <a:avLst/>
+          </a:prstGeom>
+          <a:noFill/>
+        </p:spPr>
+        <p:txBody>
+          <a:bodyPr wrap="none" rtlCol="0">
+            <a:spAutoFit/>
+          </a:bodyPr>
+          <a:lstStyle/>
+          <a:p>
+            <a:r>
+              <a:rPr lang="ko-KR" altLang="en-US" dirty="0" smtClean="0"/>
+              <a:t>어플리케이션 </a:t>
+            </a:r>
+            <a:r>
+              <a:rPr lang="en-US" altLang="ko-KR" dirty="0" smtClean="0"/>
+              <a:t>UI </a:t>
+            </a:r>
+            <a:r>
+              <a:rPr lang="ko-KR" altLang="en-US" dirty="0" smtClean="0"/>
+              <a:t>디자인 </a:t>
+            </a:r>
+            <a:r>
+              <a:rPr lang="en-US" altLang="ko-KR" dirty="0" smtClean="0"/>
+              <a:t>(17.09.09 ~ 17)</a:t>
+            </a:r>
+            <a:endParaRPr lang="ko-KR" altLang="en-US" dirty="0"/>
+          </a:p>
+        </p:txBody>
+      </p:sp>
+      <p:sp>
+        <p:nvSpPr>
+          <p:cNvPr id="11" name="TextBox 10"/>
+          <p:cNvSpPr txBox="1"/>
+          <p:nvPr/>
+        </p:nvSpPr>
+        <p:spPr>
+          <a:xfrm>
+            <a:off x="198692" y="2331095"/>
+            <a:ext cx="2497800" cy="461665"/>
+          </a:xfrm>
+          <a:prstGeom prst="rect">
+            <a:avLst/>
+          </a:prstGeom>
+          <a:noFill/>
+        </p:spPr>
+        <p:txBody>
+          <a:bodyPr wrap="none" rtlCol="0">
+            <a:spAutoFit/>
+          </a:bodyPr>
+          <a:lstStyle/>
+          <a:p>
+            <a:r>
+              <a:rPr lang="ko-KR" altLang="en-US" sz="1200" dirty="0" smtClean="0"/>
+              <a:t>컬러 </a:t>
+            </a:r>
+            <a:r>
+              <a:rPr lang="en-US" altLang="ko-KR" sz="1200" dirty="0" smtClean="0"/>
+              <a:t>: 2017 S/S </a:t>
+            </a:r>
+            <a:r>
+              <a:rPr lang="ko-KR" altLang="en-US" sz="1200" dirty="0" err="1" smtClean="0"/>
+              <a:t>팬톤</a:t>
+            </a:r>
+            <a:r>
+              <a:rPr lang="ko-KR" altLang="en-US" sz="1200" dirty="0" smtClean="0"/>
+              <a:t> </a:t>
+            </a:r>
+            <a:r>
+              <a:rPr lang="ko-KR" altLang="en-US" sz="1200" dirty="0" err="1" smtClean="0"/>
+              <a:t>트렌드</a:t>
+            </a:r>
+            <a:r>
+              <a:rPr lang="ko-KR" altLang="en-US" sz="1200" dirty="0" smtClean="0"/>
+              <a:t> </a:t>
+            </a:r>
+            <a:r>
+              <a:rPr lang="ko-KR" altLang="en-US" sz="1200" dirty="0" smtClean="0"/>
+              <a:t>컬러</a:t>
+            </a:r>
+            <a:endParaRPr lang="en-US" altLang="ko-KR" sz="1200" dirty="0"/>
+          </a:p>
+          <a:p>
+            <a:r>
+              <a:rPr lang="ko-KR" altLang="en-US" sz="1200" dirty="0" smtClean="0"/>
+              <a:t>나이아가라 </a:t>
+            </a:r>
+            <a:r>
+              <a:rPr lang="en-US" altLang="ko-KR" sz="1200" dirty="0" smtClean="0"/>
+              <a:t>+ </a:t>
+            </a:r>
+            <a:r>
+              <a:rPr lang="ko-KR" altLang="en-US" sz="1200" dirty="0" err="1" smtClean="0"/>
+              <a:t>핫핑크</a:t>
+            </a:r>
+            <a:endParaRPr lang="ko-KR" altLang="en-US" sz="1200" dirty="0"/>
+          </a:p>
+        </p:txBody>
+      </p:sp>
+      <p:sp>
+        <p:nvSpPr>
+          <p:cNvPr id="12" name="TextBox 11"/>
+          <p:cNvSpPr txBox="1"/>
+          <p:nvPr/>
+        </p:nvSpPr>
+        <p:spPr>
+          <a:xfrm>
+            <a:off x="188640" y="2043752"/>
+            <a:ext cx="4147181" cy="276999"/>
+          </a:xfrm>
+          <a:prstGeom prst="rect">
+            <a:avLst/>
+          </a:prstGeom>
+          <a:noFill/>
+        </p:spPr>
+        <p:txBody>
+          <a:bodyPr wrap="square" rtlCol="0">
+            <a:spAutoFit/>
+          </a:bodyPr>
+          <a:lstStyle/>
+          <a:p>
+            <a:r>
+              <a:rPr lang="ko-KR" altLang="en-US" sz="1200" dirty="0" smtClean="0"/>
+              <a:t>심플하며 여행이란 이미지를 </a:t>
+            </a:r>
+            <a:r>
+              <a:rPr lang="ko-KR" altLang="en-US" sz="1200" dirty="0" smtClean="0"/>
+              <a:t>부각하도록</a:t>
+            </a:r>
+            <a:r>
+              <a:rPr lang="en-US" altLang="ko-KR" sz="1200" dirty="0"/>
+              <a:t> </a:t>
+            </a:r>
+            <a:r>
+              <a:rPr lang="ko-KR" altLang="en-US" sz="1200" dirty="0" smtClean="0"/>
+              <a:t>디자인</a:t>
+            </a:r>
+            <a:endParaRPr lang="en-US" altLang="ko-KR" sz="1200" dirty="0" smtClean="0"/>
+          </a:p>
+        </p:txBody>
+      </p:sp>
     </p:spTree>
     <p:extLst>
       <p:ext uri="{BB962C8B-B14F-4D97-AF65-F5344CB8AC3E}">
@@ -5800,7 +7010,7 @@
 </p:sld>
 </file>
 
-<file path=ppt/slides/slide5.xml><?xml version="1.0" encoding="utf-8"?>
+<file path=ppt/slides/slide4.xml><?xml version="1.0" encoding="utf-8"?>
 <p:sld xmlns:a="http://schemas.openxmlformats.org/drawingml/2006/main" xmlns:r="http://schemas.openxmlformats.org/officeDocument/2006/relationships" xmlns:p="http://schemas.openxmlformats.org/presentationml/2006/main">
   <p:cSld>
     <p:spTree>
@@ -5839,8 +7049,8 @@
         </p:blipFill>
         <p:spPr>
           <a:xfrm>
-            <a:off x="116632" y="128464"/>
-            <a:ext cx="2025225" cy="3600400"/>
+            <a:off x="260648" y="2947328"/>
+            <a:ext cx="1521582" cy="2705034"/>
           </a:xfrm>
           <a:prstGeom prst="rect">
             <a:avLst/>
@@ -5869,8 +7079,8 @@
         </p:blipFill>
         <p:spPr>
           <a:xfrm>
-            <a:off x="2195863" y="128464"/>
-            <a:ext cx="2025225" cy="3600400"/>
+            <a:off x="1881035" y="2947328"/>
+            <a:ext cx="1521582" cy="2705034"/>
           </a:xfrm>
           <a:prstGeom prst="rect">
             <a:avLst/>
@@ -5879,7 +7089,7 @@
       </p:pic>
       <p:pic>
         <p:nvPicPr>
-          <p:cNvPr id="4" name="그림 3"/>
+          <p:cNvPr id="5" name="그림 4"/>
           <p:cNvPicPr>
             <a:picLocks noChangeAspect="1"/>
           </p:cNvPicPr>
@@ -5899,8 +7109,8 @@
         </p:blipFill>
         <p:spPr>
           <a:xfrm>
-            <a:off x="4279470" y="128464"/>
-            <a:ext cx="2029850" cy="3608622"/>
+            <a:off x="3501008" y="2936776"/>
+            <a:ext cx="1521582" cy="2705034"/>
           </a:xfrm>
           <a:prstGeom prst="rect">
             <a:avLst/>
@@ -5909,14 +7119,137 @@
       </p:pic>
       <p:pic>
         <p:nvPicPr>
-          <p:cNvPr id="5" name="그림 4"/>
+          <p:cNvPr id="1027" name="Picture 3" descr="D:\Github\Design_Workspace\chocotemp\complete\Account\choco_account.jpg"/>
+          <p:cNvPicPr>
+            <a:picLocks noChangeAspect="1" noChangeArrowheads="1"/>
+          </p:cNvPicPr>
+          <p:nvPr/>
+        </p:nvPicPr>
+        <p:blipFill>
+          <a:blip r:embed="rId5" cstate="print">
+            <a:extLst>
+              <a:ext uri="{28A0092B-C50C-407E-A947-70E740481C1C}">
+                <a14:useLocalDpi xmlns:a14="http://schemas.microsoft.com/office/drawing/2010/main" val="0"/>
+              </a:ext>
+            </a:extLst>
+          </a:blip>
+          <a:srcRect/>
+          <a:stretch>
+            <a:fillRect/>
+          </a:stretch>
+        </p:blipFill>
+        <p:spPr bwMode="auto">
+          <a:xfrm>
+            <a:off x="260648" y="5740005"/>
+            <a:ext cx="1521582" cy="2705036"/>
+          </a:xfrm>
+          <a:prstGeom prst="rect">
+            <a:avLst/>
+          </a:prstGeom>
+          <a:noFill/>
+          <a:extLst>
+            <a:ext uri="{909E8E84-426E-40DD-AFC4-6F175D3DCCD1}">
+              <a14:hiddenFill xmlns:a14="http://schemas.microsoft.com/office/drawing/2010/main">
+                <a:solidFill>
+                  <a:srgbClr val="FFFFFF"/>
+                </a:solidFill>
+              </a14:hiddenFill>
+            </a:ext>
+          </a:extLst>
+        </p:spPr>
+      </p:pic>
+      <p:pic>
+        <p:nvPicPr>
+          <p:cNvPr id="1028" name="Picture 4" descr="D:\Github\Design_Workspace\chocotemp\complete\Column\columnThree.jpg"/>
+          <p:cNvPicPr>
+            <a:picLocks noChangeAspect="1" noChangeArrowheads="1"/>
+          </p:cNvPicPr>
+          <p:nvPr/>
+        </p:nvPicPr>
+        <p:blipFill>
+          <a:blip r:embed="rId6" cstate="print">
+            <a:extLst>
+              <a:ext uri="{28A0092B-C50C-407E-A947-70E740481C1C}">
+                <a14:useLocalDpi xmlns:a14="http://schemas.microsoft.com/office/drawing/2010/main" val="0"/>
+              </a:ext>
+            </a:extLst>
+          </a:blip>
+          <a:srcRect/>
+          <a:stretch>
+            <a:fillRect/>
+          </a:stretch>
+        </p:blipFill>
+        <p:spPr bwMode="auto">
+          <a:xfrm>
+            <a:off x="5085184" y="2936776"/>
+            <a:ext cx="1516572" cy="2693634"/>
+          </a:xfrm>
+          <a:prstGeom prst="rect">
+            <a:avLst/>
+          </a:prstGeom>
+          <a:noFill/>
+          <a:extLst>
+            <a:ext uri="{909E8E84-426E-40DD-AFC4-6F175D3DCCD1}">
+              <a14:hiddenFill xmlns:a14="http://schemas.microsoft.com/office/drawing/2010/main">
+                <a:solidFill>
+                  <a:srgbClr val="FFFFFF"/>
+                </a:solidFill>
+              </a14:hiddenFill>
+            </a:ext>
+          </a:extLst>
+        </p:spPr>
+      </p:pic>
+      <p:pic>
+        <p:nvPicPr>
+          <p:cNvPr id="1029" name="Picture 5" descr="D:\Github\Design_Workspace\chocotemp\complete\Setting\setting.jpg"/>
+          <p:cNvPicPr>
+            <a:picLocks noChangeAspect="1" noChangeArrowheads="1"/>
+          </p:cNvPicPr>
+          <p:nvPr/>
+        </p:nvPicPr>
+        <p:blipFill>
+          <a:blip r:embed="rId7" cstate="print">
+            <a:extLst>
+              <a:ext uri="{28A0092B-C50C-407E-A947-70E740481C1C}">
+                <a14:useLocalDpi xmlns:a14="http://schemas.microsoft.com/office/drawing/2010/main" val="0"/>
+              </a:ext>
+            </a:extLst>
+          </a:blip>
+          <a:srcRect/>
+          <a:stretch>
+            <a:fillRect/>
+          </a:stretch>
+        </p:blipFill>
+        <p:spPr bwMode="auto">
+          <a:xfrm>
+            <a:off x="1895576" y="5740005"/>
+            <a:ext cx="1521582" cy="2705036"/>
+          </a:xfrm>
+          <a:prstGeom prst="rect">
+            <a:avLst/>
+          </a:prstGeom>
+          <a:noFill/>
+          <a:extLst>
+            <a:ext uri="{909E8E84-426E-40DD-AFC4-6F175D3DCCD1}">
+              <a14:hiddenFill xmlns:a14="http://schemas.microsoft.com/office/drawing/2010/main">
+                <a:solidFill>
+                  <a:srgbClr val="FFFFFF"/>
+                </a:solidFill>
+              </a14:hiddenFill>
+            </a:ext>
+          </a:extLst>
+        </p:spPr>
+      </p:pic>
+      <p:pic>
+        <p:nvPicPr>
+          <p:cNvPr id="12" name="그림 11"/>
           <p:cNvPicPr>
             <a:picLocks noChangeAspect="1"/>
           </p:cNvPicPr>
           <p:nvPr/>
         </p:nvPicPr>
         <p:blipFill>
-          <a:blip r:embed="rId5" cstate="print">
+          <a:blip r:embed="rId8" cstate="print">
             <a:extLst>
               <a:ext uri="{28A0092B-C50C-407E-A947-70E740481C1C}">
                 <a14:useLocalDpi xmlns:a14="http://schemas.microsoft.com/office/drawing/2010/main" val="0"/>
@@ -5929,8 +7262,8 @@
         </p:blipFill>
         <p:spPr>
           <a:xfrm>
-            <a:off x="116633" y="3728864"/>
-            <a:ext cx="2025225" cy="3600400"/>
+            <a:off x="3501008" y="5740005"/>
+            <a:ext cx="1521583" cy="2705036"/>
           </a:xfrm>
           <a:prstGeom prst="rect">
             <a:avLst/>
@@ -5939,14 +7272,14 @@
       </p:pic>
       <p:pic>
         <p:nvPicPr>
-          <p:cNvPr id="6" name="그림 5"/>
+          <p:cNvPr id="13" name="그림 12"/>
           <p:cNvPicPr>
             <a:picLocks noChangeAspect="1"/>
           </p:cNvPicPr>
           <p:nvPr/>
         </p:nvPicPr>
         <p:blipFill>
-          <a:blip r:embed="rId6" cstate="print">
+          <a:blip r:embed="rId9" cstate="print">
             <a:extLst>
               <a:ext uri="{28A0092B-C50C-407E-A947-70E740481C1C}">
                 <a14:useLocalDpi xmlns:a14="http://schemas.microsoft.com/office/drawing/2010/main" val="0"/>
@@ -5959,8 +7292,8 @@
         </p:blipFill>
         <p:spPr>
           <a:xfrm>
-            <a:off x="2195864" y="3737086"/>
-            <a:ext cx="2020600" cy="3592178"/>
+            <a:off x="5805264" y="6637213"/>
+            <a:ext cx="682631" cy="682631"/>
           </a:xfrm>
           <a:prstGeom prst="rect">
             <a:avLst/>
@@ -5969,14 +7302,14 @@
       </p:pic>
       <p:pic>
         <p:nvPicPr>
-          <p:cNvPr id="7" name="그림 6"/>
+          <p:cNvPr id="14" name="그림 13"/>
           <p:cNvPicPr>
             <a:picLocks noChangeAspect="1"/>
           </p:cNvPicPr>
           <p:nvPr/>
         </p:nvPicPr>
         <p:blipFill>
-          <a:blip r:embed="rId7" cstate="print">
+          <a:blip r:embed="rId10" cstate="print">
             <a:extLst>
               <a:ext uri="{28A0092B-C50C-407E-A947-70E740481C1C}">
                 <a14:useLocalDpi xmlns:a14="http://schemas.microsoft.com/office/drawing/2010/main" val="0"/>
@@ -5989,14 +7322,86 @@
         </p:blipFill>
         <p:spPr>
           <a:xfrm>
-            <a:off x="4279471" y="3737086"/>
-            <a:ext cx="2029850" cy="3608622"/>
+            <a:off x="5181326" y="5812013"/>
+            <a:ext cx="682631" cy="682631"/>
           </a:xfrm>
           <a:prstGeom prst="rect">
             <a:avLst/>
           </a:prstGeom>
         </p:spPr>
       </p:pic>
+      <p:pic>
+        <p:nvPicPr>
+          <p:cNvPr id="15" name="그림 14"/>
+          <p:cNvPicPr>
+            <a:picLocks noChangeAspect="1"/>
+          </p:cNvPicPr>
+          <p:nvPr/>
+        </p:nvPicPr>
+        <p:blipFill>
+          <a:blip r:embed="rId11" cstate="print">
+            <a:extLst>
+              <a:ext uri="{28A0092B-C50C-407E-A947-70E740481C1C}">
+                <a14:useLocalDpi xmlns:a14="http://schemas.microsoft.com/office/drawing/2010/main" val="0"/>
+              </a:ext>
+            </a:extLst>
+          </a:blip>
+          <a:stretch>
+            <a:fillRect/>
+          </a:stretch>
+        </p:blipFill>
+        <p:spPr>
+          <a:xfrm>
+            <a:off x="5229200" y="7468197"/>
+            <a:ext cx="695551" cy="695551"/>
+          </a:xfrm>
+          <a:prstGeom prst="rect">
+            <a:avLst/>
+          </a:prstGeom>
+        </p:spPr>
+      </p:pic>
+      <p:sp>
+        <p:nvSpPr>
+          <p:cNvPr id="16" name="TextBox 15"/>
+          <p:cNvSpPr txBox="1"/>
+          <p:nvPr/>
+        </p:nvSpPr>
+        <p:spPr>
+          <a:xfrm>
+            <a:off x="116632" y="128464"/>
+            <a:ext cx="4365298" cy="369332"/>
+          </a:xfrm>
+          <a:prstGeom prst="rect">
+            <a:avLst/>
+          </a:prstGeom>
+          <a:noFill/>
+        </p:spPr>
+        <p:txBody>
+          <a:bodyPr wrap="none" rtlCol="0">
+            <a:spAutoFit/>
+          </a:bodyPr>
+          <a:lstStyle/>
+          <a:p>
+            <a:r>
+              <a:rPr lang="ko-KR" altLang="en-US" dirty="0" smtClean="0"/>
+              <a:t>어플리케이션 </a:t>
+            </a:r>
+            <a:r>
+              <a:rPr lang="en-US" altLang="ko-KR" dirty="0" smtClean="0"/>
+              <a:t>UI </a:t>
+            </a:r>
+            <a:r>
+              <a:rPr lang="ko-KR" altLang="en-US" dirty="0" smtClean="0"/>
+              <a:t>디자인 </a:t>
+            </a:r>
+            <a:r>
+              <a:rPr lang="en-US" altLang="ko-KR" dirty="0" smtClean="0"/>
+              <a:t>(17.09.19 ~ 30)</a:t>
+            </a:r>
+            <a:endParaRPr lang="ko-KR" altLang="en-US" dirty="0"/>
+          </a:p>
+        </p:txBody>
+      </p:sp>
     </p:spTree>
     <p:extLst>
       <p:ext uri="{BB962C8B-B14F-4D97-AF65-F5344CB8AC3E}">
@@ -6007,6 +7412,476 @@
   <p:clrMapOvr>
     <a:masterClrMapping/>
   </p:clrMapOvr>
+  <p:timing>
+    <p:tnLst>
+      <p:par>
+        <p:cTn id="1" dur="indefinite" restart="never" nodeType="tmRoot"/>
+      </p:par>
+    </p:tnLst>
+  </p:timing>
+</p:sld>
+</file>
+
+<file path=ppt/slides/slide5.xml><?xml version="1.0" encoding="utf-8"?>
+<p:sld xmlns:a="http://schemas.openxmlformats.org/drawingml/2006/main" xmlns:r="http://schemas.openxmlformats.org/officeDocument/2006/relationships" xmlns:p="http://schemas.openxmlformats.org/presentationml/2006/main">
+  <p:cSld>
+    <p:spTree>
+      <p:nvGrpSpPr>
+        <p:cNvPr id="1" name=""/>
+        <p:cNvGrpSpPr/>
+        <p:nvPr/>
+      </p:nvGrpSpPr>
+      <p:grpSpPr>
+        <a:xfrm>
+          <a:off x="0" y="0"/>
+          <a:ext cx="0" cy="0"/>
+          <a:chOff x="0" y="0"/>
+          <a:chExt cx="0" cy="0"/>
+        </a:xfrm>
+      </p:grpSpPr>
+      <p:sp>
+        <p:nvSpPr>
+          <p:cNvPr id="2" name="TextBox 1"/>
+          <p:cNvSpPr txBox="1"/>
+          <p:nvPr/>
+        </p:nvSpPr>
+        <p:spPr>
+          <a:xfrm>
+            <a:off x="116632" y="128464"/>
+            <a:ext cx="4395755" cy="369332"/>
+          </a:xfrm>
+          <a:prstGeom prst="rect">
+            <a:avLst/>
+          </a:prstGeom>
+          <a:noFill/>
+        </p:spPr>
+        <p:txBody>
+          <a:bodyPr wrap="none" rtlCol="0">
+            <a:spAutoFit/>
+          </a:bodyPr>
+          <a:lstStyle/>
+          <a:p>
+            <a:r>
+              <a:rPr lang="ko-KR" altLang="en-US" dirty="0" smtClean="0"/>
+              <a:t>관리자 사이트 </a:t>
+            </a:r>
+            <a:r>
+              <a:rPr lang="en-US" altLang="ko-KR" dirty="0" smtClean="0"/>
+              <a:t>UI </a:t>
+            </a:r>
+            <a:r>
+              <a:rPr lang="ko-KR" altLang="en-US" dirty="0" smtClean="0"/>
+              <a:t>디자인 </a:t>
+            </a:r>
+            <a:r>
+              <a:rPr lang="en-US" altLang="ko-KR" dirty="0" smtClean="0"/>
+              <a:t>(17.10.02 ~ 06)</a:t>
+            </a:r>
+            <a:endParaRPr lang="ko-KR" altLang="en-US" dirty="0"/>
+          </a:p>
+        </p:txBody>
+      </p:sp>
+      <p:pic>
+        <p:nvPicPr>
+          <p:cNvPr id="3075" name="Picture 3"/>
+          <p:cNvPicPr>
+            <a:picLocks noChangeAspect="1" noChangeArrowheads="1"/>
+          </p:cNvPicPr>
+          <p:nvPr/>
+        </p:nvPicPr>
+        <p:blipFill>
+          <a:blip r:embed="rId2" cstate="print">
+            <a:extLst>
+              <a:ext uri="{28A0092B-C50C-407E-A947-70E740481C1C}">
+                <a14:useLocalDpi xmlns:a14="http://schemas.microsoft.com/office/drawing/2010/main" val="0"/>
+              </a:ext>
+            </a:extLst>
+          </a:blip>
+          <a:srcRect/>
+          <a:stretch>
+            <a:fillRect/>
+          </a:stretch>
+        </p:blipFill>
+        <p:spPr bwMode="auto">
+          <a:xfrm>
+            <a:off x="343055" y="1440535"/>
+            <a:ext cx="3088300" cy="1738205"/>
+          </a:xfrm>
+          <a:prstGeom prst="rect">
+            <a:avLst/>
+          </a:prstGeom>
+          <a:noFill/>
+          <a:ln>
+            <a:noFill/>
+          </a:ln>
+          <a:effectLst/>
+          <a:extLst>
+            <a:ext uri="{909E8E84-426E-40DD-AFC4-6F175D3DCCD1}">
+              <a14:hiddenFill xmlns:a14="http://schemas.microsoft.com/office/drawing/2010/main">
+                <a:solidFill>
+                  <a:schemeClr val="accent1"/>
+                </a:solidFill>
+              </a14:hiddenFill>
+            </a:ext>
+            <a:ext uri="{91240B29-F687-4F45-9708-019B960494DF}">
+              <a14:hiddenLine xmlns:a14="http://schemas.microsoft.com/office/drawing/2010/main" w="9525">
+                <a:solidFill>
+                  <a:schemeClr val="tx1"/>
+                </a:solidFill>
+                <a:miter lim="800000"/>
+                <a:headEnd/>
+                <a:tailEnd/>
+              </a14:hiddenLine>
+            </a:ext>
+            <a:ext uri="{AF507438-7753-43E0-B8FC-AC1667EBCBE1}">
+              <a14:hiddenEffects xmlns:a14="http://schemas.microsoft.com/office/drawing/2010/main">
+                <a:effectLst>
+                  <a:outerShdw dist="35921" dir="2700000" algn="ctr" rotWithShape="0">
+                    <a:schemeClr val="bg2"/>
+                  </a:outerShdw>
+                </a:effectLst>
+              </a14:hiddenEffects>
+            </a:ext>
+          </a:extLst>
+        </p:spPr>
+      </p:pic>
+      <p:pic>
+        <p:nvPicPr>
+          <p:cNvPr id="3076" name="Picture 4"/>
+          <p:cNvPicPr>
+            <a:picLocks noChangeAspect="1" noChangeArrowheads="1"/>
+          </p:cNvPicPr>
+          <p:nvPr/>
+        </p:nvPicPr>
+        <p:blipFill>
+          <a:blip r:embed="rId3" cstate="print">
+            <a:extLst>
+              <a:ext uri="{28A0092B-C50C-407E-A947-70E740481C1C}">
+                <a14:useLocalDpi xmlns:a14="http://schemas.microsoft.com/office/drawing/2010/main" val="0"/>
+              </a:ext>
+            </a:extLst>
+          </a:blip>
+          <a:srcRect/>
+          <a:stretch>
+            <a:fillRect/>
+          </a:stretch>
+        </p:blipFill>
+        <p:spPr bwMode="auto">
+          <a:xfrm>
+            <a:off x="3501008" y="1445063"/>
+            <a:ext cx="3097496" cy="1736365"/>
+          </a:xfrm>
+          <a:prstGeom prst="rect">
+            <a:avLst/>
+          </a:prstGeom>
+          <a:noFill/>
+          <a:ln>
+            <a:noFill/>
+          </a:ln>
+          <a:effectLst/>
+          <a:extLst>
+            <a:ext uri="{909E8E84-426E-40DD-AFC4-6F175D3DCCD1}">
+              <a14:hiddenFill xmlns:a14="http://schemas.microsoft.com/office/drawing/2010/main">
+                <a:solidFill>
+                  <a:schemeClr val="accent1"/>
+                </a:solidFill>
+              </a14:hiddenFill>
+            </a:ext>
+            <a:ext uri="{91240B29-F687-4F45-9708-019B960494DF}">
+              <a14:hiddenLine xmlns:a14="http://schemas.microsoft.com/office/drawing/2010/main" w="9525">
+                <a:solidFill>
+                  <a:schemeClr val="tx1"/>
+                </a:solidFill>
+                <a:miter lim="800000"/>
+                <a:headEnd/>
+                <a:tailEnd/>
+              </a14:hiddenLine>
+            </a:ext>
+            <a:ext uri="{AF507438-7753-43E0-B8FC-AC1667EBCBE1}">
+              <a14:hiddenEffects xmlns:a14="http://schemas.microsoft.com/office/drawing/2010/main">
+                <a:effectLst>
+                  <a:outerShdw dist="35921" dir="2700000" algn="ctr" rotWithShape="0">
+                    <a:schemeClr val="bg2"/>
+                  </a:outerShdw>
+                </a:effectLst>
+              </a14:hiddenEffects>
+            </a:ext>
+          </a:extLst>
+        </p:spPr>
+      </p:pic>
+      <p:pic>
+        <p:nvPicPr>
+          <p:cNvPr id="3077" name="Picture 5"/>
+          <p:cNvPicPr>
+            <a:picLocks noChangeAspect="1" noChangeArrowheads="1"/>
+          </p:cNvPicPr>
+          <p:nvPr/>
+        </p:nvPicPr>
+        <p:blipFill>
+          <a:blip r:embed="rId4" cstate="print">
+            <a:extLst>
+              <a:ext uri="{28A0092B-C50C-407E-A947-70E740481C1C}">
+                <a14:useLocalDpi xmlns:a14="http://schemas.microsoft.com/office/drawing/2010/main" val="0"/>
+              </a:ext>
+            </a:extLst>
+          </a:blip>
+          <a:srcRect/>
+          <a:stretch>
+            <a:fillRect/>
+          </a:stretch>
+        </p:blipFill>
+        <p:spPr bwMode="auto">
+          <a:xfrm>
+            <a:off x="343055" y="3297841"/>
+            <a:ext cx="3088300" cy="1738205"/>
+          </a:xfrm>
+          <a:prstGeom prst="rect">
+            <a:avLst/>
+          </a:prstGeom>
+          <a:noFill/>
+          <a:ln>
+            <a:noFill/>
+          </a:ln>
+          <a:effectLst/>
+          <a:extLst>
+            <a:ext uri="{909E8E84-426E-40DD-AFC4-6F175D3DCCD1}">
+              <a14:hiddenFill xmlns:a14="http://schemas.microsoft.com/office/drawing/2010/main">
+                <a:solidFill>
+                  <a:schemeClr val="accent1"/>
+                </a:solidFill>
+              </a14:hiddenFill>
+            </a:ext>
+            <a:ext uri="{91240B29-F687-4F45-9708-019B960494DF}">
+              <a14:hiddenLine xmlns:a14="http://schemas.microsoft.com/office/drawing/2010/main" w="9525">
+                <a:solidFill>
+                  <a:schemeClr val="tx1"/>
+                </a:solidFill>
+                <a:miter lim="800000"/>
+                <a:headEnd/>
+                <a:tailEnd/>
+              </a14:hiddenLine>
+            </a:ext>
+            <a:ext uri="{AF507438-7753-43E0-B8FC-AC1667EBCBE1}">
+              <a14:hiddenEffects xmlns:a14="http://schemas.microsoft.com/office/drawing/2010/main">
+                <a:effectLst>
+                  <a:outerShdw dist="35921" dir="2700000" algn="ctr" rotWithShape="0">
+                    <a:schemeClr val="bg2"/>
+                  </a:outerShdw>
+                </a:effectLst>
+              </a14:hiddenEffects>
+            </a:ext>
+          </a:extLst>
+        </p:spPr>
+      </p:pic>
+      <p:pic>
+        <p:nvPicPr>
+          <p:cNvPr id="3078" name="Picture 6"/>
+          <p:cNvPicPr>
+            <a:picLocks noChangeAspect="1" noChangeArrowheads="1"/>
+          </p:cNvPicPr>
+          <p:nvPr/>
+        </p:nvPicPr>
+        <p:blipFill>
+          <a:blip r:embed="rId5" cstate="print">
+            <a:extLst>
+              <a:ext uri="{28A0092B-C50C-407E-A947-70E740481C1C}">
+                <a14:useLocalDpi xmlns:a14="http://schemas.microsoft.com/office/drawing/2010/main" val="0"/>
+              </a:ext>
+            </a:extLst>
+          </a:blip>
+          <a:srcRect/>
+          <a:stretch>
+            <a:fillRect/>
+          </a:stretch>
+        </p:blipFill>
+        <p:spPr bwMode="auto">
+          <a:xfrm>
+            <a:off x="3508365" y="3312558"/>
+            <a:ext cx="3090139" cy="1723488"/>
+          </a:xfrm>
+          <a:prstGeom prst="rect">
+            <a:avLst/>
+          </a:prstGeom>
+          <a:noFill/>
+          <a:ln>
+            <a:noFill/>
+          </a:ln>
+          <a:effectLst/>
+          <a:extLst>
+            <a:ext uri="{909E8E84-426E-40DD-AFC4-6F175D3DCCD1}">
+              <a14:hiddenFill xmlns:a14="http://schemas.microsoft.com/office/drawing/2010/main">
+                <a:solidFill>
+                  <a:schemeClr val="accent1"/>
+                </a:solidFill>
+              </a14:hiddenFill>
+            </a:ext>
+            <a:ext uri="{91240B29-F687-4F45-9708-019B960494DF}">
+              <a14:hiddenLine xmlns:a14="http://schemas.microsoft.com/office/drawing/2010/main" w="9525">
+                <a:solidFill>
+                  <a:schemeClr val="tx1"/>
+                </a:solidFill>
+                <a:miter lim="800000"/>
+                <a:headEnd/>
+                <a:tailEnd/>
+              </a14:hiddenLine>
+            </a:ext>
+            <a:ext uri="{AF507438-7753-43E0-B8FC-AC1667EBCBE1}">
+              <a14:hiddenEffects xmlns:a14="http://schemas.microsoft.com/office/drawing/2010/main">
+                <a:effectLst>
+                  <a:outerShdw dist="35921" dir="2700000" algn="ctr" rotWithShape="0">
+                    <a:schemeClr val="bg2"/>
+                  </a:outerShdw>
+                </a:effectLst>
+              </a14:hiddenEffects>
+            </a:ext>
+          </a:extLst>
+        </p:spPr>
+      </p:pic>
+      <p:pic>
+        <p:nvPicPr>
+          <p:cNvPr id="3079" name="Picture 7"/>
+          <p:cNvPicPr>
+            <a:picLocks noChangeAspect="1" noChangeArrowheads="1"/>
+          </p:cNvPicPr>
+          <p:nvPr/>
+        </p:nvPicPr>
+        <p:blipFill>
+          <a:blip r:embed="rId6" cstate="print">
+            <a:extLst>
+              <a:ext uri="{28A0092B-C50C-407E-A947-70E740481C1C}">
+                <a14:useLocalDpi xmlns:a14="http://schemas.microsoft.com/office/drawing/2010/main" val="0"/>
+              </a:ext>
+            </a:extLst>
+          </a:blip>
+          <a:srcRect/>
+          <a:stretch>
+            <a:fillRect/>
+          </a:stretch>
+        </p:blipFill>
+        <p:spPr bwMode="auto">
+          <a:xfrm>
+            <a:off x="328339" y="5098041"/>
+            <a:ext cx="3117731" cy="1727167"/>
+          </a:xfrm>
+          <a:prstGeom prst="rect">
+            <a:avLst/>
+          </a:prstGeom>
+          <a:noFill/>
+          <a:ln>
+            <a:noFill/>
+          </a:ln>
+          <a:effectLst/>
+          <a:extLst>
+            <a:ext uri="{909E8E84-426E-40DD-AFC4-6F175D3DCCD1}">
+              <a14:hiddenFill xmlns:a14="http://schemas.microsoft.com/office/drawing/2010/main">
+                <a:solidFill>
+                  <a:schemeClr val="accent1"/>
+                </a:solidFill>
+              </a14:hiddenFill>
+            </a:ext>
+            <a:ext uri="{91240B29-F687-4F45-9708-019B960494DF}">
+              <a14:hiddenLine xmlns:a14="http://schemas.microsoft.com/office/drawing/2010/main" w="9525">
+                <a:solidFill>
+                  <a:schemeClr val="tx1"/>
+                </a:solidFill>
+                <a:miter lim="800000"/>
+                <a:headEnd/>
+                <a:tailEnd/>
+              </a14:hiddenLine>
+            </a:ext>
+            <a:ext uri="{AF507438-7753-43E0-B8FC-AC1667EBCBE1}">
+              <a14:hiddenEffects xmlns:a14="http://schemas.microsoft.com/office/drawing/2010/main">
+                <a:effectLst>
+                  <a:outerShdw dist="35921" dir="2700000" algn="ctr" rotWithShape="0">
+                    <a:schemeClr val="bg2"/>
+                  </a:outerShdw>
+                </a:effectLst>
+              </a14:hiddenEffects>
+            </a:ext>
+          </a:extLst>
+        </p:spPr>
+      </p:pic>
+      <p:pic>
+        <p:nvPicPr>
+          <p:cNvPr id="3080" name="Picture 8"/>
+          <p:cNvPicPr>
+            <a:picLocks noChangeAspect="1" noChangeArrowheads="1"/>
+          </p:cNvPicPr>
+          <p:nvPr/>
+        </p:nvPicPr>
+        <p:blipFill>
+          <a:blip r:embed="rId7" cstate="print">
+            <a:extLst>
+              <a:ext uri="{28A0092B-C50C-407E-A947-70E740481C1C}">
+                <a14:useLocalDpi xmlns:a14="http://schemas.microsoft.com/office/drawing/2010/main" val="0"/>
+              </a:ext>
+            </a:extLst>
+          </a:blip>
+          <a:srcRect/>
+          <a:stretch>
+            <a:fillRect/>
+          </a:stretch>
+        </p:blipFill>
+        <p:spPr bwMode="auto">
+          <a:xfrm>
+            <a:off x="3509284" y="5099880"/>
+            <a:ext cx="3080943" cy="1725328"/>
+          </a:xfrm>
+          <a:prstGeom prst="rect">
+            <a:avLst/>
+          </a:prstGeom>
+          <a:noFill/>
+          <a:ln>
+            <a:noFill/>
+          </a:ln>
+          <a:effectLst/>
+          <a:extLst>
+            <a:ext uri="{909E8E84-426E-40DD-AFC4-6F175D3DCCD1}">
+              <a14:hiddenFill xmlns:a14="http://schemas.microsoft.com/office/drawing/2010/main">
+                <a:solidFill>
+                  <a:schemeClr val="accent1"/>
+                </a:solidFill>
+              </a14:hiddenFill>
+            </a:ext>
+            <a:ext uri="{91240B29-F687-4F45-9708-019B960494DF}">
+              <a14:hiddenLine xmlns:a14="http://schemas.microsoft.com/office/drawing/2010/main" w="9525">
+                <a:solidFill>
+                  <a:schemeClr val="tx1"/>
+                </a:solidFill>
+                <a:miter lim="800000"/>
+                <a:headEnd/>
+                <a:tailEnd/>
+              </a14:hiddenLine>
+            </a:ext>
+            <a:ext uri="{AF507438-7753-43E0-B8FC-AC1667EBCBE1}">
+              <a14:hiddenEffects xmlns:a14="http://schemas.microsoft.com/office/drawing/2010/main">
+                <a:effectLst>
+                  <a:outerShdw dist="35921" dir="2700000" algn="ctr" rotWithShape="0">
+                    <a:schemeClr val="bg2"/>
+                  </a:outerShdw>
+                </a:effectLst>
+              </a14:hiddenEffects>
+            </a:ext>
+          </a:extLst>
+        </p:spPr>
+      </p:pic>
+    </p:spTree>
+    <p:extLst>
+      <p:ext uri="{BB962C8B-B14F-4D97-AF65-F5344CB8AC3E}">
+        <p14:creationId xmlns:p14="http://schemas.microsoft.com/office/powerpoint/2010/main" val="3614032077"/>
+      </p:ext>
+    </p:extLst>
+  </p:cSld>
+  <p:clrMapOvr>
+    <a:masterClrMapping/>
+  </p:clrMapOvr>
+  <p:timing>
+    <p:tnLst>
+      <p:par>
+        <p:cTn id="1" dur="indefinite" restart="never" nodeType="tmRoot"/>
+      </p:par>
+    </p:tnLst>
+  </p:timing>
 </p:sld>
 </file>
 
@@ -6027,41 +7902,137 @@
           <a:chExt cx="0" cy="0"/>
         </a:xfrm>
       </p:grpSpPr>
+      <p:sp>
+        <p:nvSpPr>
+          <p:cNvPr id="5" name="TextBox 4"/>
+          <p:cNvSpPr txBox="1"/>
+          <p:nvPr/>
+        </p:nvSpPr>
+        <p:spPr>
+          <a:xfrm>
+            <a:off x="116632" y="128464"/>
+            <a:ext cx="6264696" cy="369332"/>
+          </a:xfrm>
+          <a:prstGeom prst="rect">
+            <a:avLst/>
+          </a:prstGeom>
+          <a:noFill/>
+        </p:spPr>
+        <p:txBody>
+          <a:bodyPr wrap="square" rtlCol="0">
+            <a:spAutoFit/>
+          </a:bodyPr>
+          <a:lstStyle/>
+          <a:p>
+            <a:r>
+              <a:rPr lang="ko-KR" altLang="en-US" dirty="0" smtClean="0"/>
+              <a:t>개발 구상도 </a:t>
+            </a:r>
+            <a:r>
+              <a:rPr lang="en-US" altLang="ko-KR" sz="1200" dirty="0" smtClean="0"/>
+              <a:t>(</a:t>
+            </a:r>
+            <a:r>
+              <a:rPr lang="ko-KR" altLang="en-US" sz="1200" dirty="0" err="1" smtClean="0"/>
+              <a:t>안드로이드</a:t>
+            </a:r>
+            <a:r>
+              <a:rPr lang="ko-KR" altLang="en-US" sz="1200" dirty="0" smtClean="0"/>
+              <a:t> </a:t>
+            </a:r>
+            <a:r>
+              <a:rPr lang="en-US" altLang="ko-KR" sz="1200" dirty="0" smtClean="0"/>
+              <a:t>v 1.0.0)</a:t>
+            </a:r>
+            <a:endParaRPr lang="ko-KR" altLang="en-US" sz="1200" dirty="0"/>
+          </a:p>
+        </p:txBody>
+      </p:sp>
+      <p:sp>
+        <p:nvSpPr>
+          <p:cNvPr id="6" name="AutoShape 2" descr="firebase에 대한 이미지 검색결과"/>
+          <p:cNvSpPr>
+            <a:spLocks noChangeAspect="1" noChangeArrowheads="1"/>
+          </p:cNvSpPr>
+          <p:nvPr/>
+        </p:nvSpPr>
+        <p:spPr bwMode="auto">
+          <a:xfrm>
+            <a:off x="168275" y="-144463"/>
+            <a:ext cx="304800" cy="304801"/>
+          </a:xfrm>
+          <a:prstGeom prst="rect">
+            <a:avLst/>
+          </a:prstGeom>
+          <a:noFill/>
+          <a:extLst>
+            <a:ext uri="{909E8E84-426E-40DD-AFC4-6F175D3DCCD1}">
+              <a14:hiddenFill xmlns:a14="http://schemas.microsoft.com/office/drawing/2010/main">
+                <a:solidFill>
+                  <a:srgbClr val="FFFFFF"/>
+                </a:solidFill>
+              </a14:hiddenFill>
+            </a:ext>
+          </a:extLst>
+        </p:spPr>
+        <p:txBody>
+          <a:bodyPr vert="horz" wrap="square" lIns="91440" tIns="45720" rIns="91440" bIns="45720" numCol="1" anchor="t" anchorCtr="0" compatLnSpc="1">
+            <a:prstTxWarp prst="textNoShape">
+              <a:avLst/>
+            </a:prstTxWarp>
+          </a:bodyPr>
+          <a:lstStyle/>
+          <a:p>
+            <a:endParaRPr lang="ko-KR" altLang="en-US"/>
+          </a:p>
+        </p:txBody>
+      </p:sp>
       <p:pic>
         <p:nvPicPr>
-          <p:cNvPr id="2" name="그림 1"/>
+          <p:cNvPr id="2052" name="Picture 4" descr="firebase에 대한 이미지 검색결과"/>
           <p:cNvPicPr>
-            <a:picLocks noChangeAspect="1"/>
+            <a:picLocks noChangeAspect="1" noChangeArrowheads="1"/>
           </p:cNvPicPr>
           <p:nvPr/>
         </p:nvPicPr>
         <p:blipFill>
-          <a:blip r:embed="rId2" cstate="print">
+          <a:blip r:embed="rId2">
             <a:extLst>
               <a:ext uri="{28A0092B-C50C-407E-A947-70E740481C1C}">
                 <a14:useLocalDpi xmlns:a14="http://schemas.microsoft.com/office/drawing/2010/main" val="0"/>
               </a:ext>
             </a:extLst>
           </a:blip>
+          <a:srcRect/>
           <a:stretch>
             <a:fillRect/>
           </a:stretch>
         </p:blipFill>
-        <p:spPr>
+        <p:spPr bwMode="auto">
           <a:xfrm>
-            <a:off x="137712" y="0"/>
-            <a:ext cx="2097486" cy="3728864"/>
+            <a:off x="2564904" y="1280592"/>
+            <a:ext cx="1611852" cy="1430600"/>
           </a:xfrm>
           <a:prstGeom prst="rect">
             <a:avLst/>
           </a:prstGeom>
+          <a:noFill/>
+          <a:extLst>
+            <a:ext uri="{909E8E84-426E-40DD-AFC4-6F175D3DCCD1}">
+              <a14:hiddenFill xmlns:a14="http://schemas.microsoft.com/office/drawing/2010/main">
+                <a:solidFill>
+                  <a:srgbClr val="FFFFFF"/>
+                </a:solidFill>
+              </a14:hiddenFill>
+            </a:ext>
+          </a:extLst>
         </p:spPr>
       </p:pic>
       <p:pic>
         <p:nvPicPr>
-          <p:cNvPr id="3" name="그림 2"/>
+          <p:cNvPr id="2054" name="Picture 6" descr="안드로이드 스마트폰에 대한 이미지 검색결과"/>
           <p:cNvPicPr>
-            <a:picLocks noChangeAspect="1"/>
+            <a:picLocks noChangeAspect="1" noChangeArrowheads="1"/>
           </p:cNvPicPr>
           <p:nvPr/>
         </p:nvPicPr>
@@ -6073,20 +8044,1240 @@
               </a:ext>
             </a:extLst>
           </a:blip>
+          <a:srcRect/>
           <a:stretch>
             <a:fillRect/>
           </a:stretch>
         </p:blipFill>
-        <p:spPr>
+        <p:spPr bwMode="auto">
           <a:xfrm>
-            <a:off x="2267618" y="0"/>
-            <a:ext cx="2097486" cy="3728864"/>
+            <a:off x="393493" y="1085015"/>
+            <a:ext cx="1163299" cy="1842470"/>
           </a:xfrm>
           <a:prstGeom prst="rect">
             <a:avLst/>
           </a:prstGeom>
+          <a:noFill/>
+          <a:extLst>
+            <a:ext uri="{909E8E84-426E-40DD-AFC4-6F175D3DCCD1}">
+              <a14:hiddenFill xmlns:a14="http://schemas.microsoft.com/office/drawing/2010/main">
+                <a:solidFill>
+                  <a:srgbClr val="FFFFFF"/>
+                </a:solidFill>
+              </a14:hiddenFill>
+            </a:ext>
+          </a:extLst>
         </p:spPr>
       </p:pic>
+      <p:sp>
+        <p:nvSpPr>
+          <p:cNvPr id="7" name="AutoShape 8" descr="모니터에 대한 이미지 검색결과"/>
+          <p:cNvSpPr>
+            <a:spLocks noChangeAspect="1" noChangeArrowheads="1"/>
+          </p:cNvSpPr>
+          <p:nvPr/>
+        </p:nvSpPr>
+        <p:spPr bwMode="auto">
+          <a:xfrm>
+            <a:off x="320675" y="7937"/>
+            <a:ext cx="304800" cy="304801"/>
+          </a:xfrm>
+          <a:prstGeom prst="rect">
+            <a:avLst/>
+          </a:prstGeom>
+          <a:noFill/>
+          <a:extLst>
+            <a:ext uri="{909E8E84-426E-40DD-AFC4-6F175D3DCCD1}">
+              <a14:hiddenFill xmlns:a14="http://schemas.microsoft.com/office/drawing/2010/main">
+                <a:solidFill>
+                  <a:srgbClr val="FFFFFF"/>
+                </a:solidFill>
+              </a14:hiddenFill>
+            </a:ext>
+          </a:extLst>
+        </p:spPr>
+        <p:txBody>
+          <a:bodyPr vert="horz" wrap="square" lIns="91440" tIns="45720" rIns="91440" bIns="45720" numCol="1" anchor="t" anchorCtr="0" compatLnSpc="1">
+            <a:prstTxWarp prst="textNoShape">
+              <a:avLst/>
+            </a:prstTxWarp>
+          </a:bodyPr>
+          <a:lstStyle/>
+          <a:p>
+            <a:endParaRPr lang="ko-KR" altLang="en-US"/>
+          </a:p>
+        </p:txBody>
+      </p:sp>
+      <p:pic>
+        <p:nvPicPr>
+          <p:cNvPr id="2057" name="Picture 9"/>
+          <p:cNvPicPr>
+            <a:picLocks noChangeAspect="1" noChangeArrowheads="1"/>
+          </p:cNvPicPr>
+          <p:nvPr/>
+        </p:nvPicPr>
+        <p:blipFill>
+          <a:blip r:embed="rId4" cstate="print">
+            <a:extLst>
+              <a:ext uri="{28A0092B-C50C-407E-A947-70E740481C1C}">
+                <a14:useLocalDpi xmlns:a14="http://schemas.microsoft.com/office/drawing/2010/main" val="0"/>
+              </a:ext>
+            </a:extLst>
+          </a:blip>
+          <a:srcRect/>
+          <a:stretch>
+            <a:fillRect/>
+          </a:stretch>
+        </p:blipFill>
+        <p:spPr bwMode="auto">
+          <a:xfrm>
+            <a:off x="5157192" y="1406385"/>
+            <a:ext cx="1616481" cy="1304807"/>
+          </a:xfrm>
+          <a:prstGeom prst="rect">
+            <a:avLst/>
+          </a:prstGeom>
+          <a:noFill/>
+          <a:ln>
+            <a:noFill/>
+          </a:ln>
+          <a:effectLst/>
+          <a:extLst>
+            <a:ext uri="{909E8E84-426E-40DD-AFC4-6F175D3DCCD1}">
+              <a14:hiddenFill xmlns:a14="http://schemas.microsoft.com/office/drawing/2010/main">
+                <a:solidFill>
+                  <a:schemeClr val="accent1"/>
+                </a:solidFill>
+              </a14:hiddenFill>
+            </a:ext>
+            <a:ext uri="{91240B29-F687-4F45-9708-019B960494DF}">
+              <a14:hiddenLine xmlns:a14="http://schemas.microsoft.com/office/drawing/2010/main" w="9525">
+                <a:solidFill>
+                  <a:schemeClr val="tx1"/>
+                </a:solidFill>
+                <a:miter lim="800000"/>
+                <a:headEnd/>
+                <a:tailEnd/>
+              </a14:hiddenLine>
+            </a:ext>
+            <a:ext uri="{AF507438-7753-43E0-B8FC-AC1667EBCBE1}">
+              <a14:hiddenEffects xmlns:a14="http://schemas.microsoft.com/office/drawing/2010/main">
+                <a:effectLst>
+                  <a:outerShdw dist="35921" dir="2700000" algn="ctr" rotWithShape="0">
+                    <a:schemeClr val="bg2"/>
+                  </a:outerShdw>
+                </a:effectLst>
+              </a14:hiddenEffects>
+            </a:ext>
+          </a:extLst>
+        </p:spPr>
+      </p:pic>
+      <p:cxnSp>
+        <p:nvCxnSpPr>
+          <p:cNvPr id="9" name="직선 화살표 연결선 8"/>
+          <p:cNvCxnSpPr/>
+          <p:nvPr/>
+        </p:nvCxnSpPr>
+        <p:spPr>
+          <a:xfrm>
+            <a:off x="1772816" y="2006250"/>
+            <a:ext cx="720080" cy="0"/>
+          </a:xfrm>
+          <a:prstGeom prst="straightConnector1">
+            <a:avLst/>
+          </a:prstGeom>
+          <a:ln w="28575">
+            <a:solidFill>
+              <a:srgbClr val="FF0000"/>
+            </a:solidFill>
+            <a:headEnd type="arrow"/>
+            <a:tailEnd type="arrow"/>
+          </a:ln>
+        </p:spPr>
+        <p:style>
+          <a:lnRef idx="1">
+            <a:schemeClr val="accent1"/>
+          </a:lnRef>
+          <a:fillRef idx="0">
+            <a:schemeClr val="accent1"/>
+          </a:fillRef>
+          <a:effectRef idx="0">
+            <a:schemeClr val="accent1"/>
+          </a:effectRef>
+          <a:fontRef idx="minor">
+            <a:schemeClr val="tx1"/>
+          </a:fontRef>
+        </p:style>
+      </p:cxnSp>
+      <p:cxnSp>
+        <p:nvCxnSpPr>
+          <p:cNvPr id="16" name="직선 화살표 연결선 15"/>
+          <p:cNvCxnSpPr/>
+          <p:nvPr/>
+        </p:nvCxnSpPr>
+        <p:spPr>
+          <a:xfrm>
+            <a:off x="4248764" y="2058788"/>
+            <a:ext cx="720080" cy="0"/>
+          </a:xfrm>
+          <a:prstGeom prst="straightConnector1">
+            <a:avLst/>
+          </a:prstGeom>
+          <a:ln w="28575">
+            <a:solidFill>
+              <a:srgbClr val="FF0000"/>
+            </a:solidFill>
+            <a:headEnd type="arrow"/>
+            <a:tailEnd type="arrow"/>
+          </a:ln>
+        </p:spPr>
+        <p:style>
+          <a:lnRef idx="1">
+            <a:schemeClr val="accent1"/>
+          </a:lnRef>
+          <a:fillRef idx="0">
+            <a:schemeClr val="accent1"/>
+          </a:fillRef>
+          <a:effectRef idx="0">
+            <a:schemeClr val="accent1"/>
+          </a:effectRef>
+          <a:fontRef idx="minor">
+            <a:schemeClr val="tx1"/>
+          </a:fontRef>
+        </p:style>
+      </p:cxnSp>
+      <p:sp>
+        <p:nvSpPr>
+          <p:cNvPr id="12" name="TextBox 11"/>
+          <p:cNvSpPr txBox="1"/>
+          <p:nvPr/>
+        </p:nvSpPr>
+        <p:spPr>
+          <a:xfrm>
+            <a:off x="1988840" y="1568624"/>
+            <a:ext cx="336952" cy="369332"/>
+          </a:xfrm>
+          <a:prstGeom prst="rect">
+            <a:avLst/>
+          </a:prstGeom>
+          <a:noFill/>
+        </p:spPr>
+        <p:txBody>
+          <a:bodyPr wrap="none" rtlCol="0">
+            <a:spAutoFit/>
+          </a:bodyPr>
+          <a:lstStyle/>
+          <a:p>
+            <a:r>
+              <a:rPr lang="en-US" altLang="ko-KR" dirty="0">
+                <a:solidFill>
+                  <a:srgbClr val="FF0000"/>
+                </a:solidFill>
+              </a:rPr>
+              <a:t>A</a:t>
+            </a:r>
+            <a:endParaRPr lang="ko-KR" altLang="en-US" dirty="0">
+              <a:solidFill>
+                <a:srgbClr val="FF0000"/>
+              </a:solidFill>
+            </a:endParaRPr>
+          </a:p>
+        </p:txBody>
+      </p:sp>
+      <p:sp>
+        <p:nvSpPr>
+          <p:cNvPr id="18" name="TextBox 17"/>
+          <p:cNvSpPr txBox="1"/>
+          <p:nvPr/>
+        </p:nvSpPr>
+        <p:spPr>
+          <a:xfrm>
+            <a:off x="4437112" y="1568624"/>
+            <a:ext cx="319318" cy="369332"/>
+          </a:xfrm>
+          <a:prstGeom prst="rect">
+            <a:avLst/>
+          </a:prstGeom>
+          <a:noFill/>
+        </p:spPr>
+        <p:txBody>
+          <a:bodyPr wrap="none" rtlCol="0">
+            <a:spAutoFit/>
+          </a:bodyPr>
+          <a:lstStyle/>
+          <a:p>
+            <a:r>
+              <a:rPr lang="en-US" altLang="ko-KR" dirty="0" smtClean="0">
+                <a:solidFill>
+                  <a:srgbClr val="FF0000"/>
+                </a:solidFill>
+              </a:rPr>
+              <a:t>B</a:t>
+            </a:r>
+            <a:endParaRPr lang="ko-KR" altLang="en-US" dirty="0">
+              <a:solidFill>
+                <a:srgbClr val="FF0000"/>
+              </a:solidFill>
+            </a:endParaRPr>
+          </a:p>
+        </p:txBody>
+      </p:sp>
+      <p:sp>
+        <p:nvSpPr>
+          <p:cNvPr id="14" name="TextBox 13"/>
+          <p:cNvSpPr txBox="1"/>
+          <p:nvPr/>
+        </p:nvSpPr>
+        <p:spPr>
+          <a:xfrm>
+            <a:off x="320675" y="3296816"/>
+            <a:ext cx="1930337" cy="276999"/>
+          </a:xfrm>
+          <a:prstGeom prst="rect">
+            <a:avLst/>
+          </a:prstGeom>
+          <a:noFill/>
+        </p:spPr>
+        <p:txBody>
+          <a:bodyPr wrap="none" rtlCol="0">
+            <a:spAutoFit/>
+          </a:bodyPr>
+          <a:lstStyle/>
+          <a:p>
+            <a:r>
+              <a:rPr lang="en-US" altLang="ko-KR" sz="1200" dirty="0" smtClean="0"/>
+              <a:t>A. </a:t>
+            </a:r>
+            <a:r>
+              <a:rPr lang="ko-KR" altLang="en-US" sz="1200" dirty="0" smtClean="0"/>
+              <a:t>사용자 </a:t>
+            </a:r>
+            <a:r>
+              <a:rPr lang="en-US" altLang="ko-KR" sz="1200" dirty="0" smtClean="0"/>
+              <a:t>- </a:t>
+            </a:r>
+            <a:r>
+              <a:rPr lang="ko-KR" altLang="en-US" sz="1200" dirty="0" err="1" smtClean="0"/>
+              <a:t>파이어베이스</a:t>
+            </a:r>
+            <a:endParaRPr lang="ko-KR" altLang="en-US" sz="1200" dirty="0"/>
+          </a:p>
+        </p:txBody>
+      </p:sp>
+      <p:sp>
+        <p:nvSpPr>
+          <p:cNvPr id="15" name="TextBox 14"/>
+          <p:cNvSpPr txBox="1"/>
+          <p:nvPr/>
+        </p:nvSpPr>
+        <p:spPr>
+          <a:xfrm>
+            <a:off x="625475" y="3573815"/>
+            <a:ext cx="5755853" cy="4778231"/>
+          </a:xfrm>
+          <a:prstGeom prst="rect">
+            <a:avLst/>
+          </a:prstGeom>
+          <a:noFill/>
+        </p:spPr>
+        <p:txBody>
+          <a:bodyPr wrap="square" rtlCol="0">
+            <a:spAutoFit/>
+          </a:bodyPr>
+          <a:lstStyle/>
+          <a:p>
+            <a:pPr marL="228600" indent="-228600">
+              <a:buAutoNum type="arabicPeriod"/>
+            </a:pPr>
+            <a:r>
+              <a:rPr lang="ko-KR" altLang="en-US" sz="1050" dirty="0" smtClean="0"/>
+              <a:t>로그인</a:t>
+            </a:r>
+            <a:r>
+              <a:rPr lang="en-US" altLang="ko-KR" sz="1050" dirty="0" smtClean="0"/>
+              <a:t>&amp;</a:t>
+            </a:r>
+            <a:r>
+              <a:rPr lang="ko-KR" altLang="en-US" sz="1050" dirty="0" smtClean="0"/>
+              <a:t>로그아웃 </a:t>
+            </a:r>
+            <a:r>
+              <a:rPr lang="en-US" altLang="ko-KR" sz="1050" dirty="0" smtClean="0"/>
+              <a:t>: </a:t>
+            </a:r>
+            <a:r>
+              <a:rPr lang="ko-KR" altLang="en-US" sz="1050" dirty="0" smtClean="0"/>
+              <a:t>로그인 기능은 별도의 과정 없이 </a:t>
+            </a:r>
+            <a:r>
+              <a:rPr lang="en-US" altLang="ko-KR" sz="1050" dirty="0" smtClean="0"/>
+              <a:t>API</a:t>
+            </a:r>
+            <a:r>
+              <a:rPr lang="ko-KR" altLang="en-US" sz="1050" dirty="0" smtClean="0"/>
+              <a:t>를 이용한다</a:t>
+            </a:r>
+            <a:r>
+              <a:rPr lang="en-US" altLang="ko-KR" sz="1050" dirty="0" smtClean="0"/>
+              <a:t>. </a:t>
+            </a:r>
+            <a:r>
+              <a:rPr lang="ko-KR" altLang="en-US" sz="1050" dirty="0" smtClean="0"/>
+              <a:t>간편 회원가입 이외에 </a:t>
+            </a:r>
+            <a:r>
+              <a:rPr lang="ko-KR" altLang="en-US" sz="1050" dirty="0" err="1" smtClean="0"/>
+              <a:t>이메일</a:t>
+            </a:r>
+            <a:r>
+              <a:rPr lang="en-US" altLang="ko-KR" sz="1050" dirty="0" smtClean="0"/>
+              <a:t>, </a:t>
+            </a:r>
+            <a:r>
+              <a:rPr lang="ko-KR" altLang="en-US" sz="1050" dirty="0" smtClean="0"/>
+              <a:t>번호</a:t>
+            </a:r>
+            <a:r>
+              <a:rPr lang="en-US" altLang="ko-KR" sz="1050" dirty="0" smtClean="0"/>
+              <a:t>, </a:t>
+            </a:r>
+            <a:r>
+              <a:rPr lang="ko-KR" altLang="en-US" sz="1050" dirty="0" smtClean="0"/>
+              <a:t>성별</a:t>
+            </a:r>
+            <a:r>
+              <a:rPr lang="en-US" altLang="ko-KR" sz="1050" dirty="0" smtClean="0"/>
+              <a:t>, </a:t>
+            </a:r>
+            <a:r>
+              <a:rPr lang="ko-KR" altLang="en-US" sz="1050" dirty="0" smtClean="0"/>
+              <a:t>나이 정보를 얻는다</a:t>
+            </a:r>
+            <a:r>
+              <a:rPr lang="en-US" altLang="ko-KR" sz="1050" dirty="0" smtClean="0"/>
+              <a:t>.(</a:t>
+            </a:r>
+            <a:r>
+              <a:rPr lang="ko-KR" altLang="en-US" sz="1050" dirty="0" smtClean="0"/>
+              <a:t>이는 사용자의 동의를 구해야 하며</a:t>
+            </a:r>
+            <a:r>
+              <a:rPr lang="en-US" altLang="ko-KR" sz="1050" dirty="0" smtClean="0"/>
+              <a:t>, </a:t>
+            </a:r>
+            <a:r>
+              <a:rPr lang="ko-KR" altLang="en-US" sz="1050" dirty="0" smtClean="0"/>
+              <a:t>이에 대한 약관을 명시한다</a:t>
+            </a:r>
+            <a:r>
+              <a:rPr lang="en-US" altLang="ko-KR" sz="1050" dirty="0" smtClean="0"/>
+              <a:t>.)</a:t>
+            </a:r>
+            <a:br>
+              <a:rPr lang="en-US" altLang="ko-KR" sz="1050" dirty="0" smtClean="0"/>
+            </a:br>
+            <a:r>
+              <a:rPr lang="en-US" altLang="ko-KR" sz="1050" dirty="0" smtClean="0"/>
+              <a:t>- </a:t>
+            </a:r>
+            <a:r>
+              <a:rPr lang="ko-KR" altLang="en-US" sz="1050" dirty="0" err="1" smtClean="0"/>
+              <a:t>파이어베이스</a:t>
+            </a:r>
+            <a:r>
+              <a:rPr lang="ko-KR" altLang="en-US" sz="1050" dirty="0" smtClean="0"/>
+              <a:t> 인증 </a:t>
+            </a:r>
+            <a:r>
+              <a:rPr lang="en-US" altLang="ko-KR" sz="1050" dirty="0" smtClean="0"/>
+              <a:t>&amp; </a:t>
+            </a:r>
+            <a:r>
+              <a:rPr lang="ko-KR" altLang="en-US" sz="1050" dirty="0" smtClean="0"/>
+              <a:t>보안을 높이기 위해 </a:t>
+            </a:r>
+            <a:r>
+              <a:rPr lang="ko-KR" altLang="en-US" sz="1050" dirty="0" err="1" smtClean="0"/>
+              <a:t>구글</a:t>
+            </a:r>
+            <a:r>
+              <a:rPr lang="en-US" altLang="ko-KR" sz="1050" dirty="0" smtClean="0"/>
+              <a:t>(</a:t>
+            </a:r>
+            <a:r>
+              <a:rPr lang="ko-KR" altLang="en-US" sz="1050" dirty="0" err="1" smtClean="0"/>
+              <a:t>안드로이드</a:t>
+            </a:r>
+            <a:r>
+              <a:rPr lang="ko-KR" altLang="en-US" sz="1050" dirty="0" smtClean="0"/>
+              <a:t> 이용자</a:t>
+            </a:r>
+            <a:r>
+              <a:rPr lang="en-US" altLang="ko-KR" sz="1050" dirty="0" smtClean="0"/>
+              <a:t>), </a:t>
+            </a:r>
+            <a:r>
+              <a:rPr lang="ko-KR" altLang="en-US" sz="1050" dirty="0" err="1" smtClean="0"/>
+              <a:t>페이스북</a:t>
+            </a:r>
+            <a:r>
+              <a:rPr lang="en-US" altLang="ko-KR" sz="1050" dirty="0" smtClean="0"/>
+              <a:t>(</a:t>
+            </a:r>
+            <a:r>
+              <a:rPr lang="ko-KR" altLang="en-US" sz="1050" dirty="0" smtClean="0"/>
+              <a:t>제공</a:t>
+            </a:r>
+            <a:r>
+              <a:rPr lang="en-US" altLang="ko-KR" sz="1050" dirty="0" smtClean="0"/>
+              <a:t>), </a:t>
+            </a:r>
+            <a:r>
+              <a:rPr lang="ko-KR" altLang="en-US" sz="1050" dirty="0" err="1" smtClean="0"/>
+              <a:t>네이버</a:t>
+            </a:r>
+            <a:r>
+              <a:rPr lang="en-US" altLang="ko-KR" sz="1050" dirty="0" smtClean="0"/>
+              <a:t>(</a:t>
+            </a:r>
+            <a:r>
+              <a:rPr lang="ko-KR" altLang="en-US" sz="1050" dirty="0" err="1" smtClean="0"/>
+              <a:t>이메일</a:t>
+            </a:r>
+            <a:r>
+              <a:rPr lang="ko-KR" altLang="en-US" sz="1050" dirty="0" smtClean="0"/>
+              <a:t> 인증</a:t>
+            </a:r>
+            <a:r>
+              <a:rPr lang="en-US" altLang="ko-KR" sz="1050" dirty="0" smtClean="0"/>
+              <a:t>) </a:t>
+            </a:r>
+            <a:r>
+              <a:rPr lang="ko-KR" altLang="en-US" sz="1050" dirty="0" smtClean="0"/>
+              <a:t>총 </a:t>
+            </a:r>
+            <a:r>
+              <a:rPr lang="en-US" altLang="ko-KR" sz="1050" dirty="0" smtClean="0"/>
+              <a:t>3</a:t>
+            </a:r>
+            <a:r>
+              <a:rPr lang="ko-KR" altLang="en-US" sz="1050" dirty="0" smtClean="0"/>
+              <a:t>가지를 통하여 이루어진다</a:t>
+            </a:r>
+            <a:r>
+              <a:rPr lang="en-US" altLang="ko-KR" sz="1050" dirty="0" smtClean="0"/>
+              <a:t>.</a:t>
+            </a:r>
+          </a:p>
+          <a:p>
+            <a:pPr marL="228600" indent="-228600">
+              <a:buAutoNum type="arabicPeriod"/>
+            </a:pPr>
+            <a:r>
+              <a:rPr lang="ko-KR" altLang="en-US" sz="1050" dirty="0" smtClean="0"/>
+              <a:t>회원 정보 입력 </a:t>
+            </a:r>
+            <a:r>
+              <a:rPr lang="en-US" altLang="ko-KR" sz="1050" dirty="0" smtClean="0"/>
+              <a:t>: </a:t>
+            </a:r>
+            <a:r>
+              <a:rPr lang="ko-KR" altLang="en-US" sz="1050" dirty="0" smtClean="0"/>
+              <a:t>최초 로그인 시 사용자에게 </a:t>
+            </a:r>
+            <a:r>
+              <a:rPr lang="ko-KR" altLang="en-US" sz="1050" dirty="0" err="1" smtClean="0"/>
+              <a:t>이메일</a:t>
+            </a:r>
+            <a:r>
+              <a:rPr lang="en-US" altLang="ko-KR" sz="1050" dirty="0" smtClean="0"/>
+              <a:t>, </a:t>
+            </a:r>
+            <a:r>
+              <a:rPr lang="ko-KR" altLang="en-US" sz="1050" dirty="0" smtClean="0"/>
+              <a:t>번호</a:t>
+            </a:r>
+            <a:r>
+              <a:rPr lang="en-US" altLang="ko-KR" sz="1050" dirty="0" smtClean="0"/>
+              <a:t>, </a:t>
+            </a:r>
+            <a:r>
+              <a:rPr lang="ko-KR" altLang="en-US" sz="1050" dirty="0" smtClean="0"/>
+              <a:t>성별</a:t>
+            </a:r>
+            <a:r>
+              <a:rPr lang="en-US" altLang="ko-KR" sz="1050" dirty="0" smtClean="0"/>
+              <a:t>, </a:t>
+            </a:r>
+            <a:r>
+              <a:rPr lang="ko-KR" altLang="en-US" sz="1050" dirty="0" smtClean="0"/>
+              <a:t>나이 정보를 얻는다</a:t>
+            </a:r>
+            <a:r>
+              <a:rPr lang="en-US" altLang="ko-KR" sz="1050" dirty="0" smtClean="0"/>
+              <a:t>. </a:t>
+            </a:r>
+            <a:r>
+              <a:rPr lang="ko-KR" altLang="en-US" sz="1050" dirty="0" smtClean="0"/>
+              <a:t>성별</a:t>
+            </a:r>
+            <a:r>
+              <a:rPr lang="en-US" altLang="ko-KR" sz="1050" dirty="0" smtClean="0"/>
+              <a:t>, </a:t>
+            </a:r>
+            <a:r>
+              <a:rPr lang="ko-KR" altLang="en-US" sz="1050" dirty="0" smtClean="0"/>
+              <a:t>나이는 필수이며</a:t>
+            </a:r>
+            <a:r>
+              <a:rPr lang="en-US" altLang="ko-KR" sz="1050" dirty="0" smtClean="0"/>
+              <a:t>, </a:t>
+            </a:r>
+            <a:r>
+              <a:rPr lang="ko-KR" altLang="en-US" sz="1050" dirty="0" err="1" smtClean="0"/>
+              <a:t>이메일과</a:t>
+            </a:r>
+            <a:r>
+              <a:rPr lang="ko-KR" altLang="en-US" sz="1050" dirty="0" smtClean="0"/>
+              <a:t> 번호는 이벤트 혜택인 쿠폰 등을 받게 되는 매개체이다</a:t>
+            </a:r>
+            <a:r>
+              <a:rPr lang="en-US" altLang="ko-KR" sz="1050" dirty="0" smtClean="0"/>
+              <a:t>.</a:t>
+            </a:r>
+          </a:p>
+          <a:p>
+            <a:pPr marL="228600" indent="-228600">
+              <a:buAutoNum type="arabicPeriod"/>
+            </a:pPr>
+            <a:r>
+              <a:rPr lang="ko-KR" altLang="en-US" sz="1050" dirty="0" smtClean="0"/>
+              <a:t>추천 장소 검색 </a:t>
+            </a:r>
+            <a:r>
+              <a:rPr lang="en-US" altLang="ko-KR" sz="1050" dirty="0" smtClean="0"/>
+              <a:t>: </a:t>
+            </a:r>
+            <a:r>
+              <a:rPr lang="ko-KR" altLang="en-US" sz="1050" dirty="0" smtClean="0"/>
+              <a:t>무엇을 할 것인지</a:t>
+            </a:r>
+            <a:r>
+              <a:rPr lang="en-US" altLang="ko-KR" sz="1050" dirty="0" smtClean="0"/>
+              <a:t>,</a:t>
+            </a:r>
+            <a:r>
+              <a:rPr lang="ko-KR" altLang="en-US" sz="1050" dirty="0" smtClean="0"/>
+              <a:t> 먹을 것인지</a:t>
+            </a:r>
+            <a:r>
+              <a:rPr lang="en-US" altLang="ko-KR" sz="1050" dirty="0" smtClean="0"/>
+              <a:t>, </a:t>
+            </a:r>
+            <a:r>
+              <a:rPr lang="ko-KR" altLang="en-US" sz="1050" dirty="0" smtClean="0"/>
+              <a:t>볼 것인지 총 </a:t>
+            </a:r>
+            <a:r>
+              <a:rPr lang="en-US" altLang="ko-KR" sz="1050" dirty="0" smtClean="0"/>
+              <a:t>3</a:t>
+            </a:r>
+            <a:r>
+              <a:rPr lang="ko-KR" altLang="en-US" sz="1050" dirty="0" smtClean="0"/>
+              <a:t> 가지의 </a:t>
+            </a:r>
+            <a:r>
+              <a:rPr lang="ko-KR" altLang="en-US" sz="1050" dirty="0" err="1" smtClean="0"/>
+              <a:t>대카테고리를</a:t>
+            </a:r>
+            <a:r>
+              <a:rPr lang="ko-KR" altLang="en-US" sz="1050" dirty="0" smtClean="0"/>
+              <a:t> 선택하게 된다</a:t>
+            </a:r>
+            <a:r>
+              <a:rPr lang="en-US" altLang="ko-KR" sz="1050" dirty="0" smtClean="0"/>
+              <a:t>. </a:t>
+            </a:r>
+            <a:r>
+              <a:rPr lang="ko-KR" altLang="en-US" sz="1050" dirty="0" smtClean="0"/>
+              <a:t>세부 장소 및 세부 카테고리를 선택하여 추천 장소에 대한 정보를 얻을 수 있다</a:t>
+            </a:r>
+            <a:r>
+              <a:rPr lang="en-US" altLang="ko-KR" sz="1050" dirty="0" smtClean="0"/>
+              <a:t>.</a:t>
+            </a:r>
+            <a:br>
+              <a:rPr lang="en-US" altLang="ko-KR" sz="1050" dirty="0" smtClean="0"/>
+            </a:br>
+            <a:r>
+              <a:rPr lang="en-US" altLang="ko-KR" sz="1050" dirty="0" smtClean="0"/>
+              <a:t>- </a:t>
+            </a:r>
+            <a:r>
+              <a:rPr lang="ko-KR" altLang="en-US" sz="1050" dirty="0" smtClean="0"/>
+              <a:t>추천장소는 다음 추천장소 </a:t>
+            </a:r>
+            <a:r>
+              <a:rPr lang="en-US" altLang="ko-KR" sz="1050" dirty="0" smtClean="0"/>
+              <a:t>Top 5 </a:t>
+            </a:r>
+            <a:r>
+              <a:rPr lang="ko-KR" altLang="en-US" sz="1050" dirty="0" smtClean="0"/>
+              <a:t>리스트를 보여준다</a:t>
+            </a:r>
+            <a:r>
+              <a:rPr lang="en-US" altLang="ko-KR" sz="1050" dirty="0" smtClean="0"/>
+              <a:t>. (</a:t>
+            </a:r>
+            <a:r>
+              <a:rPr lang="ko-KR" altLang="en-US" sz="1050" dirty="0" smtClean="0">
+                <a:solidFill>
+                  <a:srgbClr val="FF0000"/>
+                </a:solidFill>
+              </a:rPr>
+              <a:t>핵심</a:t>
+            </a:r>
+            <a:r>
+              <a:rPr lang="en-US" altLang="ko-KR" sz="1050" dirty="0" smtClean="0"/>
+              <a:t>)</a:t>
+            </a:r>
+            <a:br>
+              <a:rPr lang="en-US" altLang="ko-KR" sz="1050" dirty="0" smtClean="0"/>
+            </a:br>
+            <a:r>
+              <a:rPr lang="en-US" altLang="ko-KR" sz="1050" dirty="0" smtClean="0"/>
+              <a:t>- </a:t>
+            </a:r>
+            <a:r>
+              <a:rPr lang="ko-KR" altLang="en-US" sz="1050" dirty="0" smtClean="0"/>
+              <a:t>추천장소에 대한 </a:t>
+            </a:r>
+            <a:r>
+              <a:rPr lang="ko-KR" altLang="en-US" sz="1050" dirty="0" err="1" smtClean="0"/>
+              <a:t>댓글은</a:t>
+            </a:r>
+            <a:r>
+              <a:rPr lang="ko-KR" altLang="en-US" sz="1050" dirty="0" smtClean="0"/>
+              <a:t> </a:t>
+            </a:r>
+            <a:r>
+              <a:rPr lang="en-US" altLang="ko-KR" sz="1050" dirty="0" smtClean="0"/>
+              <a:t>GPS </a:t>
+            </a:r>
+            <a:r>
+              <a:rPr lang="ko-KR" altLang="en-US" sz="1050" dirty="0" smtClean="0"/>
+              <a:t>인증을 통해 장소 인증된 이후만 작성할 수 있으며</a:t>
+            </a:r>
+            <a:r>
+              <a:rPr lang="en-US" altLang="ko-KR" sz="1050" dirty="0" smtClean="0"/>
+              <a:t>, </a:t>
+            </a:r>
+            <a:r>
+              <a:rPr lang="ko-KR" altLang="en-US" sz="1050" dirty="0" smtClean="0"/>
+              <a:t>추천 장소에 대한 </a:t>
+            </a:r>
+            <a:r>
+              <a:rPr lang="ko-KR" altLang="en-US" sz="1050" dirty="0" err="1" smtClean="0"/>
+              <a:t>댓글은</a:t>
+            </a:r>
+            <a:r>
+              <a:rPr lang="ko-KR" altLang="en-US" sz="1050" dirty="0" smtClean="0"/>
+              <a:t> 계정당 </a:t>
+            </a:r>
+            <a:r>
+              <a:rPr lang="en-US" altLang="ko-KR" sz="1050" dirty="0" smtClean="0"/>
+              <a:t>1</a:t>
+            </a:r>
+            <a:r>
+              <a:rPr lang="ko-KR" altLang="en-US" sz="1050" dirty="0" smtClean="0"/>
+              <a:t>회만 작성할 수 있다</a:t>
+            </a:r>
+            <a:r>
+              <a:rPr lang="en-US" altLang="ko-KR" sz="1050" dirty="0" smtClean="0"/>
+              <a:t>. </a:t>
+            </a:r>
+            <a:r>
+              <a:rPr lang="ko-KR" altLang="en-US" sz="1050" dirty="0" err="1" smtClean="0"/>
+              <a:t>댓글</a:t>
+            </a:r>
+            <a:r>
+              <a:rPr lang="ko-KR" altLang="en-US" sz="1050" dirty="0" smtClean="0"/>
+              <a:t> 수정</a:t>
+            </a:r>
+            <a:r>
+              <a:rPr lang="en-US" altLang="ko-KR" sz="1050" dirty="0" smtClean="0"/>
+              <a:t>/</a:t>
+            </a:r>
+            <a:r>
+              <a:rPr lang="ko-KR" altLang="en-US" sz="1050" dirty="0" smtClean="0"/>
+              <a:t>삭제 역시 </a:t>
+            </a:r>
+            <a:r>
+              <a:rPr lang="en-US" altLang="ko-KR" sz="1050" dirty="0" smtClean="0"/>
+              <a:t>GPS </a:t>
+            </a:r>
+            <a:r>
+              <a:rPr lang="ko-KR" altLang="en-US" sz="1050" dirty="0" smtClean="0"/>
+              <a:t>인증을 통해서만 가능하다</a:t>
+            </a:r>
+            <a:r>
+              <a:rPr lang="en-US" altLang="ko-KR" sz="1050" dirty="0" smtClean="0"/>
+              <a:t>.</a:t>
+            </a:r>
+            <a:r>
+              <a:rPr lang="en-US" altLang="ko-KR" sz="1050" dirty="0"/>
+              <a:t/>
+            </a:r>
+            <a:br>
+              <a:rPr lang="en-US" altLang="ko-KR" sz="1050" dirty="0"/>
+            </a:br>
+            <a:r>
+              <a:rPr lang="en-US" altLang="ko-KR" sz="1050" dirty="0" smtClean="0"/>
+              <a:t>- </a:t>
+            </a:r>
+            <a:r>
+              <a:rPr lang="ko-KR" altLang="en-US" sz="1050" dirty="0" smtClean="0"/>
+              <a:t>추천장소는 저장할 수 있다</a:t>
+            </a:r>
+            <a:r>
+              <a:rPr lang="en-US" altLang="ko-KR" sz="1050" dirty="0" smtClean="0"/>
+              <a:t>.</a:t>
+            </a:r>
+            <a:endParaRPr lang="en-US" altLang="ko-KR" sz="1050" dirty="0"/>
+          </a:p>
+          <a:p>
+            <a:pPr marL="228600" indent="-228600">
+              <a:buAutoNum type="arabicPeriod"/>
+            </a:pPr>
+            <a:r>
+              <a:rPr lang="ko-KR" altLang="en-US" sz="1050" dirty="0" smtClean="0"/>
+              <a:t>칼럼 </a:t>
+            </a:r>
+            <a:r>
+              <a:rPr lang="en-US" altLang="ko-KR" sz="1050" dirty="0" smtClean="0"/>
+              <a:t>: </a:t>
+            </a:r>
+            <a:r>
+              <a:rPr lang="ko-KR" altLang="en-US" sz="1050" dirty="0" smtClean="0"/>
+              <a:t>에디터들이 무엇을 할지</a:t>
+            </a:r>
+            <a:r>
+              <a:rPr lang="en-US" altLang="ko-KR" sz="1050" dirty="0" smtClean="0"/>
+              <a:t>, </a:t>
+            </a:r>
+            <a:r>
+              <a:rPr lang="ko-KR" altLang="en-US" sz="1050" dirty="0" smtClean="0"/>
+              <a:t>볼지</a:t>
+            </a:r>
+            <a:r>
+              <a:rPr lang="en-US" altLang="ko-KR" sz="1050" dirty="0" smtClean="0"/>
+              <a:t>, </a:t>
+            </a:r>
+            <a:r>
+              <a:rPr lang="ko-KR" altLang="en-US" sz="1050" dirty="0" smtClean="0"/>
+              <a:t>먹을지에 대한 </a:t>
+            </a:r>
+            <a:r>
+              <a:rPr lang="en-US" altLang="ko-KR" sz="1050" dirty="0" smtClean="0"/>
+              <a:t>3</a:t>
+            </a:r>
+            <a:r>
+              <a:rPr lang="ko-KR" altLang="en-US" sz="1050" dirty="0" smtClean="0"/>
+              <a:t>가지의 주제를 가지고 쓴 기사를 제공한다</a:t>
+            </a:r>
+            <a:r>
+              <a:rPr lang="en-US" altLang="ko-KR" sz="1050" dirty="0" smtClean="0"/>
+              <a:t>. (</a:t>
+            </a:r>
+            <a:r>
+              <a:rPr lang="ko-KR" altLang="en-US" sz="1050" dirty="0" smtClean="0"/>
+              <a:t>각 기사는 </a:t>
+            </a:r>
+            <a:r>
+              <a:rPr lang="ko-KR" altLang="en-US" sz="1050" dirty="0" err="1" smtClean="0"/>
+              <a:t>앱의</a:t>
+            </a:r>
+            <a:r>
+              <a:rPr lang="ko-KR" altLang="en-US" sz="1050" dirty="0" smtClean="0"/>
+              <a:t> 번역에 따라 텍스트가 번역되어 표시되어야 한다</a:t>
+            </a:r>
+            <a:r>
+              <a:rPr lang="en-US" altLang="ko-KR" sz="1050" dirty="0" smtClean="0"/>
+              <a:t>.)</a:t>
+            </a:r>
+            <a:br>
+              <a:rPr lang="en-US" altLang="ko-KR" sz="1050" dirty="0" smtClean="0"/>
+            </a:br>
+            <a:r>
+              <a:rPr lang="en-US" altLang="ko-KR" sz="1050" dirty="0" smtClean="0"/>
+              <a:t>- </a:t>
+            </a:r>
+            <a:r>
+              <a:rPr lang="ko-KR" altLang="en-US" sz="1050" dirty="0" smtClean="0"/>
+              <a:t>에디터의 정보를 표시한다</a:t>
+            </a:r>
+            <a:r>
+              <a:rPr lang="en-US" altLang="ko-KR" sz="1050" dirty="0" smtClean="0"/>
+              <a:t>.</a:t>
+            </a:r>
+            <a:br>
+              <a:rPr lang="en-US" altLang="ko-KR" sz="1050" dirty="0" smtClean="0"/>
+            </a:br>
+            <a:r>
+              <a:rPr lang="en-US" altLang="ko-KR" sz="1050" dirty="0" smtClean="0"/>
+              <a:t>- </a:t>
+            </a:r>
+            <a:r>
+              <a:rPr lang="ko-KR" altLang="en-US" sz="1050" dirty="0" smtClean="0"/>
+              <a:t>칼럼은 </a:t>
+            </a:r>
+            <a:r>
+              <a:rPr lang="ko-KR" altLang="en-US" sz="1050" dirty="0" err="1" smtClean="0"/>
+              <a:t>뷰</a:t>
+            </a:r>
+            <a:r>
+              <a:rPr lang="ko-KR" altLang="en-US" sz="1050" dirty="0" smtClean="0"/>
+              <a:t> 카운터 기능을 갖는다</a:t>
+            </a:r>
+            <a:r>
+              <a:rPr lang="en-US" altLang="ko-KR" sz="1050" dirty="0" smtClean="0"/>
+              <a:t>.</a:t>
+            </a:r>
+            <a:br>
+              <a:rPr lang="en-US" altLang="ko-KR" sz="1050" dirty="0" smtClean="0"/>
+            </a:br>
+            <a:r>
+              <a:rPr lang="en-US" altLang="ko-KR" sz="1050" dirty="0" smtClean="0"/>
+              <a:t>- </a:t>
+            </a:r>
+            <a:r>
+              <a:rPr lang="ko-KR" altLang="en-US" sz="1050" dirty="0" smtClean="0"/>
+              <a:t>칼럼은 사용자 저장 기능을 </a:t>
+            </a:r>
+            <a:r>
+              <a:rPr lang="ko-KR" altLang="en-US" sz="1050" dirty="0" err="1" smtClean="0"/>
+              <a:t>갖으며</a:t>
+            </a:r>
+            <a:r>
+              <a:rPr lang="en-US" altLang="ko-KR" sz="1050" dirty="0" smtClean="0"/>
+              <a:t>, </a:t>
+            </a:r>
+            <a:r>
+              <a:rPr lang="ko-KR" altLang="en-US" sz="1050" dirty="0" smtClean="0"/>
+              <a:t>카운터 기능을 갖는다</a:t>
+            </a:r>
+            <a:r>
+              <a:rPr lang="en-US" altLang="ko-KR" sz="1050" dirty="0" smtClean="0"/>
+              <a:t>.</a:t>
+            </a:r>
+            <a:br>
+              <a:rPr lang="en-US" altLang="ko-KR" sz="1050" dirty="0" smtClean="0"/>
+            </a:br>
+            <a:r>
+              <a:rPr lang="en-US" altLang="ko-KR" sz="1050" dirty="0" smtClean="0"/>
+              <a:t>- </a:t>
+            </a:r>
+            <a:r>
+              <a:rPr lang="ko-KR" altLang="en-US" sz="1050" dirty="0" smtClean="0"/>
+              <a:t>칼럼은 제목</a:t>
+            </a:r>
+            <a:r>
+              <a:rPr lang="en-US" altLang="ko-KR" sz="1050" dirty="0" smtClean="0"/>
+              <a:t>, </a:t>
+            </a:r>
+            <a:r>
+              <a:rPr lang="ko-KR" altLang="en-US" sz="1050" dirty="0" smtClean="0"/>
+              <a:t>작성날짜</a:t>
+            </a:r>
+            <a:r>
+              <a:rPr lang="en-US" altLang="ko-KR" sz="1050" dirty="0" smtClean="0"/>
+              <a:t>, </a:t>
+            </a:r>
+            <a:r>
+              <a:rPr lang="ko-KR" altLang="en-US" sz="1050" dirty="0" smtClean="0"/>
+              <a:t>내용</a:t>
+            </a:r>
+            <a:r>
+              <a:rPr lang="en-US" altLang="ko-KR" sz="1050" dirty="0" smtClean="0"/>
+              <a:t>, </a:t>
+            </a:r>
+            <a:r>
+              <a:rPr lang="ko-KR" altLang="en-US" sz="1050" dirty="0" err="1" smtClean="0"/>
+              <a:t>댓글</a:t>
+            </a:r>
+            <a:r>
+              <a:rPr lang="ko-KR" altLang="en-US" sz="1050" dirty="0" smtClean="0"/>
+              <a:t> 기능을 갖는다</a:t>
+            </a:r>
+            <a:r>
+              <a:rPr lang="en-US" altLang="ko-KR" sz="1050" dirty="0" smtClean="0"/>
+              <a:t>.(</a:t>
+            </a:r>
+            <a:r>
+              <a:rPr lang="ko-KR" altLang="en-US" sz="1050" dirty="0" err="1" smtClean="0"/>
+              <a:t>댓글의</a:t>
+            </a:r>
+            <a:r>
+              <a:rPr lang="ko-KR" altLang="en-US" sz="1050" dirty="0" smtClean="0"/>
+              <a:t> 제한은 없으며</a:t>
+            </a:r>
+            <a:r>
+              <a:rPr lang="en-US" altLang="ko-KR" sz="1050" dirty="0" smtClean="0"/>
+              <a:t>, </a:t>
+            </a:r>
+            <a:r>
+              <a:rPr lang="ko-KR" altLang="en-US" sz="1050" dirty="0" err="1" smtClean="0"/>
+              <a:t>대댓글의</a:t>
+            </a:r>
+            <a:r>
+              <a:rPr lang="ko-KR" altLang="en-US" sz="1050" dirty="0" smtClean="0"/>
+              <a:t> 기능은 없다</a:t>
+            </a:r>
+            <a:r>
+              <a:rPr lang="en-US" altLang="ko-KR" sz="1050" dirty="0" smtClean="0"/>
+              <a:t>. </a:t>
+            </a:r>
+            <a:r>
+              <a:rPr lang="ko-KR" altLang="en-US" sz="1050" dirty="0" err="1" smtClean="0"/>
+              <a:t>댓글에</a:t>
+            </a:r>
+            <a:r>
+              <a:rPr lang="ko-KR" altLang="en-US" sz="1050" dirty="0" smtClean="0"/>
+              <a:t> 대한 신고 기능을 갖는다</a:t>
+            </a:r>
+            <a:r>
+              <a:rPr lang="en-US" altLang="ko-KR" sz="1050" dirty="0" smtClean="0"/>
+              <a:t>.)</a:t>
+            </a:r>
+            <a:br>
+              <a:rPr lang="en-US" altLang="ko-KR" sz="1050" dirty="0" smtClean="0"/>
+            </a:br>
+            <a:r>
+              <a:rPr lang="en-US" altLang="ko-KR" sz="1050" dirty="0" smtClean="0"/>
+              <a:t>- </a:t>
+            </a:r>
+            <a:r>
+              <a:rPr lang="ko-KR" altLang="en-US" sz="1050" dirty="0" smtClean="0"/>
+              <a:t>칼럼은 </a:t>
+            </a:r>
+            <a:r>
+              <a:rPr lang="ko-KR" altLang="en-US" sz="1050" dirty="0" err="1" smtClean="0"/>
+              <a:t>이미지뷰</a:t>
+            </a:r>
+            <a:r>
+              <a:rPr lang="ko-KR" altLang="en-US" sz="1050" dirty="0" smtClean="0"/>
+              <a:t> 방식으로 보여지거나 </a:t>
+            </a:r>
+            <a:r>
+              <a:rPr lang="ko-KR" altLang="en-US" sz="1050" dirty="0" err="1" smtClean="0"/>
+              <a:t>웹뷰를</a:t>
+            </a:r>
+            <a:r>
+              <a:rPr lang="ko-KR" altLang="en-US" sz="1050" dirty="0" smtClean="0"/>
+              <a:t> 통해 보여진다</a:t>
+            </a:r>
+            <a:r>
+              <a:rPr lang="en-US" altLang="ko-KR" sz="1050" dirty="0" smtClean="0"/>
+              <a:t>.(</a:t>
+            </a:r>
+            <a:r>
+              <a:rPr lang="ko-KR" altLang="en-US" sz="1050" dirty="0" smtClean="0">
+                <a:solidFill>
+                  <a:srgbClr val="FF0000"/>
+                </a:solidFill>
+              </a:rPr>
+              <a:t>미정</a:t>
+            </a:r>
+            <a:r>
+              <a:rPr lang="en-US" altLang="ko-KR" sz="1050" dirty="0" smtClean="0"/>
+              <a:t>)</a:t>
+            </a:r>
+          </a:p>
+          <a:p>
+            <a:pPr marL="228600" indent="-228600">
+              <a:buAutoNum type="arabicPeriod"/>
+            </a:pPr>
+            <a:r>
+              <a:rPr lang="ko-KR" altLang="en-US" sz="1050" dirty="0" smtClean="0"/>
+              <a:t>계정</a:t>
+            </a:r>
+            <a:r>
+              <a:rPr lang="en-US" altLang="ko-KR" sz="1050" dirty="0"/>
+              <a:t> </a:t>
+            </a:r>
+            <a:r>
+              <a:rPr lang="en-US" altLang="ko-KR" sz="1050" dirty="0" smtClean="0"/>
+              <a:t>: </a:t>
+            </a:r>
+            <a:r>
+              <a:rPr lang="ko-KR" altLang="en-US" sz="1050" dirty="0" smtClean="0"/>
+              <a:t>사용자의 이름</a:t>
+            </a:r>
+            <a:r>
+              <a:rPr lang="en-US" altLang="ko-KR" sz="1050" dirty="0" smtClean="0"/>
+              <a:t>, </a:t>
+            </a:r>
+            <a:r>
+              <a:rPr lang="ko-KR" altLang="en-US" sz="1050" dirty="0" smtClean="0"/>
+              <a:t>포인트</a:t>
+            </a:r>
+            <a:r>
+              <a:rPr lang="en-US" altLang="ko-KR" sz="1050" dirty="0" smtClean="0"/>
+              <a:t>, </a:t>
+            </a:r>
+            <a:r>
+              <a:rPr lang="ko-KR" altLang="en-US" sz="1050" dirty="0" smtClean="0"/>
+              <a:t>프로필이미지를 보여진다</a:t>
+            </a:r>
+            <a:r>
+              <a:rPr lang="en-US" altLang="ko-KR" sz="1050" dirty="0" smtClean="0"/>
+              <a:t>. </a:t>
+            </a:r>
+            <a:r>
+              <a:rPr lang="ko-KR" altLang="en-US" sz="1050" dirty="0" smtClean="0"/>
+              <a:t>또한 추천장소 저장 리스트</a:t>
+            </a:r>
+            <a:r>
+              <a:rPr lang="en-US" altLang="ko-KR" sz="1050" dirty="0" smtClean="0"/>
+              <a:t>, </a:t>
+            </a:r>
+            <a:r>
+              <a:rPr lang="ko-KR" altLang="en-US" sz="1050" dirty="0" smtClean="0"/>
+              <a:t>칼럼 저장 리스트</a:t>
+            </a:r>
+            <a:r>
+              <a:rPr lang="en-US" altLang="ko-KR" sz="1050" dirty="0" smtClean="0"/>
+              <a:t>, </a:t>
+            </a:r>
+            <a:r>
+              <a:rPr lang="ko-KR" altLang="en-US" sz="1050" dirty="0" smtClean="0"/>
+              <a:t>포인트 획득</a:t>
+            </a:r>
+            <a:r>
+              <a:rPr lang="en-US" altLang="ko-KR" sz="1050" dirty="0" smtClean="0"/>
+              <a:t>/</a:t>
+            </a:r>
+            <a:r>
+              <a:rPr lang="ko-KR" altLang="en-US" sz="1050" dirty="0" smtClean="0"/>
+              <a:t>소모 내역 리스트를 볼 수 있다</a:t>
+            </a:r>
+            <a:r>
+              <a:rPr lang="en-US" altLang="ko-KR" sz="1050" dirty="0" smtClean="0"/>
+              <a:t>. </a:t>
+            </a:r>
+            <a:r>
+              <a:rPr lang="ko-KR" altLang="en-US" sz="1050" dirty="0" smtClean="0"/>
+              <a:t>자사의 진행중인 이벤트의 리스트를 볼 수 있다</a:t>
+            </a:r>
+            <a:r>
+              <a:rPr lang="en-US" altLang="ko-KR" sz="1050" dirty="0" smtClean="0"/>
+              <a:t>.</a:t>
+            </a:r>
+            <a:r>
+              <a:rPr lang="en-US" altLang="ko-KR" sz="1050" dirty="0"/>
+              <a:t> </a:t>
+            </a:r>
+            <a:r>
+              <a:rPr lang="ko-KR" altLang="en-US" sz="1050" dirty="0" smtClean="0"/>
+              <a:t>설정 페이지로 이동한다</a:t>
+            </a:r>
+            <a:r>
+              <a:rPr lang="en-US" altLang="ko-KR" sz="1050" dirty="0" smtClean="0"/>
+              <a:t>.</a:t>
+            </a:r>
+            <a:br>
+              <a:rPr lang="en-US" altLang="ko-KR" sz="1050" dirty="0" smtClean="0"/>
+            </a:br>
+            <a:r>
+              <a:rPr lang="en-US" altLang="ko-KR" sz="1050" dirty="0" smtClean="0"/>
+              <a:t>- </a:t>
+            </a:r>
+            <a:r>
+              <a:rPr lang="ko-KR" altLang="en-US" sz="1050" dirty="0" smtClean="0"/>
+              <a:t>설정 페이지에 알림 설정</a:t>
+            </a:r>
+            <a:r>
+              <a:rPr lang="en-US" altLang="ko-KR" sz="1050" dirty="0" smtClean="0"/>
+              <a:t>, </a:t>
+            </a:r>
+            <a:r>
+              <a:rPr lang="ko-KR" altLang="en-US" sz="1050" dirty="0" smtClean="0"/>
+              <a:t>언어 </a:t>
+            </a:r>
+            <a:r>
+              <a:rPr lang="ko-KR" altLang="en-US" sz="1050" dirty="0" err="1" smtClean="0"/>
+              <a:t>셋팅</a:t>
+            </a:r>
+            <a:r>
+              <a:rPr lang="en-US" altLang="ko-KR" sz="1050" dirty="0" smtClean="0"/>
+              <a:t>, </a:t>
+            </a:r>
+            <a:r>
+              <a:rPr lang="ko-KR" altLang="en-US" sz="1050" dirty="0" smtClean="0"/>
+              <a:t>문의하기</a:t>
+            </a:r>
+            <a:r>
+              <a:rPr lang="en-US" altLang="ko-KR" sz="1050" dirty="0" smtClean="0"/>
+              <a:t>, </a:t>
+            </a:r>
+            <a:r>
+              <a:rPr lang="ko-KR" altLang="en-US" sz="1050" dirty="0" smtClean="0"/>
+              <a:t>공지사항</a:t>
+            </a:r>
+            <a:r>
+              <a:rPr lang="en-US" altLang="ko-KR" sz="1050" dirty="0" smtClean="0"/>
+              <a:t>, </a:t>
+            </a:r>
+            <a:r>
+              <a:rPr lang="ko-KR" altLang="en-US" sz="1050" dirty="0" smtClean="0"/>
+              <a:t>약관</a:t>
+            </a:r>
+            <a:r>
+              <a:rPr lang="en-US" altLang="ko-KR" sz="1050" dirty="0" smtClean="0"/>
+              <a:t>, </a:t>
+            </a:r>
+            <a:r>
+              <a:rPr lang="ko-KR" altLang="en-US" sz="1050" dirty="0" smtClean="0"/>
+              <a:t>로그아웃</a:t>
+            </a:r>
+            <a:r>
+              <a:rPr lang="en-US" altLang="ko-KR" sz="1050" dirty="0" smtClean="0"/>
+              <a:t>, </a:t>
+            </a:r>
+            <a:r>
+              <a:rPr lang="ko-KR" altLang="en-US" sz="1050" dirty="0" smtClean="0"/>
+              <a:t>자사소개 기능을 갖는다</a:t>
+            </a:r>
+            <a:r>
+              <a:rPr lang="en-US" altLang="ko-KR" sz="1050" dirty="0" smtClean="0"/>
+              <a:t>.</a:t>
+            </a:r>
+            <a:br>
+              <a:rPr lang="en-US" altLang="ko-KR" sz="1050" dirty="0" smtClean="0"/>
+            </a:br>
+            <a:r>
+              <a:rPr lang="en-US" altLang="ko-KR" sz="1050" dirty="0" smtClean="0"/>
+              <a:t>- </a:t>
+            </a:r>
+            <a:r>
+              <a:rPr lang="ko-KR" altLang="en-US" sz="1050" dirty="0" smtClean="0"/>
+              <a:t>문의하기의 경우 사용자가 문의를 볼 수 있으며</a:t>
+            </a:r>
+            <a:r>
+              <a:rPr lang="en-US" altLang="ko-KR" sz="1050" dirty="0" smtClean="0"/>
+              <a:t>, </a:t>
+            </a:r>
+            <a:r>
+              <a:rPr lang="ko-KR" altLang="en-US" sz="1050" dirty="0" smtClean="0"/>
+              <a:t>답변 내용을 볼 수 있다</a:t>
+            </a:r>
+            <a:r>
+              <a:rPr lang="en-US" altLang="ko-KR" sz="1050" dirty="0" smtClean="0"/>
+              <a:t>.</a:t>
+            </a:r>
+          </a:p>
+        </p:txBody>
+      </p:sp>
     </p:spTree>
     <p:extLst>
       <p:ext uri="{BB962C8B-B14F-4D97-AF65-F5344CB8AC3E}">
@@ -6097,6 +9288,13 @@
   <p:clrMapOvr>
     <a:masterClrMapping/>
   </p:clrMapOvr>
+  <p:timing>
+    <p:tnLst>
+      <p:par>
+        <p:cTn id="1" dur="indefinite" restart="never" nodeType="tmRoot"/>
+      </p:par>
+    </p:tnLst>
+  </p:timing>
 </p:sld>
 </file>
 
@@ -6117,11 +9315,99 @@
           <a:chExt cx="0" cy="0"/>
         </a:xfrm>
       </p:grpSpPr>
+      <p:sp>
+        <p:nvSpPr>
+          <p:cNvPr id="6" name="TextBox 5"/>
+          <p:cNvSpPr txBox="1"/>
+          <p:nvPr/>
+        </p:nvSpPr>
+        <p:spPr>
+          <a:xfrm>
+            <a:off x="402207" y="3224808"/>
+            <a:ext cx="1952779" cy="276999"/>
+          </a:xfrm>
+          <a:prstGeom prst="rect">
+            <a:avLst/>
+          </a:prstGeom>
+          <a:noFill/>
+        </p:spPr>
+        <p:txBody>
+          <a:bodyPr wrap="none" rtlCol="0">
+            <a:spAutoFit/>
+          </a:bodyPr>
+          <a:lstStyle/>
+          <a:p>
+            <a:r>
+              <a:rPr lang="en-US" altLang="ko-KR" sz="1200" dirty="0" smtClean="0"/>
+              <a:t>B. </a:t>
+            </a:r>
+            <a:r>
+              <a:rPr lang="ko-KR" altLang="en-US" sz="1200" dirty="0" err="1" smtClean="0"/>
+              <a:t>파이어베이스</a:t>
+            </a:r>
+            <a:r>
+              <a:rPr lang="ko-KR" altLang="en-US" sz="1200" dirty="0" smtClean="0"/>
+              <a:t> </a:t>
+            </a:r>
+            <a:r>
+              <a:rPr lang="en-US" altLang="ko-KR" sz="1200" dirty="0" smtClean="0"/>
+              <a:t>– </a:t>
+            </a:r>
+            <a:r>
+              <a:rPr lang="ko-KR" altLang="en-US" sz="1200" dirty="0" smtClean="0"/>
+              <a:t>관리자</a:t>
+            </a:r>
+            <a:endParaRPr lang="ko-KR" altLang="en-US" sz="1200" dirty="0"/>
+          </a:p>
+        </p:txBody>
+      </p:sp>
+      <p:sp>
+        <p:nvSpPr>
+          <p:cNvPr id="7" name="TextBox 6"/>
+          <p:cNvSpPr txBox="1"/>
+          <p:nvPr/>
+        </p:nvSpPr>
+        <p:spPr>
+          <a:xfrm>
+            <a:off x="116632" y="128464"/>
+            <a:ext cx="6264696" cy="369332"/>
+          </a:xfrm>
+          <a:prstGeom prst="rect">
+            <a:avLst/>
+          </a:prstGeom>
+          <a:noFill/>
+        </p:spPr>
+        <p:txBody>
+          <a:bodyPr wrap="square" rtlCol="0">
+            <a:spAutoFit/>
+          </a:bodyPr>
+          <a:lstStyle/>
+          <a:p>
+            <a:r>
+              <a:rPr lang="ko-KR" altLang="en-US" dirty="0" smtClean="0"/>
+              <a:t>개발 구상도 </a:t>
+            </a:r>
+            <a:r>
+              <a:rPr lang="en-US" altLang="ko-KR" sz="1200" dirty="0" smtClean="0"/>
+              <a:t>(</a:t>
+            </a:r>
+            <a:r>
+              <a:rPr lang="ko-KR" altLang="en-US" sz="1200" dirty="0" smtClean="0"/>
+              <a:t>관리자 페이지</a:t>
+            </a:r>
+            <a:r>
+              <a:rPr lang="en-US" altLang="ko-KR" sz="1200" dirty="0" smtClean="0"/>
+              <a:t>)</a:t>
+            </a:r>
+            <a:endParaRPr lang="ko-KR" altLang="en-US" sz="1200" dirty="0"/>
+          </a:p>
+        </p:txBody>
+      </p:sp>
       <p:pic>
         <p:nvPicPr>
-          <p:cNvPr id="2" name="그림 1"/>
+          <p:cNvPr id="8" name="Picture 4" descr="firebase에 대한 이미지 검색결과"/>
           <p:cNvPicPr>
-            <a:picLocks noChangeAspect="1"/>
+            <a:picLocks noChangeAspect="1" noChangeArrowheads="1"/>
           </p:cNvPicPr>
           <p:nvPr/>
         </p:nvPicPr>
@@ -6133,80 +9419,1009 @@
               </a:ext>
             </a:extLst>
           </a:blip>
+          <a:srcRect/>
           <a:stretch>
             <a:fillRect/>
           </a:stretch>
         </p:blipFill>
-        <p:spPr>
+        <p:spPr bwMode="auto">
           <a:xfrm>
-            <a:off x="3717032" y="281681"/>
-            <a:ext cx="2592288" cy="2592288"/>
+            <a:off x="2564904" y="1280592"/>
+            <a:ext cx="1611852" cy="1430600"/>
           </a:xfrm>
           <a:prstGeom prst="rect">
             <a:avLst/>
           </a:prstGeom>
+          <a:noFill/>
+          <a:extLst>
+            <a:ext uri="{909E8E84-426E-40DD-AFC4-6F175D3DCCD1}">
+              <a14:hiddenFill xmlns:a14="http://schemas.microsoft.com/office/drawing/2010/main">
+                <a:solidFill>
+                  <a:srgbClr val="FFFFFF"/>
+                </a:solidFill>
+              </a14:hiddenFill>
+            </a:ext>
+          </a:extLst>
         </p:spPr>
       </p:pic>
       <p:pic>
         <p:nvPicPr>
-          <p:cNvPr id="3" name="그림 2"/>
+          <p:cNvPr id="9" name="Picture 6" descr="안드로이드 스마트폰에 대한 이미지 검색결과"/>
           <p:cNvPicPr>
-            <a:picLocks noChangeAspect="1"/>
+            <a:picLocks noChangeAspect="1" noChangeArrowheads="1"/>
           </p:cNvPicPr>
           <p:nvPr/>
         </p:nvPicPr>
         <p:blipFill>
-          <a:blip r:embed="rId3">
+          <a:blip r:embed="rId3" cstate="print">
             <a:extLst>
               <a:ext uri="{28A0092B-C50C-407E-A947-70E740481C1C}">
                 <a14:useLocalDpi xmlns:a14="http://schemas.microsoft.com/office/drawing/2010/main" val="0"/>
               </a:ext>
             </a:extLst>
           </a:blip>
+          <a:srcRect/>
           <a:stretch>
             <a:fillRect/>
           </a:stretch>
         </p:blipFill>
-        <p:spPr>
+        <p:spPr bwMode="auto">
           <a:xfrm>
-            <a:off x="404664" y="272480"/>
-            <a:ext cx="2592288" cy="2592288"/>
+            <a:off x="393493" y="1085015"/>
+            <a:ext cx="1163299" cy="1842470"/>
           </a:xfrm>
           <a:prstGeom prst="rect">
             <a:avLst/>
           </a:prstGeom>
+          <a:noFill/>
+          <a:extLst>
+            <a:ext uri="{909E8E84-426E-40DD-AFC4-6F175D3DCCD1}">
+              <a14:hiddenFill xmlns:a14="http://schemas.microsoft.com/office/drawing/2010/main">
+                <a:solidFill>
+                  <a:srgbClr val="FFFFFF"/>
+                </a:solidFill>
+              </a14:hiddenFill>
+            </a:ext>
+          </a:extLst>
         </p:spPr>
       </p:pic>
+      <p:sp>
+        <p:nvSpPr>
+          <p:cNvPr id="10" name="AutoShape 8" descr="모니터에 대한 이미지 검색결과"/>
+          <p:cNvSpPr>
+            <a:spLocks noChangeAspect="1" noChangeArrowheads="1"/>
+          </p:cNvSpPr>
+          <p:nvPr/>
+        </p:nvSpPr>
+        <p:spPr bwMode="auto">
+          <a:xfrm>
+            <a:off x="320675" y="7937"/>
+            <a:ext cx="304800" cy="304801"/>
+          </a:xfrm>
+          <a:prstGeom prst="rect">
+            <a:avLst/>
+          </a:prstGeom>
+          <a:noFill/>
+          <a:extLst>
+            <a:ext uri="{909E8E84-426E-40DD-AFC4-6F175D3DCCD1}">
+              <a14:hiddenFill xmlns:a14="http://schemas.microsoft.com/office/drawing/2010/main">
+                <a:solidFill>
+                  <a:srgbClr val="FFFFFF"/>
+                </a:solidFill>
+              </a14:hiddenFill>
+            </a:ext>
+          </a:extLst>
+        </p:spPr>
+        <p:txBody>
+          <a:bodyPr vert="horz" wrap="square" lIns="91440" tIns="45720" rIns="91440" bIns="45720" numCol="1" anchor="t" anchorCtr="0" compatLnSpc="1">
+            <a:prstTxWarp prst="textNoShape">
+              <a:avLst/>
+            </a:prstTxWarp>
+          </a:bodyPr>
+          <a:lstStyle/>
+          <a:p>
+            <a:endParaRPr lang="ko-KR" altLang="en-US"/>
+          </a:p>
+        </p:txBody>
+      </p:sp>
       <p:pic>
         <p:nvPicPr>
-          <p:cNvPr id="5" name="그림 4"/>
+          <p:cNvPr id="11" name="Picture 9"/>
           <p:cNvPicPr>
-            <a:picLocks noChangeAspect="1"/>
+            <a:picLocks noChangeAspect="1" noChangeArrowheads="1"/>
           </p:cNvPicPr>
           <p:nvPr/>
         </p:nvPicPr>
         <p:blipFill>
-          <a:blip r:embed="rId4">
+          <a:blip r:embed="rId4" cstate="print">
             <a:extLst>
               <a:ext uri="{28A0092B-C50C-407E-A947-70E740481C1C}">
                 <a14:useLocalDpi xmlns:a14="http://schemas.microsoft.com/office/drawing/2010/main" val="0"/>
               </a:ext>
             </a:extLst>
           </a:blip>
+          <a:srcRect/>
           <a:stretch>
             <a:fillRect/>
           </a:stretch>
         </p:blipFill>
-        <p:spPr>
+        <p:spPr bwMode="auto">
           <a:xfrm>
-            <a:off x="404664" y="3224808"/>
-            <a:ext cx="2641352" cy="2641352"/>
+            <a:off x="5157192" y="1406385"/>
+            <a:ext cx="1616481" cy="1304807"/>
           </a:xfrm>
           <a:prstGeom prst="rect">
             <a:avLst/>
           </a:prstGeom>
+          <a:noFill/>
+          <a:ln>
+            <a:noFill/>
+          </a:ln>
+          <a:effectLst/>
+          <a:extLst>
+            <a:ext uri="{909E8E84-426E-40DD-AFC4-6F175D3DCCD1}">
+              <a14:hiddenFill xmlns:a14="http://schemas.microsoft.com/office/drawing/2010/main">
+                <a:solidFill>
+                  <a:schemeClr val="accent1"/>
+                </a:solidFill>
+              </a14:hiddenFill>
+            </a:ext>
+            <a:ext uri="{91240B29-F687-4F45-9708-019B960494DF}">
+              <a14:hiddenLine xmlns:a14="http://schemas.microsoft.com/office/drawing/2010/main" w="9525">
+                <a:solidFill>
+                  <a:schemeClr val="tx1"/>
+                </a:solidFill>
+                <a:miter lim="800000"/>
+                <a:headEnd/>
+                <a:tailEnd/>
+              </a14:hiddenLine>
+            </a:ext>
+            <a:ext uri="{AF507438-7753-43E0-B8FC-AC1667EBCBE1}">
+              <a14:hiddenEffects xmlns:a14="http://schemas.microsoft.com/office/drawing/2010/main">
+                <a:effectLst>
+                  <a:outerShdw dist="35921" dir="2700000" algn="ctr" rotWithShape="0">
+                    <a:schemeClr val="bg2"/>
+                  </a:outerShdw>
+                </a:effectLst>
+              </a14:hiddenEffects>
+            </a:ext>
+          </a:extLst>
         </p:spPr>
       </p:pic>
+      <p:cxnSp>
+        <p:nvCxnSpPr>
+          <p:cNvPr id="12" name="직선 화살표 연결선 11"/>
+          <p:cNvCxnSpPr/>
+          <p:nvPr/>
+        </p:nvCxnSpPr>
+        <p:spPr>
+          <a:xfrm>
+            <a:off x="1772816" y="2006250"/>
+            <a:ext cx="720080" cy="0"/>
+          </a:xfrm>
+          <a:prstGeom prst="straightConnector1">
+            <a:avLst/>
+          </a:prstGeom>
+          <a:ln w="28575">
+            <a:solidFill>
+              <a:srgbClr val="FF0000"/>
+            </a:solidFill>
+            <a:headEnd type="arrow"/>
+            <a:tailEnd type="arrow"/>
+          </a:ln>
+        </p:spPr>
+        <p:style>
+          <a:lnRef idx="1">
+            <a:schemeClr val="accent1"/>
+          </a:lnRef>
+          <a:fillRef idx="0">
+            <a:schemeClr val="accent1"/>
+          </a:fillRef>
+          <a:effectRef idx="0">
+            <a:schemeClr val="accent1"/>
+          </a:effectRef>
+          <a:fontRef idx="minor">
+            <a:schemeClr val="tx1"/>
+          </a:fontRef>
+        </p:style>
+      </p:cxnSp>
+      <p:cxnSp>
+        <p:nvCxnSpPr>
+          <p:cNvPr id="13" name="직선 화살표 연결선 12"/>
+          <p:cNvCxnSpPr/>
+          <p:nvPr/>
+        </p:nvCxnSpPr>
+        <p:spPr>
+          <a:xfrm>
+            <a:off x="4248764" y="2058788"/>
+            <a:ext cx="720080" cy="0"/>
+          </a:xfrm>
+          <a:prstGeom prst="straightConnector1">
+            <a:avLst/>
+          </a:prstGeom>
+          <a:ln w="28575">
+            <a:solidFill>
+              <a:srgbClr val="FF0000"/>
+            </a:solidFill>
+            <a:headEnd type="arrow"/>
+            <a:tailEnd type="arrow"/>
+          </a:ln>
+        </p:spPr>
+        <p:style>
+          <a:lnRef idx="1">
+            <a:schemeClr val="accent1"/>
+          </a:lnRef>
+          <a:fillRef idx="0">
+            <a:schemeClr val="accent1"/>
+          </a:fillRef>
+          <a:effectRef idx="0">
+            <a:schemeClr val="accent1"/>
+          </a:effectRef>
+          <a:fontRef idx="minor">
+            <a:schemeClr val="tx1"/>
+          </a:fontRef>
+        </p:style>
+      </p:cxnSp>
+      <p:sp>
+        <p:nvSpPr>
+          <p:cNvPr id="14" name="TextBox 13"/>
+          <p:cNvSpPr txBox="1"/>
+          <p:nvPr/>
+        </p:nvSpPr>
+        <p:spPr>
+          <a:xfrm>
+            <a:off x="1988840" y="1568624"/>
+            <a:ext cx="336952" cy="369332"/>
+          </a:xfrm>
+          <a:prstGeom prst="rect">
+            <a:avLst/>
+          </a:prstGeom>
+          <a:noFill/>
+        </p:spPr>
+        <p:txBody>
+          <a:bodyPr wrap="none" rtlCol="0">
+            <a:spAutoFit/>
+          </a:bodyPr>
+          <a:lstStyle/>
+          <a:p>
+            <a:r>
+              <a:rPr lang="en-US" altLang="ko-KR" dirty="0">
+                <a:solidFill>
+                  <a:srgbClr val="FF0000"/>
+                </a:solidFill>
+              </a:rPr>
+              <a:t>A</a:t>
+            </a:r>
+            <a:endParaRPr lang="ko-KR" altLang="en-US" dirty="0">
+              <a:solidFill>
+                <a:srgbClr val="FF0000"/>
+              </a:solidFill>
+            </a:endParaRPr>
+          </a:p>
+        </p:txBody>
+      </p:sp>
+      <p:sp>
+        <p:nvSpPr>
+          <p:cNvPr id="15" name="TextBox 14"/>
+          <p:cNvSpPr txBox="1"/>
+          <p:nvPr/>
+        </p:nvSpPr>
+        <p:spPr>
+          <a:xfrm>
+            <a:off x="4437112" y="1568624"/>
+            <a:ext cx="319318" cy="369332"/>
+          </a:xfrm>
+          <a:prstGeom prst="rect">
+            <a:avLst/>
+          </a:prstGeom>
+          <a:noFill/>
+        </p:spPr>
+        <p:txBody>
+          <a:bodyPr wrap="none" rtlCol="0">
+            <a:spAutoFit/>
+          </a:bodyPr>
+          <a:lstStyle/>
+          <a:p>
+            <a:r>
+              <a:rPr lang="en-US" altLang="ko-KR" dirty="0" smtClean="0">
+                <a:solidFill>
+                  <a:srgbClr val="FF0000"/>
+                </a:solidFill>
+              </a:rPr>
+              <a:t>B</a:t>
+            </a:r>
+            <a:endParaRPr lang="ko-KR" altLang="en-US" dirty="0">
+              <a:solidFill>
+                <a:srgbClr val="FF0000"/>
+              </a:solidFill>
+            </a:endParaRPr>
+          </a:p>
+        </p:txBody>
+      </p:sp>
+      <p:sp>
+        <p:nvSpPr>
+          <p:cNvPr id="4" name="TextBox 3"/>
+          <p:cNvSpPr txBox="1"/>
+          <p:nvPr/>
+        </p:nvSpPr>
+        <p:spPr>
+          <a:xfrm>
+            <a:off x="692696" y="3501807"/>
+            <a:ext cx="5544616" cy="3647152"/>
+          </a:xfrm>
+          <a:prstGeom prst="rect">
+            <a:avLst/>
+          </a:prstGeom>
+          <a:noFill/>
+        </p:spPr>
+        <p:txBody>
+          <a:bodyPr wrap="square" rtlCol="0">
+            <a:spAutoFit/>
+          </a:bodyPr>
+          <a:lstStyle/>
+          <a:p>
+            <a:pPr marL="228600" indent="-228600">
+              <a:buAutoNum type="arabicPeriod"/>
+            </a:pPr>
+            <a:r>
+              <a:rPr lang="ko-KR" altLang="en-US" sz="1050" dirty="0" smtClean="0"/>
+              <a:t>메인 페이지 </a:t>
+            </a:r>
+            <a:r>
+              <a:rPr lang="en-US" altLang="ko-KR" sz="1050" dirty="0" smtClean="0"/>
+              <a:t>: </a:t>
+            </a:r>
+            <a:r>
+              <a:rPr lang="ko-KR" altLang="en-US" sz="1050" dirty="0" smtClean="0"/>
+              <a:t>사용자 수</a:t>
+            </a:r>
+            <a:r>
+              <a:rPr lang="en-US" altLang="ko-KR" sz="1050" dirty="0" smtClean="0"/>
+              <a:t>, </a:t>
+            </a:r>
+            <a:r>
+              <a:rPr lang="ko-KR" altLang="en-US" sz="1050" dirty="0" smtClean="0"/>
+              <a:t>칼럼 수</a:t>
+            </a:r>
+            <a:r>
+              <a:rPr lang="en-US" altLang="ko-KR" sz="1050" dirty="0" smtClean="0"/>
+              <a:t>, </a:t>
+            </a:r>
+            <a:r>
+              <a:rPr lang="ko-KR" altLang="en-US" sz="1050" dirty="0" smtClean="0"/>
+              <a:t>추천장소 제공 수</a:t>
+            </a:r>
+            <a:r>
+              <a:rPr lang="en-US" altLang="ko-KR" sz="1050" dirty="0" smtClean="0"/>
+              <a:t>, </a:t>
+            </a:r>
+            <a:r>
+              <a:rPr lang="ko-KR" altLang="en-US" sz="1050" dirty="0" smtClean="0"/>
+              <a:t>일일 이용수</a:t>
+            </a:r>
+            <a:r>
+              <a:rPr lang="en-US" altLang="ko-KR" sz="1050" dirty="0" smtClean="0"/>
+              <a:t>(</a:t>
+            </a:r>
+            <a:r>
+              <a:rPr lang="ko-KR" altLang="en-US" sz="1050" dirty="0" smtClean="0"/>
+              <a:t>칼럼 </a:t>
+            </a:r>
+            <a:r>
+              <a:rPr lang="ko-KR" altLang="en-US" sz="1050" dirty="0" err="1" smtClean="0"/>
+              <a:t>변화량</a:t>
+            </a:r>
+            <a:r>
+              <a:rPr lang="en-US" altLang="ko-KR" sz="1050" dirty="0" smtClean="0"/>
+              <a:t>, </a:t>
+            </a:r>
+            <a:r>
+              <a:rPr lang="ko-KR" altLang="en-US" sz="1050" dirty="0" smtClean="0"/>
+              <a:t>검색 수에 따른 수치 변경</a:t>
+            </a:r>
+            <a:r>
+              <a:rPr lang="en-US" altLang="ko-KR" sz="1050" dirty="0" smtClean="0"/>
+              <a:t>)</a:t>
+            </a:r>
+            <a:r>
+              <a:rPr lang="ko-KR" altLang="en-US" sz="1050" dirty="0" smtClean="0"/>
+              <a:t>에 대한 정보를 얻는다</a:t>
+            </a:r>
+            <a:r>
+              <a:rPr lang="en-US" altLang="ko-KR" sz="1050" dirty="0" smtClean="0"/>
+              <a:t>.</a:t>
+            </a:r>
+          </a:p>
+          <a:p>
+            <a:pPr marL="228600" indent="-228600">
+              <a:buAutoNum type="arabicPeriod"/>
+            </a:pPr>
+            <a:r>
+              <a:rPr lang="ko-KR" altLang="en-US" sz="1050" dirty="0" err="1" smtClean="0"/>
+              <a:t>앱</a:t>
+            </a:r>
+            <a:r>
+              <a:rPr lang="ko-KR" altLang="en-US" sz="1050" dirty="0" smtClean="0"/>
+              <a:t> 사용자 </a:t>
+            </a:r>
+            <a:r>
+              <a:rPr lang="en-US" altLang="ko-KR" sz="1050" dirty="0" smtClean="0"/>
+              <a:t>: </a:t>
+            </a:r>
+            <a:r>
+              <a:rPr lang="ko-KR" altLang="en-US" sz="1050" dirty="0" smtClean="0"/>
+              <a:t>사용자에게 </a:t>
+            </a:r>
+            <a:r>
+              <a:rPr lang="ko-KR" altLang="en-US" sz="1050" dirty="0" err="1" smtClean="0"/>
+              <a:t>푸쉬</a:t>
+            </a:r>
+            <a:r>
+              <a:rPr lang="ko-KR" altLang="en-US" sz="1050" dirty="0" smtClean="0"/>
+              <a:t> 알림을 날릴 수 있다</a:t>
+            </a:r>
+            <a:r>
+              <a:rPr lang="en-US" altLang="ko-KR" sz="1050" dirty="0" smtClean="0"/>
+              <a:t>. </a:t>
+            </a:r>
+            <a:r>
+              <a:rPr lang="ko-KR" altLang="en-US" sz="1050" dirty="0" smtClean="0"/>
+              <a:t>또한 사용자의 정보</a:t>
+            </a:r>
+            <a:r>
+              <a:rPr lang="en-US" altLang="ko-KR" sz="1050" dirty="0" smtClean="0"/>
+              <a:t>(</a:t>
+            </a:r>
+            <a:r>
+              <a:rPr lang="ko-KR" altLang="en-US" sz="1050" dirty="0" smtClean="0"/>
+              <a:t>아이디</a:t>
+            </a:r>
+            <a:r>
+              <a:rPr lang="en-US" altLang="ko-KR" sz="1050" dirty="0" smtClean="0"/>
+              <a:t>, </a:t>
+            </a:r>
+            <a:r>
+              <a:rPr lang="ko-KR" altLang="en-US" sz="1050" dirty="0" err="1" smtClean="0"/>
+              <a:t>이메일</a:t>
+            </a:r>
+            <a:r>
+              <a:rPr lang="en-US" altLang="ko-KR" sz="1050" dirty="0" smtClean="0"/>
+              <a:t>, </a:t>
+            </a:r>
+            <a:r>
+              <a:rPr lang="ko-KR" altLang="en-US" sz="1050" dirty="0" err="1" smtClean="0"/>
+              <a:t>폰번호</a:t>
+            </a:r>
+            <a:r>
+              <a:rPr lang="en-US" altLang="ko-KR" sz="1050" dirty="0" smtClean="0"/>
+              <a:t>, </a:t>
+            </a:r>
+            <a:r>
+              <a:rPr lang="ko-KR" altLang="en-US" sz="1050" dirty="0" smtClean="0"/>
+              <a:t>가입일</a:t>
+            </a:r>
+            <a:r>
+              <a:rPr lang="en-US" altLang="ko-KR" sz="1050" dirty="0" smtClean="0"/>
+              <a:t>, </a:t>
+            </a:r>
+            <a:r>
+              <a:rPr lang="ko-KR" altLang="en-US" sz="1050" dirty="0" smtClean="0"/>
+              <a:t>등급</a:t>
+            </a:r>
+            <a:r>
+              <a:rPr lang="en-US" altLang="ko-KR" sz="1050" dirty="0" smtClean="0"/>
+              <a:t>, </a:t>
+            </a:r>
+            <a:r>
+              <a:rPr lang="ko-KR" altLang="en-US" sz="1050" dirty="0" smtClean="0"/>
+              <a:t>보유포인트</a:t>
+            </a:r>
+            <a:r>
+              <a:rPr lang="en-US" altLang="ko-KR" sz="1050" dirty="0" smtClean="0"/>
+              <a:t>, </a:t>
+            </a:r>
+            <a:r>
+              <a:rPr lang="ko-KR" altLang="en-US" sz="1050" dirty="0" smtClean="0"/>
+              <a:t>검색건수</a:t>
+            </a:r>
+            <a:r>
+              <a:rPr lang="en-US" altLang="ko-KR" sz="1050" dirty="0" smtClean="0"/>
+              <a:t>, </a:t>
+            </a:r>
+            <a:r>
+              <a:rPr lang="ko-KR" altLang="en-US" sz="1050" dirty="0" smtClean="0"/>
+              <a:t>이벤트참여건수</a:t>
+            </a:r>
+            <a:r>
+              <a:rPr lang="en-US" altLang="ko-KR" sz="1050" dirty="0" smtClean="0"/>
+              <a:t>, </a:t>
+            </a:r>
+            <a:r>
+              <a:rPr lang="ko-KR" altLang="en-US" sz="1050" dirty="0" smtClean="0"/>
+              <a:t>추천장소인증건수</a:t>
+            </a:r>
+            <a:r>
+              <a:rPr lang="en-US" altLang="ko-KR" sz="1050" dirty="0" smtClean="0"/>
+              <a:t>, </a:t>
+            </a:r>
+            <a:r>
+              <a:rPr lang="ko-KR" altLang="en-US" sz="1050" dirty="0" smtClean="0"/>
+              <a:t>신고건수</a:t>
+            </a:r>
+            <a:r>
+              <a:rPr lang="en-US" altLang="ko-KR" sz="1050" dirty="0" smtClean="0"/>
+              <a:t>, </a:t>
+            </a:r>
+            <a:r>
+              <a:rPr lang="ko-KR" altLang="en-US" sz="1050" dirty="0" smtClean="0"/>
+              <a:t>로그인</a:t>
+            </a:r>
+            <a:r>
+              <a:rPr lang="en-US" altLang="ko-KR" sz="1050" dirty="0" smtClean="0"/>
+              <a:t>API)</a:t>
+            </a:r>
+            <a:r>
+              <a:rPr lang="ko-KR" altLang="en-US" sz="1050" dirty="0" smtClean="0"/>
+              <a:t>를 볼 수 있으며</a:t>
+            </a:r>
+            <a:r>
+              <a:rPr lang="en-US" altLang="ko-KR" sz="1050" dirty="0" smtClean="0"/>
+              <a:t>, </a:t>
+            </a:r>
+            <a:r>
+              <a:rPr lang="ko-KR" altLang="en-US" sz="1050" dirty="0" smtClean="0"/>
+              <a:t>필터 기능을 통해 필요한 내용을 추출할 수 있다</a:t>
+            </a:r>
+            <a:r>
+              <a:rPr lang="en-US" altLang="ko-KR" sz="1050" dirty="0" smtClean="0"/>
+              <a:t>. </a:t>
+            </a:r>
+            <a:r>
+              <a:rPr lang="ko-KR" altLang="en-US" sz="1050" dirty="0" smtClean="0"/>
+              <a:t>사용자 캐시를 볼 수 있다</a:t>
+            </a:r>
+            <a:r>
+              <a:rPr lang="en-US" altLang="ko-KR" sz="1050" dirty="0" smtClean="0"/>
+              <a:t>. </a:t>
+            </a:r>
+            <a:r>
+              <a:rPr lang="ko-KR" altLang="en-US" sz="1050" dirty="0" smtClean="0"/>
+              <a:t>이는 사용자가 검색한 추천 장소에 대한 정보를 볼 수 있다</a:t>
+            </a:r>
+            <a:r>
+              <a:rPr lang="en-US" altLang="ko-KR" sz="1050" dirty="0" smtClean="0"/>
+              <a:t>. 2</a:t>
+            </a:r>
+            <a:r>
+              <a:rPr lang="ko-KR" altLang="en-US" sz="1050" dirty="0" smtClean="0"/>
+              <a:t>차 데이터 생성을 위한 엑셀 파일로 저장 가능하다</a:t>
+            </a:r>
+            <a:r>
+              <a:rPr lang="en-US" altLang="ko-KR" sz="1050" dirty="0" smtClean="0"/>
+              <a:t>.</a:t>
+            </a:r>
+          </a:p>
+          <a:p>
+            <a:pPr marL="228600" indent="-228600">
+              <a:buAutoNum type="arabicPeriod"/>
+            </a:pPr>
+            <a:r>
+              <a:rPr lang="ko-KR" altLang="en-US" sz="1050" dirty="0" smtClean="0"/>
+              <a:t>공지 </a:t>
+            </a:r>
+            <a:r>
+              <a:rPr lang="en-US" altLang="ko-KR" sz="1050" dirty="0" smtClean="0"/>
+              <a:t>/ </a:t>
+            </a:r>
+            <a:r>
+              <a:rPr lang="ko-KR" altLang="en-US" sz="1050" dirty="0" smtClean="0"/>
+              <a:t>이벤트 </a:t>
+            </a:r>
+            <a:r>
+              <a:rPr lang="en-US" altLang="ko-KR" sz="1050" dirty="0" smtClean="0"/>
+              <a:t>: </a:t>
+            </a:r>
+            <a:r>
+              <a:rPr lang="ko-KR" altLang="en-US" sz="1050" dirty="0" smtClean="0"/>
+              <a:t>관리자가 공지사항을 작성할 수 있으며</a:t>
+            </a:r>
+            <a:r>
+              <a:rPr lang="en-US" altLang="ko-KR" sz="1050" dirty="0" smtClean="0"/>
+              <a:t>, </a:t>
+            </a:r>
+            <a:r>
+              <a:rPr lang="ko-KR" altLang="en-US" sz="1050" dirty="0" smtClean="0"/>
+              <a:t>지난 기록을 볼 수 있다</a:t>
+            </a:r>
+            <a:r>
+              <a:rPr lang="en-US" altLang="ko-KR" sz="1050" dirty="0" smtClean="0"/>
+              <a:t>.(</a:t>
+            </a:r>
+            <a:r>
+              <a:rPr lang="ko-KR" altLang="en-US" sz="1050" dirty="0" smtClean="0"/>
+              <a:t>전체적인 게시판 기능</a:t>
+            </a:r>
+            <a:r>
+              <a:rPr lang="en-US" altLang="ko-KR" sz="1050" dirty="0" smtClean="0"/>
+              <a:t>), </a:t>
+            </a:r>
+            <a:r>
+              <a:rPr lang="ko-KR" altLang="en-US" sz="1050" dirty="0" smtClean="0"/>
+              <a:t>이벤트의 경우 이벤트 제목</a:t>
+            </a:r>
+            <a:r>
+              <a:rPr lang="en-US" altLang="ko-KR" sz="1050" dirty="0" smtClean="0"/>
+              <a:t>, </a:t>
+            </a:r>
+            <a:r>
+              <a:rPr lang="ko-KR" altLang="en-US" sz="1050" dirty="0" smtClean="0"/>
+              <a:t>기간</a:t>
+            </a:r>
+            <a:r>
+              <a:rPr lang="en-US" altLang="ko-KR" sz="1050" dirty="0" smtClean="0"/>
+              <a:t>, </a:t>
+            </a:r>
+            <a:r>
+              <a:rPr lang="ko-KR" altLang="en-US" sz="1050" dirty="0" smtClean="0"/>
+              <a:t>내용</a:t>
+            </a:r>
+            <a:r>
+              <a:rPr lang="en-US" altLang="ko-KR" sz="1050" dirty="0" smtClean="0"/>
+              <a:t>(</a:t>
+            </a:r>
+            <a:r>
+              <a:rPr lang="ko-KR" altLang="en-US" sz="1050" dirty="0" smtClean="0"/>
+              <a:t>이미지로 대체 가능</a:t>
+            </a:r>
+            <a:r>
+              <a:rPr lang="en-US" altLang="ko-KR" sz="1050" dirty="0" smtClean="0"/>
+              <a:t>), </a:t>
+            </a:r>
+            <a:r>
+              <a:rPr lang="ko-KR" altLang="en-US" sz="1050" dirty="0" smtClean="0"/>
+              <a:t>참여 등급</a:t>
+            </a:r>
+            <a:r>
+              <a:rPr lang="en-US" altLang="ko-KR" sz="1050" dirty="0" smtClean="0"/>
+              <a:t>, </a:t>
+            </a:r>
+            <a:r>
+              <a:rPr lang="ko-KR" altLang="en-US" sz="1050" dirty="0" smtClean="0"/>
+              <a:t>소모 포인트</a:t>
+            </a:r>
+            <a:r>
+              <a:rPr lang="en-US" altLang="ko-KR" sz="1050" dirty="0" smtClean="0"/>
+              <a:t>, </a:t>
+            </a:r>
+            <a:r>
+              <a:rPr lang="ko-KR" altLang="en-US" sz="1050" dirty="0" smtClean="0"/>
+              <a:t>혜택 제공방식을 설정한다</a:t>
+            </a:r>
+            <a:r>
+              <a:rPr lang="en-US" altLang="ko-KR" sz="1050" dirty="0" smtClean="0"/>
+              <a:t>. </a:t>
+            </a:r>
+            <a:r>
+              <a:rPr lang="ko-KR" altLang="en-US" sz="1050" dirty="0" smtClean="0"/>
+              <a:t>이벤트 클릭 시 하단에 이벤트에 참여한 사용자의 리스트를 볼 수 있다</a:t>
+            </a:r>
+            <a:r>
+              <a:rPr lang="en-US" altLang="ko-KR" sz="1050" dirty="0" smtClean="0"/>
+              <a:t>.( </a:t>
+            </a:r>
+            <a:r>
+              <a:rPr lang="ko-KR" altLang="en-US" sz="1050" dirty="0" smtClean="0"/>
+              <a:t>양식은 </a:t>
+            </a:r>
+            <a:r>
+              <a:rPr lang="ko-KR" altLang="en-US" sz="1050" dirty="0" err="1" smtClean="0"/>
+              <a:t>앱</a:t>
+            </a:r>
+            <a:r>
+              <a:rPr lang="ko-KR" altLang="en-US" sz="1050" dirty="0" smtClean="0"/>
+              <a:t> 사용자의 양식과 같다</a:t>
+            </a:r>
+            <a:r>
+              <a:rPr lang="en-US" altLang="ko-KR" sz="1050" dirty="0" smtClean="0"/>
+              <a:t>.)</a:t>
+            </a:r>
+            <a:endParaRPr lang="en-US" altLang="ko-KR" sz="1200" dirty="0" smtClean="0"/>
+          </a:p>
+          <a:p>
+            <a:pPr marL="228600" indent="-228600">
+              <a:buAutoNum type="arabicPeriod"/>
+            </a:pPr>
+            <a:r>
+              <a:rPr lang="ko-KR" altLang="en-US" sz="1050" dirty="0" smtClean="0"/>
+              <a:t>정보제공 </a:t>
+            </a:r>
+            <a:r>
+              <a:rPr lang="en-US" altLang="ko-KR" sz="1050" dirty="0" smtClean="0"/>
+              <a:t>: </a:t>
+            </a:r>
+            <a:r>
+              <a:rPr lang="ko-KR" altLang="en-US" sz="1050" dirty="0" smtClean="0"/>
+              <a:t>추천장소 리스트와 작성 및 수정 등 관리를 할 수 있다</a:t>
+            </a:r>
+            <a:r>
+              <a:rPr lang="en-US" altLang="ko-KR" sz="1050" dirty="0" smtClean="0"/>
+              <a:t>. </a:t>
+            </a:r>
+            <a:r>
+              <a:rPr lang="ko-KR" altLang="en-US" sz="1050" dirty="0" smtClean="0"/>
+              <a:t>또한 칼럼 리스트를 관리 할 수 있다</a:t>
+            </a:r>
+            <a:r>
+              <a:rPr lang="en-US" altLang="ko-KR" sz="1050" dirty="0" smtClean="0"/>
+              <a:t>.</a:t>
+            </a:r>
+            <a:br>
+              <a:rPr lang="en-US" altLang="ko-KR" sz="1050" dirty="0" smtClean="0"/>
+            </a:br>
+            <a:r>
+              <a:rPr lang="en-US" altLang="ko-KR" sz="1050" dirty="0" smtClean="0"/>
+              <a:t>- </a:t>
+            </a:r>
+            <a:r>
+              <a:rPr lang="ko-KR" altLang="en-US" sz="1050" dirty="0" smtClean="0"/>
+              <a:t>추천 장소에 대한 기본 정보</a:t>
+            </a:r>
+            <a:r>
+              <a:rPr lang="en-US" altLang="ko-KR" sz="1050" dirty="0" smtClean="0"/>
+              <a:t>, </a:t>
+            </a:r>
+            <a:r>
+              <a:rPr lang="ko-KR" altLang="en-US" sz="1050" dirty="0" smtClean="0"/>
+              <a:t>다음 추천 장소 수정으로 이루어지며</a:t>
+            </a:r>
+            <a:r>
+              <a:rPr lang="en-US" altLang="ko-KR" sz="1050" dirty="0" smtClean="0"/>
+              <a:t>, </a:t>
+            </a:r>
+            <a:r>
+              <a:rPr lang="ko-KR" altLang="en-US" sz="1050" dirty="0" smtClean="0"/>
+              <a:t>하단에 인증한 사용자의 </a:t>
+            </a:r>
+            <a:r>
+              <a:rPr lang="ko-KR" altLang="en-US" sz="1050" dirty="0" err="1" smtClean="0"/>
+              <a:t>댓글과</a:t>
+            </a:r>
+            <a:r>
+              <a:rPr lang="ko-KR" altLang="en-US" sz="1050" dirty="0" smtClean="0"/>
+              <a:t> 정보가 표시된다</a:t>
+            </a:r>
+            <a:r>
+              <a:rPr lang="en-US" altLang="ko-KR" sz="1050" dirty="0" smtClean="0"/>
+              <a:t>.</a:t>
+            </a:r>
+            <a:br>
+              <a:rPr lang="en-US" altLang="ko-KR" sz="1050" dirty="0" smtClean="0"/>
+            </a:br>
+            <a:r>
+              <a:rPr lang="en-US" altLang="ko-KR" sz="1050" dirty="0" smtClean="0"/>
+              <a:t>- </a:t>
+            </a:r>
+            <a:r>
+              <a:rPr lang="ko-KR" altLang="en-US" sz="1050" dirty="0" smtClean="0"/>
+              <a:t>칼럼 리스트가 표시된다</a:t>
+            </a:r>
+            <a:r>
+              <a:rPr lang="en-US" altLang="ko-KR" sz="1050" dirty="0" smtClean="0"/>
+              <a:t>. </a:t>
+            </a:r>
+            <a:r>
+              <a:rPr lang="ko-KR" altLang="en-US" sz="1050" dirty="0" smtClean="0"/>
+              <a:t>칼럼 역시 작성</a:t>
+            </a:r>
+            <a:r>
+              <a:rPr lang="en-US" altLang="ko-KR" sz="1050" dirty="0" smtClean="0"/>
+              <a:t>, </a:t>
+            </a:r>
+            <a:r>
+              <a:rPr lang="ko-KR" altLang="en-US" sz="1050" dirty="0" smtClean="0"/>
+              <a:t>수정</a:t>
+            </a:r>
+            <a:r>
+              <a:rPr lang="en-US" altLang="ko-KR" sz="1050" dirty="0" smtClean="0"/>
+              <a:t>, </a:t>
+            </a:r>
+            <a:r>
+              <a:rPr lang="ko-KR" altLang="en-US" sz="1050" dirty="0" smtClean="0"/>
+              <a:t>삭제가 가능하다</a:t>
+            </a:r>
+            <a:r>
+              <a:rPr lang="en-US" altLang="ko-KR" sz="1050" dirty="0" smtClean="0"/>
+              <a:t>.</a:t>
+            </a:r>
+            <a:br>
+              <a:rPr lang="en-US" altLang="ko-KR" sz="1050" dirty="0" smtClean="0"/>
+            </a:br>
+            <a:r>
+              <a:rPr lang="en-US" altLang="ko-KR" sz="1050" dirty="0" smtClean="0"/>
+              <a:t>- </a:t>
+            </a:r>
+            <a:r>
+              <a:rPr lang="ko-KR" altLang="en-US" sz="1050" dirty="0" smtClean="0"/>
+              <a:t>칼럼은 작성자</a:t>
+            </a:r>
+            <a:r>
+              <a:rPr lang="en-US" altLang="ko-KR" sz="1050" dirty="0" smtClean="0"/>
+              <a:t>, </a:t>
+            </a:r>
+            <a:r>
+              <a:rPr lang="ko-KR" altLang="en-US" sz="1050" dirty="0" smtClean="0"/>
+              <a:t>작성날짜</a:t>
+            </a:r>
+            <a:r>
+              <a:rPr lang="en-US" altLang="ko-KR" sz="1050" dirty="0" smtClean="0"/>
+              <a:t>, </a:t>
+            </a:r>
+            <a:r>
+              <a:rPr lang="ko-KR" altLang="en-US" sz="1050" dirty="0" smtClean="0"/>
+              <a:t>기사내용</a:t>
+            </a:r>
+            <a:r>
+              <a:rPr lang="en-US" altLang="ko-KR" sz="1050" dirty="0" smtClean="0"/>
+              <a:t>(</a:t>
+            </a:r>
+            <a:r>
+              <a:rPr lang="ko-KR" altLang="en-US" sz="1050" dirty="0" smtClean="0"/>
+              <a:t>텍스트</a:t>
+            </a:r>
+            <a:r>
+              <a:rPr lang="en-US" altLang="ko-KR" sz="1050" dirty="0" smtClean="0"/>
+              <a:t>, </a:t>
+            </a:r>
+            <a:r>
+              <a:rPr lang="ko-KR" altLang="en-US" sz="1050" dirty="0" smtClean="0"/>
+              <a:t>이미지</a:t>
+            </a:r>
+            <a:r>
+              <a:rPr lang="en-US" altLang="ko-KR" sz="1050" dirty="0" smtClean="0"/>
+              <a:t>, </a:t>
+            </a:r>
+            <a:r>
+              <a:rPr lang="ko-KR" altLang="en-US" sz="1050" dirty="0" smtClean="0"/>
+              <a:t>동영상</a:t>
+            </a:r>
+            <a:r>
+              <a:rPr lang="en-US" altLang="ko-KR" sz="1050" dirty="0" smtClean="0"/>
+              <a:t>(</a:t>
+            </a:r>
+            <a:r>
+              <a:rPr lang="ko-KR" altLang="en-US" sz="1050" dirty="0" smtClean="0">
+                <a:solidFill>
+                  <a:srgbClr val="FF0000"/>
+                </a:solidFill>
+              </a:rPr>
+              <a:t>미정</a:t>
+            </a:r>
+            <a:r>
+              <a:rPr lang="en-US" altLang="ko-KR" sz="1050" dirty="0" smtClean="0"/>
+              <a:t>)), </a:t>
+            </a:r>
+            <a:r>
+              <a:rPr lang="ko-KR" altLang="en-US" sz="1050" dirty="0" smtClean="0"/>
+              <a:t>출처 등을 표시한다</a:t>
+            </a:r>
+            <a:r>
+              <a:rPr lang="en-US" altLang="ko-KR" sz="1050" dirty="0" smtClean="0"/>
+              <a:t>.</a:t>
+            </a:r>
+          </a:p>
+          <a:p>
+            <a:pPr marL="228600" indent="-228600">
+              <a:buAutoNum type="arabicPeriod"/>
+            </a:pPr>
+            <a:r>
+              <a:rPr lang="ko-KR" altLang="en-US" sz="1050" dirty="0" smtClean="0"/>
+              <a:t>고객센터 </a:t>
+            </a:r>
+            <a:r>
+              <a:rPr lang="en-US" altLang="ko-KR" sz="1050" dirty="0" smtClean="0"/>
+              <a:t>: </a:t>
+            </a:r>
+            <a:r>
+              <a:rPr lang="ko-KR" altLang="en-US" sz="1050" dirty="0" smtClean="0"/>
+              <a:t>클라이언트로 오는 고객문의가 리스트로 표시된다</a:t>
+            </a:r>
+            <a:r>
+              <a:rPr lang="en-US" altLang="ko-KR" sz="1050" dirty="0" smtClean="0"/>
+              <a:t>. </a:t>
+            </a:r>
+            <a:r>
+              <a:rPr lang="ko-KR" altLang="en-US" sz="1050" dirty="0" smtClean="0"/>
+              <a:t>문의에 대한 답변을 달 수 있다</a:t>
+            </a:r>
+            <a:r>
+              <a:rPr lang="en-US" altLang="ko-KR" sz="1050" dirty="0" smtClean="0"/>
+              <a:t>.(</a:t>
+            </a:r>
+            <a:r>
+              <a:rPr lang="ko-KR" altLang="en-US" sz="1050" dirty="0" smtClean="0"/>
+              <a:t>추가적인 사항</a:t>
+            </a:r>
+            <a:r>
+              <a:rPr lang="en-US" altLang="ko-KR" sz="1050" dirty="0"/>
+              <a:t> </a:t>
+            </a:r>
+            <a:r>
+              <a:rPr lang="en-US" altLang="ko-KR" sz="1050" dirty="0" smtClean="0"/>
+              <a:t>: </a:t>
+            </a:r>
+            <a:r>
+              <a:rPr lang="ko-KR" altLang="en-US" sz="1050" dirty="0" smtClean="0"/>
+              <a:t>문의 내용 답변이 달리면 </a:t>
+            </a:r>
+            <a:r>
+              <a:rPr lang="ko-KR" altLang="en-US" sz="1050" dirty="0" err="1" smtClean="0"/>
+              <a:t>푸쉬알림이</a:t>
+            </a:r>
+            <a:r>
+              <a:rPr lang="ko-KR" altLang="en-US" sz="1050" dirty="0" smtClean="0"/>
+              <a:t> 날아간다</a:t>
+            </a:r>
+            <a:r>
+              <a:rPr lang="en-US" altLang="ko-KR" sz="1050" dirty="0" smtClean="0"/>
+              <a:t>.(</a:t>
+            </a:r>
+            <a:r>
+              <a:rPr lang="ko-KR" altLang="en-US" sz="1050" dirty="0" smtClean="0">
+                <a:solidFill>
+                  <a:srgbClr val="FF0000"/>
+                </a:solidFill>
+              </a:rPr>
+              <a:t>미정</a:t>
+            </a:r>
+            <a:r>
+              <a:rPr lang="en-US" altLang="ko-KR" sz="1050" dirty="0" smtClean="0"/>
+              <a:t>))</a:t>
+            </a:r>
+          </a:p>
+          <a:p>
+            <a:pPr marL="228600" indent="-228600">
+              <a:buAutoNum type="arabicPeriod"/>
+            </a:pPr>
+            <a:r>
+              <a:rPr lang="ko-KR" altLang="en-US" sz="1050" dirty="0" smtClean="0"/>
+              <a:t>관리 </a:t>
+            </a:r>
+            <a:r>
+              <a:rPr lang="en-US" altLang="ko-KR" sz="1050" dirty="0" smtClean="0"/>
+              <a:t>: </a:t>
+            </a:r>
+            <a:r>
+              <a:rPr lang="ko-KR" altLang="en-US" sz="1050" dirty="0" err="1" smtClean="0"/>
+              <a:t>앱</a:t>
+            </a:r>
+            <a:r>
+              <a:rPr lang="ko-KR" altLang="en-US" sz="1050" dirty="0" smtClean="0"/>
+              <a:t> 버전 관리 및 출시 플랫폼</a:t>
+            </a:r>
+            <a:r>
+              <a:rPr lang="en-US" altLang="ko-KR" sz="1050" dirty="0"/>
+              <a:t> </a:t>
+            </a:r>
+            <a:r>
+              <a:rPr lang="ko-KR" altLang="en-US" sz="1050" dirty="0" smtClean="0"/>
+              <a:t>등을 볼 수 있다</a:t>
+            </a:r>
+            <a:r>
+              <a:rPr lang="en-US" altLang="ko-KR" sz="1050" dirty="0" smtClean="0"/>
+              <a:t>. </a:t>
+            </a:r>
+            <a:r>
+              <a:rPr lang="ko-KR" altLang="en-US" sz="1050" dirty="0" smtClean="0"/>
+              <a:t>버그 리스트의 경우 해당 리포트사이트로 이동한다</a:t>
+            </a:r>
+            <a:r>
+              <a:rPr lang="en-US" altLang="ko-KR" sz="1050" dirty="0" smtClean="0"/>
+              <a:t>.</a:t>
+            </a:r>
+            <a:endParaRPr lang="en-US" altLang="ko-KR" sz="900" dirty="0" smtClean="0"/>
+          </a:p>
+        </p:txBody>
+      </p:sp>
     </p:spTree>
     <p:extLst>
       <p:ext uri="{BB962C8B-B14F-4D97-AF65-F5344CB8AC3E}">
@@ -6217,6 +10432,13 @@
   <p:clrMapOvr>
     <a:masterClrMapping/>
   </p:clrMapOvr>
+  <p:timing>
+    <p:tnLst>
+      <p:par>
+        <p:cTn id="1" dur="indefinite" restart="never" nodeType="tmRoot"/>
+      </p:par>
+    </p:tnLst>
+  </p:timing>
 </p:sld>
 </file>
 
@@ -6237,11 +10459,41 @@
           <a:chExt cx="0" cy="0"/>
         </a:xfrm>
       </p:grpSpPr>
+      <p:sp>
+        <p:nvSpPr>
+          <p:cNvPr id="2" name="TextBox 1"/>
+          <p:cNvSpPr txBox="1"/>
+          <p:nvPr/>
+        </p:nvSpPr>
+        <p:spPr>
+          <a:xfrm>
+            <a:off x="44624" y="56456"/>
+            <a:ext cx="2276585" cy="369332"/>
+          </a:xfrm>
+          <a:prstGeom prst="rect">
+            <a:avLst/>
+          </a:prstGeom>
+          <a:noFill/>
+        </p:spPr>
+        <p:txBody>
+          <a:bodyPr wrap="none" rtlCol="0">
+            <a:spAutoFit/>
+          </a:bodyPr>
+          <a:lstStyle/>
+          <a:p>
+            <a:r>
+              <a:rPr lang="ko-KR" altLang="en-US" dirty="0" smtClean="0"/>
+              <a:t>개발 참고 내용 모음</a:t>
+            </a:r>
+            <a:endParaRPr lang="ko-KR" altLang="en-US" dirty="0"/>
+          </a:p>
+        </p:txBody>
+      </p:sp>
       <p:pic>
         <p:nvPicPr>
-          <p:cNvPr id="2" name="그림 1"/>
+          <p:cNvPr id="3" name="Picture 2" descr="결정장애, 선택장애를 위한 표!"/>
           <p:cNvPicPr>
-            <a:picLocks noChangeAspect="1"/>
+            <a:picLocks noChangeAspect="1" noChangeArrowheads="1"/>
           </p:cNvPicPr>
           <p:nvPr/>
         </p:nvPicPr>
@@ -6253,240 +10505,338 @@
               </a:ext>
             </a:extLst>
           </a:blip>
+          <a:srcRect/>
           <a:stretch>
             <a:fillRect/>
           </a:stretch>
         </p:blipFill>
-        <p:spPr>
+        <p:spPr bwMode="auto">
           <a:xfrm>
-            <a:off x="332656" y="272480"/>
-            <a:ext cx="2592288" cy="4608512"/>
+            <a:off x="260648" y="959897"/>
+            <a:ext cx="2336919" cy="2336919"/>
           </a:xfrm>
           <a:prstGeom prst="rect">
             <a:avLst/>
           </a:prstGeom>
+          <a:noFill/>
+          <a:extLst>
+            <a:ext uri="{909E8E84-426E-40DD-AFC4-6F175D3DCCD1}">
+              <a14:hiddenFill xmlns:a14="http://schemas.microsoft.com/office/drawing/2010/main">
+                <a:solidFill>
+                  <a:srgbClr val="FFFFFF"/>
+                </a:solidFill>
+              </a14:hiddenFill>
+            </a:ext>
+          </a:extLst>
         </p:spPr>
       </p:pic>
+      <p:sp>
+        <p:nvSpPr>
+          <p:cNvPr id="4" name="TextBox 3"/>
+          <p:cNvSpPr txBox="1"/>
+          <p:nvPr/>
+        </p:nvSpPr>
+        <p:spPr>
+          <a:xfrm>
+            <a:off x="260648" y="724695"/>
+            <a:ext cx="1080745" cy="261610"/>
+          </a:xfrm>
+          <a:prstGeom prst="rect">
+            <a:avLst/>
+          </a:prstGeom>
+          <a:noFill/>
+        </p:spPr>
+        <p:txBody>
+          <a:bodyPr wrap="none" rtlCol="0">
+            <a:spAutoFit/>
+          </a:bodyPr>
+          <a:lstStyle/>
+          <a:p>
+            <a:r>
+              <a:rPr lang="ko-KR" altLang="en-US" sz="1050" dirty="0" smtClean="0"/>
+              <a:t>전체적인 느낌</a:t>
+            </a:r>
+            <a:endParaRPr lang="ko-KR" altLang="en-US" sz="1050" dirty="0"/>
+          </a:p>
+        </p:txBody>
+      </p:sp>
+      <p:sp>
+        <p:nvSpPr>
+          <p:cNvPr id="5" name="TextBox 4"/>
+          <p:cNvSpPr txBox="1"/>
+          <p:nvPr/>
+        </p:nvSpPr>
+        <p:spPr>
+          <a:xfrm>
+            <a:off x="3194772" y="707967"/>
+            <a:ext cx="2079415" cy="253916"/>
+          </a:xfrm>
+          <a:prstGeom prst="rect">
+            <a:avLst/>
+          </a:prstGeom>
+          <a:noFill/>
+        </p:spPr>
+        <p:txBody>
+          <a:bodyPr wrap="none" rtlCol="0">
+            <a:spAutoFit/>
+          </a:bodyPr>
+          <a:lstStyle/>
+          <a:p>
+            <a:r>
+              <a:rPr lang="ko-KR" altLang="en-US" sz="1050" dirty="0" err="1" smtClean="0"/>
+              <a:t>네이버</a:t>
+            </a:r>
+            <a:r>
+              <a:rPr lang="en-US" altLang="ko-KR" sz="1050" dirty="0"/>
+              <a:t> </a:t>
+            </a:r>
+            <a:r>
+              <a:rPr lang="ko-KR" altLang="en-US" sz="1050" dirty="0" smtClean="0"/>
+              <a:t>제공 계정 데이터베이스</a:t>
+            </a:r>
+            <a:endParaRPr lang="en-US" altLang="ko-KR" sz="1050" dirty="0" smtClean="0"/>
+          </a:p>
+        </p:txBody>
+      </p:sp>
       <p:pic>
         <p:nvPicPr>
-          <p:cNvPr id="3" name="그림 2"/>
+          <p:cNvPr id="6" name="Picture 2"/>
           <p:cNvPicPr>
-            <a:picLocks noChangeAspect="1"/>
+            <a:picLocks noChangeAspect="1" noChangeArrowheads="1"/>
           </p:cNvPicPr>
           <p:nvPr/>
         </p:nvPicPr>
         <p:blipFill>
-          <a:blip r:embed="rId3" cstate="print">
+          <a:blip r:embed="rId3">
             <a:extLst>
               <a:ext uri="{28A0092B-C50C-407E-A947-70E740481C1C}">
                 <a14:useLocalDpi xmlns:a14="http://schemas.microsoft.com/office/drawing/2010/main" val="0"/>
               </a:ext>
             </a:extLst>
           </a:blip>
+          <a:srcRect/>
           <a:stretch>
             <a:fillRect/>
           </a:stretch>
         </p:blipFill>
-        <p:spPr>
+        <p:spPr bwMode="auto">
           <a:xfrm>
-            <a:off x="3284984" y="272480"/>
-            <a:ext cx="2606834" cy="4634372"/>
+            <a:off x="3266780" y="1016346"/>
+            <a:ext cx="3402580" cy="3202940"/>
           </a:xfrm>
           <a:prstGeom prst="rect">
             <a:avLst/>
           </a:prstGeom>
+          <a:noFill/>
+          <a:ln>
+            <a:noFill/>
+          </a:ln>
+          <a:effectLst/>
+          <a:extLst>
+            <a:ext uri="{909E8E84-426E-40DD-AFC4-6F175D3DCCD1}">
+              <a14:hiddenFill xmlns:a14="http://schemas.microsoft.com/office/drawing/2010/main">
+                <a:solidFill>
+                  <a:schemeClr val="accent1"/>
+                </a:solidFill>
+              </a14:hiddenFill>
+            </a:ext>
+            <a:ext uri="{91240B29-F687-4F45-9708-019B960494DF}">
+              <a14:hiddenLine xmlns:a14="http://schemas.microsoft.com/office/drawing/2010/main" w="9525">
+                <a:solidFill>
+                  <a:schemeClr val="tx1"/>
+                </a:solidFill>
+                <a:miter lim="800000"/>
+                <a:headEnd/>
+                <a:tailEnd/>
+              </a14:hiddenLine>
+            </a:ext>
+            <a:ext uri="{AF507438-7753-43E0-B8FC-AC1667EBCBE1}">
+              <a14:hiddenEffects xmlns:a14="http://schemas.microsoft.com/office/drawing/2010/main">
+                <a:effectLst>
+                  <a:outerShdw dist="35921" dir="2700000" algn="ctr" rotWithShape="0">
+                    <a:schemeClr val="bg2"/>
+                  </a:outerShdw>
+                </a:effectLst>
+              </a14:hiddenEffects>
+            </a:ext>
+          </a:extLst>
         </p:spPr>
       </p:pic>
+      <p:sp>
+        <p:nvSpPr>
+          <p:cNvPr id="7" name="TextBox 6"/>
+          <p:cNvSpPr txBox="1"/>
+          <p:nvPr/>
+        </p:nvSpPr>
+        <p:spPr>
+          <a:xfrm>
+            <a:off x="260648" y="4520952"/>
+            <a:ext cx="1358064" cy="253916"/>
+          </a:xfrm>
+          <a:prstGeom prst="rect">
+            <a:avLst/>
+          </a:prstGeom>
+          <a:noFill/>
+        </p:spPr>
+        <p:txBody>
+          <a:bodyPr wrap="none" rtlCol="0">
+            <a:spAutoFit/>
+          </a:bodyPr>
+          <a:lstStyle/>
+          <a:p>
+            <a:r>
+              <a:rPr lang="ko-KR" altLang="en-US" sz="1050" dirty="0" smtClean="0"/>
+              <a:t>디바이스 정보 얻기</a:t>
+            </a:r>
+            <a:endParaRPr lang="en-US" altLang="ko-KR" sz="1050" dirty="0" smtClean="0"/>
+          </a:p>
+        </p:txBody>
+      </p:sp>
       <p:pic>
         <p:nvPicPr>
-          <p:cNvPr id="4" name="그림 3"/>
+          <p:cNvPr id="8" name="Picture 2"/>
           <p:cNvPicPr>
-            <a:picLocks noChangeAspect="1"/>
+            <a:picLocks noChangeAspect="1" noChangeArrowheads="1"/>
           </p:cNvPicPr>
           <p:nvPr/>
         </p:nvPicPr>
         <p:blipFill>
-          <a:blip r:embed="rId4" cstate="print">
+          <a:blip r:embed="rId4">
             <a:extLst>
               <a:ext uri="{28A0092B-C50C-407E-A947-70E740481C1C}">
                 <a14:useLocalDpi xmlns:a14="http://schemas.microsoft.com/office/drawing/2010/main" val="0"/>
               </a:ext>
             </a:extLst>
           </a:blip>
+          <a:srcRect/>
           <a:stretch>
             <a:fillRect/>
           </a:stretch>
         </p:blipFill>
-        <p:spPr>
+        <p:spPr bwMode="auto">
           <a:xfrm>
-            <a:off x="332656" y="4917577"/>
-            <a:ext cx="2605251" cy="4631557"/>
+            <a:off x="280498" y="4880991"/>
+            <a:ext cx="2860470" cy="4293483"/>
           </a:xfrm>
           <a:prstGeom prst="rect">
             <a:avLst/>
           </a:prstGeom>
+          <a:noFill/>
+          <a:ln>
+            <a:noFill/>
+          </a:ln>
+          <a:effectLst/>
+          <a:extLst>
+            <a:ext uri="{909E8E84-426E-40DD-AFC4-6F175D3DCCD1}">
+              <a14:hiddenFill xmlns:a14="http://schemas.microsoft.com/office/drawing/2010/main">
+                <a:solidFill>
+                  <a:schemeClr val="accent1"/>
+                </a:solidFill>
+              </a14:hiddenFill>
+            </a:ext>
+            <a:ext uri="{91240B29-F687-4F45-9708-019B960494DF}">
+              <a14:hiddenLine xmlns:a14="http://schemas.microsoft.com/office/drawing/2010/main" w="9525">
+                <a:solidFill>
+                  <a:schemeClr val="tx1"/>
+                </a:solidFill>
+                <a:miter lim="800000"/>
+                <a:headEnd/>
+                <a:tailEnd/>
+              </a14:hiddenLine>
+            </a:ext>
+            <a:ext uri="{AF507438-7753-43E0-B8FC-AC1667EBCBE1}">
+              <a14:hiddenEffects xmlns:a14="http://schemas.microsoft.com/office/drawing/2010/main">
+                <a:effectLst>
+                  <a:outerShdw dist="35921" dir="2700000" algn="ctr" rotWithShape="0">
+                    <a:schemeClr val="bg2"/>
+                  </a:outerShdw>
+                </a:effectLst>
+              </a14:hiddenEffects>
+            </a:ext>
+          </a:extLst>
+        </p:spPr>
+      </p:pic>
+      <p:pic>
+        <p:nvPicPr>
+          <p:cNvPr id="9" name="Picture 3"/>
+          <p:cNvPicPr>
+            <a:picLocks noChangeAspect="1" noChangeArrowheads="1"/>
+          </p:cNvPicPr>
+          <p:nvPr/>
+        </p:nvPicPr>
+        <p:blipFill>
+          <a:blip r:embed="rId5">
+            <a:extLst>
+              <a:ext uri="{28A0092B-C50C-407E-A947-70E740481C1C}">
+                <a14:useLocalDpi xmlns:a14="http://schemas.microsoft.com/office/drawing/2010/main" val="0"/>
+              </a:ext>
+            </a:extLst>
+          </a:blip>
+          <a:srcRect/>
+          <a:stretch>
+            <a:fillRect/>
+          </a:stretch>
+        </p:blipFill>
+        <p:spPr bwMode="auto">
+          <a:xfrm>
+            <a:off x="3140968" y="5025007"/>
+            <a:ext cx="3332903" cy="2352295"/>
+          </a:xfrm>
+          <a:prstGeom prst="rect">
+            <a:avLst/>
+          </a:prstGeom>
+          <a:noFill/>
+          <a:ln>
+            <a:noFill/>
+          </a:ln>
+          <a:effectLst/>
+          <a:extLst>
+            <a:ext uri="{909E8E84-426E-40DD-AFC4-6F175D3DCCD1}">
+              <a14:hiddenFill xmlns:a14="http://schemas.microsoft.com/office/drawing/2010/main">
+                <a:solidFill>
+                  <a:schemeClr val="accent1"/>
+                </a:solidFill>
+              </a14:hiddenFill>
+            </a:ext>
+            <a:ext uri="{91240B29-F687-4F45-9708-019B960494DF}">
+              <a14:hiddenLine xmlns:a14="http://schemas.microsoft.com/office/drawing/2010/main" w="9525">
+                <a:solidFill>
+                  <a:schemeClr val="tx1"/>
+                </a:solidFill>
+                <a:miter lim="800000"/>
+                <a:headEnd/>
+                <a:tailEnd/>
+              </a14:hiddenLine>
+            </a:ext>
+            <a:ext uri="{AF507438-7753-43E0-B8FC-AC1667EBCBE1}">
+              <a14:hiddenEffects xmlns:a14="http://schemas.microsoft.com/office/drawing/2010/main">
+                <a:effectLst>
+                  <a:outerShdw dist="35921" dir="2700000" algn="ctr" rotWithShape="0">
+                    <a:schemeClr val="bg2"/>
+                  </a:outerShdw>
+                </a:effectLst>
+              </a14:hiddenEffects>
+            </a:ext>
+          </a:extLst>
         </p:spPr>
       </p:pic>
     </p:spTree>
     <p:extLst>
       <p:ext uri="{BB962C8B-B14F-4D97-AF65-F5344CB8AC3E}">
-        <p14:creationId xmlns:p14="http://schemas.microsoft.com/office/powerpoint/2010/main" val="1345728276"/>
+        <p14:creationId xmlns:p14="http://schemas.microsoft.com/office/powerpoint/2010/main" val="2234563995"/>
       </p:ext>
     </p:extLst>
   </p:cSld>
   <p:clrMapOvr>
     <a:masterClrMapping/>
   </p:clrMapOvr>
-</p:sld>
-</file>
-
-<file path=ppt/slides/slide9.xml><?xml version="1.0" encoding="utf-8"?>
-<p:sld xmlns:a="http://schemas.openxmlformats.org/drawingml/2006/main" xmlns:r="http://schemas.openxmlformats.org/officeDocument/2006/relationships" xmlns:p="http://schemas.openxmlformats.org/presentationml/2006/main">
-  <p:cSld>
-    <p:spTree>
-      <p:nvGrpSpPr>
-        <p:cNvPr id="1" name=""/>
-        <p:cNvGrpSpPr/>
-        <p:nvPr/>
-      </p:nvGrpSpPr>
-      <p:grpSpPr>
-        <a:xfrm>
-          <a:off x="0" y="0"/>
-          <a:ext cx="0" cy="0"/>
-          <a:chOff x="0" y="0"/>
-          <a:chExt cx="0" cy="0"/>
-        </a:xfrm>
-      </p:grpSpPr>
-      <p:pic>
-        <p:nvPicPr>
-          <p:cNvPr id="2" name="그림 1"/>
-          <p:cNvPicPr>
-            <a:picLocks noChangeAspect="1"/>
-          </p:cNvPicPr>
-          <p:nvPr/>
-        </p:nvPicPr>
-        <p:blipFill>
-          <a:blip r:embed="rId2" cstate="print">
-            <a:extLst>
-              <a:ext uri="{28A0092B-C50C-407E-A947-70E740481C1C}">
-                <a14:useLocalDpi xmlns:a14="http://schemas.microsoft.com/office/drawing/2010/main" val="0"/>
-              </a:ext>
-            </a:extLst>
-          </a:blip>
-          <a:stretch>
-            <a:fillRect/>
-          </a:stretch>
-        </p:blipFill>
-        <p:spPr>
-          <a:xfrm>
-            <a:off x="116632" y="128464"/>
-            <a:ext cx="2025225" cy="3600400"/>
-          </a:xfrm>
-          <a:prstGeom prst="rect">
-            <a:avLst/>
-          </a:prstGeom>
-        </p:spPr>
-      </p:pic>
-      <p:pic>
-        <p:nvPicPr>
-          <p:cNvPr id="3" name="그림 2"/>
-          <p:cNvPicPr>
-            <a:picLocks noChangeAspect="1"/>
-          </p:cNvPicPr>
-          <p:nvPr/>
-        </p:nvPicPr>
-        <p:blipFill>
-          <a:blip r:embed="rId3" cstate="print">
-            <a:extLst>
-              <a:ext uri="{28A0092B-C50C-407E-A947-70E740481C1C}">
-                <a14:useLocalDpi xmlns:a14="http://schemas.microsoft.com/office/drawing/2010/main" val="0"/>
-              </a:ext>
-            </a:extLst>
-          </a:blip>
-          <a:stretch>
-            <a:fillRect/>
-          </a:stretch>
-        </p:blipFill>
-        <p:spPr>
-          <a:xfrm>
-            <a:off x="2195863" y="128464"/>
-            <a:ext cx="2025225" cy="3600400"/>
-          </a:xfrm>
-          <a:prstGeom prst="rect">
-            <a:avLst/>
-          </a:prstGeom>
-        </p:spPr>
-      </p:pic>
-      <p:pic>
-        <p:nvPicPr>
-          <p:cNvPr id="4" name="그림 3"/>
-          <p:cNvPicPr>
-            <a:picLocks noChangeAspect="1"/>
-          </p:cNvPicPr>
-          <p:nvPr/>
-        </p:nvPicPr>
-        <p:blipFill>
-          <a:blip r:embed="rId4" cstate="print">
-            <a:extLst>
-              <a:ext uri="{28A0092B-C50C-407E-A947-70E740481C1C}">
-                <a14:useLocalDpi xmlns:a14="http://schemas.microsoft.com/office/drawing/2010/main" val="0"/>
-              </a:ext>
-            </a:extLst>
-          </a:blip>
-          <a:stretch>
-            <a:fillRect/>
-          </a:stretch>
-        </p:blipFill>
-        <p:spPr>
-          <a:xfrm>
-            <a:off x="116633" y="3728864"/>
-            <a:ext cx="2025225" cy="3600400"/>
-          </a:xfrm>
-          <a:prstGeom prst="rect">
-            <a:avLst/>
-          </a:prstGeom>
-        </p:spPr>
-      </p:pic>
-      <p:pic>
-        <p:nvPicPr>
-          <p:cNvPr id="5" name="그림 4"/>
-          <p:cNvPicPr>
-            <a:picLocks noChangeAspect="1"/>
-          </p:cNvPicPr>
-          <p:nvPr/>
-        </p:nvPicPr>
-        <p:blipFill>
-          <a:blip r:embed="rId5" cstate="print">
-            <a:extLst>
-              <a:ext uri="{28A0092B-C50C-407E-A947-70E740481C1C}">
-                <a14:useLocalDpi xmlns:a14="http://schemas.microsoft.com/office/drawing/2010/main" val="0"/>
-              </a:ext>
-            </a:extLst>
-          </a:blip>
-          <a:stretch>
-            <a:fillRect/>
-          </a:stretch>
-        </p:blipFill>
-        <p:spPr>
-          <a:xfrm>
-            <a:off x="2201724" y="3728864"/>
-            <a:ext cx="2027100" cy="3600400"/>
-          </a:xfrm>
-          <a:prstGeom prst="rect">
-            <a:avLst/>
-          </a:prstGeom>
-        </p:spPr>
-      </p:pic>
-    </p:spTree>
-    <p:extLst>
-      <p:ext uri="{BB962C8B-B14F-4D97-AF65-F5344CB8AC3E}">
-        <p14:creationId xmlns:p14="http://schemas.microsoft.com/office/powerpoint/2010/main" val="581685385"/>
-      </p:ext>
-    </p:extLst>
-  </p:cSld>
-  <p:clrMapOvr>
-    <a:masterClrMapping/>
-  </p:clrMapOvr>
+  <p:timing>
+    <p:tnLst>
+      <p:par>
+        <p:cTn id="1" dur="indefinite" restart="never" nodeType="tmRoot"/>
+      </p:par>
+    </p:tnLst>
+  </p:timing>
 </p:sld>
 </file>
 
